--- a/RSE Webinar - 08.29.2018.pptx
+++ b/RSE Webinar - 08.29.2018.pptx
@@ -6,7 +6,7 @@
     <p:sldMasterId id="2147483660" r:id="rId2"/>
   </p:sldMasterIdLst>
   <p:notesMasterIdLst>
-    <p:notesMasterId r:id="rId29"/>
+    <p:notesMasterId r:id="rId59"/>
   </p:notesMasterIdLst>
   <p:sldIdLst>
     <p:sldId id="271" r:id="rId3"/>
@@ -34,7 +34,37 @@
     <p:sldId id="295" r:id="rId25"/>
     <p:sldId id="296" r:id="rId26"/>
     <p:sldId id="297" r:id="rId27"/>
-    <p:sldId id="298" r:id="rId28"/>
+    <p:sldId id="299" r:id="rId28"/>
+    <p:sldId id="298" r:id="rId29"/>
+    <p:sldId id="300" r:id="rId30"/>
+    <p:sldId id="301" r:id="rId31"/>
+    <p:sldId id="302" r:id="rId32"/>
+    <p:sldId id="303" r:id="rId33"/>
+    <p:sldId id="304" r:id="rId34"/>
+    <p:sldId id="305" r:id="rId35"/>
+    <p:sldId id="306" r:id="rId36"/>
+    <p:sldId id="307" r:id="rId37"/>
+    <p:sldId id="308" r:id="rId38"/>
+    <p:sldId id="309" r:id="rId39"/>
+    <p:sldId id="310" r:id="rId40"/>
+    <p:sldId id="311" r:id="rId41"/>
+    <p:sldId id="312" r:id="rId42"/>
+    <p:sldId id="313" r:id="rId43"/>
+    <p:sldId id="314" r:id="rId44"/>
+    <p:sldId id="315" r:id="rId45"/>
+    <p:sldId id="316" r:id="rId46"/>
+    <p:sldId id="317" r:id="rId47"/>
+    <p:sldId id="318" r:id="rId48"/>
+    <p:sldId id="319" r:id="rId49"/>
+    <p:sldId id="320" r:id="rId50"/>
+    <p:sldId id="321" r:id="rId51"/>
+    <p:sldId id="322" r:id="rId52"/>
+    <p:sldId id="323" r:id="rId53"/>
+    <p:sldId id="324" r:id="rId54"/>
+    <p:sldId id="325" r:id="rId55"/>
+    <p:sldId id="326" r:id="rId56"/>
+    <p:sldId id="327" r:id="rId57"/>
+    <p:sldId id="328" r:id="rId58"/>
   </p:sldIdLst>
   <p:sldSz cx="6858000" cy="5143500"/>
   <p:notesSz cx="6858000" cy="9144000"/>
@@ -201,7 +231,7 @@
             </a:lvl1pPr>
           </a:lstStyle>
           <a:p>
-            <a:endParaRPr lang="en-US"/>
+            <a:endParaRPr lang="en-US" dirty="0"/>
           </a:p>
         </p:txBody>
       </p:sp>
@@ -236,7 +266,7 @@
               <a:rPr lang="en-US" smtClean="0"/>
               <a:t>8/28/2018</a:t>
             </a:fld>
-            <a:endParaRPr lang="en-US"/>
+            <a:endParaRPr lang="en-US" dirty="0"/>
           </a:p>
         </p:txBody>
       </p:sp>
@@ -269,7 +299,7 @@
           <a:bodyPr vert="horz" lIns="91440" tIns="45720" rIns="91440" bIns="45720" rtlCol="0" anchor="ctr"/>
           <a:lstStyle/>
           <a:p>
-            <a:endParaRPr lang="en-US"/>
+            <a:endParaRPr lang="en-US" dirty="0"/>
           </a:p>
         </p:txBody>
       </p:sp>
@@ -360,7 +390,7 @@
             </a:lvl1pPr>
           </a:lstStyle>
           <a:p>
-            <a:endParaRPr lang="en-US"/>
+            <a:endParaRPr lang="en-US" dirty="0"/>
           </a:p>
         </p:txBody>
       </p:sp>
@@ -395,7 +425,7 @@
               <a:rPr lang="en-US" smtClean="0"/>
               <a:t>‹#›</a:t>
             </a:fld>
-            <a:endParaRPr lang="en-US"/>
+            <a:endParaRPr lang="en-US" dirty="0"/>
           </a:p>
         </p:txBody>
       </p:sp>
@@ -604,7 +634,7 @@
               <a:rPr lang="en-US" smtClean="0"/>
               <a:t>1</a:t>
             </a:fld>
-            <a:endParaRPr lang="en-US"/>
+            <a:endParaRPr lang="en-US" dirty="0"/>
           </a:p>
         </p:txBody>
       </p:sp>
@@ -1305,11 +1335,7 @@
             </a:pPr>
             <a:r>
               <a:rPr lang="en-US" dirty="0" smtClean="0"/>
-              <a:t>[CLICK] </a:t>
-            </a:r>
-            <a:r>
-              <a:rPr lang="en-US" dirty="0" smtClean="0"/>
-              <a:t>All can be objects</a:t>
+              <a:t>[CLICK] All can be objects</a:t>
             </a:r>
           </a:p>
           <a:p>
@@ -1335,11 +1361,7 @@
             </a:pPr>
             <a:r>
               <a:rPr lang="en-US" dirty="0" smtClean="0"/>
-              <a:t>[CLICK] </a:t>
-            </a:r>
-            <a:r>
-              <a:rPr lang="en-US" dirty="0" smtClean="0"/>
-              <a:t>Again, can be objects</a:t>
+              <a:t>[CLICK] Again, can be objects</a:t>
             </a:r>
           </a:p>
           <a:p>
@@ -1635,6 +1657,116 @@
           <a:bodyPr/>
           <a:lstStyle/>
           <a:p>
+            <a:r>
+              <a:rPr lang="en-US" dirty="0" smtClean="0"/>
+              <a:t>You remember we had this code piece that’s has lots of duplicates.</a:t>
+            </a:r>
+          </a:p>
+          <a:p>
+            <a:endParaRPr lang="en-US" dirty="0" smtClean="0"/>
+          </a:p>
+          <a:p>
+            <a:r>
+              <a:rPr lang="en-US" dirty="0" smtClean="0"/>
+              <a:t>Let’s see if</a:t>
+            </a:r>
+            <a:r>
+              <a:rPr lang="en-US" baseline="0" dirty="0" smtClean="0"/>
+              <a:t> how it will look like after OOD is applied. [CLICK]</a:t>
+            </a:r>
+          </a:p>
+          <a:p>
+            <a:endParaRPr lang="en-US" baseline="0" dirty="0" smtClean="0"/>
+          </a:p>
+          <a:p>
+            <a:r>
+              <a:rPr lang="en-US" baseline="0" dirty="0" smtClean="0"/>
+              <a:t>And this is how they are created as an object. Remember creating objects from classes. [CLICK]</a:t>
+            </a:r>
+            <a:endParaRPr lang="en-US" dirty="0"/>
+          </a:p>
+        </p:txBody>
+      </p:sp>
+      <p:sp>
+        <p:nvSpPr>
+          <p:cNvPr id="4" name="Slide Number Placeholder 3"/>
+          <p:cNvSpPr>
+            <a:spLocks noGrp="1"/>
+          </p:cNvSpPr>
+          <p:nvPr>
+            <p:ph type="sldNum" sz="quarter" idx="10"/>
+          </p:nvPr>
+        </p:nvSpPr>
+        <p:spPr/>
+        <p:txBody>
+          <a:bodyPr/>
+          <a:lstStyle/>
+          <a:p>
+            <a:fld id="{D73FF19C-8393-2A49-92A3-90AE761DDBC5}" type="slidenum">
+              <a:rPr lang="en-US" smtClean="0"/>
+              <a:t>26</a:t>
+            </a:fld>
+            <a:endParaRPr lang="en-US"/>
+          </a:p>
+        </p:txBody>
+      </p:sp>
+    </p:spTree>
+    <p:extLst>
+      <p:ext uri="{BB962C8B-B14F-4D97-AF65-F5344CB8AC3E}">
+        <p14:creationId xmlns:p14="http://schemas.microsoft.com/office/powerpoint/2010/main" val="1389575709"/>
+      </p:ext>
+    </p:extLst>
+  </p:cSld>
+  <p:clrMapOvr>
+    <a:masterClrMapping/>
+  </p:clrMapOvr>
+</p:notes>
+</file>
+
+<file path=ppt/notesSlides/notesSlide19.xml><?xml version="1.0" encoding="utf-8"?>
+<p:notes xmlns:a="http://schemas.openxmlformats.org/drawingml/2006/main" xmlns:r="http://schemas.openxmlformats.org/officeDocument/2006/relationships" xmlns:p="http://schemas.openxmlformats.org/presentationml/2006/main">
+  <p:cSld>
+    <p:spTree>
+      <p:nvGrpSpPr>
+        <p:cNvPr id="1" name=""/>
+        <p:cNvGrpSpPr/>
+        <p:nvPr/>
+      </p:nvGrpSpPr>
+      <p:grpSpPr>
+        <a:xfrm>
+          <a:off x="0" y="0"/>
+          <a:ext cx="0" cy="0"/>
+          <a:chOff x="0" y="0"/>
+          <a:chExt cx="0" cy="0"/>
+        </a:xfrm>
+      </p:grpSpPr>
+      <p:sp>
+        <p:nvSpPr>
+          <p:cNvPr id="2" name="Slide Image Placeholder 1"/>
+          <p:cNvSpPr>
+            <a:spLocks noGrp="1" noRot="1" noChangeAspect="1"/>
+          </p:cNvSpPr>
+          <p:nvPr>
+            <p:ph type="sldImg"/>
+          </p:nvPr>
+        </p:nvSpPr>
+        <p:spPr/>
+      </p:sp>
+      <p:sp>
+        <p:nvSpPr>
+          <p:cNvPr id="3" name="Notes Placeholder 2"/>
+          <p:cNvSpPr>
+            <a:spLocks noGrp="1"/>
+          </p:cNvSpPr>
+          <p:nvPr>
+            <p:ph type="body" idx="1"/>
+          </p:nvPr>
+        </p:nvSpPr>
+        <p:spPr/>
+        <p:txBody>
+          <a:bodyPr/>
+          <a:lstStyle/>
+          <a:p>
             <a:pPr marL="0" marR="0" lvl="0" indent="0" algn="l" defTabSz="457200" rtl="0" eaLnBrk="1" fontAlgn="auto" latinLnBrk="0" hangingPunct="1">
               <a:lnSpc>
                 <a:spcPct val="100000"/>
@@ -1658,7 +1790,79 @@
                   <a:srgbClr val="FF0000"/>
                 </a:solidFill>
               </a:rPr>
-              <a:t>If we don’t use these concepts and obey these principles, we aren’t coding in proper object-oriented way.</a:t>
+              <a:t>Of course, no</a:t>
+            </a:r>
+            <a:r>
+              <a:rPr lang="en-US" sz="1200" baseline="0" dirty="0" smtClean="0">
+                <a:solidFill>
+                  <a:srgbClr val="FF0000"/>
+                </a:solidFill>
+              </a:rPr>
+              <a:t> fancy approach is without its consequences. OOD has lots of principles and concepts.</a:t>
+            </a:r>
+            <a:endParaRPr lang="en-US" sz="1200" dirty="0" smtClean="0">
+              <a:solidFill>
+                <a:srgbClr val="FF0000"/>
+              </a:solidFill>
+            </a:endParaRPr>
+          </a:p>
+          <a:p>
+            <a:pPr marL="0" marR="0" lvl="0" indent="0" algn="l" defTabSz="457200" rtl="0" eaLnBrk="1" fontAlgn="auto" latinLnBrk="0" hangingPunct="1">
+              <a:lnSpc>
+                <a:spcPct val="100000"/>
+              </a:lnSpc>
+              <a:spcBef>
+                <a:spcPts val="0"/>
+              </a:spcBef>
+              <a:spcAft>
+                <a:spcPts val="0"/>
+              </a:spcAft>
+              <a:buClrTx/>
+              <a:buSzTx/>
+              <a:buFontTx/>
+              <a:buNone/>
+              <a:tabLst/>
+              <a:defRPr/>
+            </a:pPr>
+            <a:endParaRPr lang="en-US" sz="1200" dirty="0" smtClean="0">
+              <a:solidFill>
+                <a:srgbClr val="FF0000"/>
+              </a:solidFill>
+            </a:endParaRPr>
+          </a:p>
+          <a:p>
+            <a:pPr marL="0" marR="0" lvl="0" indent="0" algn="l" defTabSz="457200" rtl="0" eaLnBrk="1" fontAlgn="auto" latinLnBrk="0" hangingPunct="1">
+              <a:lnSpc>
+                <a:spcPct val="100000"/>
+              </a:lnSpc>
+              <a:spcBef>
+                <a:spcPts val="0"/>
+              </a:spcBef>
+              <a:spcAft>
+                <a:spcPts val="0"/>
+              </a:spcAft>
+              <a:buClrTx/>
+              <a:buSzTx/>
+              <a:buFontTx/>
+              <a:buNone/>
+              <a:tabLst/>
+              <a:defRPr/>
+            </a:pPr>
+            <a:r>
+              <a:rPr lang="en-US" sz="1200" dirty="0" smtClean="0">
+                <a:solidFill>
+                  <a:srgbClr val="FF0000"/>
+                </a:solidFill>
+              </a:rPr>
+              <a:t>If </a:t>
+            </a:r>
+            <a:r>
+              <a:rPr lang="en-US" sz="1200" dirty="0" smtClean="0">
+                <a:solidFill>
+                  <a:srgbClr val="FF0000"/>
+                </a:solidFill>
+              </a:rPr>
+              <a:t>we don’t use these concepts and obey these principles, we aren’t coding in proper object-oriented way.</a:t>
             </a:r>
           </a:p>
           <a:p>
@@ -1683,7 +1887,7 @@
           <a:p>
             <a:fld id="{D73FF19C-8393-2A49-92A3-90AE761DDBC5}" type="slidenum">
               <a:rPr lang="en-US" smtClean="0"/>
-              <a:t>26</a:t>
+              <a:t>27</a:t>
             </a:fld>
             <a:endParaRPr lang="en-US"/>
           </a:p>
@@ -1811,6 +2015,1159 @@
 </p:notes>
 </file>
 
+<file path=ppt/notesSlides/notesSlide20.xml><?xml version="1.0" encoding="utf-8"?>
+<p:notes xmlns:a="http://schemas.openxmlformats.org/drawingml/2006/main" xmlns:r="http://schemas.openxmlformats.org/officeDocument/2006/relationships" xmlns:p="http://schemas.openxmlformats.org/presentationml/2006/main">
+  <p:cSld>
+    <p:spTree>
+      <p:nvGrpSpPr>
+        <p:cNvPr id="1" name=""/>
+        <p:cNvGrpSpPr/>
+        <p:nvPr/>
+      </p:nvGrpSpPr>
+      <p:grpSpPr>
+        <a:xfrm>
+          <a:off x="0" y="0"/>
+          <a:ext cx="0" cy="0"/>
+          <a:chOff x="0" y="0"/>
+          <a:chExt cx="0" cy="0"/>
+        </a:xfrm>
+      </p:grpSpPr>
+      <p:sp>
+        <p:nvSpPr>
+          <p:cNvPr id="2" name="Slide Image Placeholder 1"/>
+          <p:cNvSpPr>
+            <a:spLocks noGrp="1" noRot="1" noChangeAspect="1"/>
+          </p:cNvSpPr>
+          <p:nvPr>
+            <p:ph type="sldImg"/>
+          </p:nvPr>
+        </p:nvSpPr>
+        <p:spPr/>
+      </p:sp>
+      <p:sp>
+        <p:nvSpPr>
+          <p:cNvPr id="3" name="Notes Placeholder 2"/>
+          <p:cNvSpPr>
+            <a:spLocks noGrp="1"/>
+          </p:cNvSpPr>
+          <p:nvPr>
+            <p:ph type="body" idx="1"/>
+          </p:nvPr>
+        </p:nvSpPr>
+        <p:spPr/>
+        <p:txBody>
+          <a:bodyPr/>
+          <a:lstStyle/>
+          <a:p>
+            <a:r>
+              <a:rPr lang="en-US" dirty="0" smtClean="0"/>
+              <a:t>Now that anyone can change</a:t>
+            </a:r>
+            <a:r>
+              <a:rPr lang="en-US" baseline="0" dirty="0" smtClean="0"/>
+              <a:t> the speed of a plane,</a:t>
+            </a:r>
+          </a:p>
+          <a:p>
+            <a:endParaRPr lang="en-US" baseline="0" dirty="0" smtClean="0"/>
+          </a:p>
+          <a:p>
+            <a:r>
+              <a:rPr lang="en-US" baseline="0" dirty="0" smtClean="0"/>
+              <a:t>But what if speed is out-of-range? Or invalid? Or maybe you should do just some adjustment to the speed before setting?</a:t>
+            </a:r>
+            <a:endParaRPr lang="en-US" dirty="0" smtClean="0"/>
+          </a:p>
+          <a:p>
+            <a:endParaRPr lang="en-US" dirty="0"/>
+          </a:p>
+        </p:txBody>
+      </p:sp>
+      <p:sp>
+        <p:nvSpPr>
+          <p:cNvPr id="4" name="Slide Number Placeholder 3"/>
+          <p:cNvSpPr>
+            <a:spLocks noGrp="1"/>
+          </p:cNvSpPr>
+          <p:nvPr>
+            <p:ph type="sldNum" sz="quarter" idx="10"/>
+          </p:nvPr>
+        </p:nvSpPr>
+        <p:spPr/>
+        <p:txBody>
+          <a:bodyPr/>
+          <a:lstStyle/>
+          <a:p>
+            <a:fld id="{D73FF19C-8393-2A49-92A3-90AE761DDBC5}" type="slidenum">
+              <a:rPr lang="en-US" smtClean="0"/>
+              <a:t>29</a:t>
+            </a:fld>
+            <a:endParaRPr lang="en-US"/>
+          </a:p>
+        </p:txBody>
+      </p:sp>
+    </p:spTree>
+    <p:extLst>
+      <p:ext uri="{BB962C8B-B14F-4D97-AF65-F5344CB8AC3E}">
+        <p14:creationId xmlns:p14="http://schemas.microsoft.com/office/powerpoint/2010/main" val="556765515"/>
+      </p:ext>
+    </p:extLst>
+  </p:cSld>
+  <p:clrMapOvr>
+    <a:masterClrMapping/>
+  </p:clrMapOvr>
+</p:notes>
+</file>
+
+<file path=ppt/notesSlides/notesSlide21.xml><?xml version="1.0" encoding="utf-8"?>
+<p:notes xmlns:a="http://schemas.openxmlformats.org/drawingml/2006/main" xmlns:r="http://schemas.openxmlformats.org/officeDocument/2006/relationships" xmlns:p="http://schemas.openxmlformats.org/presentationml/2006/main">
+  <p:cSld>
+    <p:spTree>
+      <p:nvGrpSpPr>
+        <p:cNvPr id="1" name=""/>
+        <p:cNvGrpSpPr/>
+        <p:nvPr/>
+      </p:nvGrpSpPr>
+      <p:grpSpPr>
+        <a:xfrm>
+          <a:off x="0" y="0"/>
+          <a:ext cx="0" cy="0"/>
+          <a:chOff x="0" y="0"/>
+          <a:chExt cx="0" cy="0"/>
+        </a:xfrm>
+      </p:grpSpPr>
+      <p:sp>
+        <p:nvSpPr>
+          <p:cNvPr id="2" name="Slide Image Placeholder 1"/>
+          <p:cNvSpPr>
+            <a:spLocks noGrp="1" noRot="1" noChangeAspect="1"/>
+          </p:cNvSpPr>
+          <p:nvPr>
+            <p:ph type="sldImg"/>
+          </p:nvPr>
+        </p:nvSpPr>
+        <p:spPr/>
+      </p:sp>
+      <p:sp>
+        <p:nvSpPr>
+          <p:cNvPr id="3" name="Notes Placeholder 2"/>
+          <p:cNvSpPr>
+            <a:spLocks noGrp="1"/>
+          </p:cNvSpPr>
+          <p:nvPr>
+            <p:ph type="body" idx="1"/>
+          </p:nvPr>
+        </p:nvSpPr>
+        <p:spPr/>
+        <p:txBody>
+          <a:bodyPr/>
+          <a:lstStyle/>
+          <a:p>
+            <a:r>
+              <a:rPr lang="en-US" dirty="0" smtClean="0"/>
+              <a:t>Now what is the solution?</a:t>
+            </a:r>
+          </a:p>
+          <a:p>
+            <a:endParaRPr lang="en-US" dirty="0" smtClean="0"/>
+          </a:p>
+          <a:p>
+            <a:r>
+              <a:rPr lang="en-US" dirty="0" smtClean="0"/>
+              <a:t>OOD gives us this visibility modifiers:</a:t>
+            </a:r>
+            <a:r>
+              <a:rPr lang="en-US" baseline="0" dirty="0" smtClean="0"/>
+              <a:t> public, private etc. So that any attribute can be hidden from public if needed.</a:t>
+            </a:r>
+          </a:p>
+          <a:p>
+            <a:endParaRPr lang="en-US" baseline="0" dirty="0" smtClean="0"/>
+          </a:p>
+          <a:p>
+            <a:endParaRPr lang="en-US" baseline="0" dirty="0" smtClean="0"/>
+          </a:p>
+          <a:p>
+            <a:r>
+              <a:rPr lang="en-US" baseline="0" dirty="0" smtClean="0"/>
+              <a:t>Now speed will be adjusted whenever set externally.</a:t>
+            </a:r>
+            <a:endParaRPr lang="en-US" dirty="0"/>
+          </a:p>
+        </p:txBody>
+      </p:sp>
+      <p:sp>
+        <p:nvSpPr>
+          <p:cNvPr id="4" name="Slide Number Placeholder 3"/>
+          <p:cNvSpPr>
+            <a:spLocks noGrp="1"/>
+          </p:cNvSpPr>
+          <p:nvPr>
+            <p:ph type="sldNum" sz="quarter" idx="10"/>
+          </p:nvPr>
+        </p:nvSpPr>
+        <p:spPr/>
+        <p:txBody>
+          <a:bodyPr/>
+          <a:lstStyle/>
+          <a:p>
+            <a:fld id="{D73FF19C-8393-2A49-92A3-90AE761DDBC5}" type="slidenum">
+              <a:rPr lang="en-US" smtClean="0"/>
+              <a:t>30</a:t>
+            </a:fld>
+            <a:endParaRPr lang="en-US"/>
+          </a:p>
+        </p:txBody>
+      </p:sp>
+    </p:spTree>
+    <p:extLst>
+      <p:ext uri="{BB962C8B-B14F-4D97-AF65-F5344CB8AC3E}">
+        <p14:creationId xmlns:p14="http://schemas.microsoft.com/office/powerpoint/2010/main" val="1878050393"/>
+      </p:ext>
+    </p:extLst>
+  </p:cSld>
+  <p:clrMapOvr>
+    <a:masterClrMapping/>
+  </p:clrMapOvr>
+</p:notes>
+</file>
+
+<file path=ppt/notesSlides/notesSlide22.xml><?xml version="1.0" encoding="utf-8"?>
+<p:notes xmlns:a="http://schemas.openxmlformats.org/drawingml/2006/main" xmlns:r="http://schemas.openxmlformats.org/officeDocument/2006/relationships" xmlns:p="http://schemas.openxmlformats.org/presentationml/2006/main">
+  <p:cSld>
+    <p:spTree>
+      <p:nvGrpSpPr>
+        <p:cNvPr id="1" name=""/>
+        <p:cNvGrpSpPr/>
+        <p:nvPr/>
+      </p:nvGrpSpPr>
+      <p:grpSpPr>
+        <a:xfrm>
+          <a:off x="0" y="0"/>
+          <a:ext cx="0" cy="0"/>
+          <a:chOff x="0" y="0"/>
+          <a:chExt cx="0" cy="0"/>
+        </a:xfrm>
+      </p:grpSpPr>
+      <p:sp>
+        <p:nvSpPr>
+          <p:cNvPr id="2" name="Slide Image Placeholder 1"/>
+          <p:cNvSpPr>
+            <a:spLocks noGrp="1" noRot="1" noChangeAspect="1"/>
+          </p:cNvSpPr>
+          <p:nvPr>
+            <p:ph type="sldImg"/>
+          </p:nvPr>
+        </p:nvSpPr>
+        <p:spPr/>
+      </p:sp>
+      <p:sp>
+        <p:nvSpPr>
+          <p:cNvPr id="3" name="Notes Placeholder 2"/>
+          <p:cNvSpPr>
+            <a:spLocks noGrp="1"/>
+          </p:cNvSpPr>
+          <p:nvPr>
+            <p:ph type="body" idx="1"/>
+          </p:nvPr>
+        </p:nvSpPr>
+        <p:spPr/>
+        <p:txBody>
+          <a:bodyPr/>
+          <a:lstStyle/>
+          <a:p>
+            <a:endParaRPr lang="en-US" dirty="0"/>
+          </a:p>
+        </p:txBody>
+      </p:sp>
+      <p:sp>
+        <p:nvSpPr>
+          <p:cNvPr id="4" name="Slide Number Placeholder 3"/>
+          <p:cNvSpPr>
+            <a:spLocks noGrp="1"/>
+          </p:cNvSpPr>
+          <p:nvPr>
+            <p:ph type="sldNum" sz="quarter" idx="10"/>
+          </p:nvPr>
+        </p:nvSpPr>
+        <p:spPr/>
+        <p:txBody>
+          <a:bodyPr/>
+          <a:lstStyle/>
+          <a:p>
+            <a:fld id="{D73FF19C-8393-2A49-92A3-90AE761DDBC5}" type="slidenum">
+              <a:rPr lang="en-US" smtClean="0"/>
+              <a:t>31</a:t>
+            </a:fld>
+            <a:endParaRPr lang="en-US"/>
+          </a:p>
+        </p:txBody>
+      </p:sp>
+    </p:spTree>
+    <p:extLst>
+      <p:ext uri="{BB962C8B-B14F-4D97-AF65-F5344CB8AC3E}">
+        <p14:creationId xmlns:p14="http://schemas.microsoft.com/office/powerpoint/2010/main" val="3720302838"/>
+      </p:ext>
+    </p:extLst>
+  </p:cSld>
+  <p:clrMapOvr>
+    <a:masterClrMapping/>
+  </p:clrMapOvr>
+</p:notes>
+</file>
+
+<file path=ppt/notesSlides/notesSlide23.xml><?xml version="1.0" encoding="utf-8"?>
+<p:notes xmlns:a="http://schemas.openxmlformats.org/drawingml/2006/main" xmlns:r="http://schemas.openxmlformats.org/officeDocument/2006/relationships" xmlns:p="http://schemas.openxmlformats.org/presentationml/2006/main">
+  <p:cSld>
+    <p:spTree>
+      <p:nvGrpSpPr>
+        <p:cNvPr id="1" name=""/>
+        <p:cNvGrpSpPr/>
+        <p:nvPr/>
+      </p:nvGrpSpPr>
+      <p:grpSpPr>
+        <a:xfrm>
+          <a:off x="0" y="0"/>
+          <a:ext cx="0" cy="0"/>
+          <a:chOff x="0" y="0"/>
+          <a:chExt cx="0" cy="0"/>
+        </a:xfrm>
+      </p:grpSpPr>
+      <p:sp>
+        <p:nvSpPr>
+          <p:cNvPr id="2" name="Slide Image Placeholder 1"/>
+          <p:cNvSpPr>
+            <a:spLocks noGrp="1" noRot="1" noChangeAspect="1"/>
+          </p:cNvSpPr>
+          <p:nvPr>
+            <p:ph type="sldImg"/>
+          </p:nvPr>
+        </p:nvSpPr>
+        <p:spPr/>
+      </p:sp>
+      <p:sp>
+        <p:nvSpPr>
+          <p:cNvPr id="3" name="Notes Placeholder 2"/>
+          <p:cNvSpPr>
+            <a:spLocks noGrp="1"/>
+          </p:cNvSpPr>
+          <p:nvPr>
+            <p:ph type="body" idx="1"/>
+          </p:nvPr>
+        </p:nvSpPr>
+        <p:spPr/>
+        <p:txBody>
+          <a:bodyPr/>
+          <a:lstStyle/>
+          <a:p>
+            <a:endParaRPr lang="en-US" dirty="0"/>
+          </a:p>
+        </p:txBody>
+      </p:sp>
+      <p:sp>
+        <p:nvSpPr>
+          <p:cNvPr id="4" name="Slide Number Placeholder 3"/>
+          <p:cNvSpPr>
+            <a:spLocks noGrp="1"/>
+          </p:cNvSpPr>
+          <p:nvPr>
+            <p:ph type="sldNum" sz="quarter" idx="10"/>
+          </p:nvPr>
+        </p:nvSpPr>
+        <p:spPr/>
+        <p:txBody>
+          <a:bodyPr/>
+          <a:lstStyle/>
+          <a:p>
+            <a:fld id="{D73FF19C-8393-2A49-92A3-90AE761DDBC5}" type="slidenum">
+              <a:rPr lang="en-US" smtClean="0"/>
+              <a:t>32</a:t>
+            </a:fld>
+            <a:endParaRPr lang="en-US"/>
+          </a:p>
+        </p:txBody>
+      </p:sp>
+    </p:spTree>
+    <p:extLst>
+      <p:ext uri="{BB962C8B-B14F-4D97-AF65-F5344CB8AC3E}">
+        <p14:creationId xmlns:p14="http://schemas.microsoft.com/office/powerpoint/2010/main" val="2969744407"/>
+      </p:ext>
+    </p:extLst>
+  </p:cSld>
+  <p:clrMapOvr>
+    <a:masterClrMapping/>
+  </p:clrMapOvr>
+</p:notes>
+</file>
+
+<file path=ppt/notesSlides/notesSlide24.xml><?xml version="1.0" encoding="utf-8"?>
+<p:notes xmlns:a="http://schemas.openxmlformats.org/drawingml/2006/main" xmlns:r="http://schemas.openxmlformats.org/officeDocument/2006/relationships" xmlns:p="http://schemas.openxmlformats.org/presentationml/2006/main">
+  <p:cSld>
+    <p:spTree>
+      <p:nvGrpSpPr>
+        <p:cNvPr id="1" name=""/>
+        <p:cNvGrpSpPr/>
+        <p:nvPr/>
+      </p:nvGrpSpPr>
+      <p:grpSpPr>
+        <a:xfrm>
+          <a:off x="0" y="0"/>
+          <a:ext cx="0" cy="0"/>
+          <a:chOff x="0" y="0"/>
+          <a:chExt cx="0" cy="0"/>
+        </a:xfrm>
+      </p:grpSpPr>
+      <p:sp>
+        <p:nvSpPr>
+          <p:cNvPr id="2" name="Slide Image Placeholder 1"/>
+          <p:cNvSpPr>
+            <a:spLocks noGrp="1" noRot="1" noChangeAspect="1"/>
+          </p:cNvSpPr>
+          <p:nvPr>
+            <p:ph type="sldImg"/>
+          </p:nvPr>
+        </p:nvSpPr>
+        <p:spPr/>
+      </p:sp>
+      <p:sp>
+        <p:nvSpPr>
+          <p:cNvPr id="3" name="Notes Placeholder 2"/>
+          <p:cNvSpPr>
+            <a:spLocks noGrp="1"/>
+          </p:cNvSpPr>
+          <p:nvPr>
+            <p:ph type="body" idx="1"/>
+          </p:nvPr>
+        </p:nvSpPr>
+        <p:spPr/>
+        <p:txBody>
+          <a:bodyPr/>
+          <a:lstStyle/>
+          <a:p>
+            <a:pPr marL="0" marR="0" lvl="0" indent="0" algn="l" defTabSz="457200" rtl="0" eaLnBrk="1" fontAlgn="auto" latinLnBrk="0" hangingPunct="1">
+              <a:lnSpc>
+                <a:spcPct val="100000"/>
+              </a:lnSpc>
+              <a:spcBef>
+                <a:spcPts val="0"/>
+              </a:spcBef>
+              <a:spcAft>
+                <a:spcPts val="0"/>
+              </a:spcAft>
+              <a:buClrTx/>
+              <a:buSzTx/>
+              <a:buFontTx/>
+              <a:buNone/>
+              <a:tabLst/>
+              <a:defRPr/>
+            </a:pPr>
+            <a:r>
+              <a:rPr lang="en-US" dirty="0" smtClean="0"/>
+              <a:t>So, you remember our Dog and Chicken example. They were both animals.</a:t>
+            </a:r>
+          </a:p>
+          <a:p>
+            <a:endParaRPr lang="en-US" dirty="0" smtClean="0"/>
+          </a:p>
+          <a:p>
+            <a:r>
+              <a:rPr lang="en-US" dirty="0" smtClean="0"/>
+              <a:t>So why shouldn’t we create a common class for the common properties/methods</a:t>
+            </a:r>
+            <a:r>
+              <a:rPr lang="en-US" baseline="0" dirty="0" smtClean="0"/>
+              <a:t> of this two animals.</a:t>
+            </a:r>
+            <a:endParaRPr lang="en-US" dirty="0"/>
+          </a:p>
+        </p:txBody>
+      </p:sp>
+      <p:sp>
+        <p:nvSpPr>
+          <p:cNvPr id="4" name="Slide Number Placeholder 3"/>
+          <p:cNvSpPr>
+            <a:spLocks noGrp="1"/>
+          </p:cNvSpPr>
+          <p:nvPr>
+            <p:ph type="sldNum" sz="quarter" idx="10"/>
+          </p:nvPr>
+        </p:nvSpPr>
+        <p:spPr/>
+        <p:txBody>
+          <a:bodyPr/>
+          <a:lstStyle/>
+          <a:p>
+            <a:fld id="{D73FF19C-8393-2A49-92A3-90AE761DDBC5}" type="slidenum">
+              <a:rPr lang="en-US" smtClean="0"/>
+              <a:t>33</a:t>
+            </a:fld>
+            <a:endParaRPr lang="en-US"/>
+          </a:p>
+        </p:txBody>
+      </p:sp>
+    </p:spTree>
+    <p:extLst>
+      <p:ext uri="{BB962C8B-B14F-4D97-AF65-F5344CB8AC3E}">
+        <p14:creationId xmlns:p14="http://schemas.microsoft.com/office/powerpoint/2010/main" val="800240373"/>
+      </p:ext>
+    </p:extLst>
+  </p:cSld>
+  <p:clrMapOvr>
+    <a:masterClrMapping/>
+  </p:clrMapOvr>
+</p:notes>
+</file>
+
+<file path=ppt/notesSlides/notesSlide25.xml><?xml version="1.0" encoding="utf-8"?>
+<p:notes xmlns:a="http://schemas.openxmlformats.org/drawingml/2006/main" xmlns:r="http://schemas.openxmlformats.org/officeDocument/2006/relationships" xmlns:p="http://schemas.openxmlformats.org/presentationml/2006/main">
+  <p:cSld>
+    <p:spTree>
+      <p:nvGrpSpPr>
+        <p:cNvPr id="1" name=""/>
+        <p:cNvGrpSpPr/>
+        <p:nvPr/>
+      </p:nvGrpSpPr>
+      <p:grpSpPr>
+        <a:xfrm>
+          <a:off x="0" y="0"/>
+          <a:ext cx="0" cy="0"/>
+          <a:chOff x="0" y="0"/>
+          <a:chExt cx="0" cy="0"/>
+        </a:xfrm>
+      </p:grpSpPr>
+      <p:sp>
+        <p:nvSpPr>
+          <p:cNvPr id="2" name="Slide Image Placeholder 1"/>
+          <p:cNvSpPr>
+            <a:spLocks noGrp="1" noRot="1" noChangeAspect="1"/>
+          </p:cNvSpPr>
+          <p:nvPr>
+            <p:ph type="sldImg"/>
+          </p:nvPr>
+        </p:nvSpPr>
+        <p:spPr/>
+      </p:sp>
+      <p:sp>
+        <p:nvSpPr>
+          <p:cNvPr id="3" name="Notes Placeholder 2"/>
+          <p:cNvSpPr>
+            <a:spLocks noGrp="1"/>
+          </p:cNvSpPr>
+          <p:nvPr>
+            <p:ph type="body" idx="1"/>
+          </p:nvPr>
+        </p:nvSpPr>
+        <p:spPr/>
+        <p:txBody>
+          <a:bodyPr/>
+          <a:lstStyle/>
+          <a:p>
+            <a:r>
+              <a:rPr lang="en-US" dirty="0" smtClean="0"/>
+              <a:t>So</a:t>
+            </a:r>
+            <a:r>
+              <a:rPr lang="en-US" baseline="0" dirty="0" smtClean="0"/>
+              <a:t> you have two data formats to read into your program, and the functions that do the read is somewhat similar.</a:t>
+            </a:r>
+            <a:endParaRPr lang="en-US" dirty="0"/>
+          </a:p>
+        </p:txBody>
+      </p:sp>
+      <p:sp>
+        <p:nvSpPr>
+          <p:cNvPr id="4" name="Slide Number Placeholder 3"/>
+          <p:cNvSpPr>
+            <a:spLocks noGrp="1"/>
+          </p:cNvSpPr>
+          <p:nvPr>
+            <p:ph type="sldNum" sz="quarter" idx="10"/>
+          </p:nvPr>
+        </p:nvSpPr>
+        <p:spPr/>
+        <p:txBody>
+          <a:bodyPr/>
+          <a:lstStyle/>
+          <a:p>
+            <a:fld id="{D73FF19C-8393-2A49-92A3-90AE761DDBC5}" type="slidenum">
+              <a:rPr lang="en-US" smtClean="0"/>
+              <a:t>34</a:t>
+            </a:fld>
+            <a:endParaRPr lang="en-US"/>
+          </a:p>
+        </p:txBody>
+      </p:sp>
+    </p:spTree>
+    <p:extLst>
+      <p:ext uri="{BB962C8B-B14F-4D97-AF65-F5344CB8AC3E}">
+        <p14:creationId xmlns:p14="http://schemas.microsoft.com/office/powerpoint/2010/main" val="2654794936"/>
+      </p:ext>
+    </p:extLst>
+  </p:cSld>
+  <p:clrMapOvr>
+    <a:masterClrMapping/>
+  </p:clrMapOvr>
+</p:notes>
+</file>
+
+<file path=ppt/notesSlides/notesSlide26.xml><?xml version="1.0" encoding="utf-8"?>
+<p:notes xmlns:a="http://schemas.openxmlformats.org/drawingml/2006/main" xmlns:r="http://schemas.openxmlformats.org/officeDocument/2006/relationships" xmlns:p="http://schemas.openxmlformats.org/presentationml/2006/main">
+  <p:cSld>
+    <p:spTree>
+      <p:nvGrpSpPr>
+        <p:cNvPr id="1" name=""/>
+        <p:cNvGrpSpPr/>
+        <p:nvPr/>
+      </p:nvGrpSpPr>
+      <p:grpSpPr>
+        <a:xfrm>
+          <a:off x="0" y="0"/>
+          <a:ext cx="0" cy="0"/>
+          <a:chOff x="0" y="0"/>
+          <a:chExt cx="0" cy="0"/>
+        </a:xfrm>
+      </p:grpSpPr>
+      <p:sp>
+        <p:nvSpPr>
+          <p:cNvPr id="2" name="Slide Image Placeholder 1"/>
+          <p:cNvSpPr>
+            <a:spLocks noGrp="1" noRot="1" noChangeAspect="1"/>
+          </p:cNvSpPr>
+          <p:nvPr>
+            <p:ph type="sldImg"/>
+          </p:nvPr>
+        </p:nvSpPr>
+        <p:spPr/>
+      </p:sp>
+      <p:sp>
+        <p:nvSpPr>
+          <p:cNvPr id="3" name="Notes Placeholder 2"/>
+          <p:cNvSpPr>
+            <a:spLocks noGrp="1"/>
+          </p:cNvSpPr>
+          <p:nvPr>
+            <p:ph type="body" idx="1"/>
+          </p:nvPr>
+        </p:nvSpPr>
+        <p:spPr/>
+        <p:txBody>
+          <a:bodyPr/>
+          <a:lstStyle/>
+          <a:p>
+            <a:r>
+              <a:rPr lang="en-US" dirty="0" smtClean="0"/>
+              <a:t>If a class has methods for:</a:t>
+            </a:r>
+          </a:p>
+          <a:p>
+            <a:pPr lvl="1"/>
+            <a:r>
+              <a:rPr lang="en-US" dirty="0" smtClean="0"/>
+              <a:t>Printing a document</a:t>
+            </a:r>
+          </a:p>
+          <a:p>
+            <a:pPr lvl="1"/>
+            <a:r>
+              <a:rPr lang="en-US" dirty="0" smtClean="0"/>
+              <a:t>Sending an email</a:t>
+            </a:r>
+          </a:p>
+          <a:p>
+            <a:pPr lvl="1"/>
+            <a:r>
+              <a:rPr lang="en-US" dirty="0" smtClean="0"/>
+              <a:t>Working with trigonometric functions</a:t>
+            </a:r>
+          </a:p>
+          <a:p>
+            <a:pPr lvl="1"/>
+            <a:r>
+              <a:rPr lang="en-US" dirty="0" smtClean="0"/>
+              <a:t>How should we name it? Complicated, right?</a:t>
+            </a:r>
+          </a:p>
+          <a:p>
+            <a:endParaRPr lang="en-US" dirty="0" smtClean="0"/>
+          </a:p>
+          <a:p>
+            <a:endParaRPr lang="en-US" dirty="0" smtClean="0"/>
+          </a:p>
+          <a:p>
+            <a:r>
+              <a:rPr lang="en-US" dirty="0" smtClean="0"/>
+              <a:t>Strong cohesion is good</a:t>
+            </a:r>
+            <a:r>
+              <a:rPr lang="en-US" baseline="0" dirty="0" smtClean="0"/>
+              <a:t> and a desired feature.</a:t>
+            </a:r>
+          </a:p>
+          <a:p>
+            <a:r>
+              <a:rPr lang="en-US" baseline="0" dirty="0" smtClean="0"/>
+              <a:t>It</a:t>
+            </a:r>
+            <a:r>
+              <a:rPr lang="en-US" dirty="0" smtClean="0"/>
+              <a:t> means: all methods of a class are more or less related.</a:t>
+            </a:r>
+          </a:p>
+          <a:p>
+            <a:r>
+              <a:rPr lang="en-US" dirty="0" smtClean="0"/>
+              <a:t>-A math class for example,</a:t>
+            </a:r>
+            <a:r>
+              <a:rPr lang="en-US" baseline="0" dirty="0" smtClean="0"/>
+              <a:t> which can compute </a:t>
+            </a:r>
+            <a:r>
+              <a:rPr lang="en-US" baseline="0" dirty="0" err="1" smtClean="0"/>
+              <a:t>sqrt</a:t>
+            </a:r>
+            <a:r>
+              <a:rPr lang="en-US" baseline="0" dirty="0" smtClean="0"/>
+              <a:t>, power, </a:t>
+            </a:r>
+            <a:r>
+              <a:rPr lang="en-US" baseline="0" dirty="0" err="1" smtClean="0"/>
+              <a:t>exp</a:t>
+            </a:r>
+            <a:r>
+              <a:rPr lang="en-US" baseline="0" dirty="0" smtClean="0"/>
+              <a:t>, cos etc.</a:t>
+            </a:r>
+            <a:endParaRPr lang="en-US" dirty="0"/>
+          </a:p>
+        </p:txBody>
+      </p:sp>
+      <p:sp>
+        <p:nvSpPr>
+          <p:cNvPr id="4" name="Slide Number Placeholder 3"/>
+          <p:cNvSpPr>
+            <a:spLocks noGrp="1"/>
+          </p:cNvSpPr>
+          <p:nvPr>
+            <p:ph type="sldNum" sz="quarter" idx="10"/>
+          </p:nvPr>
+        </p:nvSpPr>
+        <p:spPr/>
+        <p:txBody>
+          <a:bodyPr/>
+          <a:lstStyle/>
+          <a:p>
+            <a:fld id="{D73FF19C-8393-2A49-92A3-90AE761DDBC5}" type="slidenum">
+              <a:rPr lang="en-US" smtClean="0"/>
+              <a:t>39</a:t>
+            </a:fld>
+            <a:endParaRPr lang="en-US"/>
+          </a:p>
+        </p:txBody>
+      </p:sp>
+    </p:spTree>
+    <p:extLst>
+      <p:ext uri="{BB962C8B-B14F-4D97-AF65-F5344CB8AC3E}">
+        <p14:creationId xmlns:p14="http://schemas.microsoft.com/office/powerpoint/2010/main" val="1864651759"/>
+      </p:ext>
+    </p:extLst>
+  </p:cSld>
+  <p:clrMapOvr>
+    <a:masterClrMapping/>
+  </p:clrMapOvr>
+</p:notes>
+</file>
+
+<file path=ppt/notesSlides/notesSlide27.xml><?xml version="1.0" encoding="utf-8"?>
+<p:notes xmlns:a="http://schemas.openxmlformats.org/drawingml/2006/main" xmlns:r="http://schemas.openxmlformats.org/officeDocument/2006/relationships" xmlns:p="http://schemas.openxmlformats.org/presentationml/2006/main">
+  <p:cSld>
+    <p:spTree>
+      <p:nvGrpSpPr>
+        <p:cNvPr id="1" name=""/>
+        <p:cNvGrpSpPr/>
+        <p:nvPr/>
+      </p:nvGrpSpPr>
+      <p:grpSpPr>
+        <a:xfrm>
+          <a:off x="0" y="0"/>
+          <a:ext cx="0" cy="0"/>
+          <a:chOff x="0" y="0"/>
+          <a:chExt cx="0" cy="0"/>
+        </a:xfrm>
+      </p:grpSpPr>
+      <p:sp>
+        <p:nvSpPr>
+          <p:cNvPr id="2" name="Slide Image Placeholder 1"/>
+          <p:cNvSpPr>
+            <a:spLocks noGrp="1" noRot="1" noChangeAspect="1"/>
+          </p:cNvSpPr>
+          <p:nvPr>
+            <p:ph type="sldImg"/>
+          </p:nvPr>
+        </p:nvSpPr>
+        <p:spPr/>
+      </p:sp>
+      <p:sp>
+        <p:nvSpPr>
+          <p:cNvPr id="3" name="Notes Placeholder 2"/>
+          <p:cNvSpPr>
+            <a:spLocks noGrp="1"/>
+          </p:cNvSpPr>
+          <p:nvPr>
+            <p:ph type="body" idx="1"/>
+          </p:nvPr>
+        </p:nvSpPr>
+        <p:spPr/>
+        <p:txBody>
+          <a:bodyPr/>
+          <a:lstStyle/>
+          <a:p>
+            <a:pPr marL="0" marR="0" lvl="0" indent="0" algn="l" defTabSz="457200" rtl="0" eaLnBrk="1" fontAlgn="auto" latinLnBrk="0" hangingPunct="1">
+              <a:lnSpc>
+                <a:spcPct val="100000"/>
+              </a:lnSpc>
+              <a:spcBef>
+                <a:spcPts val="0"/>
+              </a:spcBef>
+              <a:spcAft>
+                <a:spcPts val="0"/>
+              </a:spcAft>
+              <a:buClrTx/>
+              <a:buSzTx/>
+              <a:buFontTx/>
+              <a:buNone/>
+              <a:tabLst/>
+              <a:defRPr/>
+            </a:pPr>
+            <a:r>
+              <a:rPr lang="en-US" dirty="0" smtClean="0"/>
+              <a:t>Whenever we add a new shape to the system, we should go and</a:t>
+            </a:r>
+            <a:r>
+              <a:rPr lang="en-US" baseline="0" dirty="0" smtClean="0"/>
+              <a:t> modify this method of area calculator.</a:t>
+            </a:r>
+          </a:p>
+          <a:p>
+            <a:pPr marL="0" marR="0" lvl="0" indent="0" algn="l" defTabSz="457200" rtl="0" eaLnBrk="1" fontAlgn="auto" latinLnBrk="0" hangingPunct="1">
+              <a:lnSpc>
+                <a:spcPct val="100000"/>
+              </a:lnSpc>
+              <a:spcBef>
+                <a:spcPts val="0"/>
+              </a:spcBef>
+              <a:spcAft>
+                <a:spcPts val="0"/>
+              </a:spcAft>
+              <a:buClrTx/>
+              <a:buSzTx/>
+              <a:buFontTx/>
+              <a:buNone/>
+              <a:tabLst/>
+              <a:defRPr/>
+            </a:pPr>
+            <a:endParaRPr lang="en-US" baseline="0" dirty="0" smtClean="0"/>
+          </a:p>
+          <a:p>
+            <a:pPr marL="0" marR="0" lvl="0" indent="0" algn="l" defTabSz="457200" rtl="0" eaLnBrk="1" fontAlgn="auto" latinLnBrk="0" hangingPunct="1">
+              <a:lnSpc>
+                <a:spcPct val="100000"/>
+              </a:lnSpc>
+              <a:spcBef>
+                <a:spcPts val="0"/>
+              </a:spcBef>
+              <a:spcAft>
+                <a:spcPts val="0"/>
+              </a:spcAft>
+              <a:buClrTx/>
+              <a:buSzTx/>
+              <a:buFontTx/>
+              <a:buNone/>
+              <a:tabLst/>
+              <a:defRPr/>
+            </a:pPr>
+            <a:r>
+              <a:rPr lang="en-US" baseline="0" dirty="0" smtClean="0"/>
+              <a:t>So, this class [</a:t>
+            </a:r>
+            <a:r>
+              <a:rPr lang="en-US" baseline="0" dirty="0" err="1" smtClean="0"/>
+              <a:t>AreaCalculator</a:t>
+            </a:r>
+            <a:r>
+              <a:rPr lang="en-US" baseline="0" dirty="0" smtClean="0"/>
+              <a:t>] is not closed to modification.</a:t>
+            </a:r>
+            <a:endParaRPr lang="en-US" dirty="0" smtClean="0"/>
+          </a:p>
+          <a:p>
+            <a:endParaRPr lang="en-US" dirty="0"/>
+          </a:p>
+        </p:txBody>
+      </p:sp>
+      <p:sp>
+        <p:nvSpPr>
+          <p:cNvPr id="4" name="Slide Number Placeholder 3"/>
+          <p:cNvSpPr>
+            <a:spLocks noGrp="1"/>
+          </p:cNvSpPr>
+          <p:nvPr>
+            <p:ph type="sldNum" sz="quarter" idx="10"/>
+          </p:nvPr>
+        </p:nvSpPr>
+        <p:spPr/>
+        <p:txBody>
+          <a:bodyPr/>
+          <a:lstStyle/>
+          <a:p>
+            <a:fld id="{D73FF19C-8393-2A49-92A3-90AE761DDBC5}" type="slidenum">
+              <a:rPr lang="en-US" smtClean="0"/>
+              <a:t>44</a:t>
+            </a:fld>
+            <a:endParaRPr lang="en-US" dirty="0"/>
+          </a:p>
+        </p:txBody>
+      </p:sp>
+    </p:spTree>
+    <p:extLst>
+      <p:ext uri="{BB962C8B-B14F-4D97-AF65-F5344CB8AC3E}">
+        <p14:creationId xmlns:p14="http://schemas.microsoft.com/office/powerpoint/2010/main" val="3224651124"/>
+      </p:ext>
+    </p:extLst>
+  </p:cSld>
+  <p:clrMapOvr>
+    <a:masterClrMapping/>
+  </p:clrMapOvr>
+</p:notes>
+</file>
+
+<file path=ppt/notesSlides/notesSlide28.xml><?xml version="1.0" encoding="utf-8"?>
+<p:notes xmlns:a="http://schemas.openxmlformats.org/drawingml/2006/main" xmlns:r="http://schemas.openxmlformats.org/officeDocument/2006/relationships" xmlns:p="http://schemas.openxmlformats.org/presentationml/2006/main">
+  <p:cSld>
+    <p:spTree>
+      <p:nvGrpSpPr>
+        <p:cNvPr id="1" name=""/>
+        <p:cNvGrpSpPr/>
+        <p:nvPr/>
+      </p:nvGrpSpPr>
+      <p:grpSpPr>
+        <a:xfrm>
+          <a:off x="0" y="0"/>
+          <a:ext cx="0" cy="0"/>
+          <a:chOff x="0" y="0"/>
+          <a:chExt cx="0" cy="0"/>
+        </a:xfrm>
+      </p:grpSpPr>
+      <p:sp>
+        <p:nvSpPr>
+          <p:cNvPr id="2" name="Slide Image Placeholder 1"/>
+          <p:cNvSpPr>
+            <a:spLocks noGrp="1" noRot="1" noChangeAspect="1"/>
+          </p:cNvSpPr>
+          <p:nvPr>
+            <p:ph type="sldImg"/>
+          </p:nvPr>
+        </p:nvSpPr>
+        <p:spPr/>
+      </p:sp>
+      <p:sp>
+        <p:nvSpPr>
+          <p:cNvPr id="3" name="Notes Placeholder 2"/>
+          <p:cNvSpPr>
+            <a:spLocks noGrp="1"/>
+          </p:cNvSpPr>
+          <p:nvPr>
+            <p:ph type="body" idx="1"/>
+          </p:nvPr>
+        </p:nvSpPr>
+        <p:spPr/>
+        <p:txBody>
+          <a:bodyPr/>
+          <a:lstStyle/>
+          <a:p>
+            <a:r>
+              <a:rPr lang="en-US" dirty="0" smtClean="0"/>
+              <a:t>This doesn’t necessarily mean they have to have one</a:t>
+            </a:r>
+            <a:r>
+              <a:rPr lang="en-US" baseline="0" dirty="0" smtClean="0"/>
+              <a:t> method.</a:t>
+            </a:r>
+            <a:endParaRPr lang="en-US" dirty="0"/>
+          </a:p>
+        </p:txBody>
+      </p:sp>
+      <p:sp>
+        <p:nvSpPr>
+          <p:cNvPr id="4" name="Slide Number Placeholder 3"/>
+          <p:cNvSpPr>
+            <a:spLocks noGrp="1"/>
+          </p:cNvSpPr>
+          <p:nvPr>
+            <p:ph type="sldNum" sz="quarter" idx="10"/>
+          </p:nvPr>
+        </p:nvSpPr>
+        <p:spPr/>
+        <p:txBody>
+          <a:bodyPr/>
+          <a:lstStyle/>
+          <a:p>
+            <a:fld id="{D73FF19C-8393-2A49-92A3-90AE761DDBC5}" type="slidenum">
+              <a:rPr lang="en-US" smtClean="0"/>
+              <a:t>46</a:t>
+            </a:fld>
+            <a:endParaRPr lang="en-US" dirty="0"/>
+          </a:p>
+        </p:txBody>
+      </p:sp>
+    </p:spTree>
+    <p:extLst>
+      <p:ext uri="{BB962C8B-B14F-4D97-AF65-F5344CB8AC3E}">
+        <p14:creationId xmlns:p14="http://schemas.microsoft.com/office/powerpoint/2010/main" val="1372388394"/>
+      </p:ext>
+    </p:extLst>
+  </p:cSld>
+  <p:clrMapOvr>
+    <a:masterClrMapping/>
+  </p:clrMapOvr>
+</p:notes>
+</file>
+
+<file path=ppt/notesSlides/notesSlide29.xml><?xml version="1.0" encoding="utf-8"?>
+<p:notes xmlns:a="http://schemas.openxmlformats.org/drawingml/2006/main" xmlns:r="http://schemas.openxmlformats.org/officeDocument/2006/relationships" xmlns:p="http://schemas.openxmlformats.org/presentationml/2006/main">
+  <p:cSld>
+    <p:spTree>
+      <p:nvGrpSpPr>
+        <p:cNvPr id="1" name=""/>
+        <p:cNvGrpSpPr/>
+        <p:nvPr/>
+      </p:nvGrpSpPr>
+      <p:grpSpPr>
+        <a:xfrm>
+          <a:off x="0" y="0"/>
+          <a:ext cx="0" cy="0"/>
+          <a:chOff x="0" y="0"/>
+          <a:chExt cx="0" cy="0"/>
+        </a:xfrm>
+      </p:grpSpPr>
+      <p:sp>
+        <p:nvSpPr>
+          <p:cNvPr id="2" name="Slide Image Placeholder 1"/>
+          <p:cNvSpPr>
+            <a:spLocks noGrp="1" noRot="1" noChangeAspect="1"/>
+          </p:cNvSpPr>
+          <p:nvPr>
+            <p:ph type="sldImg"/>
+          </p:nvPr>
+        </p:nvSpPr>
+        <p:spPr/>
+      </p:sp>
+      <p:sp>
+        <p:nvSpPr>
+          <p:cNvPr id="3" name="Notes Placeholder 2"/>
+          <p:cNvSpPr>
+            <a:spLocks noGrp="1"/>
+          </p:cNvSpPr>
+          <p:nvPr>
+            <p:ph type="body" idx="1"/>
+          </p:nvPr>
+        </p:nvSpPr>
+        <p:spPr/>
+        <p:txBody>
+          <a:bodyPr/>
+          <a:lstStyle/>
+          <a:p>
+            <a:r>
+              <a:rPr lang="en-US" dirty="0" smtClean="0"/>
+              <a:t>Usually the violation of this principle can be identified by asking:</a:t>
+            </a:r>
+          </a:p>
+          <a:p>
+            <a:pPr lvl="1"/>
+            <a:r>
+              <a:rPr lang="en-US" dirty="0" smtClean="0"/>
+              <a:t>Can _______   _________ itself?</a:t>
+            </a:r>
+          </a:p>
+          <a:p>
+            <a:pPr lvl="2"/>
+            <a:r>
+              <a:rPr lang="en-US" dirty="0" smtClean="0"/>
+              <a:t>Example:  Can </a:t>
+            </a:r>
+            <a:r>
+              <a:rPr lang="en-US" dirty="0" smtClean="0">
+                <a:solidFill>
+                  <a:srgbClr val="FF0000"/>
+                </a:solidFill>
+              </a:rPr>
+              <a:t>Automobile</a:t>
+            </a:r>
+            <a:r>
+              <a:rPr lang="en-US" dirty="0" smtClean="0"/>
+              <a:t> </a:t>
+            </a:r>
+            <a:r>
+              <a:rPr lang="en-US" dirty="0" err="1" smtClean="0">
+                <a:solidFill>
+                  <a:srgbClr val="FF0000"/>
+                </a:solidFill>
+              </a:rPr>
+              <a:t>changeTires</a:t>
+            </a:r>
+            <a:r>
+              <a:rPr lang="en-US" dirty="0" smtClean="0"/>
+              <a:t> itself?</a:t>
+            </a:r>
+          </a:p>
+          <a:p>
+            <a:pPr lvl="2"/>
+            <a:r>
+              <a:rPr lang="en-US" dirty="0" smtClean="0"/>
+              <a:t>If it is no, it is violating SRP.</a:t>
+            </a:r>
+          </a:p>
+          <a:p>
+            <a:endParaRPr lang="en-US" dirty="0"/>
+          </a:p>
+        </p:txBody>
+      </p:sp>
+      <p:sp>
+        <p:nvSpPr>
+          <p:cNvPr id="4" name="Slide Number Placeholder 3"/>
+          <p:cNvSpPr>
+            <a:spLocks noGrp="1"/>
+          </p:cNvSpPr>
+          <p:nvPr>
+            <p:ph type="sldNum" sz="quarter" idx="10"/>
+          </p:nvPr>
+        </p:nvSpPr>
+        <p:spPr/>
+        <p:txBody>
+          <a:bodyPr/>
+          <a:lstStyle/>
+          <a:p>
+            <a:fld id="{D73FF19C-8393-2A49-92A3-90AE761DDBC5}" type="slidenum">
+              <a:rPr lang="en-US" smtClean="0"/>
+              <a:t>47</a:t>
+            </a:fld>
+            <a:endParaRPr lang="en-US" dirty="0"/>
+          </a:p>
+        </p:txBody>
+      </p:sp>
+    </p:spTree>
+    <p:extLst>
+      <p:ext uri="{BB962C8B-B14F-4D97-AF65-F5344CB8AC3E}">
+        <p14:creationId xmlns:p14="http://schemas.microsoft.com/office/powerpoint/2010/main" val="891337501"/>
+      </p:ext>
+    </p:extLst>
+  </p:cSld>
+  <p:clrMapOvr>
+    <a:masterClrMapping/>
+  </p:clrMapOvr>
+</p:notes>
+</file>
+
 <file path=ppt/notesSlides/notesSlide3.xml><?xml version="1.0" encoding="utf-8"?>
 <p:notes xmlns:a="http://schemas.openxmlformats.org/drawingml/2006/main" xmlns:r="http://schemas.openxmlformats.org/officeDocument/2006/relationships" xmlns:p="http://schemas.openxmlformats.org/presentationml/2006/main">
   <p:cSld>
@@ -1894,6 +3251,282 @@
     <p:extLst>
       <p:ext uri="{BB962C8B-B14F-4D97-AF65-F5344CB8AC3E}">
         <p14:creationId xmlns:p14="http://schemas.microsoft.com/office/powerpoint/2010/main" val="2811093161"/>
+      </p:ext>
+    </p:extLst>
+  </p:cSld>
+  <p:clrMapOvr>
+    <a:masterClrMapping/>
+  </p:clrMapOvr>
+</p:notes>
+</file>
+
+<file path=ppt/notesSlides/notesSlide30.xml><?xml version="1.0" encoding="utf-8"?>
+<p:notes xmlns:a="http://schemas.openxmlformats.org/drawingml/2006/main" xmlns:r="http://schemas.openxmlformats.org/officeDocument/2006/relationships" xmlns:p="http://schemas.openxmlformats.org/presentationml/2006/main">
+  <p:cSld>
+    <p:spTree>
+      <p:nvGrpSpPr>
+        <p:cNvPr id="1" name=""/>
+        <p:cNvGrpSpPr/>
+        <p:nvPr/>
+      </p:nvGrpSpPr>
+      <p:grpSpPr>
+        <a:xfrm>
+          <a:off x="0" y="0"/>
+          <a:ext cx="0" cy="0"/>
+          <a:chOff x="0" y="0"/>
+          <a:chExt cx="0" cy="0"/>
+        </a:xfrm>
+      </p:grpSpPr>
+      <p:sp>
+        <p:nvSpPr>
+          <p:cNvPr id="2" name="Slide Image Placeholder 1"/>
+          <p:cNvSpPr>
+            <a:spLocks noGrp="1" noRot="1" noChangeAspect="1"/>
+          </p:cNvSpPr>
+          <p:nvPr>
+            <p:ph type="sldImg"/>
+          </p:nvPr>
+        </p:nvSpPr>
+        <p:spPr/>
+      </p:sp>
+      <p:sp>
+        <p:nvSpPr>
+          <p:cNvPr id="3" name="Notes Placeholder 2"/>
+          <p:cNvSpPr>
+            <a:spLocks noGrp="1"/>
+          </p:cNvSpPr>
+          <p:nvPr>
+            <p:ph type="body" idx="1"/>
+          </p:nvPr>
+        </p:nvSpPr>
+        <p:spPr/>
+        <p:txBody>
+          <a:bodyPr/>
+          <a:lstStyle/>
+          <a:p>
+            <a:pPr marL="0" marR="0" lvl="0" indent="0" algn="l" defTabSz="457200" rtl="0" eaLnBrk="1" fontAlgn="auto" latinLnBrk="0" hangingPunct="1">
+              <a:lnSpc>
+                <a:spcPct val="100000"/>
+              </a:lnSpc>
+              <a:spcBef>
+                <a:spcPts val="0"/>
+              </a:spcBef>
+              <a:spcAft>
+                <a:spcPts val="0"/>
+              </a:spcAft>
+              <a:buClrTx/>
+              <a:buSzTx/>
+              <a:buFontTx/>
+              <a:buNone/>
+              <a:tabLst/>
+              <a:defRPr/>
+            </a:pPr>
+            <a:r>
+              <a:rPr lang="en-US" dirty="0" smtClean="0">
+                <a:solidFill>
+                  <a:srgbClr val="FF0000"/>
+                </a:solidFill>
+              </a:rPr>
+              <a:t>We force Square to have a </a:t>
+            </a:r>
+            <a:r>
+              <a:rPr lang="en-US" dirty="0" err="1" smtClean="0">
+                <a:solidFill>
+                  <a:srgbClr val="FF0000"/>
+                </a:solidFill>
+              </a:rPr>
+              <a:t>computeVolume</a:t>
+            </a:r>
+            <a:r>
+              <a:rPr lang="en-US" dirty="0" smtClean="0">
+                <a:solidFill>
+                  <a:srgbClr val="FF0000"/>
+                </a:solidFill>
+              </a:rPr>
+              <a:t> method, which it doesn’t have!</a:t>
+            </a:r>
+          </a:p>
+          <a:p>
+            <a:endParaRPr lang="en-US" dirty="0" smtClean="0"/>
+          </a:p>
+          <a:p>
+            <a:r>
+              <a:rPr lang="en-US" dirty="0" smtClean="0"/>
+              <a:t>Because</a:t>
+            </a:r>
+            <a:r>
+              <a:rPr lang="en-US" baseline="0" dirty="0" smtClean="0"/>
+              <a:t> it inherits from Shape.</a:t>
+            </a:r>
+            <a:endParaRPr lang="en-US" dirty="0"/>
+          </a:p>
+        </p:txBody>
+      </p:sp>
+      <p:sp>
+        <p:nvSpPr>
+          <p:cNvPr id="4" name="Slide Number Placeholder 3"/>
+          <p:cNvSpPr>
+            <a:spLocks noGrp="1"/>
+          </p:cNvSpPr>
+          <p:nvPr>
+            <p:ph type="sldNum" sz="quarter" idx="10"/>
+          </p:nvPr>
+        </p:nvSpPr>
+        <p:spPr/>
+        <p:txBody>
+          <a:bodyPr/>
+          <a:lstStyle/>
+          <a:p>
+            <a:fld id="{D73FF19C-8393-2A49-92A3-90AE761DDBC5}" type="slidenum">
+              <a:rPr lang="en-US" smtClean="0"/>
+              <a:t>50</a:t>
+            </a:fld>
+            <a:endParaRPr lang="en-US" dirty="0"/>
+          </a:p>
+        </p:txBody>
+      </p:sp>
+    </p:spTree>
+    <p:extLst>
+      <p:ext uri="{BB962C8B-B14F-4D97-AF65-F5344CB8AC3E}">
+        <p14:creationId xmlns:p14="http://schemas.microsoft.com/office/powerpoint/2010/main" val="1761778980"/>
+      </p:ext>
+    </p:extLst>
+  </p:cSld>
+  <p:clrMapOvr>
+    <a:masterClrMapping/>
+  </p:clrMapOvr>
+</p:notes>
+</file>
+
+<file path=ppt/notesSlides/notesSlide31.xml><?xml version="1.0" encoding="utf-8"?>
+<p:notes xmlns:a="http://schemas.openxmlformats.org/drawingml/2006/main" xmlns:r="http://schemas.openxmlformats.org/officeDocument/2006/relationships" xmlns:p="http://schemas.openxmlformats.org/presentationml/2006/main">
+  <p:cSld>
+    <p:spTree>
+      <p:nvGrpSpPr>
+        <p:cNvPr id="1" name=""/>
+        <p:cNvGrpSpPr/>
+        <p:nvPr/>
+      </p:nvGrpSpPr>
+      <p:grpSpPr>
+        <a:xfrm>
+          <a:off x="0" y="0"/>
+          <a:ext cx="0" cy="0"/>
+          <a:chOff x="0" y="0"/>
+          <a:chExt cx="0" cy="0"/>
+        </a:xfrm>
+      </p:grpSpPr>
+      <p:sp>
+        <p:nvSpPr>
+          <p:cNvPr id="2" name="Slide Image Placeholder 1"/>
+          <p:cNvSpPr>
+            <a:spLocks noGrp="1" noRot="1" noChangeAspect="1"/>
+          </p:cNvSpPr>
+          <p:nvPr>
+            <p:ph type="sldImg"/>
+          </p:nvPr>
+        </p:nvSpPr>
+        <p:spPr/>
+      </p:sp>
+      <p:sp>
+        <p:nvSpPr>
+          <p:cNvPr id="3" name="Notes Placeholder 2"/>
+          <p:cNvSpPr>
+            <a:spLocks noGrp="1"/>
+          </p:cNvSpPr>
+          <p:nvPr>
+            <p:ph type="body" idx="1"/>
+          </p:nvPr>
+        </p:nvSpPr>
+        <p:spPr/>
+        <p:txBody>
+          <a:bodyPr/>
+          <a:lstStyle/>
+          <a:p>
+            <a:pPr marL="0" marR="0" lvl="0" indent="0" algn="l" defTabSz="457200" rtl="0" eaLnBrk="1" fontAlgn="auto" latinLnBrk="0" hangingPunct="1">
+              <a:lnSpc>
+                <a:spcPct val="100000"/>
+              </a:lnSpc>
+              <a:spcBef>
+                <a:spcPts val="0"/>
+              </a:spcBef>
+              <a:spcAft>
+                <a:spcPts val="0"/>
+              </a:spcAft>
+              <a:buClrTx/>
+              <a:buSzTx/>
+              <a:buFontTx/>
+              <a:buNone/>
+              <a:tabLst/>
+              <a:defRPr/>
+            </a:pPr>
+            <a:r>
+              <a:rPr lang="en-US" dirty="0" smtClean="0">
+                <a:solidFill>
+                  <a:srgbClr val="FF0000"/>
+                </a:solidFill>
+              </a:rPr>
+              <a:t>We force Square to have a </a:t>
+            </a:r>
+            <a:r>
+              <a:rPr lang="en-US" dirty="0" err="1" smtClean="0">
+                <a:solidFill>
+                  <a:srgbClr val="FF0000"/>
+                </a:solidFill>
+              </a:rPr>
+              <a:t>computeVolume</a:t>
+            </a:r>
+            <a:r>
+              <a:rPr lang="en-US" dirty="0" smtClean="0">
+                <a:solidFill>
+                  <a:srgbClr val="FF0000"/>
+                </a:solidFill>
+              </a:rPr>
+              <a:t> method, which it doesn’t have!</a:t>
+            </a:r>
+          </a:p>
+          <a:p>
+            <a:endParaRPr lang="en-US" dirty="0" smtClean="0"/>
+          </a:p>
+          <a:p>
+            <a:r>
+              <a:rPr lang="en-US" dirty="0" smtClean="0"/>
+              <a:t>Because</a:t>
+            </a:r>
+            <a:r>
+              <a:rPr lang="en-US" baseline="0" dirty="0" smtClean="0"/>
+              <a:t> it inherits from Shape.</a:t>
+            </a:r>
+            <a:endParaRPr lang="en-US" dirty="0"/>
+          </a:p>
+        </p:txBody>
+      </p:sp>
+      <p:sp>
+        <p:nvSpPr>
+          <p:cNvPr id="4" name="Slide Number Placeholder 3"/>
+          <p:cNvSpPr>
+            <a:spLocks noGrp="1"/>
+          </p:cNvSpPr>
+          <p:nvPr>
+            <p:ph type="sldNum" sz="quarter" idx="10"/>
+          </p:nvPr>
+        </p:nvSpPr>
+        <p:spPr/>
+        <p:txBody>
+          <a:bodyPr/>
+          <a:lstStyle/>
+          <a:p>
+            <a:fld id="{D73FF19C-8393-2A49-92A3-90AE761DDBC5}" type="slidenum">
+              <a:rPr lang="en-US" smtClean="0"/>
+              <a:t>51</a:t>
+            </a:fld>
+            <a:endParaRPr lang="en-US" dirty="0"/>
+          </a:p>
+        </p:txBody>
+      </p:sp>
+    </p:spTree>
+    <p:extLst>
+      <p:ext uri="{BB962C8B-B14F-4D97-AF65-F5344CB8AC3E}">
+        <p14:creationId xmlns:p14="http://schemas.microsoft.com/office/powerpoint/2010/main" val="1155613753"/>
       </p:ext>
     </p:extLst>
   </p:cSld>
@@ -6579,7 +8212,15 @@
           <a:p>
             <a:r>
               <a:rPr lang="en-US" dirty="0" smtClean="0"/>
-              <a:t>Modularizing – More parametrized</a:t>
+              <a:t>Modularizing – </a:t>
+            </a:r>
+            <a:r>
+              <a:rPr lang="en-US" dirty="0" smtClean="0"/>
+              <a:t>more </a:t>
+            </a:r>
+            <a:r>
+              <a:rPr lang="en-US" dirty="0" smtClean="0"/>
+              <a:t>parametrized</a:t>
             </a:r>
             <a:endParaRPr lang="en-US" dirty="0"/>
           </a:p>
@@ -6696,7 +8337,7 @@
             <a:avLst/>
           </a:prstGeom>
           <a:noFill/>
-          <a:ln>
+          <a:ln cmpd="sng">
             <a:solidFill>
               <a:srgbClr val="FF0000"/>
             </a:solidFill>
@@ -6742,7 +8383,7 @@
             <a:avLst/>
           </a:prstGeom>
           <a:noFill/>
-          <a:ln>
+          <a:ln cmpd="sng">
             <a:solidFill>
               <a:srgbClr val="FF0000"/>
             </a:solidFill>
@@ -9771,7 +11412,11 @@
           <a:p>
             <a:r>
               <a:rPr lang="en-US" dirty="0" smtClean="0"/>
-              <a:t>Programming Languages</a:t>
+              <a:t>Programming </a:t>
+            </a:r>
+            <a:r>
+              <a:rPr lang="en-US" dirty="0" smtClean="0"/>
+              <a:t>languages</a:t>
             </a:r>
             <a:endParaRPr lang="en-US" dirty="0"/>
           </a:p>
@@ -10201,7 +11846,11 @@
           <a:p>
             <a:r>
               <a:rPr lang="en-US" dirty="0" smtClean="0"/>
-              <a:t>UML Basics</a:t>
+              <a:t>UML </a:t>
+            </a:r>
+            <a:r>
+              <a:rPr lang="en-US" dirty="0" smtClean="0"/>
+              <a:t>basics</a:t>
             </a:r>
             <a:endParaRPr lang="en-US" dirty="0"/>
           </a:p>
@@ -12123,39 +13772,49 @@
           <a:bodyPr/>
           <a:lstStyle/>
           <a:p>
+            <a:pPr algn="l"/>
             <a:r>
               <a:rPr lang="en-US" dirty="0" smtClean="0"/>
               <a:t>Constructor</a:t>
             </a:r>
           </a:p>
           <a:p>
+            <a:pPr algn="l"/>
             <a:endParaRPr lang="en-US" dirty="0"/>
           </a:p>
           <a:p>
+            <a:pPr algn="l"/>
             <a:endParaRPr lang="en-US" dirty="0" smtClean="0"/>
           </a:p>
           <a:p>
+            <a:pPr algn="l"/>
             <a:endParaRPr lang="en-US" dirty="0" smtClean="0"/>
           </a:p>
           <a:p>
+            <a:pPr algn="l"/>
             <a:endParaRPr lang="en-US" dirty="0" smtClean="0"/>
           </a:p>
           <a:p>
+            <a:pPr algn="l"/>
+            <a:r>
+              <a:rPr lang="en-US" dirty="0" smtClean="0"/>
+              <a:t>Now</a:t>
+            </a:r>
+            <a:r>
+              <a:rPr lang="en-US" dirty="0" smtClean="0"/>
+              <a:t>, we can create objects</a:t>
+            </a:r>
+          </a:p>
+          <a:p>
+            <a:pPr algn="l"/>
+            <a:endParaRPr lang="en-US" dirty="0" smtClean="0"/>
+          </a:p>
+          <a:p>
+            <a:pPr algn="l"/>
             <a:endParaRPr lang="en-US" dirty="0"/>
           </a:p>
           <a:p>
-            <a:r>
-              <a:rPr lang="en-US" dirty="0" smtClean="0"/>
-              <a:t>Now, we can create objects</a:t>
-            </a:r>
-          </a:p>
-          <a:p>
-            <a:endParaRPr lang="en-US" dirty="0" smtClean="0"/>
-          </a:p>
-          <a:p>
-            <a:endParaRPr lang="en-US" dirty="0"/>
-          </a:p>
-          <a:p>
+            <a:pPr algn="l"/>
             <a:endParaRPr lang="en-US" dirty="0"/>
           </a:p>
         </p:txBody>
@@ -12207,117 +13866,102 @@
           </a:p>
         </p:txBody>
       </p:sp>
-      <p:grpSp>
-        <p:nvGrpSpPr>
-          <p:cNvPr id="8" name="Group 7"/>
-          <p:cNvGrpSpPr/>
+      <p:pic>
+        <p:nvPicPr>
+          <p:cNvPr id="5" name="Picture 4"/>
+          <p:cNvPicPr>
+            <a:picLocks noChangeAspect="1"/>
+          </p:cNvPicPr>
           <p:nvPr/>
-        </p:nvGrpSpPr>
-        <p:grpSpPr>
+        </p:nvPicPr>
+        <p:blipFill>
+          <a:blip r:embed="rId2"/>
+          <a:stretch>
+            <a:fillRect/>
+          </a:stretch>
+        </p:blipFill>
+        <p:spPr>
           <a:xfrm>
-            <a:off x="785848" y="1157416"/>
-            <a:ext cx="5690287" cy="2055931"/>
-            <a:chOff x="273908" y="1066800"/>
-            <a:chExt cx="7302481" cy="2638425"/>
+            <a:off x="1794848" y="1714078"/>
+            <a:ext cx="1989132" cy="942611"/>
           </a:xfrm>
-        </p:grpSpPr>
-        <p:pic>
-          <p:nvPicPr>
-            <p:cNvPr id="5" name="Picture 4"/>
-            <p:cNvPicPr>
-              <a:picLocks noChangeAspect="1"/>
-            </p:cNvPicPr>
-            <p:nvPr/>
-          </p:nvPicPr>
-          <p:blipFill>
-            <a:blip r:embed="rId2"/>
-            <a:stretch>
-              <a:fillRect/>
-            </a:stretch>
-          </p:blipFill>
-          <p:spPr>
-            <a:xfrm>
-              <a:off x="273908" y="1781177"/>
-              <a:ext cx="2552700" cy="1209675"/>
-            </a:xfrm>
-            <a:prstGeom prst="rect">
-              <a:avLst/>
-            </a:prstGeom>
-          </p:spPr>
-        </p:pic>
-        <p:sp>
-          <p:nvSpPr>
-            <p:cNvPr id="6" name="Right Arrow 5"/>
-            <p:cNvSpPr/>
-            <p:nvPr/>
-          </p:nvSpPr>
-          <p:spPr>
-            <a:xfrm>
-              <a:off x="3657242" y="2183106"/>
-              <a:ext cx="402195" cy="405815"/>
-            </a:xfrm>
-            <a:prstGeom prst="rightArrow">
-              <a:avLst/>
-            </a:prstGeom>
+          <a:prstGeom prst="rect">
+            <a:avLst/>
+          </a:prstGeom>
+        </p:spPr>
+      </p:pic>
+      <p:sp>
+        <p:nvSpPr>
+          <p:cNvPr id="6" name="Right Arrow 5"/>
+          <p:cNvSpPr/>
+          <p:nvPr/>
+        </p:nvSpPr>
+        <p:spPr>
+          <a:xfrm>
+            <a:off x="3926732" y="2027271"/>
+            <a:ext cx="313401" cy="316222"/>
+          </a:xfrm>
+          <a:prstGeom prst="rightArrow">
+            <a:avLst/>
+          </a:prstGeom>
+          <a:solidFill>
+            <a:srgbClr val="0070C0"/>
+          </a:solidFill>
+          <a:ln w="0" cmpd="sng">
             <a:solidFill>
               <a:srgbClr val="0070C0"/>
             </a:solidFill>
-            <a:ln>
-              <a:solidFill>
-                <a:srgbClr val="0070C0"/>
-              </a:solidFill>
-            </a:ln>
-          </p:spPr>
-          <p:style>
-            <a:lnRef idx="2">
-              <a:schemeClr val="accent1">
-                <a:shade val="50000"/>
-              </a:schemeClr>
-            </a:lnRef>
-            <a:fillRef idx="1">
-              <a:schemeClr val="accent1"/>
-            </a:fillRef>
-            <a:effectRef idx="0">
-              <a:schemeClr val="accent1"/>
-            </a:effectRef>
-            <a:fontRef idx="minor">
-              <a:schemeClr val="lt1"/>
-            </a:fontRef>
-          </p:style>
-          <p:txBody>
-            <a:bodyPr rtlCol="0" anchor="ctr"/>
-            <a:lstStyle/>
-            <a:p>
-              <a:pPr algn="ctr"/>
-              <a:endParaRPr lang="en-US"/>
-            </a:p>
-          </p:txBody>
-        </p:sp>
-        <p:pic>
-          <p:nvPicPr>
-            <p:cNvPr id="7" name="Picture 6"/>
-            <p:cNvPicPr>
-              <a:picLocks noChangeAspect="1"/>
-            </p:cNvPicPr>
-            <p:nvPr/>
-          </p:nvPicPr>
-          <p:blipFill>
-            <a:blip r:embed="rId3"/>
-            <a:stretch>
-              <a:fillRect/>
-            </a:stretch>
-          </p:blipFill>
-          <p:spPr>
-            <a:xfrm>
-              <a:off x="4909389" y="1066800"/>
-              <a:ext cx="2667000" cy="2638425"/>
-            </a:xfrm>
-            <a:prstGeom prst="rect">
-              <a:avLst/>
-            </a:prstGeom>
-          </p:spPr>
-        </p:pic>
-      </p:grpSp>
+          </a:ln>
+        </p:spPr>
+        <p:style>
+          <a:lnRef idx="2">
+            <a:schemeClr val="accent1">
+              <a:shade val="50000"/>
+            </a:schemeClr>
+          </a:lnRef>
+          <a:fillRef idx="1">
+            <a:schemeClr val="accent1"/>
+          </a:fillRef>
+          <a:effectRef idx="0">
+            <a:schemeClr val="accent1"/>
+          </a:effectRef>
+          <a:fontRef idx="minor">
+            <a:schemeClr val="lt1"/>
+          </a:fontRef>
+        </p:style>
+        <p:txBody>
+          <a:bodyPr rtlCol="0" anchor="ctr"/>
+          <a:lstStyle/>
+          <a:p>
+            <a:pPr algn="ctr"/>
+            <a:endParaRPr lang="en-US"/>
+          </a:p>
+        </p:txBody>
+      </p:sp>
+      <p:pic>
+        <p:nvPicPr>
+          <p:cNvPr id="7" name="Picture 6"/>
+          <p:cNvPicPr>
+            <a:picLocks noChangeAspect="1"/>
+          </p:cNvPicPr>
+          <p:nvPr/>
+        </p:nvPicPr>
+        <p:blipFill>
+          <a:blip r:embed="rId3"/>
+          <a:stretch>
+            <a:fillRect/>
+          </a:stretch>
+        </p:blipFill>
+        <p:spPr>
+          <a:xfrm>
+            <a:off x="4397938" y="1157416"/>
+            <a:ext cx="2078197" cy="2055931"/>
+          </a:xfrm>
+          <a:prstGeom prst="rect">
+            <a:avLst/>
+          </a:prstGeom>
+        </p:spPr>
+      </p:pic>
       <p:pic>
         <p:nvPicPr>
           <p:cNvPr id="9" name="Picture 8"/>
@@ -12334,7 +13978,7 @@
         </p:blipFill>
         <p:spPr>
           <a:xfrm>
-            <a:off x="2173492" y="3661620"/>
+            <a:off x="2551867" y="3582790"/>
             <a:ext cx="2532128" cy="1344958"/>
           </a:xfrm>
           <a:prstGeom prst="rect">
@@ -12357,7 +14001,7 @@
             <a:avLst/>
           </a:prstGeom>
           <a:noFill/>
-          <a:ln w="57150">
+          <a:ln w="34925" cmpd="sng">
             <a:solidFill>
               <a:srgbClr val="FF0000"/>
             </a:solidFill>
@@ -12479,7 +14123,7 @@
                                         <p:tgtEl>
                                           <p:spTgt spid="2">
                                             <p:txEl>
-                                              <p:pRg st="6" end="6"/>
+                                              <p:pRg st="5" end="5"/>
                                             </p:txEl>
                                           </p:spTgt>
                                         </p:tgtEl>
@@ -12574,6 +14218,355 @@
       </p:grpSpPr>
       <p:sp>
         <p:nvSpPr>
+          <p:cNvPr id="3" name="Slide Number Placeholder 2"/>
+          <p:cNvSpPr>
+            <a:spLocks noGrp="1"/>
+          </p:cNvSpPr>
+          <p:nvPr>
+            <p:ph type="sldNum" sz="quarter" idx="4"/>
+          </p:nvPr>
+        </p:nvSpPr>
+        <p:spPr/>
+        <p:txBody>
+          <a:bodyPr/>
+          <a:lstStyle/>
+          <a:p>
+            <a:fld id="{02B133D6-D2DE-BA4C-B40A-914820A47904}" type="slidenum">
+              <a:rPr lang="en-US" smtClean="0"/>
+              <a:pPr/>
+              <a:t>26</a:t>
+            </a:fld>
+            <a:endParaRPr lang="en-US" dirty="0"/>
+          </a:p>
+        </p:txBody>
+      </p:sp>
+      <p:sp>
+        <p:nvSpPr>
+          <p:cNvPr id="4" name="Title 3"/>
+          <p:cNvSpPr>
+            <a:spLocks noGrp="1"/>
+          </p:cNvSpPr>
+          <p:nvPr>
+            <p:ph type="title"/>
+          </p:nvPr>
+        </p:nvSpPr>
+        <p:spPr/>
+        <p:txBody>
+          <a:bodyPr/>
+          <a:lstStyle/>
+          <a:p>
+            <a:r>
+              <a:rPr lang="en-US" dirty="0" smtClean="0"/>
+              <a:t>How it affects our code?</a:t>
+            </a:r>
+            <a:endParaRPr lang="en-US" dirty="0"/>
+          </a:p>
+        </p:txBody>
+      </p:sp>
+      <p:pic>
+        <p:nvPicPr>
+          <p:cNvPr id="5" name="Content Placeholder 4"/>
+          <p:cNvPicPr>
+            <a:picLocks noGrp="1" noChangeAspect="1"/>
+          </p:cNvPicPr>
+          <p:nvPr>
+            <p:ph idx="1"/>
+          </p:nvPr>
+        </p:nvPicPr>
+        <p:blipFill>
+          <a:blip r:embed="rId3"/>
+          <a:stretch>
+            <a:fillRect/>
+          </a:stretch>
+        </p:blipFill>
+        <p:spPr>
+          <a:xfrm>
+            <a:off x="382780" y="2171588"/>
+            <a:ext cx="2481837" cy="1421223"/>
+          </a:xfrm>
+          <a:prstGeom prst="rect">
+            <a:avLst/>
+          </a:prstGeom>
+        </p:spPr>
+      </p:pic>
+      <p:sp>
+        <p:nvSpPr>
+          <p:cNvPr id="7" name="Right Arrow 6"/>
+          <p:cNvSpPr/>
+          <p:nvPr/>
+        </p:nvSpPr>
+        <p:spPr>
+          <a:xfrm>
+            <a:off x="3115600" y="2724089"/>
+            <a:ext cx="313401" cy="316222"/>
+          </a:xfrm>
+          <a:prstGeom prst="rightArrow">
+            <a:avLst/>
+          </a:prstGeom>
+          <a:solidFill>
+            <a:srgbClr val="0070C0"/>
+          </a:solidFill>
+          <a:ln>
+            <a:solidFill>
+              <a:srgbClr val="0070C0"/>
+            </a:solidFill>
+          </a:ln>
+        </p:spPr>
+        <p:style>
+          <a:lnRef idx="2">
+            <a:schemeClr val="accent1">
+              <a:shade val="50000"/>
+            </a:schemeClr>
+          </a:lnRef>
+          <a:fillRef idx="1">
+            <a:schemeClr val="accent1"/>
+          </a:fillRef>
+          <a:effectRef idx="0">
+            <a:schemeClr val="accent1"/>
+          </a:effectRef>
+          <a:fontRef idx="minor">
+            <a:schemeClr val="lt1"/>
+          </a:fontRef>
+        </p:style>
+        <p:txBody>
+          <a:bodyPr rtlCol="0" anchor="ctr"/>
+          <a:lstStyle/>
+          <a:p>
+            <a:pPr algn="ctr"/>
+            <a:endParaRPr lang="en-US"/>
+          </a:p>
+        </p:txBody>
+      </p:sp>
+      <p:pic>
+        <p:nvPicPr>
+          <p:cNvPr id="8" name="Picture 7"/>
+          <p:cNvPicPr>
+            <a:picLocks noChangeAspect="1"/>
+          </p:cNvPicPr>
+          <p:nvPr/>
+        </p:nvPicPr>
+        <p:blipFill>
+          <a:blip r:embed="rId4"/>
+          <a:stretch>
+            <a:fillRect/>
+          </a:stretch>
+        </p:blipFill>
+        <p:spPr>
+          <a:xfrm>
+            <a:off x="3679984" y="1792736"/>
+            <a:ext cx="2751454" cy="2164409"/>
+          </a:xfrm>
+          <a:prstGeom prst="rect">
+            <a:avLst/>
+          </a:prstGeom>
+        </p:spPr>
+      </p:pic>
+      <p:pic>
+        <p:nvPicPr>
+          <p:cNvPr id="9" name="Picture 8"/>
+          <p:cNvPicPr>
+            <a:picLocks noChangeAspect="1"/>
+          </p:cNvPicPr>
+          <p:nvPr/>
+        </p:nvPicPr>
+        <p:blipFill>
+          <a:blip r:embed="rId5"/>
+          <a:stretch>
+            <a:fillRect/>
+          </a:stretch>
+        </p:blipFill>
+        <p:spPr>
+          <a:xfrm>
+            <a:off x="3656335" y="4174688"/>
+            <a:ext cx="1238857" cy="528650"/>
+          </a:xfrm>
+          <a:prstGeom prst="rect">
+            <a:avLst/>
+          </a:prstGeom>
+        </p:spPr>
+      </p:pic>
+    </p:spTree>
+    <p:extLst>
+      <p:ext uri="{BB962C8B-B14F-4D97-AF65-F5344CB8AC3E}">
+        <p14:creationId xmlns:p14="http://schemas.microsoft.com/office/powerpoint/2010/main" val="2690864831"/>
+      </p:ext>
+    </p:extLst>
+  </p:cSld>
+  <p:clrMapOvr>
+    <a:masterClrMapping/>
+  </p:clrMapOvr>
+  <p:timing>
+    <p:tnLst>
+      <p:par>
+        <p:cTn id="1" dur="indefinite" restart="never" nodeType="tmRoot">
+          <p:childTnLst>
+            <p:seq concurrent="1" nextAc="seek">
+              <p:cTn id="2" dur="indefinite" nodeType="mainSeq">
+                <p:childTnLst>
+                  <p:par>
+                    <p:cTn id="3" fill="hold">
+                      <p:stCondLst>
+                        <p:cond delay="indefinite"/>
+                      </p:stCondLst>
+                      <p:childTnLst>
+                        <p:par>
+                          <p:cTn id="4" fill="hold">
+                            <p:stCondLst>
+                              <p:cond delay="0"/>
+                            </p:stCondLst>
+                            <p:childTnLst>
+                              <p:par>
+                                <p:cTn id="5" presetID="1" presetClass="entr" presetSubtype="0" fill="hold" grpId="0" nodeType="clickEffect">
+                                  <p:stCondLst>
+                                    <p:cond delay="0"/>
+                                  </p:stCondLst>
+                                  <p:childTnLst>
+                                    <p:set>
+                                      <p:cBhvr>
+                                        <p:cTn id="6" dur="1" fill="hold">
+                                          <p:stCondLst>
+                                            <p:cond delay="0"/>
+                                          </p:stCondLst>
+                                        </p:cTn>
+                                        <p:tgtEl>
+                                          <p:spTgt spid="7"/>
+                                        </p:tgtEl>
+                                        <p:attrNameLst>
+                                          <p:attrName>style.visibility</p:attrName>
+                                        </p:attrNameLst>
+                                      </p:cBhvr>
+                                      <p:to>
+                                        <p:strVal val="visible"/>
+                                      </p:to>
+                                    </p:set>
+                                  </p:childTnLst>
+                                </p:cTn>
+                              </p:par>
+                              <p:par>
+                                <p:cTn id="7" presetID="1" presetClass="entr" presetSubtype="0" fill="hold" nodeType="withEffect">
+                                  <p:stCondLst>
+                                    <p:cond delay="0"/>
+                                  </p:stCondLst>
+                                  <p:childTnLst>
+                                    <p:set>
+                                      <p:cBhvr>
+                                        <p:cTn id="8" dur="1" fill="hold">
+                                          <p:stCondLst>
+                                            <p:cond delay="0"/>
+                                          </p:stCondLst>
+                                        </p:cTn>
+                                        <p:tgtEl>
+                                          <p:spTgt spid="8"/>
+                                        </p:tgtEl>
+                                        <p:attrNameLst>
+                                          <p:attrName>style.visibility</p:attrName>
+                                        </p:attrNameLst>
+                                      </p:cBhvr>
+                                      <p:to>
+                                        <p:strVal val="visible"/>
+                                      </p:to>
+                                    </p:set>
+                                  </p:childTnLst>
+                                </p:cTn>
+                              </p:par>
+                            </p:childTnLst>
+                          </p:cTn>
+                        </p:par>
+                      </p:childTnLst>
+                    </p:cTn>
+                  </p:par>
+                  <p:par>
+                    <p:cTn id="9" fill="hold">
+                      <p:stCondLst>
+                        <p:cond delay="indefinite"/>
+                      </p:stCondLst>
+                      <p:childTnLst>
+                        <p:par>
+                          <p:cTn id="10" fill="hold">
+                            <p:stCondLst>
+                              <p:cond delay="0"/>
+                            </p:stCondLst>
+                            <p:childTnLst>
+                              <p:par>
+                                <p:cTn id="11" presetID="1" presetClass="entr" presetSubtype="0" fill="hold" nodeType="clickEffect">
+                                  <p:stCondLst>
+                                    <p:cond delay="0"/>
+                                  </p:stCondLst>
+                                  <p:childTnLst>
+                                    <p:set>
+                                      <p:cBhvr>
+                                        <p:cTn id="12" dur="1" fill="hold">
+                                          <p:stCondLst>
+                                            <p:cond delay="0"/>
+                                          </p:stCondLst>
+                                        </p:cTn>
+                                        <p:tgtEl>
+                                          <p:spTgt spid="9"/>
+                                        </p:tgtEl>
+                                        <p:attrNameLst>
+                                          <p:attrName>style.visibility</p:attrName>
+                                        </p:attrNameLst>
+                                      </p:cBhvr>
+                                      <p:to>
+                                        <p:strVal val="visible"/>
+                                      </p:to>
+                                    </p:set>
+                                  </p:childTnLst>
+                                </p:cTn>
+                              </p:par>
+                            </p:childTnLst>
+                          </p:cTn>
+                        </p:par>
+                      </p:childTnLst>
+                    </p:cTn>
+                  </p:par>
+                </p:childTnLst>
+              </p:cTn>
+              <p:prevCondLst>
+                <p:cond evt="onPrev" delay="0">
+                  <p:tgtEl>
+                    <p:sldTgt/>
+                  </p:tgtEl>
+                </p:cond>
+              </p:prevCondLst>
+              <p:nextCondLst>
+                <p:cond evt="onNext" delay="0">
+                  <p:tgtEl>
+                    <p:sldTgt/>
+                  </p:tgtEl>
+                </p:cond>
+              </p:nextCondLst>
+            </p:seq>
+          </p:childTnLst>
+        </p:cTn>
+      </p:par>
+    </p:tnLst>
+    <p:bldLst>
+      <p:bldP spid="7" grpId="0" animBg="1"/>
+    </p:bldLst>
+  </p:timing>
+</p:sld>
+</file>
+
+<file path=ppt/slides/slide27.xml><?xml version="1.0" encoding="utf-8"?>
+<p:sld xmlns:a="http://schemas.openxmlformats.org/drawingml/2006/main" xmlns:r="http://schemas.openxmlformats.org/officeDocument/2006/relationships" xmlns:p="http://schemas.openxmlformats.org/presentationml/2006/main">
+  <p:cSld>
+    <p:spTree>
+      <p:nvGrpSpPr>
+        <p:cNvPr id="1" name=""/>
+        <p:cNvGrpSpPr/>
+        <p:nvPr/>
+      </p:nvGrpSpPr>
+      <p:grpSpPr>
+        <a:xfrm>
+          <a:off x="0" y="0"/>
+          <a:ext cx="0" cy="0"/>
+          <a:chOff x="0" y="0"/>
+          <a:chExt cx="0" cy="0"/>
+        </a:xfrm>
+      </p:grpSpPr>
+      <p:sp>
+        <p:nvSpPr>
           <p:cNvPr id="2" name="Content Placeholder 1"/>
           <p:cNvSpPr>
             <a:spLocks noGrp="1"/>
@@ -12582,10 +14575,15 @@
             <p:ph idx="1"/>
           </p:nvPr>
         </p:nvSpPr>
-        <p:spPr/>
+        <p:spPr>
+          <a:xfrm>
+            <a:off x="1868214" y="1248769"/>
+            <a:ext cx="4875488" cy="3266863"/>
+          </a:xfrm>
+        </p:spPr>
         <p:txBody>
           <a:bodyPr>
-            <a:normAutofit fontScale="85000" lnSpcReduction="20000"/>
+            <a:normAutofit fontScale="92500" lnSpcReduction="20000"/>
           </a:bodyPr>
           <a:lstStyle/>
           <a:p>
@@ -12648,14 +14646,11 @@
             <a:pPr lvl="1" algn="l"/>
             <a:r>
               <a:rPr lang="en-US" dirty="0" smtClean="0"/>
-              <a:t>Don’t repeat yourself principle</a:t>
-            </a:r>
-          </a:p>
-          <a:p>
-            <a:pPr lvl="1" algn="l"/>
+              <a:t>Single </a:t>
+            </a:r>
             <a:r>
               <a:rPr lang="en-US" dirty="0" smtClean="0"/>
-              <a:t>Single Responsibility principle</a:t>
+              <a:t>Responsibility principle</a:t>
             </a:r>
           </a:p>
           <a:p>
@@ -12704,7 +14699,7 @@
             <a:fld id="{02B133D6-D2DE-BA4C-B40A-914820A47904}" type="slidenum">
               <a:rPr lang="en-US" smtClean="0"/>
               <a:pPr/>
-              <a:t>26</a:t>
+              <a:t>27</a:t>
             </a:fld>
             <a:endParaRPr lang="en-US" dirty="0"/>
           </a:p>
@@ -12749,6 +14744,379 @@
         <p:cTn id="1" dur="indefinite" restart="never" nodeType="tmRoot"/>
       </p:par>
     </p:tnLst>
+  </p:timing>
+</p:sld>
+</file>
+
+<file path=ppt/slides/slide28.xml><?xml version="1.0" encoding="utf-8"?>
+<p:sld xmlns:a="http://schemas.openxmlformats.org/drawingml/2006/main" xmlns:r="http://schemas.openxmlformats.org/officeDocument/2006/relationships" xmlns:p="http://schemas.openxmlformats.org/presentationml/2006/main">
+  <p:cSld>
+    <p:spTree>
+      <p:nvGrpSpPr>
+        <p:cNvPr id="1" name=""/>
+        <p:cNvGrpSpPr/>
+        <p:nvPr/>
+      </p:nvGrpSpPr>
+      <p:grpSpPr>
+        <a:xfrm>
+          <a:off x="0" y="0"/>
+          <a:ext cx="0" cy="0"/>
+          <a:chOff x="0" y="0"/>
+          <a:chExt cx="0" cy="0"/>
+        </a:xfrm>
+      </p:grpSpPr>
+      <p:sp>
+        <p:nvSpPr>
+          <p:cNvPr id="2" name="Slide Number Placeholder 1"/>
+          <p:cNvSpPr>
+            <a:spLocks noGrp="1"/>
+          </p:cNvSpPr>
+          <p:nvPr>
+            <p:ph type="sldNum" sz="quarter" idx="4"/>
+          </p:nvPr>
+        </p:nvSpPr>
+        <p:spPr/>
+        <p:txBody>
+          <a:bodyPr/>
+          <a:lstStyle/>
+          <a:p>
+            <a:fld id="{02B133D6-D2DE-BA4C-B40A-914820A47904}" type="slidenum">
+              <a:rPr lang="en-US" smtClean="0"/>
+              <a:pPr/>
+              <a:t>28</a:t>
+            </a:fld>
+            <a:endParaRPr lang="en-US" dirty="0"/>
+          </a:p>
+        </p:txBody>
+      </p:sp>
+      <p:sp>
+        <p:nvSpPr>
+          <p:cNvPr id="3" name="Text Placeholder 2"/>
+          <p:cNvSpPr>
+            <a:spLocks noGrp="1"/>
+          </p:cNvSpPr>
+          <p:nvPr>
+            <p:ph type="body" sz="quarter" idx="10"/>
+          </p:nvPr>
+        </p:nvSpPr>
+        <p:spPr/>
+        <p:txBody>
+          <a:bodyPr>
+            <a:normAutofit/>
+          </a:bodyPr>
+          <a:lstStyle/>
+          <a:p>
+            <a:r>
+              <a:rPr lang="en-US" sz="3200" dirty="0" smtClean="0"/>
+              <a:t>Protecting your information from being used incorrectly</a:t>
+            </a:r>
+            <a:endParaRPr lang="en-US" sz="3200" dirty="0"/>
+          </a:p>
+        </p:txBody>
+      </p:sp>
+      <p:sp>
+        <p:nvSpPr>
+          <p:cNvPr id="4" name="Title 3"/>
+          <p:cNvSpPr>
+            <a:spLocks noGrp="1"/>
+          </p:cNvSpPr>
+          <p:nvPr>
+            <p:ph type="title"/>
+          </p:nvPr>
+        </p:nvSpPr>
+        <p:spPr>
+          <a:xfrm>
+            <a:off x="189636" y="1414506"/>
+            <a:ext cx="2553564" cy="553998"/>
+          </a:xfrm>
+        </p:spPr>
+        <p:txBody>
+          <a:bodyPr/>
+          <a:lstStyle/>
+          <a:p>
+            <a:r>
+              <a:rPr lang="en-US" dirty="0" smtClean="0"/>
+              <a:t>Encapsulation</a:t>
+            </a:r>
+            <a:endParaRPr lang="en-US" dirty="0"/>
+          </a:p>
+        </p:txBody>
+      </p:sp>
+    </p:spTree>
+    <p:extLst>
+      <p:ext uri="{BB962C8B-B14F-4D97-AF65-F5344CB8AC3E}">
+        <p14:creationId xmlns:p14="http://schemas.microsoft.com/office/powerpoint/2010/main" val="2010127346"/>
+      </p:ext>
+    </p:extLst>
+  </p:cSld>
+  <p:clrMapOvr>
+    <a:masterClrMapping/>
+  </p:clrMapOvr>
+  <p:timing>
+    <p:tnLst>
+      <p:par>
+        <p:cTn id="1" dur="indefinite" restart="never" nodeType="tmRoot"/>
+      </p:par>
+    </p:tnLst>
+  </p:timing>
+</p:sld>
+</file>
+
+<file path=ppt/slides/slide29.xml><?xml version="1.0" encoding="utf-8"?>
+<p:sld xmlns:a="http://schemas.openxmlformats.org/drawingml/2006/main" xmlns:r="http://schemas.openxmlformats.org/officeDocument/2006/relationships" xmlns:p="http://schemas.openxmlformats.org/presentationml/2006/main">
+  <p:cSld>
+    <p:spTree>
+      <p:nvGrpSpPr>
+        <p:cNvPr id="1" name=""/>
+        <p:cNvGrpSpPr/>
+        <p:nvPr/>
+      </p:nvGrpSpPr>
+      <p:grpSpPr>
+        <a:xfrm>
+          <a:off x="0" y="0"/>
+          <a:ext cx="0" cy="0"/>
+          <a:chOff x="0" y="0"/>
+          <a:chExt cx="0" cy="0"/>
+        </a:xfrm>
+      </p:grpSpPr>
+      <p:sp>
+        <p:nvSpPr>
+          <p:cNvPr id="3" name="Slide Number Placeholder 2"/>
+          <p:cNvSpPr>
+            <a:spLocks noGrp="1"/>
+          </p:cNvSpPr>
+          <p:nvPr>
+            <p:ph type="sldNum" sz="quarter" idx="4"/>
+          </p:nvPr>
+        </p:nvSpPr>
+        <p:spPr/>
+        <p:txBody>
+          <a:bodyPr/>
+          <a:lstStyle/>
+          <a:p>
+            <a:fld id="{02B133D6-D2DE-BA4C-B40A-914820A47904}" type="slidenum">
+              <a:rPr lang="en-US" smtClean="0"/>
+              <a:pPr/>
+              <a:t>29</a:t>
+            </a:fld>
+            <a:endParaRPr lang="en-US" dirty="0"/>
+          </a:p>
+        </p:txBody>
+      </p:sp>
+      <p:sp>
+        <p:nvSpPr>
+          <p:cNvPr id="4" name="Title 3"/>
+          <p:cNvSpPr>
+            <a:spLocks noGrp="1"/>
+          </p:cNvSpPr>
+          <p:nvPr>
+            <p:ph type="title"/>
+          </p:nvPr>
+        </p:nvSpPr>
+        <p:spPr/>
+        <p:txBody>
+          <a:bodyPr/>
+          <a:lstStyle/>
+          <a:p>
+            <a:r>
+              <a:rPr lang="en-US" dirty="0" smtClean="0"/>
+              <a:t>Encapsulation - example</a:t>
+            </a:r>
+            <a:endParaRPr lang="en-US" dirty="0"/>
+          </a:p>
+        </p:txBody>
+      </p:sp>
+      <p:pic>
+        <p:nvPicPr>
+          <p:cNvPr id="5" name="Picture 4"/>
+          <p:cNvPicPr>
+            <a:picLocks noChangeAspect="1"/>
+          </p:cNvPicPr>
+          <p:nvPr/>
+        </p:nvPicPr>
+        <p:blipFill>
+          <a:blip r:embed="rId3"/>
+          <a:stretch>
+            <a:fillRect/>
+          </a:stretch>
+        </p:blipFill>
+        <p:spPr>
+          <a:xfrm>
+            <a:off x="640343" y="1281042"/>
+            <a:ext cx="2181225" cy="1133475"/>
+          </a:xfrm>
+          <a:prstGeom prst="rect">
+            <a:avLst/>
+          </a:prstGeom>
+        </p:spPr>
+      </p:pic>
+      <p:pic>
+        <p:nvPicPr>
+          <p:cNvPr id="6" name="Picture 5"/>
+          <p:cNvPicPr>
+            <a:picLocks noChangeAspect="1"/>
+          </p:cNvPicPr>
+          <p:nvPr/>
+        </p:nvPicPr>
+        <p:blipFill>
+          <a:blip r:embed="rId4"/>
+          <a:stretch>
+            <a:fillRect/>
+          </a:stretch>
+        </p:blipFill>
+        <p:spPr>
+          <a:xfrm>
+            <a:off x="640343" y="2730758"/>
+            <a:ext cx="3638550" cy="1752600"/>
+          </a:xfrm>
+          <a:prstGeom prst="rect">
+            <a:avLst/>
+          </a:prstGeom>
+        </p:spPr>
+      </p:pic>
+      <p:sp>
+        <p:nvSpPr>
+          <p:cNvPr id="8" name="Title 1"/>
+          <p:cNvSpPr txBox="1">
+            <a:spLocks/>
+          </p:cNvSpPr>
+          <p:nvPr/>
+        </p:nvSpPr>
+        <p:spPr>
+          <a:xfrm>
+            <a:off x="3545210" y="1560482"/>
+            <a:ext cx="3371912" cy="703282"/>
+          </a:xfrm>
+          <a:prstGeom prst="rect">
+            <a:avLst/>
+          </a:prstGeom>
+        </p:spPr>
+        <p:txBody>
+          <a:bodyPr vert="horz" lIns="91440" tIns="45720" rIns="91440" bIns="45720" rtlCol="0" anchor="ctr">
+            <a:noAutofit/>
+          </a:bodyPr>
+          <a:lstStyle>
+            <a:lvl1pPr algn="ctr" defTabSz="914400" rtl="0" eaLnBrk="1" latinLnBrk="0" hangingPunct="1">
+              <a:spcBef>
+                <a:spcPct val="0"/>
+              </a:spcBef>
+              <a:buNone/>
+              <a:defRPr sz="3600" b="1" u="none" kern="1200" cap="all" baseline="0">
+                <a:solidFill>
+                  <a:schemeClr val="bg2"/>
+                </a:solidFill>
+                <a:latin typeface="+mj-lt"/>
+                <a:ea typeface="+mj-ea"/>
+                <a:cs typeface="+mj-cs"/>
+              </a:defRPr>
+            </a:lvl1pPr>
+          </a:lstStyle>
+          <a:p>
+            <a:r>
+              <a:rPr lang="en-US" sz="3200" dirty="0" smtClean="0">
+                <a:solidFill>
+                  <a:srgbClr val="FF0000"/>
+                </a:solidFill>
+                <a:latin typeface="Calibri"/>
+              </a:rPr>
+              <a:t>Problem?</a:t>
+            </a:r>
+            <a:endParaRPr lang="en-US" sz="3200" dirty="0">
+              <a:solidFill>
+                <a:srgbClr val="FF0000"/>
+              </a:solidFill>
+              <a:latin typeface="Calibri"/>
+            </a:endParaRPr>
+          </a:p>
+        </p:txBody>
+      </p:sp>
+    </p:spTree>
+    <p:extLst>
+      <p:ext uri="{BB962C8B-B14F-4D97-AF65-F5344CB8AC3E}">
+        <p14:creationId xmlns:p14="http://schemas.microsoft.com/office/powerpoint/2010/main" val="343472672"/>
+      </p:ext>
+    </p:extLst>
+  </p:cSld>
+  <p:clrMapOvr>
+    <a:masterClrMapping/>
+  </p:clrMapOvr>
+  <p:timing>
+    <p:tnLst>
+      <p:par>
+        <p:cTn id="1" dur="indefinite" restart="never" nodeType="tmRoot">
+          <p:childTnLst>
+            <p:seq concurrent="1" nextAc="seek">
+              <p:cTn id="2" dur="indefinite" nodeType="mainSeq">
+                <p:childTnLst>
+                  <p:par>
+                    <p:cTn id="3" fill="hold">
+                      <p:stCondLst>
+                        <p:cond delay="indefinite"/>
+                      </p:stCondLst>
+                      <p:childTnLst>
+                        <p:par>
+                          <p:cTn id="4" fill="hold">
+                            <p:stCondLst>
+                              <p:cond delay="0"/>
+                            </p:stCondLst>
+                            <p:childTnLst>
+                              <p:par>
+                                <p:cTn id="5" presetID="1" presetClass="entr" presetSubtype="0" fill="hold" grpId="0" nodeType="clickEffect">
+                                  <p:stCondLst>
+                                    <p:cond delay="0"/>
+                                  </p:stCondLst>
+                                  <p:childTnLst>
+                                    <p:set>
+                                      <p:cBhvr>
+                                        <p:cTn id="6" dur="1" fill="hold">
+                                          <p:stCondLst>
+                                            <p:cond delay="0"/>
+                                          </p:stCondLst>
+                                        </p:cTn>
+                                        <p:tgtEl>
+                                          <p:spTgt spid="8"/>
+                                        </p:tgtEl>
+                                        <p:attrNameLst>
+                                          <p:attrName>style.visibility</p:attrName>
+                                        </p:attrNameLst>
+                                      </p:cBhvr>
+                                      <p:to>
+                                        <p:strVal val="visible"/>
+                                      </p:to>
+                                    </p:set>
+                                  </p:childTnLst>
+                                </p:cTn>
+                              </p:par>
+                            </p:childTnLst>
+                          </p:cTn>
+                        </p:par>
+                      </p:childTnLst>
+                    </p:cTn>
+                  </p:par>
+                </p:childTnLst>
+              </p:cTn>
+              <p:prevCondLst>
+                <p:cond evt="onPrev" delay="0">
+                  <p:tgtEl>
+                    <p:sldTgt/>
+                  </p:tgtEl>
+                </p:cond>
+              </p:prevCondLst>
+              <p:nextCondLst>
+                <p:cond evt="onNext" delay="0">
+                  <p:tgtEl>
+                    <p:sldTgt/>
+                  </p:tgtEl>
+                </p:cond>
+              </p:nextCondLst>
+            </p:seq>
+          </p:childTnLst>
+        </p:cTn>
+      </p:par>
+    </p:tnLst>
+    <p:bldLst>
+      <p:bldP spid="8" grpId="0"/>
+    </p:bldLst>
   </p:timing>
 </p:sld>
 </file>
@@ -12811,7 +15179,19 @@
           <a:p>
             <a:r>
               <a:rPr lang="en-US" dirty="0" smtClean="0"/>
-              <a:t>A Non-Complex Program</a:t>
+              <a:t>A </a:t>
+            </a:r>
+            <a:r>
+              <a:rPr lang="en-US" dirty="0" smtClean="0"/>
+              <a:t>non-complex </a:t>
+            </a:r>
+            <a:r>
+              <a:rPr lang="en-US" dirty="0"/>
+              <a:t>p</a:t>
+            </a:r>
+            <a:r>
+              <a:rPr lang="en-US" dirty="0" smtClean="0"/>
+              <a:t>rogram</a:t>
             </a:r>
             <a:endParaRPr lang="en-US" dirty="0"/>
           </a:p>
@@ -12847,6 +15227,1634 @@
     <p:extLst>
       <p:ext uri="{BB962C8B-B14F-4D97-AF65-F5344CB8AC3E}">
         <p14:creationId xmlns:p14="http://schemas.microsoft.com/office/powerpoint/2010/main" val="918740617"/>
+      </p:ext>
+    </p:extLst>
+  </p:cSld>
+  <p:clrMapOvr>
+    <a:masterClrMapping/>
+  </p:clrMapOvr>
+  <p:timing>
+    <p:tnLst>
+      <p:par>
+        <p:cTn id="1" dur="indefinite" restart="never" nodeType="tmRoot"/>
+      </p:par>
+    </p:tnLst>
+  </p:timing>
+</p:sld>
+</file>
+
+<file path=ppt/slides/slide30.xml><?xml version="1.0" encoding="utf-8"?>
+<p:sld xmlns:a="http://schemas.openxmlformats.org/drawingml/2006/main" xmlns:r="http://schemas.openxmlformats.org/officeDocument/2006/relationships" xmlns:p="http://schemas.openxmlformats.org/presentationml/2006/main">
+  <p:cSld>
+    <p:spTree>
+      <p:nvGrpSpPr>
+        <p:cNvPr id="1" name=""/>
+        <p:cNvGrpSpPr/>
+        <p:nvPr/>
+      </p:nvGrpSpPr>
+      <p:grpSpPr>
+        <a:xfrm>
+          <a:off x="0" y="0"/>
+          <a:ext cx="0" cy="0"/>
+          <a:chOff x="0" y="0"/>
+          <a:chExt cx="0" cy="0"/>
+        </a:xfrm>
+      </p:grpSpPr>
+      <p:sp>
+        <p:nvSpPr>
+          <p:cNvPr id="3" name="Slide Number Placeholder 2"/>
+          <p:cNvSpPr>
+            <a:spLocks noGrp="1"/>
+          </p:cNvSpPr>
+          <p:nvPr>
+            <p:ph type="sldNum" sz="quarter" idx="4"/>
+          </p:nvPr>
+        </p:nvSpPr>
+        <p:spPr/>
+        <p:txBody>
+          <a:bodyPr/>
+          <a:lstStyle/>
+          <a:p>
+            <a:fld id="{02B133D6-D2DE-BA4C-B40A-914820A47904}" type="slidenum">
+              <a:rPr lang="en-US" smtClean="0"/>
+              <a:pPr/>
+              <a:t>30</a:t>
+            </a:fld>
+            <a:endParaRPr lang="en-US" dirty="0"/>
+          </a:p>
+        </p:txBody>
+      </p:sp>
+      <p:sp>
+        <p:nvSpPr>
+          <p:cNvPr id="4" name="Title 3"/>
+          <p:cNvSpPr>
+            <a:spLocks noGrp="1"/>
+          </p:cNvSpPr>
+          <p:nvPr>
+            <p:ph type="title"/>
+          </p:nvPr>
+        </p:nvSpPr>
+        <p:spPr/>
+        <p:txBody>
+          <a:bodyPr/>
+          <a:lstStyle/>
+          <a:p>
+            <a:r>
+              <a:rPr lang="en-US" dirty="0" smtClean="0"/>
+              <a:t>Encapsulation - example</a:t>
+            </a:r>
+            <a:endParaRPr lang="en-US" dirty="0"/>
+          </a:p>
+        </p:txBody>
+      </p:sp>
+      <p:sp>
+        <p:nvSpPr>
+          <p:cNvPr id="8" name="Title 1"/>
+          <p:cNvSpPr txBox="1">
+            <a:spLocks/>
+          </p:cNvSpPr>
+          <p:nvPr/>
+        </p:nvSpPr>
+        <p:spPr>
+          <a:xfrm>
+            <a:off x="3560976" y="1538246"/>
+            <a:ext cx="3371912" cy="703282"/>
+          </a:xfrm>
+          <a:prstGeom prst="rect">
+            <a:avLst/>
+          </a:prstGeom>
+        </p:spPr>
+        <p:txBody>
+          <a:bodyPr vert="horz" lIns="91440" tIns="45720" rIns="91440" bIns="45720" rtlCol="0" anchor="ctr">
+            <a:noAutofit/>
+          </a:bodyPr>
+          <a:lstStyle>
+            <a:lvl1pPr algn="ctr" defTabSz="914400" rtl="0" eaLnBrk="1" latinLnBrk="0" hangingPunct="1">
+              <a:spcBef>
+                <a:spcPct val="0"/>
+              </a:spcBef>
+              <a:buNone/>
+              <a:defRPr sz="3600" b="1" u="none" kern="1200" cap="all" baseline="0">
+                <a:solidFill>
+                  <a:schemeClr val="bg2"/>
+                </a:solidFill>
+                <a:latin typeface="+mj-lt"/>
+                <a:ea typeface="+mj-ea"/>
+                <a:cs typeface="+mj-cs"/>
+              </a:defRPr>
+            </a:lvl1pPr>
+          </a:lstStyle>
+          <a:p>
+            <a:r>
+              <a:rPr lang="en-US" sz="3200" dirty="0" smtClean="0">
+                <a:solidFill>
+                  <a:srgbClr val="FF0000"/>
+                </a:solidFill>
+                <a:latin typeface="Calibri"/>
+              </a:rPr>
+              <a:t>SOLUTION?</a:t>
+            </a:r>
+            <a:endParaRPr lang="en-US" sz="3200" dirty="0">
+              <a:solidFill>
+                <a:srgbClr val="FF0000"/>
+              </a:solidFill>
+              <a:latin typeface="Calibri"/>
+            </a:endParaRPr>
+          </a:p>
+        </p:txBody>
+      </p:sp>
+      <p:pic>
+        <p:nvPicPr>
+          <p:cNvPr id="9" name="Picture 8"/>
+          <p:cNvPicPr>
+            <a:picLocks noChangeAspect="1"/>
+          </p:cNvPicPr>
+          <p:nvPr/>
+        </p:nvPicPr>
+        <p:blipFill>
+          <a:blip r:embed="rId3"/>
+          <a:stretch>
+            <a:fillRect/>
+          </a:stretch>
+        </p:blipFill>
+        <p:spPr>
+          <a:xfrm>
+            <a:off x="640343" y="2794708"/>
+            <a:ext cx="4398743" cy="1521768"/>
+          </a:xfrm>
+          <a:prstGeom prst="rect">
+            <a:avLst/>
+          </a:prstGeom>
+          <a:ln>
+            <a:noFill/>
+          </a:ln>
+          <a:effectLst/>
+        </p:spPr>
+      </p:pic>
+      <p:pic>
+        <p:nvPicPr>
+          <p:cNvPr id="10" name="Picture 9"/>
+          <p:cNvPicPr>
+            <a:picLocks noChangeAspect="1"/>
+          </p:cNvPicPr>
+          <p:nvPr/>
+        </p:nvPicPr>
+        <p:blipFill>
+          <a:blip r:embed="rId4"/>
+          <a:stretch>
+            <a:fillRect/>
+          </a:stretch>
+        </p:blipFill>
+        <p:spPr>
+          <a:xfrm>
+            <a:off x="640343" y="1281042"/>
+            <a:ext cx="2181225" cy="1133475"/>
+          </a:xfrm>
+          <a:prstGeom prst="rect">
+            <a:avLst/>
+          </a:prstGeom>
+        </p:spPr>
+      </p:pic>
+      <p:sp>
+        <p:nvSpPr>
+          <p:cNvPr id="11" name="Right Arrow 10"/>
+          <p:cNvSpPr/>
+          <p:nvPr/>
+        </p:nvSpPr>
+        <p:spPr>
+          <a:xfrm rot="5400000">
+            <a:off x="1574254" y="2359263"/>
+            <a:ext cx="313401" cy="316222"/>
+          </a:xfrm>
+          <a:prstGeom prst="rightArrow">
+            <a:avLst/>
+          </a:prstGeom>
+          <a:solidFill>
+            <a:srgbClr val="0070C0"/>
+          </a:solidFill>
+          <a:ln w="0" cmpd="sng">
+            <a:solidFill>
+              <a:srgbClr val="0070C0"/>
+            </a:solidFill>
+          </a:ln>
+        </p:spPr>
+        <p:style>
+          <a:lnRef idx="2">
+            <a:schemeClr val="accent1">
+              <a:shade val="50000"/>
+            </a:schemeClr>
+          </a:lnRef>
+          <a:fillRef idx="1">
+            <a:schemeClr val="accent1"/>
+          </a:fillRef>
+          <a:effectRef idx="0">
+            <a:schemeClr val="accent1"/>
+          </a:effectRef>
+          <a:fontRef idx="minor">
+            <a:schemeClr val="lt1"/>
+          </a:fontRef>
+        </p:style>
+        <p:txBody>
+          <a:bodyPr rtlCol="0" anchor="ctr"/>
+          <a:lstStyle/>
+          <a:p>
+            <a:pPr algn="ctr"/>
+            <a:endParaRPr lang="en-US"/>
+          </a:p>
+        </p:txBody>
+      </p:sp>
+      <p:sp>
+        <p:nvSpPr>
+          <p:cNvPr id="12" name="Rectangle 11"/>
+          <p:cNvSpPr/>
+          <p:nvPr/>
+        </p:nvSpPr>
+        <p:spPr>
+          <a:xfrm>
+            <a:off x="1114491" y="1614241"/>
+            <a:ext cx="564537" cy="190911"/>
+          </a:xfrm>
+          <a:prstGeom prst="rect">
+            <a:avLst/>
+          </a:prstGeom>
+          <a:noFill/>
+          <a:ln w="34925" cmpd="sng">
+            <a:solidFill>
+              <a:srgbClr val="FF0000"/>
+            </a:solidFill>
+          </a:ln>
+        </p:spPr>
+        <p:style>
+          <a:lnRef idx="2">
+            <a:schemeClr val="accent1">
+              <a:shade val="50000"/>
+            </a:schemeClr>
+          </a:lnRef>
+          <a:fillRef idx="1">
+            <a:schemeClr val="accent1"/>
+          </a:fillRef>
+          <a:effectRef idx="0">
+            <a:schemeClr val="accent1"/>
+          </a:effectRef>
+          <a:fontRef idx="minor">
+            <a:schemeClr val="lt1"/>
+          </a:fontRef>
+        </p:style>
+        <p:txBody>
+          <a:bodyPr rtlCol="0" anchor="ctr"/>
+          <a:lstStyle/>
+          <a:p>
+            <a:pPr algn="ctr"/>
+            <a:endParaRPr lang="en-US"/>
+          </a:p>
+        </p:txBody>
+      </p:sp>
+      <p:sp>
+        <p:nvSpPr>
+          <p:cNvPr id="13" name="Rectangle 12"/>
+          <p:cNvSpPr/>
+          <p:nvPr/>
+        </p:nvSpPr>
+        <p:spPr>
+          <a:xfrm>
+            <a:off x="1024072" y="3023206"/>
+            <a:ext cx="564537" cy="190911"/>
+          </a:xfrm>
+          <a:prstGeom prst="rect">
+            <a:avLst/>
+          </a:prstGeom>
+          <a:noFill/>
+          <a:ln w="34925" cmpd="sng">
+            <a:solidFill>
+              <a:srgbClr val="FF0000"/>
+            </a:solidFill>
+          </a:ln>
+        </p:spPr>
+        <p:style>
+          <a:lnRef idx="2">
+            <a:schemeClr val="accent1">
+              <a:shade val="50000"/>
+            </a:schemeClr>
+          </a:lnRef>
+          <a:fillRef idx="1">
+            <a:schemeClr val="accent1"/>
+          </a:fillRef>
+          <a:effectRef idx="0">
+            <a:schemeClr val="accent1"/>
+          </a:effectRef>
+          <a:fontRef idx="minor">
+            <a:schemeClr val="lt1"/>
+          </a:fontRef>
+        </p:style>
+        <p:txBody>
+          <a:bodyPr rtlCol="0" anchor="ctr"/>
+          <a:lstStyle/>
+          <a:p>
+            <a:pPr algn="ctr"/>
+            <a:endParaRPr lang="en-US"/>
+          </a:p>
+        </p:txBody>
+      </p:sp>
+      <p:sp>
+        <p:nvSpPr>
+          <p:cNvPr id="14" name="Rectangle 13"/>
+          <p:cNvSpPr/>
+          <p:nvPr/>
+        </p:nvSpPr>
+        <p:spPr>
+          <a:xfrm>
+            <a:off x="1042465" y="3530330"/>
+            <a:ext cx="3996621" cy="611161"/>
+          </a:xfrm>
+          <a:prstGeom prst="rect">
+            <a:avLst/>
+          </a:prstGeom>
+          <a:noFill/>
+          <a:ln w="34925" cmpd="sng">
+            <a:solidFill>
+              <a:srgbClr val="FF0000"/>
+            </a:solidFill>
+          </a:ln>
+        </p:spPr>
+        <p:style>
+          <a:lnRef idx="2">
+            <a:schemeClr val="accent1">
+              <a:shade val="50000"/>
+            </a:schemeClr>
+          </a:lnRef>
+          <a:fillRef idx="1">
+            <a:schemeClr val="accent1"/>
+          </a:fillRef>
+          <a:effectRef idx="0">
+            <a:schemeClr val="accent1"/>
+          </a:effectRef>
+          <a:fontRef idx="minor">
+            <a:schemeClr val="lt1"/>
+          </a:fontRef>
+        </p:style>
+        <p:txBody>
+          <a:bodyPr rtlCol="0" anchor="ctr"/>
+          <a:lstStyle/>
+          <a:p>
+            <a:pPr algn="ctr"/>
+            <a:endParaRPr lang="en-US"/>
+          </a:p>
+        </p:txBody>
+      </p:sp>
+    </p:spTree>
+    <p:extLst>
+      <p:ext uri="{BB962C8B-B14F-4D97-AF65-F5344CB8AC3E}">
+        <p14:creationId xmlns:p14="http://schemas.microsoft.com/office/powerpoint/2010/main" val="3803339050"/>
+      </p:ext>
+    </p:extLst>
+  </p:cSld>
+  <p:clrMapOvr>
+    <a:masterClrMapping/>
+  </p:clrMapOvr>
+  <p:timing>
+    <p:tnLst>
+      <p:par>
+        <p:cTn id="1" dur="indefinite" restart="never" nodeType="tmRoot">
+          <p:childTnLst>
+            <p:seq concurrent="1" nextAc="seek">
+              <p:cTn id="2" dur="indefinite" nodeType="mainSeq">
+                <p:childTnLst>
+                  <p:par>
+                    <p:cTn id="3" fill="hold">
+                      <p:stCondLst>
+                        <p:cond delay="indefinite"/>
+                      </p:stCondLst>
+                      <p:childTnLst>
+                        <p:par>
+                          <p:cTn id="4" fill="hold">
+                            <p:stCondLst>
+                              <p:cond delay="0"/>
+                            </p:stCondLst>
+                            <p:childTnLst>
+                              <p:par>
+                                <p:cTn id="5" presetID="1" presetClass="entr" presetSubtype="0" fill="hold" grpId="0" nodeType="clickEffect">
+                                  <p:stCondLst>
+                                    <p:cond delay="0"/>
+                                  </p:stCondLst>
+                                  <p:childTnLst>
+                                    <p:set>
+                                      <p:cBhvr>
+                                        <p:cTn id="6" dur="1" fill="hold">
+                                          <p:stCondLst>
+                                            <p:cond delay="0"/>
+                                          </p:stCondLst>
+                                        </p:cTn>
+                                        <p:tgtEl>
+                                          <p:spTgt spid="12"/>
+                                        </p:tgtEl>
+                                        <p:attrNameLst>
+                                          <p:attrName>style.visibility</p:attrName>
+                                        </p:attrNameLst>
+                                      </p:cBhvr>
+                                      <p:to>
+                                        <p:strVal val="visible"/>
+                                      </p:to>
+                                    </p:set>
+                                  </p:childTnLst>
+                                </p:cTn>
+                              </p:par>
+                            </p:childTnLst>
+                          </p:cTn>
+                        </p:par>
+                      </p:childTnLst>
+                    </p:cTn>
+                  </p:par>
+                  <p:par>
+                    <p:cTn id="7" fill="hold">
+                      <p:stCondLst>
+                        <p:cond delay="indefinite"/>
+                      </p:stCondLst>
+                      <p:childTnLst>
+                        <p:par>
+                          <p:cTn id="8" fill="hold">
+                            <p:stCondLst>
+                              <p:cond delay="0"/>
+                            </p:stCondLst>
+                            <p:childTnLst>
+                              <p:par>
+                                <p:cTn id="9" presetID="1" presetClass="entr" presetSubtype="0" fill="hold" grpId="0" nodeType="clickEffect">
+                                  <p:stCondLst>
+                                    <p:cond delay="0"/>
+                                  </p:stCondLst>
+                                  <p:childTnLst>
+                                    <p:set>
+                                      <p:cBhvr>
+                                        <p:cTn id="10" dur="1" fill="hold">
+                                          <p:stCondLst>
+                                            <p:cond delay="0"/>
+                                          </p:stCondLst>
+                                        </p:cTn>
+                                        <p:tgtEl>
+                                          <p:spTgt spid="11"/>
+                                        </p:tgtEl>
+                                        <p:attrNameLst>
+                                          <p:attrName>style.visibility</p:attrName>
+                                        </p:attrNameLst>
+                                      </p:cBhvr>
+                                      <p:to>
+                                        <p:strVal val="visible"/>
+                                      </p:to>
+                                    </p:set>
+                                  </p:childTnLst>
+                                </p:cTn>
+                              </p:par>
+                              <p:par>
+                                <p:cTn id="11" presetID="1" presetClass="entr" presetSubtype="0" fill="hold" nodeType="withEffect">
+                                  <p:stCondLst>
+                                    <p:cond delay="0"/>
+                                  </p:stCondLst>
+                                  <p:childTnLst>
+                                    <p:set>
+                                      <p:cBhvr>
+                                        <p:cTn id="12" dur="1" fill="hold">
+                                          <p:stCondLst>
+                                            <p:cond delay="0"/>
+                                          </p:stCondLst>
+                                        </p:cTn>
+                                        <p:tgtEl>
+                                          <p:spTgt spid="9"/>
+                                        </p:tgtEl>
+                                        <p:attrNameLst>
+                                          <p:attrName>style.visibility</p:attrName>
+                                        </p:attrNameLst>
+                                      </p:cBhvr>
+                                      <p:to>
+                                        <p:strVal val="visible"/>
+                                      </p:to>
+                                    </p:set>
+                                  </p:childTnLst>
+                                </p:cTn>
+                              </p:par>
+                            </p:childTnLst>
+                          </p:cTn>
+                        </p:par>
+                      </p:childTnLst>
+                    </p:cTn>
+                  </p:par>
+                  <p:par>
+                    <p:cTn id="13" fill="hold">
+                      <p:stCondLst>
+                        <p:cond delay="indefinite"/>
+                      </p:stCondLst>
+                      <p:childTnLst>
+                        <p:par>
+                          <p:cTn id="14" fill="hold">
+                            <p:stCondLst>
+                              <p:cond delay="0"/>
+                            </p:stCondLst>
+                            <p:childTnLst>
+                              <p:par>
+                                <p:cTn id="15" presetID="1" presetClass="entr" presetSubtype="0" fill="hold" grpId="0" nodeType="clickEffect">
+                                  <p:stCondLst>
+                                    <p:cond delay="0"/>
+                                  </p:stCondLst>
+                                  <p:childTnLst>
+                                    <p:set>
+                                      <p:cBhvr>
+                                        <p:cTn id="16" dur="1" fill="hold">
+                                          <p:stCondLst>
+                                            <p:cond delay="0"/>
+                                          </p:stCondLst>
+                                        </p:cTn>
+                                        <p:tgtEl>
+                                          <p:spTgt spid="13"/>
+                                        </p:tgtEl>
+                                        <p:attrNameLst>
+                                          <p:attrName>style.visibility</p:attrName>
+                                        </p:attrNameLst>
+                                      </p:cBhvr>
+                                      <p:to>
+                                        <p:strVal val="visible"/>
+                                      </p:to>
+                                    </p:set>
+                                  </p:childTnLst>
+                                </p:cTn>
+                              </p:par>
+                            </p:childTnLst>
+                          </p:cTn>
+                        </p:par>
+                      </p:childTnLst>
+                    </p:cTn>
+                  </p:par>
+                  <p:par>
+                    <p:cTn id="17" fill="hold">
+                      <p:stCondLst>
+                        <p:cond delay="indefinite"/>
+                      </p:stCondLst>
+                      <p:childTnLst>
+                        <p:par>
+                          <p:cTn id="18" fill="hold">
+                            <p:stCondLst>
+                              <p:cond delay="0"/>
+                            </p:stCondLst>
+                            <p:childTnLst>
+                              <p:par>
+                                <p:cTn id="19" presetID="1" presetClass="entr" presetSubtype="0" fill="hold" grpId="0" nodeType="clickEffect">
+                                  <p:stCondLst>
+                                    <p:cond delay="0"/>
+                                  </p:stCondLst>
+                                  <p:childTnLst>
+                                    <p:set>
+                                      <p:cBhvr>
+                                        <p:cTn id="20" dur="1" fill="hold">
+                                          <p:stCondLst>
+                                            <p:cond delay="0"/>
+                                          </p:stCondLst>
+                                        </p:cTn>
+                                        <p:tgtEl>
+                                          <p:spTgt spid="14"/>
+                                        </p:tgtEl>
+                                        <p:attrNameLst>
+                                          <p:attrName>style.visibility</p:attrName>
+                                        </p:attrNameLst>
+                                      </p:cBhvr>
+                                      <p:to>
+                                        <p:strVal val="visible"/>
+                                      </p:to>
+                                    </p:set>
+                                  </p:childTnLst>
+                                </p:cTn>
+                              </p:par>
+                            </p:childTnLst>
+                          </p:cTn>
+                        </p:par>
+                      </p:childTnLst>
+                    </p:cTn>
+                  </p:par>
+                </p:childTnLst>
+              </p:cTn>
+              <p:prevCondLst>
+                <p:cond evt="onPrev" delay="0">
+                  <p:tgtEl>
+                    <p:sldTgt/>
+                  </p:tgtEl>
+                </p:cond>
+              </p:prevCondLst>
+              <p:nextCondLst>
+                <p:cond evt="onNext" delay="0">
+                  <p:tgtEl>
+                    <p:sldTgt/>
+                  </p:tgtEl>
+                </p:cond>
+              </p:nextCondLst>
+            </p:seq>
+          </p:childTnLst>
+        </p:cTn>
+      </p:par>
+    </p:tnLst>
+    <p:bldLst>
+      <p:bldP spid="11" grpId="0" animBg="1"/>
+      <p:bldP spid="12" grpId="0" animBg="1"/>
+      <p:bldP spid="13" grpId="0" animBg="1"/>
+      <p:bldP spid="14" grpId="0" animBg="1"/>
+    </p:bldLst>
+  </p:timing>
+</p:sld>
+</file>
+
+<file path=ppt/slides/slide31.xml><?xml version="1.0" encoding="utf-8"?>
+<p:sld xmlns:a="http://schemas.openxmlformats.org/drawingml/2006/main" xmlns:r="http://schemas.openxmlformats.org/officeDocument/2006/relationships" xmlns:p="http://schemas.openxmlformats.org/presentationml/2006/main">
+  <p:cSld>
+    <p:spTree>
+      <p:nvGrpSpPr>
+        <p:cNvPr id="1" name=""/>
+        <p:cNvGrpSpPr/>
+        <p:nvPr/>
+      </p:nvGrpSpPr>
+      <p:grpSpPr>
+        <a:xfrm>
+          <a:off x="0" y="0"/>
+          <a:ext cx="0" cy="0"/>
+          <a:chOff x="0" y="0"/>
+          <a:chExt cx="0" cy="0"/>
+        </a:xfrm>
+      </p:grpSpPr>
+      <p:pic>
+        <p:nvPicPr>
+          <p:cNvPr id="5" name="Content Placeholder 4"/>
+          <p:cNvPicPr>
+            <a:picLocks noGrp="1" noChangeAspect="1"/>
+          </p:cNvPicPr>
+          <p:nvPr>
+            <p:ph idx="1"/>
+          </p:nvPr>
+        </p:nvPicPr>
+        <p:blipFill>
+          <a:blip r:embed="rId3"/>
+          <a:stretch>
+            <a:fillRect/>
+          </a:stretch>
+        </p:blipFill>
+        <p:spPr>
+          <a:xfrm>
+            <a:off x="310356" y="1767681"/>
+            <a:ext cx="6257925" cy="2228850"/>
+          </a:xfrm>
+          <a:prstGeom prst="rect">
+            <a:avLst/>
+          </a:prstGeom>
+        </p:spPr>
+      </p:pic>
+      <p:sp>
+        <p:nvSpPr>
+          <p:cNvPr id="3" name="Slide Number Placeholder 2"/>
+          <p:cNvSpPr>
+            <a:spLocks noGrp="1"/>
+          </p:cNvSpPr>
+          <p:nvPr>
+            <p:ph type="sldNum" sz="quarter" idx="4"/>
+          </p:nvPr>
+        </p:nvSpPr>
+        <p:spPr/>
+        <p:txBody>
+          <a:bodyPr/>
+          <a:lstStyle/>
+          <a:p>
+            <a:fld id="{02B133D6-D2DE-BA4C-B40A-914820A47904}" type="slidenum">
+              <a:rPr lang="en-US" smtClean="0"/>
+              <a:pPr/>
+              <a:t>31</a:t>
+            </a:fld>
+            <a:endParaRPr lang="en-US" dirty="0"/>
+          </a:p>
+        </p:txBody>
+      </p:sp>
+      <p:sp>
+        <p:nvSpPr>
+          <p:cNvPr id="4" name="Title 3"/>
+          <p:cNvSpPr>
+            <a:spLocks noGrp="1"/>
+          </p:cNvSpPr>
+          <p:nvPr>
+            <p:ph type="title"/>
+          </p:nvPr>
+        </p:nvSpPr>
+        <p:spPr/>
+        <p:txBody>
+          <a:bodyPr/>
+          <a:lstStyle/>
+          <a:p>
+            <a:r>
+              <a:rPr lang="en-US" dirty="0" smtClean="0"/>
+              <a:t>Encapsulation – relevant </a:t>
+            </a:r>
+            <a:r>
+              <a:rPr lang="en-US" dirty="0"/>
+              <a:t>e</a:t>
+            </a:r>
+            <a:r>
+              <a:rPr lang="en-US" dirty="0" smtClean="0"/>
+              <a:t>xample</a:t>
+            </a:r>
+            <a:endParaRPr lang="en-US" dirty="0"/>
+          </a:p>
+        </p:txBody>
+      </p:sp>
+    </p:spTree>
+    <p:extLst>
+      <p:ext uri="{BB962C8B-B14F-4D97-AF65-F5344CB8AC3E}">
+        <p14:creationId xmlns:p14="http://schemas.microsoft.com/office/powerpoint/2010/main" val="1541948536"/>
+      </p:ext>
+    </p:extLst>
+  </p:cSld>
+  <p:clrMapOvr>
+    <a:masterClrMapping/>
+  </p:clrMapOvr>
+  <p:timing>
+    <p:tnLst>
+      <p:par>
+        <p:cTn id="1" dur="indefinite" restart="never" nodeType="tmRoot"/>
+      </p:par>
+    </p:tnLst>
+  </p:timing>
+</p:sld>
+</file>
+
+<file path=ppt/slides/slide32.xml><?xml version="1.0" encoding="utf-8"?>
+<p:sld xmlns:a="http://schemas.openxmlformats.org/drawingml/2006/main" xmlns:r="http://schemas.openxmlformats.org/officeDocument/2006/relationships" xmlns:p="http://schemas.openxmlformats.org/presentationml/2006/main">
+  <p:cSld>
+    <p:spTree>
+      <p:nvGrpSpPr>
+        <p:cNvPr id="1" name=""/>
+        <p:cNvGrpSpPr/>
+        <p:nvPr/>
+      </p:nvGrpSpPr>
+      <p:grpSpPr>
+        <a:xfrm>
+          <a:off x="0" y="0"/>
+          <a:ext cx="0" cy="0"/>
+          <a:chOff x="0" y="0"/>
+          <a:chExt cx="0" cy="0"/>
+        </a:xfrm>
+      </p:grpSpPr>
+      <p:sp>
+        <p:nvSpPr>
+          <p:cNvPr id="2" name="Slide Number Placeholder 1"/>
+          <p:cNvSpPr>
+            <a:spLocks noGrp="1"/>
+          </p:cNvSpPr>
+          <p:nvPr>
+            <p:ph type="sldNum" sz="quarter" idx="4"/>
+          </p:nvPr>
+        </p:nvSpPr>
+        <p:spPr/>
+        <p:txBody>
+          <a:bodyPr/>
+          <a:lstStyle/>
+          <a:p>
+            <a:fld id="{02B133D6-D2DE-BA4C-B40A-914820A47904}" type="slidenum">
+              <a:rPr lang="en-US" smtClean="0"/>
+              <a:pPr/>
+              <a:t>32</a:t>
+            </a:fld>
+            <a:endParaRPr lang="en-US" dirty="0"/>
+          </a:p>
+        </p:txBody>
+      </p:sp>
+      <p:sp>
+        <p:nvSpPr>
+          <p:cNvPr id="3" name="Text Placeholder 2"/>
+          <p:cNvSpPr>
+            <a:spLocks noGrp="1"/>
+          </p:cNvSpPr>
+          <p:nvPr>
+            <p:ph type="body" sz="quarter" idx="10"/>
+          </p:nvPr>
+        </p:nvSpPr>
+        <p:spPr/>
+        <p:txBody>
+          <a:bodyPr>
+            <a:normAutofit/>
+          </a:bodyPr>
+          <a:lstStyle/>
+          <a:p>
+            <a:r>
+              <a:rPr lang="en-US" sz="2800" dirty="0" smtClean="0"/>
+              <a:t>A class can inherit properties and operations from another class.</a:t>
+            </a:r>
+            <a:endParaRPr lang="en-US" sz="2800" dirty="0"/>
+          </a:p>
+        </p:txBody>
+      </p:sp>
+      <p:sp>
+        <p:nvSpPr>
+          <p:cNvPr id="4" name="Title 3"/>
+          <p:cNvSpPr>
+            <a:spLocks noGrp="1"/>
+          </p:cNvSpPr>
+          <p:nvPr>
+            <p:ph type="title"/>
+          </p:nvPr>
+        </p:nvSpPr>
+        <p:spPr>
+          <a:xfrm>
+            <a:off x="189636" y="1414506"/>
+            <a:ext cx="2127895" cy="553998"/>
+          </a:xfrm>
+        </p:spPr>
+        <p:txBody>
+          <a:bodyPr/>
+          <a:lstStyle/>
+          <a:p>
+            <a:r>
+              <a:rPr lang="en-US" dirty="0" smtClean="0"/>
+              <a:t>Inheritance</a:t>
+            </a:r>
+            <a:endParaRPr lang="en-US" dirty="0"/>
+          </a:p>
+        </p:txBody>
+      </p:sp>
+    </p:spTree>
+    <p:extLst>
+      <p:ext uri="{BB962C8B-B14F-4D97-AF65-F5344CB8AC3E}">
+        <p14:creationId xmlns:p14="http://schemas.microsoft.com/office/powerpoint/2010/main" val="1273197272"/>
+      </p:ext>
+    </p:extLst>
+  </p:cSld>
+  <p:clrMapOvr>
+    <a:masterClrMapping/>
+  </p:clrMapOvr>
+  <p:timing>
+    <p:tnLst>
+      <p:par>
+        <p:cTn id="1" dur="indefinite" restart="never" nodeType="tmRoot"/>
+      </p:par>
+    </p:tnLst>
+  </p:timing>
+</p:sld>
+</file>
+
+<file path=ppt/slides/slide33.xml><?xml version="1.0" encoding="utf-8"?>
+<p:sld xmlns:a="http://schemas.openxmlformats.org/drawingml/2006/main" xmlns:r="http://schemas.openxmlformats.org/officeDocument/2006/relationships" xmlns:p="http://schemas.openxmlformats.org/presentationml/2006/main">
+  <p:cSld>
+    <p:spTree>
+      <p:nvGrpSpPr>
+        <p:cNvPr id="1" name=""/>
+        <p:cNvGrpSpPr/>
+        <p:nvPr/>
+      </p:nvGrpSpPr>
+      <p:grpSpPr>
+        <a:xfrm>
+          <a:off x="0" y="0"/>
+          <a:ext cx="0" cy="0"/>
+          <a:chOff x="0" y="0"/>
+          <a:chExt cx="0" cy="0"/>
+        </a:xfrm>
+      </p:grpSpPr>
+      <p:sp>
+        <p:nvSpPr>
+          <p:cNvPr id="3" name="Slide Number Placeholder 2"/>
+          <p:cNvSpPr>
+            <a:spLocks noGrp="1"/>
+          </p:cNvSpPr>
+          <p:nvPr>
+            <p:ph type="sldNum" sz="quarter" idx="4"/>
+          </p:nvPr>
+        </p:nvSpPr>
+        <p:spPr/>
+        <p:txBody>
+          <a:bodyPr/>
+          <a:lstStyle/>
+          <a:p>
+            <a:fld id="{02B133D6-D2DE-BA4C-B40A-914820A47904}" type="slidenum">
+              <a:rPr lang="en-US" smtClean="0"/>
+              <a:pPr/>
+              <a:t>33</a:t>
+            </a:fld>
+            <a:endParaRPr lang="en-US" dirty="0"/>
+          </a:p>
+        </p:txBody>
+      </p:sp>
+      <p:sp>
+        <p:nvSpPr>
+          <p:cNvPr id="4" name="Title 3"/>
+          <p:cNvSpPr>
+            <a:spLocks noGrp="1"/>
+          </p:cNvSpPr>
+          <p:nvPr>
+            <p:ph type="title"/>
+          </p:nvPr>
+        </p:nvSpPr>
+        <p:spPr/>
+        <p:txBody>
+          <a:bodyPr/>
+          <a:lstStyle/>
+          <a:p>
+            <a:r>
+              <a:rPr lang="en-US" dirty="0" smtClean="0"/>
+              <a:t>Inheritance - example</a:t>
+            </a:r>
+            <a:endParaRPr lang="en-US" dirty="0"/>
+          </a:p>
+        </p:txBody>
+      </p:sp>
+      <p:pic>
+        <p:nvPicPr>
+          <p:cNvPr id="6" name="Content Placeholder 5"/>
+          <p:cNvPicPr>
+            <a:picLocks noGrp="1" noChangeAspect="1"/>
+          </p:cNvPicPr>
+          <p:nvPr>
+            <p:ph idx="1"/>
+          </p:nvPr>
+        </p:nvPicPr>
+        <p:blipFill>
+          <a:blip r:embed="rId3"/>
+          <a:stretch>
+            <a:fillRect/>
+          </a:stretch>
+        </p:blipFill>
+        <p:spPr>
+          <a:xfrm>
+            <a:off x="1377156" y="1667669"/>
+            <a:ext cx="4124325" cy="2428875"/>
+          </a:xfrm>
+          <a:prstGeom prst="rect">
+            <a:avLst/>
+          </a:prstGeom>
+        </p:spPr>
+      </p:pic>
+    </p:spTree>
+    <p:extLst>
+      <p:ext uri="{BB962C8B-B14F-4D97-AF65-F5344CB8AC3E}">
+        <p14:creationId xmlns:p14="http://schemas.microsoft.com/office/powerpoint/2010/main" val="933685219"/>
+      </p:ext>
+    </p:extLst>
+  </p:cSld>
+  <p:clrMapOvr>
+    <a:masterClrMapping/>
+  </p:clrMapOvr>
+  <p:timing>
+    <p:tnLst>
+      <p:par>
+        <p:cTn id="1" dur="indefinite" restart="never" nodeType="tmRoot"/>
+      </p:par>
+    </p:tnLst>
+  </p:timing>
+</p:sld>
+</file>
+
+<file path=ppt/slides/slide34.xml><?xml version="1.0" encoding="utf-8"?>
+<p:sld xmlns:a="http://schemas.openxmlformats.org/drawingml/2006/main" xmlns:r="http://schemas.openxmlformats.org/officeDocument/2006/relationships" xmlns:p="http://schemas.openxmlformats.org/presentationml/2006/main">
+  <p:cSld>
+    <p:spTree>
+      <p:nvGrpSpPr>
+        <p:cNvPr id="1" name=""/>
+        <p:cNvGrpSpPr/>
+        <p:nvPr/>
+      </p:nvGrpSpPr>
+      <p:grpSpPr>
+        <a:xfrm>
+          <a:off x="0" y="0"/>
+          <a:ext cx="0" cy="0"/>
+          <a:chOff x="0" y="0"/>
+          <a:chExt cx="0" cy="0"/>
+        </a:xfrm>
+      </p:grpSpPr>
+      <p:pic>
+        <p:nvPicPr>
+          <p:cNvPr id="5" name="Content Placeholder 4"/>
+          <p:cNvPicPr>
+            <a:picLocks noGrp="1" noChangeAspect="1"/>
+          </p:cNvPicPr>
+          <p:nvPr>
+            <p:ph idx="1"/>
+          </p:nvPr>
+        </p:nvPicPr>
+        <p:blipFill>
+          <a:blip r:embed="rId3"/>
+          <a:stretch>
+            <a:fillRect/>
+          </a:stretch>
+        </p:blipFill>
+        <p:spPr>
+          <a:xfrm>
+            <a:off x="1221828" y="1874156"/>
+            <a:ext cx="4434982" cy="2015900"/>
+          </a:xfrm>
+          <a:prstGeom prst="rect">
+            <a:avLst/>
+          </a:prstGeom>
+        </p:spPr>
+      </p:pic>
+      <p:sp>
+        <p:nvSpPr>
+          <p:cNvPr id="3" name="Slide Number Placeholder 2"/>
+          <p:cNvSpPr>
+            <a:spLocks noGrp="1"/>
+          </p:cNvSpPr>
+          <p:nvPr>
+            <p:ph type="sldNum" sz="quarter" idx="4"/>
+          </p:nvPr>
+        </p:nvSpPr>
+        <p:spPr/>
+        <p:txBody>
+          <a:bodyPr/>
+          <a:lstStyle/>
+          <a:p>
+            <a:fld id="{02B133D6-D2DE-BA4C-B40A-914820A47904}" type="slidenum">
+              <a:rPr lang="en-US" smtClean="0"/>
+              <a:pPr/>
+              <a:t>34</a:t>
+            </a:fld>
+            <a:endParaRPr lang="en-US" dirty="0"/>
+          </a:p>
+        </p:txBody>
+      </p:sp>
+      <p:sp>
+        <p:nvSpPr>
+          <p:cNvPr id="4" name="Title 3"/>
+          <p:cNvSpPr>
+            <a:spLocks noGrp="1"/>
+          </p:cNvSpPr>
+          <p:nvPr>
+            <p:ph type="title"/>
+          </p:nvPr>
+        </p:nvSpPr>
+        <p:spPr/>
+        <p:txBody>
+          <a:bodyPr/>
+          <a:lstStyle/>
+          <a:p>
+            <a:r>
+              <a:rPr lang="en-US" dirty="0" smtClean="0"/>
+              <a:t>Inheritance – relevant example</a:t>
+            </a:r>
+            <a:endParaRPr lang="en-US" dirty="0"/>
+          </a:p>
+        </p:txBody>
+      </p:sp>
+    </p:spTree>
+    <p:extLst>
+      <p:ext uri="{BB962C8B-B14F-4D97-AF65-F5344CB8AC3E}">
+        <p14:creationId xmlns:p14="http://schemas.microsoft.com/office/powerpoint/2010/main" val="303766207"/>
+      </p:ext>
+    </p:extLst>
+  </p:cSld>
+  <p:clrMapOvr>
+    <a:masterClrMapping/>
+  </p:clrMapOvr>
+  <p:timing>
+    <p:tnLst>
+      <p:par>
+        <p:cTn id="1" dur="indefinite" restart="never" nodeType="tmRoot"/>
+      </p:par>
+    </p:tnLst>
+  </p:timing>
+</p:sld>
+</file>
+
+<file path=ppt/slides/slide35.xml><?xml version="1.0" encoding="utf-8"?>
+<p:sld xmlns:a="http://schemas.openxmlformats.org/drawingml/2006/main" xmlns:r="http://schemas.openxmlformats.org/officeDocument/2006/relationships" xmlns:p="http://schemas.openxmlformats.org/presentationml/2006/main">
+  <p:cSld>
+    <p:spTree>
+      <p:nvGrpSpPr>
+        <p:cNvPr id="1" name=""/>
+        <p:cNvGrpSpPr/>
+        <p:nvPr/>
+      </p:nvGrpSpPr>
+      <p:grpSpPr>
+        <a:xfrm>
+          <a:off x="0" y="0"/>
+          <a:ext cx="0" cy="0"/>
+          <a:chOff x="0" y="0"/>
+          <a:chExt cx="0" cy="0"/>
+        </a:xfrm>
+      </p:grpSpPr>
+      <p:sp>
+        <p:nvSpPr>
+          <p:cNvPr id="2" name="Slide Number Placeholder 1"/>
+          <p:cNvSpPr>
+            <a:spLocks noGrp="1"/>
+          </p:cNvSpPr>
+          <p:nvPr>
+            <p:ph type="sldNum" sz="quarter" idx="4"/>
+          </p:nvPr>
+        </p:nvSpPr>
+        <p:spPr/>
+        <p:txBody>
+          <a:bodyPr/>
+          <a:lstStyle/>
+          <a:p>
+            <a:fld id="{02B133D6-D2DE-BA4C-B40A-914820A47904}" type="slidenum">
+              <a:rPr lang="en-US" smtClean="0"/>
+              <a:pPr/>
+              <a:t>35</a:t>
+            </a:fld>
+            <a:endParaRPr lang="en-US" dirty="0"/>
+          </a:p>
+        </p:txBody>
+      </p:sp>
+      <p:sp>
+        <p:nvSpPr>
+          <p:cNvPr id="3" name="Text Placeholder 2"/>
+          <p:cNvSpPr>
+            <a:spLocks noGrp="1"/>
+          </p:cNvSpPr>
+          <p:nvPr>
+            <p:ph type="body" sz="quarter" idx="10"/>
+          </p:nvPr>
+        </p:nvSpPr>
+        <p:spPr/>
+        <p:txBody>
+          <a:bodyPr>
+            <a:normAutofit/>
+          </a:bodyPr>
+          <a:lstStyle/>
+          <a:p>
+            <a:r>
+              <a:rPr lang="en-US" sz="3600" dirty="0" smtClean="0"/>
+              <a:t>Having different forms of same operations.</a:t>
+            </a:r>
+            <a:endParaRPr lang="en-US" sz="3600" dirty="0"/>
+          </a:p>
+        </p:txBody>
+      </p:sp>
+      <p:sp>
+        <p:nvSpPr>
+          <p:cNvPr id="4" name="Title 3"/>
+          <p:cNvSpPr>
+            <a:spLocks noGrp="1"/>
+          </p:cNvSpPr>
+          <p:nvPr>
+            <p:ph type="title"/>
+          </p:nvPr>
+        </p:nvSpPr>
+        <p:spPr>
+          <a:xfrm>
+            <a:off x="189636" y="1414506"/>
+            <a:ext cx="2537798" cy="553998"/>
+          </a:xfrm>
+        </p:spPr>
+        <p:txBody>
+          <a:bodyPr/>
+          <a:lstStyle/>
+          <a:p>
+            <a:r>
+              <a:rPr lang="en-US" dirty="0" smtClean="0"/>
+              <a:t>Polymorphism</a:t>
+            </a:r>
+            <a:endParaRPr lang="en-US" dirty="0"/>
+          </a:p>
+        </p:txBody>
+      </p:sp>
+    </p:spTree>
+    <p:extLst>
+      <p:ext uri="{BB962C8B-B14F-4D97-AF65-F5344CB8AC3E}">
+        <p14:creationId xmlns:p14="http://schemas.microsoft.com/office/powerpoint/2010/main" val="1207976348"/>
+      </p:ext>
+    </p:extLst>
+  </p:cSld>
+  <p:clrMapOvr>
+    <a:masterClrMapping/>
+  </p:clrMapOvr>
+  <p:timing>
+    <p:tnLst>
+      <p:par>
+        <p:cTn id="1" dur="indefinite" restart="never" nodeType="tmRoot"/>
+      </p:par>
+    </p:tnLst>
+  </p:timing>
+</p:sld>
+</file>
+
+<file path=ppt/slides/slide36.xml><?xml version="1.0" encoding="utf-8"?>
+<p:sld xmlns:a="http://schemas.openxmlformats.org/drawingml/2006/main" xmlns:r="http://schemas.openxmlformats.org/officeDocument/2006/relationships" xmlns:p="http://schemas.openxmlformats.org/presentationml/2006/main">
+  <p:cSld>
+    <p:spTree>
+      <p:nvGrpSpPr>
+        <p:cNvPr id="1" name=""/>
+        <p:cNvGrpSpPr/>
+        <p:nvPr/>
+      </p:nvGrpSpPr>
+      <p:grpSpPr>
+        <a:xfrm>
+          <a:off x="0" y="0"/>
+          <a:ext cx="0" cy="0"/>
+          <a:chOff x="0" y="0"/>
+          <a:chExt cx="0" cy="0"/>
+        </a:xfrm>
+      </p:grpSpPr>
+      <p:sp>
+        <p:nvSpPr>
+          <p:cNvPr id="3" name="Slide Number Placeholder 2"/>
+          <p:cNvSpPr>
+            <a:spLocks noGrp="1"/>
+          </p:cNvSpPr>
+          <p:nvPr>
+            <p:ph type="sldNum" sz="quarter" idx="4"/>
+          </p:nvPr>
+        </p:nvSpPr>
+        <p:spPr/>
+        <p:txBody>
+          <a:bodyPr/>
+          <a:lstStyle/>
+          <a:p>
+            <a:fld id="{02B133D6-D2DE-BA4C-B40A-914820A47904}" type="slidenum">
+              <a:rPr lang="en-US" smtClean="0"/>
+              <a:pPr/>
+              <a:t>36</a:t>
+            </a:fld>
+            <a:endParaRPr lang="en-US" dirty="0"/>
+          </a:p>
+        </p:txBody>
+      </p:sp>
+      <p:sp>
+        <p:nvSpPr>
+          <p:cNvPr id="4" name="Title 3"/>
+          <p:cNvSpPr>
+            <a:spLocks noGrp="1"/>
+          </p:cNvSpPr>
+          <p:nvPr>
+            <p:ph type="title"/>
+          </p:nvPr>
+        </p:nvSpPr>
+        <p:spPr/>
+        <p:txBody>
+          <a:bodyPr/>
+          <a:lstStyle/>
+          <a:p>
+            <a:r>
+              <a:rPr lang="en-US" dirty="0" smtClean="0"/>
+              <a:t>Polymorphism - example</a:t>
+            </a:r>
+            <a:endParaRPr lang="en-US" dirty="0"/>
+          </a:p>
+        </p:txBody>
+      </p:sp>
+      <p:pic>
+        <p:nvPicPr>
+          <p:cNvPr id="5" name="Content Placeholder 4"/>
+          <p:cNvPicPr>
+            <a:picLocks noGrp="1" noChangeAspect="1"/>
+          </p:cNvPicPr>
+          <p:nvPr>
+            <p:ph idx="1"/>
+          </p:nvPr>
+        </p:nvPicPr>
+        <p:blipFill>
+          <a:blip r:embed="rId2"/>
+          <a:stretch>
+            <a:fillRect/>
+          </a:stretch>
+        </p:blipFill>
+        <p:spPr>
+          <a:xfrm>
+            <a:off x="134938" y="1577327"/>
+            <a:ext cx="6608762" cy="2609559"/>
+          </a:xfrm>
+          <a:prstGeom prst="rect">
+            <a:avLst/>
+          </a:prstGeom>
+        </p:spPr>
+      </p:pic>
+    </p:spTree>
+    <p:extLst>
+      <p:ext uri="{BB962C8B-B14F-4D97-AF65-F5344CB8AC3E}">
+        <p14:creationId xmlns:p14="http://schemas.microsoft.com/office/powerpoint/2010/main" val="4002566959"/>
+      </p:ext>
+    </p:extLst>
+  </p:cSld>
+  <p:clrMapOvr>
+    <a:masterClrMapping/>
+  </p:clrMapOvr>
+  <p:timing>
+    <p:tnLst>
+      <p:par>
+        <p:cTn id="1" dur="indefinite" restart="never" nodeType="tmRoot"/>
+      </p:par>
+    </p:tnLst>
+  </p:timing>
+</p:sld>
+</file>
+
+<file path=ppt/slides/slide37.xml><?xml version="1.0" encoding="utf-8"?>
+<p:sld xmlns:a="http://schemas.openxmlformats.org/drawingml/2006/main" xmlns:r="http://schemas.openxmlformats.org/officeDocument/2006/relationships" xmlns:p="http://schemas.openxmlformats.org/presentationml/2006/main">
+  <p:cSld>
+    <p:spTree>
+      <p:nvGrpSpPr>
+        <p:cNvPr id="1" name=""/>
+        <p:cNvGrpSpPr/>
+        <p:nvPr/>
+      </p:nvGrpSpPr>
+      <p:grpSpPr>
+        <a:xfrm>
+          <a:off x="0" y="0"/>
+          <a:ext cx="0" cy="0"/>
+          <a:chOff x="0" y="0"/>
+          <a:chExt cx="0" cy="0"/>
+        </a:xfrm>
+      </p:grpSpPr>
+      <p:pic>
+        <p:nvPicPr>
+          <p:cNvPr id="5" name="Content Placeholder 4"/>
+          <p:cNvPicPr>
+            <a:picLocks noGrp="1" noChangeAspect="1"/>
+          </p:cNvPicPr>
+          <p:nvPr>
+            <p:ph idx="1"/>
+          </p:nvPr>
+        </p:nvPicPr>
+        <p:blipFill>
+          <a:blip r:embed="rId2"/>
+          <a:stretch>
+            <a:fillRect/>
+          </a:stretch>
+        </p:blipFill>
+        <p:spPr>
+          <a:xfrm>
+            <a:off x="134938" y="1602057"/>
+            <a:ext cx="6608762" cy="2560098"/>
+          </a:xfrm>
+          <a:prstGeom prst="rect">
+            <a:avLst/>
+          </a:prstGeom>
+        </p:spPr>
+      </p:pic>
+      <p:sp>
+        <p:nvSpPr>
+          <p:cNvPr id="3" name="Slide Number Placeholder 2"/>
+          <p:cNvSpPr>
+            <a:spLocks noGrp="1"/>
+          </p:cNvSpPr>
+          <p:nvPr>
+            <p:ph type="sldNum" sz="quarter" idx="4"/>
+          </p:nvPr>
+        </p:nvSpPr>
+        <p:spPr/>
+        <p:txBody>
+          <a:bodyPr/>
+          <a:lstStyle/>
+          <a:p>
+            <a:fld id="{02B133D6-D2DE-BA4C-B40A-914820A47904}" type="slidenum">
+              <a:rPr lang="en-US" smtClean="0"/>
+              <a:pPr/>
+              <a:t>37</a:t>
+            </a:fld>
+            <a:endParaRPr lang="en-US" dirty="0"/>
+          </a:p>
+        </p:txBody>
+      </p:sp>
+      <p:sp>
+        <p:nvSpPr>
+          <p:cNvPr id="4" name="Title 3"/>
+          <p:cNvSpPr>
+            <a:spLocks noGrp="1"/>
+          </p:cNvSpPr>
+          <p:nvPr>
+            <p:ph type="title"/>
+          </p:nvPr>
+        </p:nvSpPr>
+        <p:spPr/>
+        <p:txBody>
+          <a:bodyPr/>
+          <a:lstStyle/>
+          <a:p>
+            <a:r>
+              <a:rPr lang="en-US" dirty="0" smtClean="0"/>
+              <a:t>Polymorphism – relevant example</a:t>
+            </a:r>
+            <a:endParaRPr lang="en-US" dirty="0"/>
+          </a:p>
+        </p:txBody>
+      </p:sp>
+    </p:spTree>
+    <p:extLst>
+      <p:ext uri="{BB962C8B-B14F-4D97-AF65-F5344CB8AC3E}">
+        <p14:creationId xmlns:p14="http://schemas.microsoft.com/office/powerpoint/2010/main" val="2449248612"/>
+      </p:ext>
+    </p:extLst>
+  </p:cSld>
+  <p:clrMapOvr>
+    <a:masterClrMapping/>
+  </p:clrMapOvr>
+  <p:timing>
+    <p:tnLst>
+      <p:par>
+        <p:cTn id="1" dur="indefinite" restart="never" nodeType="tmRoot"/>
+      </p:par>
+    </p:tnLst>
+  </p:timing>
+</p:sld>
+</file>
+
+<file path=ppt/slides/slide38.xml><?xml version="1.0" encoding="utf-8"?>
+<p:sld xmlns:a="http://schemas.openxmlformats.org/drawingml/2006/main" xmlns:r="http://schemas.openxmlformats.org/officeDocument/2006/relationships" xmlns:p="http://schemas.openxmlformats.org/presentationml/2006/main">
+  <p:cSld>
+    <p:spTree>
+      <p:nvGrpSpPr>
+        <p:cNvPr id="1" name=""/>
+        <p:cNvGrpSpPr/>
+        <p:nvPr/>
+      </p:nvGrpSpPr>
+      <p:grpSpPr>
+        <a:xfrm>
+          <a:off x="0" y="0"/>
+          <a:ext cx="0" cy="0"/>
+          <a:chOff x="0" y="0"/>
+          <a:chExt cx="0" cy="0"/>
+        </a:xfrm>
+      </p:grpSpPr>
+      <p:sp>
+        <p:nvSpPr>
+          <p:cNvPr id="2" name="Slide Number Placeholder 1"/>
+          <p:cNvSpPr>
+            <a:spLocks noGrp="1"/>
+          </p:cNvSpPr>
+          <p:nvPr>
+            <p:ph type="sldNum" sz="quarter" idx="4"/>
+          </p:nvPr>
+        </p:nvSpPr>
+        <p:spPr/>
+        <p:txBody>
+          <a:bodyPr/>
+          <a:lstStyle/>
+          <a:p>
+            <a:fld id="{02B133D6-D2DE-BA4C-B40A-914820A47904}" type="slidenum">
+              <a:rPr lang="en-US" smtClean="0"/>
+              <a:pPr/>
+              <a:t>38</a:t>
+            </a:fld>
+            <a:endParaRPr lang="en-US" dirty="0"/>
+          </a:p>
+        </p:txBody>
+      </p:sp>
+      <p:sp>
+        <p:nvSpPr>
+          <p:cNvPr id="3" name="Text Placeholder 2"/>
+          <p:cNvSpPr>
+            <a:spLocks noGrp="1"/>
+          </p:cNvSpPr>
+          <p:nvPr>
+            <p:ph type="body" sz="quarter" idx="10"/>
+          </p:nvPr>
+        </p:nvSpPr>
+        <p:spPr/>
+        <p:txBody>
+          <a:bodyPr>
+            <a:normAutofit/>
+          </a:bodyPr>
+          <a:lstStyle/>
+          <a:p>
+            <a:r>
+              <a:rPr lang="en-US" sz="3200" dirty="0" smtClean="0"/>
+              <a:t>A class should do one thing really well and should not try to do or be something else.</a:t>
+            </a:r>
+            <a:endParaRPr lang="en-US" sz="3200" dirty="0"/>
+          </a:p>
+        </p:txBody>
+      </p:sp>
+      <p:sp>
+        <p:nvSpPr>
+          <p:cNvPr id="4" name="Title 3"/>
+          <p:cNvSpPr>
+            <a:spLocks noGrp="1"/>
+          </p:cNvSpPr>
+          <p:nvPr>
+            <p:ph type="title"/>
+          </p:nvPr>
+        </p:nvSpPr>
+        <p:spPr>
+          <a:xfrm>
+            <a:off x="189635" y="1414506"/>
+            <a:ext cx="1820467" cy="553998"/>
+          </a:xfrm>
+        </p:spPr>
+        <p:txBody>
+          <a:bodyPr/>
+          <a:lstStyle/>
+          <a:p>
+            <a:r>
+              <a:rPr lang="en-US" dirty="0" smtClean="0"/>
+              <a:t>Cohesion</a:t>
+            </a:r>
+            <a:endParaRPr lang="en-US" dirty="0"/>
+          </a:p>
+        </p:txBody>
+      </p:sp>
+    </p:spTree>
+    <p:extLst>
+      <p:ext uri="{BB962C8B-B14F-4D97-AF65-F5344CB8AC3E}">
+        <p14:creationId xmlns:p14="http://schemas.microsoft.com/office/powerpoint/2010/main" val="1530638549"/>
+      </p:ext>
+    </p:extLst>
+  </p:cSld>
+  <p:clrMapOvr>
+    <a:masterClrMapping/>
+  </p:clrMapOvr>
+  <p:timing>
+    <p:tnLst>
+      <p:par>
+        <p:cTn id="1" dur="indefinite" restart="never" nodeType="tmRoot"/>
+      </p:par>
+    </p:tnLst>
+  </p:timing>
+</p:sld>
+</file>
+
+<file path=ppt/slides/slide39.xml><?xml version="1.0" encoding="utf-8"?>
+<p:sld xmlns:a="http://schemas.openxmlformats.org/drawingml/2006/main" xmlns:r="http://schemas.openxmlformats.org/officeDocument/2006/relationships" xmlns:p="http://schemas.openxmlformats.org/presentationml/2006/main">
+  <p:cSld>
+    <p:spTree>
+      <p:nvGrpSpPr>
+        <p:cNvPr id="1" name=""/>
+        <p:cNvGrpSpPr/>
+        <p:nvPr/>
+      </p:nvGrpSpPr>
+      <p:grpSpPr>
+        <a:xfrm>
+          <a:off x="0" y="0"/>
+          <a:ext cx="0" cy="0"/>
+          <a:chOff x="0" y="0"/>
+          <a:chExt cx="0" cy="0"/>
+        </a:xfrm>
+      </p:grpSpPr>
+      <p:sp>
+        <p:nvSpPr>
+          <p:cNvPr id="3" name="Slide Number Placeholder 2"/>
+          <p:cNvSpPr>
+            <a:spLocks noGrp="1"/>
+          </p:cNvSpPr>
+          <p:nvPr>
+            <p:ph type="sldNum" sz="quarter" idx="4"/>
+          </p:nvPr>
+        </p:nvSpPr>
+        <p:spPr/>
+        <p:txBody>
+          <a:bodyPr/>
+          <a:lstStyle/>
+          <a:p>
+            <a:fld id="{02B133D6-D2DE-BA4C-B40A-914820A47904}" type="slidenum">
+              <a:rPr lang="en-US" smtClean="0"/>
+              <a:pPr/>
+              <a:t>39</a:t>
+            </a:fld>
+            <a:endParaRPr lang="en-US" dirty="0"/>
+          </a:p>
+        </p:txBody>
+      </p:sp>
+      <p:sp>
+        <p:nvSpPr>
+          <p:cNvPr id="4" name="Title 3"/>
+          <p:cNvSpPr>
+            <a:spLocks noGrp="1"/>
+          </p:cNvSpPr>
+          <p:nvPr>
+            <p:ph type="title"/>
+          </p:nvPr>
+        </p:nvSpPr>
+        <p:spPr/>
+        <p:txBody>
+          <a:bodyPr/>
+          <a:lstStyle/>
+          <a:p>
+            <a:r>
+              <a:rPr lang="en-US" dirty="0" smtClean="0"/>
+              <a:t>Cohesion - example</a:t>
+            </a:r>
+            <a:endParaRPr lang="en-US" dirty="0"/>
+          </a:p>
+        </p:txBody>
+      </p:sp>
+      <p:pic>
+        <p:nvPicPr>
+          <p:cNvPr id="5" name="Content Placeholder 4"/>
+          <p:cNvPicPr>
+            <a:picLocks noGrp="1" noChangeAspect="1"/>
+          </p:cNvPicPr>
+          <p:nvPr>
+            <p:ph idx="1"/>
+          </p:nvPr>
+        </p:nvPicPr>
+        <p:blipFill>
+          <a:blip r:embed="rId3"/>
+          <a:stretch>
+            <a:fillRect/>
+          </a:stretch>
+        </p:blipFill>
+        <p:spPr>
+          <a:xfrm>
+            <a:off x="1934369" y="2253456"/>
+            <a:ext cx="3009900" cy="1257300"/>
+          </a:xfrm>
+          <a:prstGeom prst="rect">
+            <a:avLst/>
+          </a:prstGeom>
+          <a:ln>
+            <a:noFill/>
+          </a:ln>
+          <a:effectLst/>
+        </p:spPr>
+      </p:pic>
+    </p:spTree>
+    <p:extLst>
+      <p:ext uri="{BB962C8B-B14F-4D97-AF65-F5344CB8AC3E}">
+        <p14:creationId xmlns:p14="http://schemas.microsoft.com/office/powerpoint/2010/main" val="235465807"/>
       </p:ext>
     </p:extLst>
   </p:cSld>
@@ -13157,6 +17165,2021 @@
 </p:sld>
 </file>
 
+<file path=ppt/slides/slide40.xml><?xml version="1.0" encoding="utf-8"?>
+<p:sld xmlns:a="http://schemas.openxmlformats.org/drawingml/2006/main" xmlns:r="http://schemas.openxmlformats.org/officeDocument/2006/relationships" xmlns:p="http://schemas.openxmlformats.org/presentationml/2006/main">
+  <p:cSld>
+    <p:spTree>
+      <p:nvGrpSpPr>
+        <p:cNvPr id="1" name=""/>
+        <p:cNvGrpSpPr/>
+        <p:nvPr/>
+      </p:nvGrpSpPr>
+      <p:grpSpPr>
+        <a:xfrm>
+          <a:off x="0" y="0"/>
+          <a:ext cx="0" cy="0"/>
+          <a:chOff x="0" y="0"/>
+          <a:chExt cx="0" cy="0"/>
+        </a:xfrm>
+      </p:grpSpPr>
+      <p:pic>
+        <p:nvPicPr>
+          <p:cNvPr id="5" name="Content Placeholder 4"/>
+          <p:cNvPicPr>
+            <a:picLocks noGrp="1" noChangeAspect="1"/>
+          </p:cNvPicPr>
+          <p:nvPr>
+            <p:ph idx="1"/>
+          </p:nvPr>
+        </p:nvPicPr>
+        <p:blipFill>
+          <a:blip r:embed="rId2"/>
+          <a:stretch>
+            <a:fillRect/>
+          </a:stretch>
+        </p:blipFill>
+        <p:spPr>
+          <a:xfrm>
+            <a:off x="2048669" y="1981994"/>
+            <a:ext cx="2781300" cy="1800225"/>
+          </a:xfrm>
+          <a:prstGeom prst="rect">
+            <a:avLst/>
+          </a:prstGeom>
+        </p:spPr>
+      </p:pic>
+      <p:sp>
+        <p:nvSpPr>
+          <p:cNvPr id="3" name="Slide Number Placeholder 2"/>
+          <p:cNvSpPr>
+            <a:spLocks noGrp="1"/>
+          </p:cNvSpPr>
+          <p:nvPr>
+            <p:ph type="sldNum" sz="quarter" idx="4"/>
+          </p:nvPr>
+        </p:nvSpPr>
+        <p:spPr/>
+        <p:txBody>
+          <a:bodyPr/>
+          <a:lstStyle/>
+          <a:p>
+            <a:fld id="{02B133D6-D2DE-BA4C-B40A-914820A47904}" type="slidenum">
+              <a:rPr lang="en-US" smtClean="0"/>
+              <a:pPr/>
+              <a:t>40</a:t>
+            </a:fld>
+            <a:endParaRPr lang="en-US" dirty="0"/>
+          </a:p>
+        </p:txBody>
+      </p:sp>
+      <p:sp>
+        <p:nvSpPr>
+          <p:cNvPr id="4" name="Title 3"/>
+          <p:cNvSpPr>
+            <a:spLocks noGrp="1"/>
+          </p:cNvSpPr>
+          <p:nvPr>
+            <p:ph type="title"/>
+          </p:nvPr>
+        </p:nvSpPr>
+        <p:spPr/>
+        <p:txBody>
+          <a:bodyPr/>
+          <a:lstStyle/>
+          <a:p>
+            <a:r>
+              <a:rPr lang="en-US" dirty="0" smtClean="0"/>
+              <a:t>Cohesion – relevant example</a:t>
+            </a:r>
+            <a:endParaRPr lang="en-US" dirty="0"/>
+          </a:p>
+        </p:txBody>
+      </p:sp>
+    </p:spTree>
+    <p:extLst>
+      <p:ext uri="{BB962C8B-B14F-4D97-AF65-F5344CB8AC3E}">
+        <p14:creationId xmlns:p14="http://schemas.microsoft.com/office/powerpoint/2010/main" val="3270698475"/>
+      </p:ext>
+    </p:extLst>
+  </p:cSld>
+  <p:clrMapOvr>
+    <a:masterClrMapping/>
+  </p:clrMapOvr>
+  <p:timing>
+    <p:tnLst>
+      <p:par>
+        <p:cTn id="1" dur="indefinite" restart="never" nodeType="tmRoot"/>
+      </p:par>
+    </p:tnLst>
+  </p:timing>
+</p:sld>
+</file>
+
+<file path=ppt/slides/slide41.xml><?xml version="1.0" encoding="utf-8"?>
+<p:sld xmlns:a="http://schemas.openxmlformats.org/drawingml/2006/main" xmlns:r="http://schemas.openxmlformats.org/officeDocument/2006/relationships" xmlns:p="http://schemas.openxmlformats.org/presentationml/2006/main">
+  <p:cSld>
+    <p:spTree>
+      <p:nvGrpSpPr>
+        <p:cNvPr id="1" name=""/>
+        <p:cNvGrpSpPr/>
+        <p:nvPr/>
+      </p:nvGrpSpPr>
+      <p:grpSpPr>
+        <a:xfrm>
+          <a:off x="0" y="0"/>
+          <a:ext cx="0" cy="0"/>
+          <a:chOff x="0" y="0"/>
+          <a:chExt cx="0" cy="0"/>
+        </a:xfrm>
+      </p:grpSpPr>
+      <p:sp>
+        <p:nvSpPr>
+          <p:cNvPr id="2" name="Slide Number Placeholder 1"/>
+          <p:cNvSpPr>
+            <a:spLocks noGrp="1"/>
+          </p:cNvSpPr>
+          <p:nvPr>
+            <p:ph type="sldNum" sz="quarter" idx="4"/>
+          </p:nvPr>
+        </p:nvSpPr>
+        <p:spPr/>
+        <p:txBody>
+          <a:bodyPr/>
+          <a:lstStyle/>
+          <a:p>
+            <a:fld id="{02B133D6-D2DE-BA4C-B40A-914820A47904}" type="slidenum">
+              <a:rPr lang="en-US" smtClean="0"/>
+              <a:pPr/>
+              <a:t>41</a:t>
+            </a:fld>
+            <a:endParaRPr lang="en-US" dirty="0"/>
+          </a:p>
+        </p:txBody>
+      </p:sp>
+      <p:sp>
+        <p:nvSpPr>
+          <p:cNvPr id="3" name="Text Placeholder 2"/>
+          <p:cNvSpPr>
+            <a:spLocks noGrp="1"/>
+          </p:cNvSpPr>
+          <p:nvPr>
+            <p:ph type="body" sz="quarter" idx="10"/>
+          </p:nvPr>
+        </p:nvSpPr>
+        <p:spPr/>
+        <p:txBody>
+          <a:bodyPr/>
+          <a:lstStyle/>
+          <a:p>
+            <a:r>
+              <a:rPr lang="en-US" dirty="0" smtClean="0"/>
+              <a:t>The extent to which classes depend on one another.</a:t>
+            </a:r>
+          </a:p>
+          <a:p>
+            <a:r>
+              <a:rPr lang="en-US" dirty="0" smtClean="0"/>
+              <a:t>A class should work independently without being coupled too much to other classes, which help making them modules and available on demand.</a:t>
+            </a:r>
+            <a:endParaRPr lang="en-US" dirty="0"/>
+          </a:p>
+        </p:txBody>
+      </p:sp>
+      <p:sp>
+        <p:nvSpPr>
+          <p:cNvPr id="4" name="Title 3"/>
+          <p:cNvSpPr>
+            <a:spLocks noGrp="1"/>
+          </p:cNvSpPr>
+          <p:nvPr>
+            <p:ph type="title"/>
+          </p:nvPr>
+        </p:nvSpPr>
+        <p:spPr>
+          <a:xfrm>
+            <a:off x="189636" y="1414506"/>
+            <a:ext cx="1694343" cy="553998"/>
+          </a:xfrm>
+        </p:spPr>
+        <p:txBody>
+          <a:bodyPr/>
+          <a:lstStyle/>
+          <a:p>
+            <a:r>
+              <a:rPr lang="en-US" dirty="0" smtClean="0"/>
+              <a:t>Coupling</a:t>
+            </a:r>
+            <a:endParaRPr lang="en-US" dirty="0"/>
+          </a:p>
+        </p:txBody>
+      </p:sp>
+    </p:spTree>
+    <p:extLst>
+      <p:ext uri="{BB962C8B-B14F-4D97-AF65-F5344CB8AC3E}">
+        <p14:creationId xmlns:p14="http://schemas.microsoft.com/office/powerpoint/2010/main" val="475315101"/>
+      </p:ext>
+    </p:extLst>
+  </p:cSld>
+  <p:clrMapOvr>
+    <a:masterClrMapping/>
+  </p:clrMapOvr>
+  <p:timing>
+    <p:tnLst>
+      <p:par>
+        <p:cTn id="1" dur="indefinite" restart="never" nodeType="tmRoot"/>
+      </p:par>
+    </p:tnLst>
+  </p:timing>
+</p:sld>
+</file>
+
+<file path=ppt/slides/slide42.xml><?xml version="1.0" encoding="utf-8"?>
+<p:sld xmlns:a="http://schemas.openxmlformats.org/drawingml/2006/main" xmlns:r="http://schemas.openxmlformats.org/officeDocument/2006/relationships" xmlns:p="http://schemas.openxmlformats.org/presentationml/2006/main">
+  <p:cSld>
+    <p:spTree>
+      <p:nvGrpSpPr>
+        <p:cNvPr id="1" name=""/>
+        <p:cNvGrpSpPr/>
+        <p:nvPr/>
+      </p:nvGrpSpPr>
+      <p:grpSpPr>
+        <a:xfrm>
+          <a:off x="0" y="0"/>
+          <a:ext cx="0" cy="0"/>
+          <a:chOff x="0" y="0"/>
+          <a:chExt cx="0" cy="0"/>
+        </a:xfrm>
+      </p:grpSpPr>
+      <p:sp>
+        <p:nvSpPr>
+          <p:cNvPr id="2" name="Content Placeholder 1"/>
+          <p:cNvSpPr>
+            <a:spLocks noGrp="1"/>
+          </p:cNvSpPr>
+          <p:nvPr>
+            <p:ph idx="1"/>
+          </p:nvPr>
+        </p:nvSpPr>
+        <p:spPr/>
+        <p:txBody>
+          <a:bodyPr/>
+          <a:lstStyle/>
+          <a:p>
+            <a:endParaRPr lang="en-US"/>
+          </a:p>
+        </p:txBody>
+      </p:sp>
+      <p:sp>
+        <p:nvSpPr>
+          <p:cNvPr id="3" name="Slide Number Placeholder 2"/>
+          <p:cNvSpPr>
+            <a:spLocks noGrp="1"/>
+          </p:cNvSpPr>
+          <p:nvPr>
+            <p:ph type="sldNum" sz="quarter" idx="4"/>
+          </p:nvPr>
+        </p:nvSpPr>
+        <p:spPr/>
+        <p:txBody>
+          <a:bodyPr/>
+          <a:lstStyle/>
+          <a:p>
+            <a:fld id="{02B133D6-D2DE-BA4C-B40A-914820A47904}" type="slidenum">
+              <a:rPr lang="en-US" smtClean="0"/>
+              <a:pPr/>
+              <a:t>42</a:t>
+            </a:fld>
+            <a:endParaRPr lang="en-US" dirty="0"/>
+          </a:p>
+        </p:txBody>
+      </p:sp>
+      <p:sp>
+        <p:nvSpPr>
+          <p:cNvPr id="4" name="Title 3"/>
+          <p:cNvSpPr>
+            <a:spLocks noGrp="1"/>
+          </p:cNvSpPr>
+          <p:nvPr>
+            <p:ph type="title"/>
+          </p:nvPr>
+        </p:nvSpPr>
+        <p:spPr/>
+        <p:txBody>
+          <a:bodyPr/>
+          <a:lstStyle/>
+          <a:p>
+            <a:r>
+              <a:rPr lang="en-US" dirty="0" smtClean="0"/>
+              <a:t>Coupling - overview</a:t>
+            </a:r>
+            <a:endParaRPr lang="en-US" dirty="0"/>
+          </a:p>
+        </p:txBody>
+      </p:sp>
+      <p:pic>
+        <p:nvPicPr>
+          <p:cNvPr id="11" name="Picture 2" descr="A relations diagram"/>
+          <p:cNvPicPr>
+            <a:picLocks noChangeAspect="1" noChangeArrowheads="1"/>
+          </p:cNvPicPr>
+          <p:nvPr/>
+        </p:nvPicPr>
+        <p:blipFill>
+          <a:blip r:embed="rId2">
+            <a:extLst>
+              <a:ext uri="{28A0092B-C50C-407E-A947-70E740481C1C}">
+                <a14:useLocalDpi xmlns:a14="http://schemas.microsoft.com/office/drawing/2010/main" val="0"/>
+              </a:ext>
+            </a:extLst>
+          </a:blip>
+          <a:srcRect/>
+          <a:stretch>
+            <a:fillRect/>
+          </a:stretch>
+        </p:blipFill>
+        <p:spPr bwMode="auto">
+          <a:xfrm>
+            <a:off x="427073" y="1423347"/>
+            <a:ext cx="2513047" cy="1435204"/>
+          </a:xfrm>
+          <a:prstGeom prst="rect">
+            <a:avLst/>
+          </a:prstGeom>
+          <a:noFill/>
+          <a:extLst>
+            <a:ext uri="{909E8E84-426E-40DD-AFC4-6F175D3DCCD1}">
+              <a14:hiddenFill xmlns:a14="http://schemas.microsoft.com/office/drawing/2010/main">
+                <a:solidFill>
+                  <a:srgbClr val="FFFFFF"/>
+                </a:solidFill>
+              </a14:hiddenFill>
+            </a:ext>
+          </a:extLst>
+        </p:spPr>
+      </p:pic>
+      <p:pic>
+        <p:nvPicPr>
+          <p:cNvPr id="12" name="Picture 4" descr="A loosely coupled system"/>
+          <p:cNvPicPr>
+            <a:picLocks noChangeAspect="1" noChangeArrowheads="1"/>
+          </p:cNvPicPr>
+          <p:nvPr/>
+        </p:nvPicPr>
+        <p:blipFill>
+          <a:blip r:embed="rId3">
+            <a:extLst>
+              <a:ext uri="{28A0092B-C50C-407E-A947-70E740481C1C}">
+                <a14:useLocalDpi xmlns:a14="http://schemas.microsoft.com/office/drawing/2010/main" val="0"/>
+              </a:ext>
+            </a:extLst>
+          </a:blip>
+          <a:srcRect/>
+          <a:stretch>
+            <a:fillRect/>
+          </a:stretch>
+        </p:blipFill>
+        <p:spPr bwMode="auto">
+          <a:xfrm>
+            <a:off x="3657889" y="2991563"/>
+            <a:ext cx="2446771" cy="1397354"/>
+          </a:xfrm>
+          <a:prstGeom prst="rect">
+            <a:avLst/>
+          </a:prstGeom>
+          <a:noFill/>
+          <a:extLst>
+            <a:ext uri="{909E8E84-426E-40DD-AFC4-6F175D3DCCD1}">
+              <a14:hiddenFill xmlns:a14="http://schemas.microsoft.com/office/drawing/2010/main">
+                <a:solidFill>
+                  <a:srgbClr val="FFFFFF"/>
+                </a:solidFill>
+              </a14:hiddenFill>
+            </a:ext>
+          </a:extLst>
+        </p:spPr>
+      </p:pic>
+      <p:sp>
+        <p:nvSpPr>
+          <p:cNvPr id="13" name="Right Arrow 12"/>
+          <p:cNvSpPr/>
+          <p:nvPr/>
+        </p:nvSpPr>
+        <p:spPr>
+          <a:xfrm rot="1916724">
+            <a:off x="2940120" y="2788655"/>
+            <a:ext cx="402195" cy="405815"/>
+          </a:xfrm>
+          <a:prstGeom prst="rightArrow">
+            <a:avLst/>
+          </a:prstGeom>
+          <a:solidFill>
+            <a:srgbClr val="0070C0"/>
+          </a:solidFill>
+          <a:ln w="25400" cap="flat" cmpd="sng" algn="ctr">
+            <a:solidFill>
+              <a:srgbClr val="0070C0"/>
+            </a:solidFill>
+            <a:prstDash val="solid"/>
+          </a:ln>
+          <a:effectLst/>
+        </p:spPr>
+        <p:txBody>
+          <a:bodyPr rtlCol="0" anchor="ctr"/>
+          <a:lstStyle/>
+          <a:p>
+            <a:pPr marL="0" marR="0" lvl="0" indent="0" algn="ctr" defTabSz="914400" eaLnBrk="1" fontAlgn="auto" latinLnBrk="0" hangingPunct="1">
+              <a:lnSpc>
+                <a:spcPct val="100000"/>
+              </a:lnSpc>
+              <a:spcBef>
+                <a:spcPts val="0"/>
+              </a:spcBef>
+              <a:spcAft>
+                <a:spcPts val="0"/>
+              </a:spcAft>
+              <a:buClrTx/>
+              <a:buSzTx/>
+              <a:buFontTx/>
+              <a:buNone/>
+              <a:tabLst/>
+              <a:defRPr/>
+            </a:pPr>
+            <a:endParaRPr kumimoji="0" lang="en-US" sz="1800" b="0" i="0" u="none" strike="noStrike" kern="0" cap="none" spc="0" normalizeH="0" baseline="0" noProof="0" smtClean="0">
+              <a:ln>
+                <a:noFill/>
+              </a:ln>
+              <a:solidFill>
+                <a:prstClr val="white"/>
+              </a:solidFill>
+              <a:effectLst/>
+              <a:uLnTx/>
+              <a:uFillTx/>
+              <a:latin typeface="Calibri"/>
+              <a:ea typeface="+mn-ea"/>
+              <a:cs typeface="+mn-cs"/>
+            </a:endParaRPr>
+          </a:p>
+        </p:txBody>
+      </p:sp>
+    </p:spTree>
+    <p:extLst>
+      <p:ext uri="{BB962C8B-B14F-4D97-AF65-F5344CB8AC3E}">
+        <p14:creationId xmlns:p14="http://schemas.microsoft.com/office/powerpoint/2010/main" val="2464106765"/>
+      </p:ext>
+    </p:extLst>
+  </p:cSld>
+  <p:clrMapOvr>
+    <a:masterClrMapping/>
+  </p:clrMapOvr>
+  <p:timing>
+    <p:tnLst>
+      <p:par>
+        <p:cTn id="1" dur="indefinite" restart="never" nodeType="tmRoot">
+          <p:childTnLst>
+            <p:seq concurrent="1" nextAc="seek">
+              <p:cTn id="2" dur="indefinite" nodeType="mainSeq">
+                <p:childTnLst>
+                  <p:par>
+                    <p:cTn id="3" fill="hold">
+                      <p:stCondLst>
+                        <p:cond delay="indefinite"/>
+                      </p:stCondLst>
+                      <p:childTnLst>
+                        <p:par>
+                          <p:cTn id="4" fill="hold">
+                            <p:stCondLst>
+                              <p:cond delay="0"/>
+                            </p:stCondLst>
+                            <p:childTnLst>
+                              <p:par>
+                                <p:cTn id="5" presetID="1" presetClass="entr" presetSubtype="0" fill="hold" grpId="0" nodeType="clickEffect">
+                                  <p:stCondLst>
+                                    <p:cond delay="0"/>
+                                  </p:stCondLst>
+                                  <p:childTnLst>
+                                    <p:set>
+                                      <p:cBhvr>
+                                        <p:cTn id="6" dur="1" fill="hold">
+                                          <p:stCondLst>
+                                            <p:cond delay="0"/>
+                                          </p:stCondLst>
+                                        </p:cTn>
+                                        <p:tgtEl>
+                                          <p:spTgt spid="13"/>
+                                        </p:tgtEl>
+                                        <p:attrNameLst>
+                                          <p:attrName>style.visibility</p:attrName>
+                                        </p:attrNameLst>
+                                      </p:cBhvr>
+                                      <p:to>
+                                        <p:strVal val="visible"/>
+                                      </p:to>
+                                    </p:set>
+                                  </p:childTnLst>
+                                </p:cTn>
+                              </p:par>
+                              <p:par>
+                                <p:cTn id="7" presetID="1" presetClass="entr" presetSubtype="0" fill="hold" nodeType="withEffect">
+                                  <p:stCondLst>
+                                    <p:cond delay="0"/>
+                                  </p:stCondLst>
+                                  <p:childTnLst>
+                                    <p:set>
+                                      <p:cBhvr>
+                                        <p:cTn id="8" dur="1" fill="hold">
+                                          <p:stCondLst>
+                                            <p:cond delay="0"/>
+                                          </p:stCondLst>
+                                        </p:cTn>
+                                        <p:tgtEl>
+                                          <p:spTgt spid="12"/>
+                                        </p:tgtEl>
+                                        <p:attrNameLst>
+                                          <p:attrName>style.visibility</p:attrName>
+                                        </p:attrNameLst>
+                                      </p:cBhvr>
+                                      <p:to>
+                                        <p:strVal val="visible"/>
+                                      </p:to>
+                                    </p:set>
+                                  </p:childTnLst>
+                                </p:cTn>
+                              </p:par>
+                            </p:childTnLst>
+                          </p:cTn>
+                        </p:par>
+                      </p:childTnLst>
+                    </p:cTn>
+                  </p:par>
+                </p:childTnLst>
+              </p:cTn>
+              <p:prevCondLst>
+                <p:cond evt="onPrev" delay="0">
+                  <p:tgtEl>
+                    <p:sldTgt/>
+                  </p:tgtEl>
+                </p:cond>
+              </p:prevCondLst>
+              <p:nextCondLst>
+                <p:cond evt="onNext" delay="0">
+                  <p:tgtEl>
+                    <p:sldTgt/>
+                  </p:tgtEl>
+                </p:cond>
+              </p:nextCondLst>
+            </p:seq>
+          </p:childTnLst>
+        </p:cTn>
+      </p:par>
+    </p:tnLst>
+    <p:bldLst>
+      <p:bldP spid="13" grpId="0" animBg="1"/>
+    </p:bldLst>
+  </p:timing>
+</p:sld>
+</file>
+
+<file path=ppt/slides/slide43.xml><?xml version="1.0" encoding="utf-8"?>
+<p:sld xmlns:a="http://schemas.openxmlformats.org/drawingml/2006/main" xmlns:r="http://schemas.openxmlformats.org/officeDocument/2006/relationships" xmlns:p="http://schemas.openxmlformats.org/presentationml/2006/main">
+  <p:cSld>
+    <p:spTree>
+      <p:nvGrpSpPr>
+        <p:cNvPr id="1" name=""/>
+        <p:cNvGrpSpPr/>
+        <p:nvPr/>
+      </p:nvGrpSpPr>
+      <p:grpSpPr>
+        <a:xfrm>
+          <a:off x="0" y="0"/>
+          <a:ext cx="0" cy="0"/>
+          <a:chOff x="0" y="0"/>
+          <a:chExt cx="0" cy="0"/>
+        </a:xfrm>
+      </p:grpSpPr>
+      <p:sp>
+        <p:nvSpPr>
+          <p:cNvPr id="2" name="Slide Number Placeholder 1"/>
+          <p:cNvSpPr>
+            <a:spLocks noGrp="1"/>
+          </p:cNvSpPr>
+          <p:nvPr>
+            <p:ph type="sldNum" sz="quarter" idx="4"/>
+          </p:nvPr>
+        </p:nvSpPr>
+        <p:spPr/>
+        <p:txBody>
+          <a:bodyPr/>
+          <a:lstStyle/>
+          <a:p>
+            <a:fld id="{02B133D6-D2DE-BA4C-B40A-914820A47904}" type="slidenum">
+              <a:rPr lang="en-US" smtClean="0"/>
+              <a:pPr/>
+              <a:t>43</a:t>
+            </a:fld>
+            <a:endParaRPr lang="en-US" dirty="0"/>
+          </a:p>
+        </p:txBody>
+      </p:sp>
+      <p:sp>
+        <p:nvSpPr>
+          <p:cNvPr id="3" name="Text Placeholder 2"/>
+          <p:cNvSpPr>
+            <a:spLocks noGrp="1"/>
+          </p:cNvSpPr>
+          <p:nvPr>
+            <p:ph type="body" sz="quarter" idx="10"/>
+          </p:nvPr>
+        </p:nvSpPr>
+        <p:spPr/>
+        <p:txBody>
+          <a:bodyPr>
+            <a:normAutofit/>
+          </a:bodyPr>
+          <a:lstStyle/>
+          <a:p>
+            <a:r>
+              <a:rPr lang="en-US" sz="2400" dirty="0" smtClean="0"/>
+              <a:t>Classes should be open to extension, but closed for modification.</a:t>
+            </a:r>
+            <a:endParaRPr lang="en-US" sz="2400" dirty="0"/>
+          </a:p>
+        </p:txBody>
+      </p:sp>
+      <p:sp>
+        <p:nvSpPr>
+          <p:cNvPr id="4" name="Title 3"/>
+          <p:cNvSpPr>
+            <a:spLocks noGrp="1"/>
+          </p:cNvSpPr>
+          <p:nvPr>
+            <p:ph type="title"/>
+          </p:nvPr>
+        </p:nvSpPr>
+        <p:spPr>
+          <a:xfrm>
+            <a:off x="189636" y="1414506"/>
+            <a:ext cx="3988226" cy="553998"/>
+          </a:xfrm>
+        </p:spPr>
+        <p:txBody>
+          <a:bodyPr/>
+          <a:lstStyle/>
+          <a:p>
+            <a:r>
+              <a:rPr lang="en-US" dirty="0" smtClean="0"/>
+              <a:t>Open-Closed Principle</a:t>
+            </a:r>
+            <a:endParaRPr lang="en-US" dirty="0"/>
+          </a:p>
+        </p:txBody>
+      </p:sp>
+    </p:spTree>
+    <p:extLst>
+      <p:ext uri="{BB962C8B-B14F-4D97-AF65-F5344CB8AC3E}">
+        <p14:creationId xmlns:p14="http://schemas.microsoft.com/office/powerpoint/2010/main" val="2465730692"/>
+      </p:ext>
+    </p:extLst>
+  </p:cSld>
+  <p:clrMapOvr>
+    <a:masterClrMapping/>
+  </p:clrMapOvr>
+  <p:timing>
+    <p:tnLst>
+      <p:par>
+        <p:cTn id="1" dur="indefinite" restart="never" nodeType="tmRoot"/>
+      </p:par>
+    </p:tnLst>
+  </p:timing>
+</p:sld>
+</file>
+
+<file path=ppt/slides/slide44.xml><?xml version="1.0" encoding="utf-8"?>
+<p:sld xmlns:a="http://schemas.openxmlformats.org/drawingml/2006/main" xmlns:r="http://schemas.openxmlformats.org/officeDocument/2006/relationships" xmlns:p="http://schemas.openxmlformats.org/presentationml/2006/main">
+  <p:cSld>
+    <p:spTree>
+      <p:nvGrpSpPr>
+        <p:cNvPr id="1" name=""/>
+        <p:cNvGrpSpPr/>
+        <p:nvPr/>
+      </p:nvGrpSpPr>
+      <p:grpSpPr>
+        <a:xfrm>
+          <a:off x="0" y="0"/>
+          <a:ext cx="0" cy="0"/>
+          <a:chOff x="0" y="0"/>
+          <a:chExt cx="0" cy="0"/>
+        </a:xfrm>
+      </p:grpSpPr>
+      <p:sp>
+        <p:nvSpPr>
+          <p:cNvPr id="3" name="Slide Number Placeholder 2"/>
+          <p:cNvSpPr>
+            <a:spLocks noGrp="1"/>
+          </p:cNvSpPr>
+          <p:nvPr>
+            <p:ph type="sldNum" sz="quarter" idx="4"/>
+          </p:nvPr>
+        </p:nvSpPr>
+        <p:spPr/>
+        <p:txBody>
+          <a:bodyPr/>
+          <a:lstStyle/>
+          <a:p>
+            <a:fld id="{02B133D6-D2DE-BA4C-B40A-914820A47904}" type="slidenum">
+              <a:rPr lang="en-US" smtClean="0"/>
+              <a:pPr/>
+              <a:t>44</a:t>
+            </a:fld>
+            <a:endParaRPr lang="en-US" dirty="0"/>
+          </a:p>
+        </p:txBody>
+      </p:sp>
+      <p:sp>
+        <p:nvSpPr>
+          <p:cNvPr id="4" name="Title 3"/>
+          <p:cNvSpPr>
+            <a:spLocks noGrp="1"/>
+          </p:cNvSpPr>
+          <p:nvPr>
+            <p:ph type="title"/>
+          </p:nvPr>
+        </p:nvSpPr>
+        <p:spPr/>
+        <p:txBody>
+          <a:bodyPr/>
+          <a:lstStyle/>
+          <a:p>
+            <a:r>
+              <a:rPr lang="en-US" dirty="0" smtClean="0"/>
+              <a:t>Open-closed principle - example</a:t>
+            </a:r>
+            <a:endParaRPr lang="en-US" dirty="0"/>
+          </a:p>
+        </p:txBody>
+      </p:sp>
+      <p:pic>
+        <p:nvPicPr>
+          <p:cNvPr id="5" name="Picture 4"/>
+          <p:cNvPicPr>
+            <a:picLocks noChangeAspect="1"/>
+          </p:cNvPicPr>
+          <p:nvPr/>
+        </p:nvPicPr>
+        <p:blipFill>
+          <a:blip r:embed="rId3"/>
+          <a:stretch>
+            <a:fillRect/>
+          </a:stretch>
+        </p:blipFill>
+        <p:spPr>
+          <a:xfrm>
+            <a:off x="245318" y="1315286"/>
+            <a:ext cx="3065442" cy="1139491"/>
+          </a:xfrm>
+          <a:prstGeom prst="rect">
+            <a:avLst/>
+          </a:prstGeom>
+        </p:spPr>
+      </p:pic>
+      <p:pic>
+        <p:nvPicPr>
+          <p:cNvPr id="6" name="Picture 5"/>
+          <p:cNvPicPr>
+            <a:picLocks noChangeAspect="1"/>
+          </p:cNvPicPr>
+          <p:nvPr/>
+        </p:nvPicPr>
+        <p:blipFill>
+          <a:blip r:embed="rId4"/>
+          <a:stretch>
+            <a:fillRect/>
+          </a:stretch>
+        </p:blipFill>
+        <p:spPr>
+          <a:xfrm>
+            <a:off x="2515587" y="2875318"/>
+            <a:ext cx="3793247" cy="1912144"/>
+          </a:xfrm>
+          <a:prstGeom prst="rect">
+            <a:avLst/>
+          </a:prstGeom>
+        </p:spPr>
+      </p:pic>
+      <p:sp>
+        <p:nvSpPr>
+          <p:cNvPr id="7" name="Title 1"/>
+          <p:cNvSpPr txBox="1">
+            <a:spLocks/>
+          </p:cNvSpPr>
+          <p:nvPr/>
+        </p:nvSpPr>
+        <p:spPr>
+          <a:xfrm>
+            <a:off x="3545210" y="1560482"/>
+            <a:ext cx="3371912" cy="703282"/>
+          </a:xfrm>
+          <a:prstGeom prst="rect">
+            <a:avLst/>
+          </a:prstGeom>
+        </p:spPr>
+        <p:txBody>
+          <a:bodyPr vert="horz" lIns="91440" tIns="45720" rIns="91440" bIns="45720" rtlCol="0" anchor="ctr">
+            <a:noAutofit/>
+          </a:bodyPr>
+          <a:lstStyle>
+            <a:lvl1pPr algn="ctr" defTabSz="914400" rtl="0" eaLnBrk="1" latinLnBrk="0" hangingPunct="1">
+              <a:spcBef>
+                <a:spcPct val="0"/>
+              </a:spcBef>
+              <a:buNone/>
+              <a:defRPr sz="3600" b="1" u="none" kern="1200" cap="all" baseline="0">
+                <a:solidFill>
+                  <a:schemeClr val="bg2"/>
+                </a:solidFill>
+                <a:latin typeface="+mj-lt"/>
+                <a:ea typeface="+mj-ea"/>
+                <a:cs typeface="+mj-cs"/>
+              </a:defRPr>
+            </a:lvl1pPr>
+          </a:lstStyle>
+          <a:p>
+            <a:r>
+              <a:rPr lang="en-US" sz="3200" dirty="0" smtClean="0">
+                <a:solidFill>
+                  <a:srgbClr val="FF0000"/>
+                </a:solidFill>
+                <a:latin typeface="Calibri"/>
+              </a:rPr>
+              <a:t>Problem?</a:t>
+            </a:r>
+            <a:endParaRPr lang="en-US" sz="3200" dirty="0">
+              <a:solidFill>
+                <a:srgbClr val="FF0000"/>
+              </a:solidFill>
+              <a:latin typeface="Calibri"/>
+            </a:endParaRPr>
+          </a:p>
+        </p:txBody>
+      </p:sp>
+    </p:spTree>
+    <p:extLst>
+      <p:ext uri="{BB962C8B-B14F-4D97-AF65-F5344CB8AC3E}">
+        <p14:creationId xmlns:p14="http://schemas.microsoft.com/office/powerpoint/2010/main" val="1029025720"/>
+      </p:ext>
+    </p:extLst>
+  </p:cSld>
+  <p:clrMapOvr>
+    <a:masterClrMapping/>
+  </p:clrMapOvr>
+  <p:timing>
+    <p:tnLst>
+      <p:par>
+        <p:cTn id="1" dur="indefinite" restart="never" nodeType="tmRoot">
+          <p:childTnLst>
+            <p:seq concurrent="1" nextAc="seek">
+              <p:cTn id="2" dur="indefinite" nodeType="mainSeq">
+                <p:childTnLst>
+                  <p:par>
+                    <p:cTn id="3" fill="hold">
+                      <p:stCondLst>
+                        <p:cond delay="indefinite"/>
+                      </p:stCondLst>
+                      <p:childTnLst>
+                        <p:par>
+                          <p:cTn id="4" fill="hold">
+                            <p:stCondLst>
+                              <p:cond delay="0"/>
+                            </p:stCondLst>
+                            <p:childTnLst>
+                              <p:par>
+                                <p:cTn id="5" presetID="1" presetClass="entr" presetSubtype="0" fill="hold" grpId="0" nodeType="clickEffect">
+                                  <p:stCondLst>
+                                    <p:cond delay="0"/>
+                                  </p:stCondLst>
+                                  <p:childTnLst>
+                                    <p:set>
+                                      <p:cBhvr>
+                                        <p:cTn id="6" dur="1" fill="hold">
+                                          <p:stCondLst>
+                                            <p:cond delay="0"/>
+                                          </p:stCondLst>
+                                        </p:cTn>
+                                        <p:tgtEl>
+                                          <p:spTgt spid="7"/>
+                                        </p:tgtEl>
+                                        <p:attrNameLst>
+                                          <p:attrName>style.visibility</p:attrName>
+                                        </p:attrNameLst>
+                                      </p:cBhvr>
+                                      <p:to>
+                                        <p:strVal val="visible"/>
+                                      </p:to>
+                                    </p:set>
+                                  </p:childTnLst>
+                                </p:cTn>
+                              </p:par>
+                            </p:childTnLst>
+                          </p:cTn>
+                        </p:par>
+                      </p:childTnLst>
+                    </p:cTn>
+                  </p:par>
+                </p:childTnLst>
+              </p:cTn>
+              <p:prevCondLst>
+                <p:cond evt="onPrev" delay="0">
+                  <p:tgtEl>
+                    <p:sldTgt/>
+                  </p:tgtEl>
+                </p:cond>
+              </p:prevCondLst>
+              <p:nextCondLst>
+                <p:cond evt="onNext" delay="0">
+                  <p:tgtEl>
+                    <p:sldTgt/>
+                  </p:tgtEl>
+                </p:cond>
+              </p:nextCondLst>
+            </p:seq>
+          </p:childTnLst>
+        </p:cTn>
+      </p:par>
+    </p:tnLst>
+    <p:bldLst>
+      <p:bldP spid="7" grpId="0"/>
+    </p:bldLst>
+  </p:timing>
+</p:sld>
+</file>
+
+<file path=ppt/slides/slide45.xml><?xml version="1.0" encoding="utf-8"?>
+<p:sld xmlns:a="http://schemas.openxmlformats.org/drawingml/2006/main" xmlns:r="http://schemas.openxmlformats.org/officeDocument/2006/relationships" xmlns:p="http://schemas.openxmlformats.org/presentationml/2006/main">
+  <p:cSld>
+    <p:spTree>
+      <p:nvGrpSpPr>
+        <p:cNvPr id="1" name=""/>
+        <p:cNvGrpSpPr/>
+        <p:nvPr/>
+      </p:nvGrpSpPr>
+      <p:grpSpPr>
+        <a:xfrm>
+          <a:off x="0" y="0"/>
+          <a:ext cx="0" cy="0"/>
+          <a:chOff x="0" y="0"/>
+          <a:chExt cx="0" cy="0"/>
+        </a:xfrm>
+      </p:grpSpPr>
+      <p:sp>
+        <p:nvSpPr>
+          <p:cNvPr id="2" name="Content Placeholder 1"/>
+          <p:cNvSpPr>
+            <a:spLocks noGrp="1"/>
+          </p:cNvSpPr>
+          <p:nvPr>
+            <p:ph idx="1"/>
+          </p:nvPr>
+        </p:nvSpPr>
+        <p:spPr/>
+        <p:txBody>
+          <a:bodyPr/>
+          <a:lstStyle/>
+          <a:p>
+            <a:endParaRPr lang="en-US"/>
+          </a:p>
+        </p:txBody>
+      </p:sp>
+      <p:sp>
+        <p:nvSpPr>
+          <p:cNvPr id="3" name="Slide Number Placeholder 2"/>
+          <p:cNvSpPr>
+            <a:spLocks noGrp="1"/>
+          </p:cNvSpPr>
+          <p:nvPr>
+            <p:ph type="sldNum" sz="quarter" idx="4"/>
+          </p:nvPr>
+        </p:nvSpPr>
+        <p:spPr/>
+        <p:txBody>
+          <a:bodyPr/>
+          <a:lstStyle/>
+          <a:p>
+            <a:fld id="{02B133D6-D2DE-BA4C-B40A-914820A47904}" type="slidenum">
+              <a:rPr lang="en-US" smtClean="0"/>
+              <a:pPr/>
+              <a:t>45</a:t>
+            </a:fld>
+            <a:endParaRPr lang="en-US" dirty="0"/>
+          </a:p>
+        </p:txBody>
+      </p:sp>
+      <p:sp>
+        <p:nvSpPr>
+          <p:cNvPr id="4" name="Title 3"/>
+          <p:cNvSpPr>
+            <a:spLocks noGrp="1"/>
+          </p:cNvSpPr>
+          <p:nvPr>
+            <p:ph type="title"/>
+          </p:nvPr>
+        </p:nvSpPr>
+        <p:spPr/>
+        <p:txBody>
+          <a:bodyPr/>
+          <a:lstStyle/>
+          <a:p>
+            <a:r>
+              <a:rPr lang="en-US" dirty="0" smtClean="0"/>
+              <a:t>Open-closed principle - example</a:t>
+            </a:r>
+            <a:endParaRPr lang="en-US" dirty="0"/>
+          </a:p>
+        </p:txBody>
+      </p:sp>
+      <p:pic>
+        <p:nvPicPr>
+          <p:cNvPr id="5" name="Picture 4"/>
+          <p:cNvPicPr>
+            <a:picLocks noChangeAspect="1"/>
+          </p:cNvPicPr>
+          <p:nvPr/>
+        </p:nvPicPr>
+        <p:blipFill>
+          <a:blip r:embed="rId2"/>
+          <a:stretch>
+            <a:fillRect/>
+          </a:stretch>
+        </p:blipFill>
+        <p:spPr>
+          <a:xfrm>
+            <a:off x="135411" y="1248769"/>
+            <a:ext cx="3531150" cy="1287517"/>
+          </a:xfrm>
+          <a:prstGeom prst="rect">
+            <a:avLst/>
+          </a:prstGeom>
+        </p:spPr>
+      </p:pic>
+      <p:pic>
+        <p:nvPicPr>
+          <p:cNvPr id="9" name="Picture 8"/>
+          <p:cNvPicPr>
+            <a:picLocks noChangeAspect="1"/>
+          </p:cNvPicPr>
+          <p:nvPr/>
+        </p:nvPicPr>
+        <p:blipFill>
+          <a:blip r:embed="rId3"/>
+          <a:stretch>
+            <a:fillRect/>
+          </a:stretch>
+        </p:blipFill>
+        <p:spPr>
+          <a:xfrm>
+            <a:off x="135411" y="3046254"/>
+            <a:ext cx="3001927" cy="1513246"/>
+          </a:xfrm>
+          <a:prstGeom prst="rect">
+            <a:avLst/>
+          </a:prstGeom>
+        </p:spPr>
+      </p:pic>
+      <p:pic>
+        <p:nvPicPr>
+          <p:cNvPr id="10" name="Picture 9"/>
+          <p:cNvPicPr>
+            <a:picLocks noChangeAspect="1"/>
+          </p:cNvPicPr>
+          <p:nvPr/>
+        </p:nvPicPr>
+        <p:blipFill>
+          <a:blip r:embed="rId4"/>
+          <a:stretch>
+            <a:fillRect/>
+          </a:stretch>
+        </p:blipFill>
+        <p:spPr>
+          <a:xfrm>
+            <a:off x="3958226" y="3114992"/>
+            <a:ext cx="2341688" cy="1132504"/>
+          </a:xfrm>
+          <a:prstGeom prst="rect">
+            <a:avLst/>
+          </a:prstGeom>
+        </p:spPr>
+      </p:pic>
+      <p:sp>
+        <p:nvSpPr>
+          <p:cNvPr id="11" name="Right Arrow 10"/>
+          <p:cNvSpPr/>
+          <p:nvPr/>
+        </p:nvSpPr>
+        <p:spPr>
+          <a:xfrm>
+            <a:off x="3429002" y="3572894"/>
+            <a:ext cx="237560" cy="266010"/>
+          </a:xfrm>
+          <a:prstGeom prst="rightArrow">
+            <a:avLst/>
+          </a:prstGeom>
+          <a:solidFill>
+            <a:srgbClr val="0070C0"/>
+          </a:solidFill>
+          <a:ln w="25400" cap="flat" cmpd="sng" algn="ctr">
+            <a:solidFill>
+              <a:srgbClr val="0070C0"/>
+            </a:solidFill>
+            <a:prstDash val="solid"/>
+          </a:ln>
+          <a:effectLst/>
+        </p:spPr>
+        <p:txBody>
+          <a:bodyPr rtlCol="0" anchor="ctr"/>
+          <a:lstStyle/>
+          <a:p>
+            <a:pPr marL="0" marR="0" lvl="0" indent="0" algn="ctr" defTabSz="914400" eaLnBrk="1" fontAlgn="auto" latinLnBrk="0" hangingPunct="1">
+              <a:lnSpc>
+                <a:spcPct val="100000"/>
+              </a:lnSpc>
+              <a:spcBef>
+                <a:spcPts val="0"/>
+              </a:spcBef>
+              <a:spcAft>
+                <a:spcPts val="0"/>
+              </a:spcAft>
+              <a:buClrTx/>
+              <a:buSzTx/>
+              <a:buFontTx/>
+              <a:buNone/>
+              <a:tabLst/>
+              <a:defRPr/>
+            </a:pPr>
+            <a:endParaRPr kumimoji="0" lang="en-US" sz="1800" b="0" i="0" u="none" strike="noStrike" kern="0" cap="none" spc="0" normalizeH="0" baseline="0" noProof="0" smtClean="0">
+              <a:ln>
+                <a:noFill/>
+              </a:ln>
+              <a:solidFill>
+                <a:prstClr val="white"/>
+              </a:solidFill>
+              <a:effectLst/>
+              <a:uLnTx/>
+              <a:uFillTx/>
+              <a:latin typeface="Calibri"/>
+              <a:ea typeface="+mn-ea"/>
+              <a:cs typeface="+mn-cs"/>
+            </a:endParaRPr>
+          </a:p>
+        </p:txBody>
+      </p:sp>
+      <p:sp>
+        <p:nvSpPr>
+          <p:cNvPr id="12" name="Title 1"/>
+          <p:cNvSpPr txBox="1">
+            <a:spLocks/>
+          </p:cNvSpPr>
+          <p:nvPr/>
+        </p:nvSpPr>
+        <p:spPr>
+          <a:xfrm>
+            <a:off x="3560976" y="1538246"/>
+            <a:ext cx="3371912" cy="703282"/>
+          </a:xfrm>
+          <a:prstGeom prst="rect">
+            <a:avLst/>
+          </a:prstGeom>
+        </p:spPr>
+        <p:txBody>
+          <a:bodyPr vert="horz" lIns="91440" tIns="45720" rIns="91440" bIns="45720" rtlCol="0" anchor="ctr">
+            <a:noAutofit/>
+          </a:bodyPr>
+          <a:lstStyle>
+            <a:lvl1pPr algn="ctr" defTabSz="914400" rtl="0" eaLnBrk="1" latinLnBrk="0" hangingPunct="1">
+              <a:spcBef>
+                <a:spcPct val="0"/>
+              </a:spcBef>
+              <a:buNone/>
+              <a:defRPr sz="3600" b="1" u="none" kern="1200" cap="all" baseline="0">
+                <a:solidFill>
+                  <a:schemeClr val="bg2"/>
+                </a:solidFill>
+                <a:latin typeface="+mj-lt"/>
+                <a:ea typeface="+mj-ea"/>
+                <a:cs typeface="+mj-cs"/>
+              </a:defRPr>
+            </a:lvl1pPr>
+          </a:lstStyle>
+          <a:p>
+            <a:r>
+              <a:rPr lang="en-US" sz="3200" dirty="0" smtClean="0">
+                <a:solidFill>
+                  <a:srgbClr val="FF0000"/>
+                </a:solidFill>
+                <a:latin typeface="Calibri"/>
+              </a:rPr>
+              <a:t>SOLUTION?</a:t>
+            </a:r>
+            <a:endParaRPr lang="en-US" sz="3200" dirty="0">
+              <a:solidFill>
+                <a:srgbClr val="FF0000"/>
+              </a:solidFill>
+              <a:latin typeface="Calibri"/>
+            </a:endParaRPr>
+          </a:p>
+        </p:txBody>
+      </p:sp>
+    </p:spTree>
+    <p:extLst>
+      <p:ext uri="{BB962C8B-B14F-4D97-AF65-F5344CB8AC3E}">
+        <p14:creationId xmlns:p14="http://schemas.microsoft.com/office/powerpoint/2010/main" val="2373783443"/>
+      </p:ext>
+    </p:extLst>
+  </p:cSld>
+  <p:clrMapOvr>
+    <a:masterClrMapping/>
+  </p:clrMapOvr>
+  <p:timing>
+    <p:tnLst>
+      <p:par>
+        <p:cTn id="1" dur="indefinite" restart="never" nodeType="tmRoot">
+          <p:childTnLst>
+            <p:seq concurrent="1" nextAc="seek">
+              <p:cTn id="2" dur="indefinite" nodeType="mainSeq">
+                <p:childTnLst>
+                  <p:par>
+                    <p:cTn id="3" fill="hold">
+                      <p:stCondLst>
+                        <p:cond delay="indefinite"/>
+                      </p:stCondLst>
+                      <p:childTnLst>
+                        <p:par>
+                          <p:cTn id="4" fill="hold">
+                            <p:stCondLst>
+                              <p:cond delay="0"/>
+                            </p:stCondLst>
+                            <p:childTnLst>
+                              <p:par>
+                                <p:cTn id="5" presetID="1" presetClass="entr" presetSubtype="0" fill="hold" nodeType="clickEffect">
+                                  <p:stCondLst>
+                                    <p:cond delay="0"/>
+                                  </p:stCondLst>
+                                  <p:childTnLst>
+                                    <p:set>
+                                      <p:cBhvr>
+                                        <p:cTn id="6" dur="1" fill="hold">
+                                          <p:stCondLst>
+                                            <p:cond delay="0"/>
+                                          </p:stCondLst>
+                                        </p:cTn>
+                                        <p:tgtEl>
+                                          <p:spTgt spid="5"/>
+                                        </p:tgtEl>
+                                        <p:attrNameLst>
+                                          <p:attrName>style.visibility</p:attrName>
+                                        </p:attrNameLst>
+                                      </p:cBhvr>
+                                      <p:to>
+                                        <p:strVal val="visible"/>
+                                      </p:to>
+                                    </p:set>
+                                  </p:childTnLst>
+                                </p:cTn>
+                              </p:par>
+                            </p:childTnLst>
+                          </p:cTn>
+                        </p:par>
+                      </p:childTnLst>
+                    </p:cTn>
+                  </p:par>
+                  <p:par>
+                    <p:cTn id="7" fill="hold">
+                      <p:stCondLst>
+                        <p:cond delay="indefinite"/>
+                      </p:stCondLst>
+                      <p:childTnLst>
+                        <p:par>
+                          <p:cTn id="8" fill="hold">
+                            <p:stCondLst>
+                              <p:cond delay="0"/>
+                            </p:stCondLst>
+                            <p:childTnLst>
+                              <p:par>
+                                <p:cTn id="9" presetID="1" presetClass="entr" presetSubtype="0" fill="hold" nodeType="clickEffect">
+                                  <p:stCondLst>
+                                    <p:cond delay="0"/>
+                                  </p:stCondLst>
+                                  <p:childTnLst>
+                                    <p:set>
+                                      <p:cBhvr>
+                                        <p:cTn id="10" dur="1" fill="hold">
+                                          <p:stCondLst>
+                                            <p:cond delay="0"/>
+                                          </p:stCondLst>
+                                        </p:cTn>
+                                        <p:tgtEl>
+                                          <p:spTgt spid="10"/>
+                                        </p:tgtEl>
+                                        <p:attrNameLst>
+                                          <p:attrName>style.visibility</p:attrName>
+                                        </p:attrNameLst>
+                                      </p:cBhvr>
+                                      <p:to>
+                                        <p:strVal val="visible"/>
+                                      </p:to>
+                                    </p:set>
+                                  </p:childTnLst>
+                                </p:cTn>
+                              </p:par>
+                              <p:par>
+                                <p:cTn id="11" presetID="1" presetClass="entr" presetSubtype="0" fill="hold" grpId="0" nodeType="withEffect">
+                                  <p:stCondLst>
+                                    <p:cond delay="0"/>
+                                  </p:stCondLst>
+                                  <p:childTnLst>
+                                    <p:set>
+                                      <p:cBhvr>
+                                        <p:cTn id="12" dur="1" fill="hold">
+                                          <p:stCondLst>
+                                            <p:cond delay="0"/>
+                                          </p:stCondLst>
+                                        </p:cTn>
+                                        <p:tgtEl>
+                                          <p:spTgt spid="11"/>
+                                        </p:tgtEl>
+                                        <p:attrNameLst>
+                                          <p:attrName>style.visibility</p:attrName>
+                                        </p:attrNameLst>
+                                      </p:cBhvr>
+                                      <p:to>
+                                        <p:strVal val="visible"/>
+                                      </p:to>
+                                    </p:set>
+                                  </p:childTnLst>
+                                </p:cTn>
+                              </p:par>
+                            </p:childTnLst>
+                          </p:cTn>
+                        </p:par>
+                      </p:childTnLst>
+                    </p:cTn>
+                  </p:par>
+                </p:childTnLst>
+              </p:cTn>
+              <p:prevCondLst>
+                <p:cond evt="onPrev" delay="0">
+                  <p:tgtEl>
+                    <p:sldTgt/>
+                  </p:tgtEl>
+                </p:cond>
+              </p:prevCondLst>
+              <p:nextCondLst>
+                <p:cond evt="onNext" delay="0">
+                  <p:tgtEl>
+                    <p:sldTgt/>
+                  </p:tgtEl>
+                </p:cond>
+              </p:nextCondLst>
+            </p:seq>
+          </p:childTnLst>
+        </p:cTn>
+      </p:par>
+    </p:tnLst>
+    <p:bldLst>
+      <p:bldP spid="11" grpId="0" animBg="1"/>
+    </p:bldLst>
+  </p:timing>
+</p:sld>
+</file>
+
+<file path=ppt/slides/slide46.xml><?xml version="1.0" encoding="utf-8"?>
+<p:sld xmlns:a="http://schemas.openxmlformats.org/drawingml/2006/main" xmlns:r="http://schemas.openxmlformats.org/officeDocument/2006/relationships" xmlns:p="http://schemas.openxmlformats.org/presentationml/2006/main">
+  <p:cSld>
+    <p:spTree>
+      <p:nvGrpSpPr>
+        <p:cNvPr id="1" name=""/>
+        <p:cNvGrpSpPr/>
+        <p:nvPr/>
+      </p:nvGrpSpPr>
+      <p:grpSpPr>
+        <a:xfrm>
+          <a:off x="0" y="0"/>
+          <a:ext cx="0" cy="0"/>
+          <a:chOff x="0" y="0"/>
+          <a:chExt cx="0" cy="0"/>
+        </a:xfrm>
+      </p:grpSpPr>
+      <p:sp>
+        <p:nvSpPr>
+          <p:cNvPr id="2" name="Slide Number Placeholder 1"/>
+          <p:cNvSpPr>
+            <a:spLocks noGrp="1"/>
+          </p:cNvSpPr>
+          <p:nvPr>
+            <p:ph type="sldNum" sz="quarter" idx="4"/>
+          </p:nvPr>
+        </p:nvSpPr>
+        <p:spPr/>
+        <p:txBody>
+          <a:bodyPr/>
+          <a:lstStyle/>
+          <a:p>
+            <a:fld id="{02B133D6-D2DE-BA4C-B40A-914820A47904}" type="slidenum">
+              <a:rPr lang="en-US" smtClean="0"/>
+              <a:pPr/>
+              <a:t>46</a:t>
+            </a:fld>
+            <a:endParaRPr lang="en-US" dirty="0"/>
+          </a:p>
+        </p:txBody>
+      </p:sp>
+      <p:sp>
+        <p:nvSpPr>
+          <p:cNvPr id="3" name="Text Placeholder 2"/>
+          <p:cNvSpPr>
+            <a:spLocks noGrp="1"/>
+          </p:cNvSpPr>
+          <p:nvPr>
+            <p:ph type="body" sz="quarter" idx="10"/>
+          </p:nvPr>
+        </p:nvSpPr>
+        <p:spPr/>
+        <p:txBody>
+          <a:bodyPr>
+            <a:normAutofit/>
+          </a:bodyPr>
+          <a:lstStyle/>
+          <a:p>
+            <a:r>
+              <a:rPr lang="en-US" sz="2800" dirty="0" smtClean="0"/>
+              <a:t>Every object in the system should have one responsibility. Therefore, one reason to change.</a:t>
+            </a:r>
+            <a:endParaRPr lang="en-US" sz="2800" dirty="0"/>
+          </a:p>
+        </p:txBody>
+      </p:sp>
+      <p:sp>
+        <p:nvSpPr>
+          <p:cNvPr id="4" name="Title 3"/>
+          <p:cNvSpPr>
+            <a:spLocks noGrp="1"/>
+          </p:cNvSpPr>
+          <p:nvPr>
+            <p:ph type="title"/>
+          </p:nvPr>
+        </p:nvSpPr>
+        <p:spPr>
+          <a:xfrm>
+            <a:off x="189636" y="1414506"/>
+            <a:ext cx="5257350" cy="553998"/>
+          </a:xfrm>
+        </p:spPr>
+        <p:txBody>
+          <a:bodyPr/>
+          <a:lstStyle/>
+          <a:p>
+            <a:r>
+              <a:rPr lang="en-US" dirty="0" smtClean="0"/>
+              <a:t>Single Responsibility Principle</a:t>
+            </a:r>
+            <a:endParaRPr lang="en-US" dirty="0"/>
+          </a:p>
+        </p:txBody>
+      </p:sp>
+    </p:spTree>
+    <p:extLst>
+      <p:ext uri="{BB962C8B-B14F-4D97-AF65-F5344CB8AC3E}">
+        <p14:creationId xmlns:p14="http://schemas.microsoft.com/office/powerpoint/2010/main" val="1114901452"/>
+      </p:ext>
+    </p:extLst>
+  </p:cSld>
+  <p:clrMapOvr>
+    <a:masterClrMapping/>
+  </p:clrMapOvr>
+  <p:timing>
+    <p:tnLst>
+      <p:par>
+        <p:cTn id="1" dur="indefinite" restart="never" nodeType="tmRoot"/>
+      </p:par>
+    </p:tnLst>
+  </p:timing>
+</p:sld>
+</file>
+
+<file path=ppt/slides/slide47.xml><?xml version="1.0" encoding="utf-8"?>
+<p:sld xmlns:a="http://schemas.openxmlformats.org/drawingml/2006/main" xmlns:r="http://schemas.openxmlformats.org/officeDocument/2006/relationships" xmlns:p="http://schemas.openxmlformats.org/presentationml/2006/main">
+  <p:cSld>
+    <p:spTree>
+      <p:nvGrpSpPr>
+        <p:cNvPr id="1" name=""/>
+        <p:cNvGrpSpPr/>
+        <p:nvPr/>
+      </p:nvGrpSpPr>
+      <p:grpSpPr>
+        <a:xfrm>
+          <a:off x="0" y="0"/>
+          <a:ext cx="0" cy="0"/>
+          <a:chOff x="0" y="0"/>
+          <a:chExt cx="0" cy="0"/>
+        </a:xfrm>
+      </p:grpSpPr>
+      <p:sp>
+        <p:nvSpPr>
+          <p:cNvPr id="3" name="Slide Number Placeholder 2"/>
+          <p:cNvSpPr>
+            <a:spLocks noGrp="1"/>
+          </p:cNvSpPr>
+          <p:nvPr>
+            <p:ph type="sldNum" sz="quarter" idx="4"/>
+          </p:nvPr>
+        </p:nvSpPr>
+        <p:spPr/>
+        <p:txBody>
+          <a:bodyPr/>
+          <a:lstStyle/>
+          <a:p>
+            <a:fld id="{02B133D6-D2DE-BA4C-B40A-914820A47904}" type="slidenum">
+              <a:rPr lang="en-US" smtClean="0"/>
+              <a:pPr/>
+              <a:t>47</a:t>
+            </a:fld>
+            <a:endParaRPr lang="en-US" dirty="0"/>
+          </a:p>
+        </p:txBody>
+      </p:sp>
+      <p:sp>
+        <p:nvSpPr>
+          <p:cNvPr id="4" name="Title 3"/>
+          <p:cNvSpPr>
+            <a:spLocks noGrp="1"/>
+          </p:cNvSpPr>
+          <p:nvPr>
+            <p:ph type="title"/>
+          </p:nvPr>
+        </p:nvSpPr>
+        <p:spPr/>
+        <p:txBody>
+          <a:bodyPr/>
+          <a:lstStyle/>
+          <a:p>
+            <a:r>
+              <a:rPr lang="en-US" dirty="0" smtClean="0"/>
+              <a:t>Single responsibility principle - example</a:t>
+            </a:r>
+            <a:endParaRPr lang="en-US" dirty="0"/>
+          </a:p>
+        </p:txBody>
+      </p:sp>
+      <p:pic>
+        <p:nvPicPr>
+          <p:cNvPr id="5" name="Content Placeholder 4"/>
+          <p:cNvPicPr>
+            <a:picLocks noGrp="1" noChangeAspect="1"/>
+          </p:cNvPicPr>
+          <p:nvPr>
+            <p:ph idx="1"/>
+          </p:nvPr>
+        </p:nvPicPr>
+        <p:blipFill>
+          <a:blip r:embed="rId3"/>
+          <a:stretch>
+            <a:fillRect/>
+          </a:stretch>
+        </p:blipFill>
+        <p:spPr>
+          <a:xfrm>
+            <a:off x="2148681" y="1610519"/>
+            <a:ext cx="2581275" cy="2543175"/>
+          </a:xfrm>
+          <a:prstGeom prst="rect">
+            <a:avLst/>
+          </a:prstGeom>
+        </p:spPr>
+      </p:pic>
+      <p:sp>
+        <p:nvSpPr>
+          <p:cNvPr id="6" name="Title 1"/>
+          <p:cNvSpPr txBox="1">
+            <a:spLocks/>
+          </p:cNvSpPr>
+          <p:nvPr/>
+        </p:nvSpPr>
+        <p:spPr>
+          <a:xfrm>
+            <a:off x="4057589" y="1150579"/>
+            <a:ext cx="3371912" cy="703282"/>
+          </a:xfrm>
+          <a:prstGeom prst="rect">
+            <a:avLst/>
+          </a:prstGeom>
+        </p:spPr>
+        <p:txBody>
+          <a:bodyPr vert="horz" lIns="91440" tIns="45720" rIns="91440" bIns="45720" rtlCol="0" anchor="ctr">
+            <a:noAutofit/>
+          </a:bodyPr>
+          <a:lstStyle>
+            <a:lvl1pPr algn="ctr" defTabSz="914400" rtl="0" eaLnBrk="1" latinLnBrk="0" hangingPunct="1">
+              <a:spcBef>
+                <a:spcPct val="0"/>
+              </a:spcBef>
+              <a:buNone/>
+              <a:defRPr sz="3600" b="1" u="none" kern="1200" cap="all" baseline="0">
+                <a:solidFill>
+                  <a:schemeClr val="bg2"/>
+                </a:solidFill>
+                <a:latin typeface="+mj-lt"/>
+                <a:ea typeface="+mj-ea"/>
+                <a:cs typeface="+mj-cs"/>
+              </a:defRPr>
+            </a:lvl1pPr>
+          </a:lstStyle>
+          <a:p>
+            <a:r>
+              <a:rPr lang="en-US" sz="3200" dirty="0" smtClean="0">
+                <a:solidFill>
+                  <a:srgbClr val="FF0000"/>
+                </a:solidFill>
+                <a:latin typeface="Calibri"/>
+              </a:rPr>
+              <a:t>Problem?</a:t>
+            </a:r>
+            <a:endParaRPr lang="en-US" sz="3200" dirty="0">
+              <a:solidFill>
+                <a:srgbClr val="FF0000"/>
+              </a:solidFill>
+              <a:latin typeface="Calibri"/>
+            </a:endParaRPr>
+          </a:p>
+        </p:txBody>
+      </p:sp>
+    </p:spTree>
+    <p:extLst>
+      <p:ext uri="{BB962C8B-B14F-4D97-AF65-F5344CB8AC3E}">
+        <p14:creationId xmlns:p14="http://schemas.microsoft.com/office/powerpoint/2010/main" val="710696941"/>
+      </p:ext>
+    </p:extLst>
+  </p:cSld>
+  <p:clrMapOvr>
+    <a:masterClrMapping/>
+  </p:clrMapOvr>
+  <p:timing>
+    <p:tnLst>
+      <p:par>
+        <p:cTn id="1" dur="indefinite" restart="never" nodeType="tmRoot">
+          <p:childTnLst>
+            <p:seq concurrent="1" nextAc="seek">
+              <p:cTn id="2" dur="indefinite" nodeType="mainSeq">
+                <p:childTnLst>
+                  <p:par>
+                    <p:cTn id="3" fill="hold">
+                      <p:stCondLst>
+                        <p:cond delay="indefinite"/>
+                      </p:stCondLst>
+                      <p:childTnLst>
+                        <p:par>
+                          <p:cTn id="4" fill="hold">
+                            <p:stCondLst>
+                              <p:cond delay="0"/>
+                            </p:stCondLst>
+                            <p:childTnLst>
+                              <p:par>
+                                <p:cTn id="5" presetID="1" presetClass="entr" presetSubtype="0" fill="hold" grpId="0" nodeType="clickEffect">
+                                  <p:stCondLst>
+                                    <p:cond delay="0"/>
+                                  </p:stCondLst>
+                                  <p:childTnLst>
+                                    <p:set>
+                                      <p:cBhvr>
+                                        <p:cTn id="6" dur="1" fill="hold">
+                                          <p:stCondLst>
+                                            <p:cond delay="0"/>
+                                          </p:stCondLst>
+                                        </p:cTn>
+                                        <p:tgtEl>
+                                          <p:spTgt spid="6"/>
+                                        </p:tgtEl>
+                                        <p:attrNameLst>
+                                          <p:attrName>style.visibility</p:attrName>
+                                        </p:attrNameLst>
+                                      </p:cBhvr>
+                                      <p:to>
+                                        <p:strVal val="visible"/>
+                                      </p:to>
+                                    </p:set>
+                                  </p:childTnLst>
+                                </p:cTn>
+                              </p:par>
+                            </p:childTnLst>
+                          </p:cTn>
+                        </p:par>
+                      </p:childTnLst>
+                    </p:cTn>
+                  </p:par>
+                </p:childTnLst>
+              </p:cTn>
+              <p:prevCondLst>
+                <p:cond evt="onPrev" delay="0">
+                  <p:tgtEl>
+                    <p:sldTgt/>
+                  </p:tgtEl>
+                </p:cond>
+              </p:prevCondLst>
+              <p:nextCondLst>
+                <p:cond evt="onNext" delay="0">
+                  <p:tgtEl>
+                    <p:sldTgt/>
+                  </p:tgtEl>
+                </p:cond>
+              </p:nextCondLst>
+            </p:seq>
+          </p:childTnLst>
+        </p:cTn>
+      </p:par>
+    </p:tnLst>
+    <p:bldLst>
+      <p:bldP spid="6" grpId="0"/>
+    </p:bldLst>
+  </p:timing>
+</p:sld>
+</file>
+
+<file path=ppt/slides/slide48.xml><?xml version="1.0" encoding="utf-8"?>
+<p:sld xmlns:a="http://schemas.openxmlformats.org/drawingml/2006/main" xmlns:r="http://schemas.openxmlformats.org/officeDocument/2006/relationships" xmlns:p="http://schemas.openxmlformats.org/presentationml/2006/main">
+  <p:cSld>
+    <p:spTree>
+      <p:nvGrpSpPr>
+        <p:cNvPr id="1" name=""/>
+        <p:cNvGrpSpPr/>
+        <p:nvPr/>
+      </p:nvGrpSpPr>
+      <p:grpSpPr>
+        <a:xfrm>
+          <a:off x="0" y="0"/>
+          <a:ext cx="0" cy="0"/>
+          <a:chOff x="0" y="0"/>
+          <a:chExt cx="0" cy="0"/>
+        </a:xfrm>
+      </p:grpSpPr>
+      <p:sp>
+        <p:nvSpPr>
+          <p:cNvPr id="3" name="Slide Number Placeholder 2"/>
+          <p:cNvSpPr>
+            <a:spLocks noGrp="1"/>
+          </p:cNvSpPr>
+          <p:nvPr>
+            <p:ph type="sldNum" sz="quarter" idx="4"/>
+          </p:nvPr>
+        </p:nvSpPr>
+        <p:spPr/>
+        <p:txBody>
+          <a:bodyPr/>
+          <a:lstStyle/>
+          <a:p>
+            <a:fld id="{02B133D6-D2DE-BA4C-B40A-914820A47904}" type="slidenum">
+              <a:rPr lang="en-US" smtClean="0"/>
+              <a:pPr/>
+              <a:t>48</a:t>
+            </a:fld>
+            <a:endParaRPr lang="en-US" dirty="0"/>
+          </a:p>
+        </p:txBody>
+      </p:sp>
+      <p:sp>
+        <p:nvSpPr>
+          <p:cNvPr id="4" name="Title 3"/>
+          <p:cNvSpPr>
+            <a:spLocks noGrp="1"/>
+          </p:cNvSpPr>
+          <p:nvPr>
+            <p:ph type="title"/>
+          </p:nvPr>
+        </p:nvSpPr>
+        <p:spPr/>
+        <p:txBody>
+          <a:bodyPr/>
+          <a:lstStyle/>
+          <a:p>
+            <a:r>
+              <a:rPr lang="en-US" dirty="0" smtClean="0"/>
+              <a:t>Single responsibility principle - example</a:t>
+            </a:r>
+            <a:endParaRPr lang="en-US" dirty="0"/>
+          </a:p>
+        </p:txBody>
+      </p:sp>
+      <p:pic>
+        <p:nvPicPr>
+          <p:cNvPr id="5" name="Content Placeholder 6"/>
+          <p:cNvPicPr>
+            <a:picLocks noGrp="1" noChangeAspect="1"/>
+          </p:cNvPicPr>
+          <p:nvPr>
+            <p:ph idx="1"/>
+          </p:nvPr>
+        </p:nvPicPr>
+        <p:blipFill>
+          <a:blip r:embed="rId2"/>
+          <a:stretch>
+            <a:fillRect/>
+          </a:stretch>
+        </p:blipFill>
+        <p:spPr>
+          <a:xfrm>
+            <a:off x="1539772" y="1249363"/>
+            <a:ext cx="3799093" cy="3265487"/>
+          </a:xfrm>
+          <a:prstGeom prst="rect">
+            <a:avLst/>
+          </a:prstGeom>
+        </p:spPr>
+      </p:pic>
+      <p:sp>
+        <p:nvSpPr>
+          <p:cNvPr id="6" name="Title 1"/>
+          <p:cNvSpPr txBox="1">
+            <a:spLocks/>
+          </p:cNvSpPr>
+          <p:nvPr/>
+        </p:nvSpPr>
+        <p:spPr>
+          <a:xfrm>
+            <a:off x="-222748" y="1249363"/>
+            <a:ext cx="3371912" cy="703282"/>
+          </a:xfrm>
+          <a:prstGeom prst="rect">
+            <a:avLst/>
+          </a:prstGeom>
+        </p:spPr>
+        <p:txBody>
+          <a:bodyPr vert="horz" lIns="91440" tIns="45720" rIns="91440" bIns="45720" rtlCol="0" anchor="ctr">
+            <a:noAutofit/>
+          </a:bodyPr>
+          <a:lstStyle>
+            <a:lvl1pPr algn="ctr" defTabSz="914400" rtl="0" eaLnBrk="1" latinLnBrk="0" hangingPunct="1">
+              <a:spcBef>
+                <a:spcPct val="0"/>
+              </a:spcBef>
+              <a:buNone/>
+              <a:defRPr sz="3600" b="1" u="none" kern="1200" cap="all" baseline="0">
+                <a:solidFill>
+                  <a:schemeClr val="bg2"/>
+                </a:solidFill>
+                <a:latin typeface="+mj-lt"/>
+                <a:ea typeface="+mj-ea"/>
+                <a:cs typeface="+mj-cs"/>
+              </a:defRPr>
+            </a:lvl1pPr>
+          </a:lstStyle>
+          <a:p>
+            <a:r>
+              <a:rPr lang="en-US" sz="3200" dirty="0" smtClean="0">
+                <a:solidFill>
+                  <a:srgbClr val="FF0000"/>
+                </a:solidFill>
+                <a:latin typeface="Calibri"/>
+              </a:rPr>
+              <a:t>SOLUTION?</a:t>
+            </a:r>
+            <a:endParaRPr lang="en-US" sz="3200" dirty="0">
+              <a:solidFill>
+                <a:srgbClr val="FF0000"/>
+              </a:solidFill>
+              <a:latin typeface="Calibri"/>
+            </a:endParaRPr>
+          </a:p>
+        </p:txBody>
+      </p:sp>
+    </p:spTree>
+    <p:extLst>
+      <p:ext uri="{BB962C8B-B14F-4D97-AF65-F5344CB8AC3E}">
+        <p14:creationId xmlns:p14="http://schemas.microsoft.com/office/powerpoint/2010/main" val="1077621621"/>
+      </p:ext>
+    </p:extLst>
+  </p:cSld>
+  <p:clrMapOvr>
+    <a:masterClrMapping/>
+  </p:clrMapOvr>
+  <p:timing>
+    <p:tnLst>
+      <p:par>
+        <p:cTn id="1" dur="indefinite" restart="never" nodeType="tmRoot"/>
+      </p:par>
+    </p:tnLst>
+  </p:timing>
+</p:sld>
+</file>
+
+<file path=ppt/slides/slide49.xml><?xml version="1.0" encoding="utf-8"?>
+<p:sld xmlns:a="http://schemas.openxmlformats.org/drawingml/2006/main" xmlns:r="http://schemas.openxmlformats.org/officeDocument/2006/relationships" xmlns:p="http://schemas.openxmlformats.org/presentationml/2006/main">
+  <p:cSld>
+    <p:spTree>
+      <p:nvGrpSpPr>
+        <p:cNvPr id="1" name=""/>
+        <p:cNvGrpSpPr/>
+        <p:nvPr/>
+      </p:nvGrpSpPr>
+      <p:grpSpPr>
+        <a:xfrm>
+          <a:off x="0" y="0"/>
+          <a:ext cx="0" cy="0"/>
+          <a:chOff x="0" y="0"/>
+          <a:chExt cx="0" cy="0"/>
+        </a:xfrm>
+      </p:grpSpPr>
+      <p:sp>
+        <p:nvSpPr>
+          <p:cNvPr id="2" name="Slide Number Placeholder 1"/>
+          <p:cNvSpPr>
+            <a:spLocks noGrp="1"/>
+          </p:cNvSpPr>
+          <p:nvPr>
+            <p:ph type="sldNum" sz="quarter" idx="4"/>
+          </p:nvPr>
+        </p:nvSpPr>
+        <p:spPr/>
+        <p:txBody>
+          <a:bodyPr/>
+          <a:lstStyle/>
+          <a:p>
+            <a:fld id="{02B133D6-D2DE-BA4C-B40A-914820A47904}" type="slidenum">
+              <a:rPr lang="en-US" smtClean="0"/>
+              <a:pPr/>
+              <a:t>49</a:t>
+            </a:fld>
+            <a:endParaRPr lang="en-US" dirty="0"/>
+          </a:p>
+        </p:txBody>
+      </p:sp>
+      <p:sp>
+        <p:nvSpPr>
+          <p:cNvPr id="3" name="Text Placeholder 2"/>
+          <p:cNvSpPr>
+            <a:spLocks noGrp="1"/>
+          </p:cNvSpPr>
+          <p:nvPr>
+            <p:ph type="body" sz="quarter" idx="10"/>
+          </p:nvPr>
+        </p:nvSpPr>
+        <p:spPr/>
+        <p:txBody>
+          <a:bodyPr>
+            <a:normAutofit/>
+          </a:bodyPr>
+          <a:lstStyle/>
+          <a:p>
+            <a:r>
+              <a:rPr lang="en-US" sz="3200" dirty="0" smtClean="0"/>
+              <a:t>A class should never be forced to have some unnecessary methods.</a:t>
+            </a:r>
+            <a:endParaRPr lang="en-US" sz="3200" dirty="0"/>
+          </a:p>
+        </p:txBody>
+      </p:sp>
+      <p:sp>
+        <p:nvSpPr>
+          <p:cNvPr id="4" name="Title 3"/>
+          <p:cNvSpPr>
+            <a:spLocks noGrp="1"/>
+          </p:cNvSpPr>
+          <p:nvPr>
+            <p:ph type="title"/>
+          </p:nvPr>
+        </p:nvSpPr>
+        <p:spPr>
+          <a:xfrm>
+            <a:off x="189636" y="1414506"/>
+            <a:ext cx="5217936" cy="553998"/>
+          </a:xfrm>
+        </p:spPr>
+        <p:txBody>
+          <a:bodyPr/>
+          <a:lstStyle/>
+          <a:p>
+            <a:r>
+              <a:rPr lang="en-US" dirty="0" smtClean="0"/>
+              <a:t>Interface Segregation Principle</a:t>
+            </a:r>
+            <a:endParaRPr lang="en-US" dirty="0"/>
+          </a:p>
+        </p:txBody>
+      </p:sp>
+    </p:spTree>
+    <p:extLst>
+      <p:ext uri="{BB962C8B-B14F-4D97-AF65-F5344CB8AC3E}">
+        <p14:creationId xmlns:p14="http://schemas.microsoft.com/office/powerpoint/2010/main" val="2802720716"/>
+      </p:ext>
+    </p:extLst>
+  </p:cSld>
+  <p:clrMapOvr>
+    <a:masterClrMapping/>
+  </p:clrMapOvr>
+  <p:timing>
+    <p:tnLst>
+      <p:par>
+        <p:cTn id="1" dur="indefinite" restart="never" nodeType="tmRoot"/>
+      </p:par>
+    </p:tnLst>
+  </p:timing>
+</p:sld>
+</file>
+
 <file path=ppt/slides/slide5.xml><?xml version="1.0" encoding="utf-8"?>
 <p:sld xmlns:a="http://schemas.openxmlformats.org/drawingml/2006/main" xmlns:r="http://schemas.openxmlformats.org/officeDocument/2006/relationships" xmlns:p="http://schemas.openxmlformats.org/presentationml/2006/main">
   <p:cSld>
@@ -13244,6 +19267,1800 @@
     <p:extLst>
       <p:ext uri="{BB962C8B-B14F-4D97-AF65-F5344CB8AC3E}">
         <p14:creationId xmlns:p14="http://schemas.microsoft.com/office/powerpoint/2010/main" val="2613746571"/>
+      </p:ext>
+    </p:extLst>
+  </p:cSld>
+  <p:clrMapOvr>
+    <a:masterClrMapping/>
+  </p:clrMapOvr>
+  <p:timing>
+    <p:tnLst>
+      <p:par>
+        <p:cTn id="1" dur="indefinite" restart="never" nodeType="tmRoot"/>
+      </p:par>
+    </p:tnLst>
+  </p:timing>
+</p:sld>
+</file>
+
+<file path=ppt/slides/slide50.xml><?xml version="1.0" encoding="utf-8"?>
+<p:sld xmlns:a="http://schemas.openxmlformats.org/drawingml/2006/main" xmlns:r="http://schemas.openxmlformats.org/officeDocument/2006/relationships" xmlns:p="http://schemas.openxmlformats.org/presentationml/2006/main">
+  <p:cSld>
+    <p:spTree>
+      <p:nvGrpSpPr>
+        <p:cNvPr id="1" name=""/>
+        <p:cNvGrpSpPr/>
+        <p:nvPr/>
+      </p:nvGrpSpPr>
+      <p:grpSpPr>
+        <a:xfrm>
+          <a:off x="0" y="0"/>
+          <a:ext cx="0" cy="0"/>
+          <a:chOff x="0" y="0"/>
+          <a:chExt cx="0" cy="0"/>
+        </a:xfrm>
+      </p:grpSpPr>
+      <p:sp>
+        <p:nvSpPr>
+          <p:cNvPr id="3" name="Slide Number Placeholder 2"/>
+          <p:cNvSpPr>
+            <a:spLocks noGrp="1"/>
+          </p:cNvSpPr>
+          <p:nvPr>
+            <p:ph type="sldNum" sz="quarter" idx="4"/>
+          </p:nvPr>
+        </p:nvSpPr>
+        <p:spPr/>
+        <p:txBody>
+          <a:bodyPr/>
+          <a:lstStyle/>
+          <a:p>
+            <a:fld id="{02B133D6-D2DE-BA4C-B40A-914820A47904}" type="slidenum">
+              <a:rPr lang="en-US" smtClean="0"/>
+              <a:pPr/>
+              <a:t>50</a:t>
+            </a:fld>
+            <a:endParaRPr lang="en-US" dirty="0"/>
+          </a:p>
+        </p:txBody>
+      </p:sp>
+      <p:sp>
+        <p:nvSpPr>
+          <p:cNvPr id="4" name="Title 3"/>
+          <p:cNvSpPr>
+            <a:spLocks noGrp="1"/>
+          </p:cNvSpPr>
+          <p:nvPr>
+            <p:ph type="title"/>
+          </p:nvPr>
+        </p:nvSpPr>
+        <p:spPr/>
+        <p:txBody>
+          <a:bodyPr/>
+          <a:lstStyle/>
+          <a:p>
+            <a:r>
+              <a:rPr lang="en-US" dirty="0" smtClean="0"/>
+              <a:t>Interface segregation principle - example</a:t>
+            </a:r>
+            <a:endParaRPr lang="en-US" dirty="0"/>
+          </a:p>
+        </p:txBody>
+      </p:sp>
+      <p:pic>
+        <p:nvPicPr>
+          <p:cNvPr id="5" name="Content Placeholder 4"/>
+          <p:cNvPicPr>
+            <a:picLocks noGrp="1" noChangeAspect="1"/>
+          </p:cNvPicPr>
+          <p:nvPr>
+            <p:ph idx="1"/>
+          </p:nvPr>
+        </p:nvPicPr>
+        <p:blipFill>
+          <a:blip r:embed="rId3"/>
+          <a:stretch>
+            <a:fillRect/>
+          </a:stretch>
+        </p:blipFill>
+        <p:spPr>
+          <a:xfrm>
+            <a:off x="1731197" y="1757154"/>
+            <a:ext cx="3416244" cy="2249906"/>
+          </a:xfrm>
+          <a:prstGeom prst="rect">
+            <a:avLst/>
+          </a:prstGeom>
+        </p:spPr>
+      </p:pic>
+      <p:sp>
+        <p:nvSpPr>
+          <p:cNvPr id="6" name="Title 1"/>
+          <p:cNvSpPr txBox="1">
+            <a:spLocks/>
+          </p:cNvSpPr>
+          <p:nvPr/>
+        </p:nvSpPr>
+        <p:spPr>
+          <a:xfrm>
+            <a:off x="-656300" y="1167757"/>
+            <a:ext cx="3371912" cy="703282"/>
+          </a:xfrm>
+          <a:prstGeom prst="rect">
+            <a:avLst/>
+          </a:prstGeom>
+        </p:spPr>
+        <p:txBody>
+          <a:bodyPr vert="horz" lIns="91440" tIns="45720" rIns="91440" bIns="45720" rtlCol="0" anchor="ctr">
+            <a:noAutofit/>
+          </a:bodyPr>
+          <a:lstStyle>
+            <a:lvl1pPr algn="ctr" defTabSz="914400" rtl="0" eaLnBrk="1" latinLnBrk="0" hangingPunct="1">
+              <a:spcBef>
+                <a:spcPct val="0"/>
+              </a:spcBef>
+              <a:buNone/>
+              <a:defRPr sz="3600" b="1" u="none" kern="1200" cap="all" baseline="0">
+                <a:solidFill>
+                  <a:schemeClr val="bg2"/>
+                </a:solidFill>
+                <a:latin typeface="+mj-lt"/>
+                <a:ea typeface="+mj-ea"/>
+                <a:cs typeface="+mj-cs"/>
+              </a:defRPr>
+            </a:lvl1pPr>
+          </a:lstStyle>
+          <a:p>
+            <a:r>
+              <a:rPr lang="en-US" sz="3200" dirty="0" smtClean="0">
+                <a:solidFill>
+                  <a:srgbClr val="FF0000"/>
+                </a:solidFill>
+                <a:latin typeface="Calibri"/>
+              </a:rPr>
+              <a:t>Problem?</a:t>
+            </a:r>
+            <a:endParaRPr lang="en-US" sz="3200" dirty="0">
+              <a:solidFill>
+                <a:srgbClr val="FF0000"/>
+              </a:solidFill>
+              <a:latin typeface="Calibri"/>
+            </a:endParaRPr>
+          </a:p>
+        </p:txBody>
+      </p:sp>
+    </p:spTree>
+    <p:extLst>
+      <p:ext uri="{BB962C8B-B14F-4D97-AF65-F5344CB8AC3E}">
+        <p14:creationId xmlns:p14="http://schemas.microsoft.com/office/powerpoint/2010/main" val="1797371151"/>
+      </p:ext>
+    </p:extLst>
+  </p:cSld>
+  <p:clrMapOvr>
+    <a:masterClrMapping/>
+  </p:clrMapOvr>
+  <p:timing>
+    <p:tnLst>
+      <p:par>
+        <p:cTn id="1" dur="indefinite" restart="never" nodeType="tmRoot">
+          <p:childTnLst>
+            <p:seq concurrent="1" nextAc="seek">
+              <p:cTn id="2" dur="indefinite" nodeType="mainSeq">
+                <p:childTnLst>
+                  <p:par>
+                    <p:cTn id="3" fill="hold">
+                      <p:stCondLst>
+                        <p:cond delay="indefinite"/>
+                      </p:stCondLst>
+                      <p:childTnLst>
+                        <p:par>
+                          <p:cTn id="4" fill="hold">
+                            <p:stCondLst>
+                              <p:cond delay="0"/>
+                            </p:stCondLst>
+                            <p:childTnLst>
+                              <p:par>
+                                <p:cTn id="5" presetID="1" presetClass="entr" presetSubtype="0" fill="hold" grpId="0" nodeType="clickEffect">
+                                  <p:stCondLst>
+                                    <p:cond delay="0"/>
+                                  </p:stCondLst>
+                                  <p:childTnLst>
+                                    <p:set>
+                                      <p:cBhvr>
+                                        <p:cTn id="6" dur="1" fill="hold">
+                                          <p:stCondLst>
+                                            <p:cond delay="0"/>
+                                          </p:stCondLst>
+                                        </p:cTn>
+                                        <p:tgtEl>
+                                          <p:spTgt spid="6"/>
+                                        </p:tgtEl>
+                                        <p:attrNameLst>
+                                          <p:attrName>style.visibility</p:attrName>
+                                        </p:attrNameLst>
+                                      </p:cBhvr>
+                                      <p:to>
+                                        <p:strVal val="visible"/>
+                                      </p:to>
+                                    </p:set>
+                                  </p:childTnLst>
+                                </p:cTn>
+                              </p:par>
+                            </p:childTnLst>
+                          </p:cTn>
+                        </p:par>
+                      </p:childTnLst>
+                    </p:cTn>
+                  </p:par>
+                </p:childTnLst>
+              </p:cTn>
+              <p:prevCondLst>
+                <p:cond evt="onPrev" delay="0">
+                  <p:tgtEl>
+                    <p:sldTgt/>
+                  </p:tgtEl>
+                </p:cond>
+              </p:prevCondLst>
+              <p:nextCondLst>
+                <p:cond evt="onNext" delay="0">
+                  <p:tgtEl>
+                    <p:sldTgt/>
+                  </p:tgtEl>
+                </p:cond>
+              </p:nextCondLst>
+            </p:seq>
+          </p:childTnLst>
+        </p:cTn>
+      </p:par>
+    </p:tnLst>
+    <p:bldLst>
+      <p:bldP spid="6" grpId="0"/>
+    </p:bldLst>
+  </p:timing>
+</p:sld>
+</file>
+
+<file path=ppt/slides/slide51.xml><?xml version="1.0" encoding="utf-8"?>
+<p:sld xmlns:a="http://schemas.openxmlformats.org/drawingml/2006/main" xmlns:r="http://schemas.openxmlformats.org/officeDocument/2006/relationships" xmlns:p="http://schemas.openxmlformats.org/presentationml/2006/main">
+  <p:cSld>
+    <p:spTree>
+      <p:nvGrpSpPr>
+        <p:cNvPr id="1" name=""/>
+        <p:cNvGrpSpPr/>
+        <p:nvPr/>
+      </p:nvGrpSpPr>
+      <p:grpSpPr>
+        <a:xfrm>
+          <a:off x="0" y="0"/>
+          <a:ext cx="0" cy="0"/>
+          <a:chOff x="0" y="0"/>
+          <a:chExt cx="0" cy="0"/>
+        </a:xfrm>
+      </p:grpSpPr>
+      <p:sp>
+        <p:nvSpPr>
+          <p:cNvPr id="3" name="Slide Number Placeholder 2"/>
+          <p:cNvSpPr>
+            <a:spLocks noGrp="1"/>
+          </p:cNvSpPr>
+          <p:nvPr>
+            <p:ph type="sldNum" sz="quarter" idx="4"/>
+          </p:nvPr>
+        </p:nvSpPr>
+        <p:spPr/>
+        <p:txBody>
+          <a:bodyPr/>
+          <a:lstStyle/>
+          <a:p>
+            <a:fld id="{02B133D6-D2DE-BA4C-B40A-914820A47904}" type="slidenum">
+              <a:rPr lang="en-US" smtClean="0"/>
+              <a:pPr/>
+              <a:t>51</a:t>
+            </a:fld>
+            <a:endParaRPr lang="en-US" dirty="0"/>
+          </a:p>
+        </p:txBody>
+      </p:sp>
+      <p:sp>
+        <p:nvSpPr>
+          <p:cNvPr id="4" name="Title 3"/>
+          <p:cNvSpPr>
+            <a:spLocks noGrp="1"/>
+          </p:cNvSpPr>
+          <p:nvPr>
+            <p:ph type="title"/>
+          </p:nvPr>
+        </p:nvSpPr>
+        <p:spPr/>
+        <p:txBody>
+          <a:bodyPr/>
+          <a:lstStyle/>
+          <a:p>
+            <a:r>
+              <a:rPr lang="en-US" dirty="0" smtClean="0"/>
+              <a:t>Interface segregation principle - example</a:t>
+            </a:r>
+            <a:endParaRPr lang="en-US" dirty="0"/>
+          </a:p>
+        </p:txBody>
+      </p:sp>
+      <p:sp>
+        <p:nvSpPr>
+          <p:cNvPr id="6" name="Title 1"/>
+          <p:cNvSpPr txBox="1">
+            <a:spLocks/>
+          </p:cNvSpPr>
+          <p:nvPr/>
+        </p:nvSpPr>
+        <p:spPr>
+          <a:xfrm>
+            <a:off x="-656300" y="1167757"/>
+            <a:ext cx="3371912" cy="703282"/>
+          </a:xfrm>
+          <a:prstGeom prst="rect">
+            <a:avLst/>
+          </a:prstGeom>
+        </p:spPr>
+        <p:txBody>
+          <a:bodyPr vert="horz" lIns="91440" tIns="45720" rIns="91440" bIns="45720" rtlCol="0" anchor="ctr">
+            <a:noAutofit/>
+          </a:bodyPr>
+          <a:lstStyle>
+            <a:lvl1pPr algn="ctr" defTabSz="914400" rtl="0" eaLnBrk="1" latinLnBrk="0" hangingPunct="1">
+              <a:spcBef>
+                <a:spcPct val="0"/>
+              </a:spcBef>
+              <a:buNone/>
+              <a:defRPr sz="3600" b="1" u="none" kern="1200" cap="all" baseline="0">
+                <a:solidFill>
+                  <a:schemeClr val="bg2"/>
+                </a:solidFill>
+                <a:latin typeface="+mj-lt"/>
+                <a:ea typeface="+mj-ea"/>
+                <a:cs typeface="+mj-cs"/>
+              </a:defRPr>
+            </a:lvl1pPr>
+          </a:lstStyle>
+          <a:p>
+            <a:r>
+              <a:rPr lang="en-US" sz="3200" dirty="0" smtClean="0">
+                <a:solidFill>
+                  <a:srgbClr val="FF0000"/>
+                </a:solidFill>
+                <a:latin typeface="Calibri"/>
+              </a:rPr>
+              <a:t>SOLUTION?</a:t>
+            </a:r>
+            <a:endParaRPr lang="en-US" sz="3200" dirty="0">
+              <a:solidFill>
+                <a:srgbClr val="FF0000"/>
+              </a:solidFill>
+              <a:latin typeface="Calibri"/>
+            </a:endParaRPr>
+          </a:p>
+        </p:txBody>
+      </p:sp>
+      <p:pic>
+        <p:nvPicPr>
+          <p:cNvPr id="7" name="Content Placeholder 6"/>
+          <p:cNvPicPr>
+            <a:picLocks noGrp="1" noChangeAspect="1"/>
+          </p:cNvPicPr>
+          <p:nvPr>
+            <p:ph idx="1"/>
+          </p:nvPr>
+        </p:nvPicPr>
+        <p:blipFill>
+          <a:blip r:embed="rId3"/>
+          <a:stretch>
+            <a:fillRect/>
+          </a:stretch>
+        </p:blipFill>
+        <p:spPr>
+          <a:xfrm>
+            <a:off x="1437899" y="1931277"/>
+            <a:ext cx="4002840" cy="1901660"/>
+          </a:xfrm>
+          <a:prstGeom prst="rect">
+            <a:avLst/>
+          </a:prstGeom>
+        </p:spPr>
+      </p:pic>
+    </p:spTree>
+    <p:extLst>
+      <p:ext uri="{BB962C8B-B14F-4D97-AF65-F5344CB8AC3E}">
+        <p14:creationId xmlns:p14="http://schemas.microsoft.com/office/powerpoint/2010/main" val="1229582236"/>
+      </p:ext>
+    </p:extLst>
+  </p:cSld>
+  <p:clrMapOvr>
+    <a:masterClrMapping/>
+  </p:clrMapOvr>
+  <p:timing>
+    <p:tnLst>
+      <p:par>
+        <p:cTn id="1" dur="indefinite" restart="never" nodeType="tmRoot"/>
+      </p:par>
+    </p:tnLst>
+  </p:timing>
+</p:sld>
+</file>
+
+<file path=ppt/slides/slide52.xml><?xml version="1.0" encoding="utf-8"?>
+<p:sld xmlns:a="http://schemas.openxmlformats.org/drawingml/2006/main" xmlns:r="http://schemas.openxmlformats.org/officeDocument/2006/relationships" xmlns:p="http://schemas.openxmlformats.org/presentationml/2006/main">
+  <p:cSld>
+    <p:spTree>
+      <p:nvGrpSpPr>
+        <p:cNvPr id="1" name=""/>
+        <p:cNvGrpSpPr/>
+        <p:nvPr/>
+      </p:nvGrpSpPr>
+      <p:grpSpPr>
+        <a:xfrm>
+          <a:off x="0" y="0"/>
+          <a:ext cx="0" cy="0"/>
+          <a:chOff x="0" y="0"/>
+          <a:chExt cx="0" cy="0"/>
+        </a:xfrm>
+      </p:grpSpPr>
+      <p:sp>
+        <p:nvSpPr>
+          <p:cNvPr id="2" name="Content Placeholder 1"/>
+          <p:cNvSpPr>
+            <a:spLocks noGrp="1"/>
+          </p:cNvSpPr>
+          <p:nvPr>
+            <p:ph idx="1"/>
+          </p:nvPr>
+        </p:nvSpPr>
+        <p:spPr/>
+        <p:txBody>
+          <a:bodyPr>
+            <a:normAutofit lnSpcReduction="10000"/>
+          </a:bodyPr>
+          <a:lstStyle/>
+          <a:p>
+            <a:pPr algn="l"/>
+            <a:r>
+              <a:rPr lang="en-US" dirty="0"/>
+              <a:t>Read data from various sources but our program can stay the same</a:t>
+            </a:r>
+          </a:p>
+          <a:p>
+            <a:pPr algn="l"/>
+            <a:r>
+              <a:rPr lang="en-US" dirty="0"/>
+              <a:t>Easily switch between different algorithms on the same data</a:t>
+            </a:r>
+          </a:p>
+          <a:p>
+            <a:pPr algn="l"/>
+            <a:r>
+              <a:rPr lang="en-US" dirty="0"/>
+              <a:t>Make any module work independent from others</a:t>
+            </a:r>
+          </a:p>
+          <a:p>
+            <a:pPr algn="l"/>
+            <a:r>
+              <a:rPr lang="en-US" dirty="0"/>
+              <a:t>Make the output of the project independent from the data or the algorithm itself</a:t>
+            </a:r>
+          </a:p>
+          <a:p>
+            <a:pPr algn="l"/>
+            <a:r>
+              <a:rPr lang="en-US" dirty="0"/>
+              <a:t>Test the correctness of each class independently</a:t>
+            </a:r>
+          </a:p>
+          <a:p>
+            <a:pPr algn="l"/>
+            <a:r>
+              <a:rPr lang="en-US" dirty="0"/>
+              <a:t>Model the problem in a human-readable way</a:t>
+            </a:r>
+          </a:p>
+          <a:p>
+            <a:pPr algn="l"/>
+            <a:r>
+              <a:rPr lang="en-US" dirty="0"/>
+              <a:t>And most importantly, reuse and maintain your application better.</a:t>
+            </a:r>
+          </a:p>
+          <a:p>
+            <a:pPr algn="l"/>
+            <a:r>
+              <a:rPr lang="en-US" dirty="0"/>
+              <a:t>Future-proof</a:t>
+            </a:r>
+            <a:r>
+              <a:rPr lang="en-US" dirty="0" smtClean="0"/>
+              <a:t>.</a:t>
+            </a:r>
+            <a:endParaRPr lang="en-US" dirty="0"/>
+          </a:p>
+        </p:txBody>
+      </p:sp>
+      <p:sp>
+        <p:nvSpPr>
+          <p:cNvPr id="3" name="Slide Number Placeholder 2"/>
+          <p:cNvSpPr>
+            <a:spLocks noGrp="1"/>
+          </p:cNvSpPr>
+          <p:nvPr>
+            <p:ph type="sldNum" sz="quarter" idx="4"/>
+          </p:nvPr>
+        </p:nvSpPr>
+        <p:spPr/>
+        <p:txBody>
+          <a:bodyPr/>
+          <a:lstStyle/>
+          <a:p>
+            <a:fld id="{02B133D6-D2DE-BA4C-B40A-914820A47904}" type="slidenum">
+              <a:rPr lang="en-US" smtClean="0"/>
+              <a:pPr/>
+              <a:t>52</a:t>
+            </a:fld>
+            <a:endParaRPr lang="en-US" dirty="0"/>
+          </a:p>
+        </p:txBody>
+      </p:sp>
+      <p:sp>
+        <p:nvSpPr>
+          <p:cNvPr id="4" name="Title 3"/>
+          <p:cNvSpPr>
+            <a:spLocks noGrp="1"/>
+          </p:cNvSpPr>
+          <p:nvPr>
+            <p:ph type="title"/>
+          </p:nvPr>
+        </p:nvSpPr>
+        <p:spPr/>
+        <p:txBody>
+          <a:bodyPr/>
+          <a:lstStyle/>
+          <a:p>
+            <a:r>
+              <a:rPr lang="en-US" dirty="0" smtClean="0"/>
+              <a:t>So, what can we achieve from this? –</a:t>
+            </a:r>
+            <a:br>
+              <a:rPr lang="en-US" dirty="0" smtClean="0"/>
+            </a:br>
+            <a:r>
+              <a:rPr lang="en-US" dirty="0" smtClean="0"/>
+              <a:t>Sample scenarios</a:t>
+            </a:r>
+            <a:endParaRPr lang="en-US" dirty="0"/>
+          </a:p>
+        </p:txBody>
+      </p:sp>
+    </p:spTree>
+    <p:extLst>
+      <p:ext uri="{BB962C8B-B14F-4D97-AF65-F5344CB8AC3E}">
+        <p14:creationId xmlns:p14="http://schemas.microsoft.com/office/powerpoint/2010/main" val="2855938992"/>
+      </p:ext>
+    </p:extLst>
+  </p:cSld>
+  <p:clrMapOvr>
+    <a:masterClrMapping/>
+  </p:clrMapOvr>
+  <p:timing>
+    <p:tnLst>
+      <p:par>
+        <p:cTn id="1" dur="indefinite" restart="never" nodeType="tmRoot">
+          <p:childTnLst>
+            <p:seq concurrent="1" nextAc="seek">
+              <p:cTn id="2" dur="indefinite" nodeType="mainSeq">
+                <p:childTnLst>
+                  <p:par>
+                    <p:cTn id="3" fill="hold">
+                      <p:stCondLst>
+                        <p:cond delay="indefinite"/>
+                      </p:stCondLst>
+                      <p:childTnLst>
+                        <p:par>
+                          <p:cTn id="4" fill="hold">
+                            <p:stCondLst>
+                              <p:cond delay="0"/>
+                            </p:stCondLst>
+                            <p:childTnLst>
+                              <p:par>
+                                <p:cTn id="5" presetID="1" presetClass="entr" presetSubtype="0" fill="hold" grpId="0" nodeType="clickEffect">
+                                  <p:stCondLst>
+                                    <p:cond delay="0"/>
+                                  </p:stCondLst>
+                                  <p:childTnLst>
+                                    <p:set>
+                                      <p:cBhvr>
+                                        <p:cTn id="6" dur="1" fill="hold">
+                                          <p:stCondLst>
+                                            <p:cond delay="0"/>
+                                          </p:stCondLst>
+                                        </p:cTn>
+                                        <p:tgtEl>
+                                          <p:spTgt spid="2">
+                                            <p:txEl>
+                                              <p:pRg st="0" end="0"/>
+                                            </p:txEl>
+                                          </p:spTgt>
+                                        </p:tgtEl>
+                                        <p:attrNameLst>
+                                          <p:attrName>style.visibility</p:attrName>
+                                        </p:attrNameLst>
+                                      </p:cBhvr>
+                                      <p:to>
+                                        <p:strVal val="visible"/>
+                                      </p:to>
+                                    </p:set>
+                                  </p:childTnLst>
+                                </p:cTn>
+                              </p:par>
+                            </p:childTnLst>
+                          </p:cTn>
+                        </p:par>
+                      </p:childTnLst>
+                    </p:cTn>
+                  </p:par>
+                  <p:par>
+                    <p:cTn id="7" fill="hold">
+                      <p:stCondLst>
+                        <p:cond delay="indefinite"/>
+                      </p:stCondLst>
+                      <p:childTnLst>
+                        <p:par>
+                          <p:cTn id="8" fill="hold">
+                            <p:stCondLst>
+                              <p:cond delay="0"/>
+                            </p:stCondLst>
+                            <p:childTnLst>
+                              <p:par>
+                                <p:cTn id="9" presetID="1" presetClass="entr" presetSubtype="0" fill="hold" grpId="0" nodeType="clickEffect">
+                                  <p:stCondLst>
+                                    <p:cond delay="0"/>
+                                  </p:stCondLst>
+                                  <p:childTnLst>
+                                    <p:set>
+                                      <p:cBhvr>
+                                        <p:cTn id="10" dur="1" fill="hold">
+                                          <p:stCondLst>
+                                            <p:cond delay="0"/>
+                                          </p:stCondLst>
+                                        </p:cTn>
+                                        <p:tgtEl>
+                                          <p:spTgt spid="2">
+                                            <p:txEl>
+                                              <p:pRg st="1" end="1"/>
+                                            </p:txEl>
+                                          </p:spTgt>
+                                        </p:tgtEl>
+                                        <p:attrNameLst>
+                                          <p:attrName>style.visibility</p:attrName>
+                                        </p:attrNameLst>
+                                      </p:cBhvr>
+                                      <p:to>
+                                        <p:strVal val="visible"/>
+                                      </p:to>
+                                    </p:set>
+                                  </p:childTnLst>
+                                </p:cTn>
+                              </p:par>
+                            </p:childTnLst>
+                          </p:cTn>
+                        </p:par>
+                      </p:childTnLst>
+                    </p:cTn>
+                  </p:par>
+                  <p:par>
+                    <p:cTn id="11" fill="hold">
+                      <p:stCondLst>
+                        <p:cond delay="indefinite"/>
+                      </p:stCondLst>
+                      <p:childTnLst>
+                        <p:par>
+                          <p:cTn id="12" fill="hold">
+                            <p:stCondLst>
+                              <p:cond delay="0"/>
+                            </p:stCondLst>
+                            <p:childTnLst>
+                              <p:par>
+                                <p:cTn id="13" presetID="1" presetClass="entr" presetSubtype="0" fill="hold" grpId="0" nodeType="clickEffect">
+                                  <p:stCondLst>
+                                    <p:cond delay="0"/>
+                                  </p:stCondLst>
+                                  <p:childTnLst>
+                                    <p:set>
+                                      <p:cBhvr>
+                                        <p:cTn id="14" dur="1" fill="hold">
+                                          <p:stCondLst>
+                                            <p:cond delay="0"/>
+                                          </p:stCondLst>
+                                        </p:cTn>
+                                        <p:tgtEl>
+                                          <p:spTgt spid="2">
+                                            <p:txEl>
+                                              <p:pRg st="2" end="2"/>
+                                            </p:txEl>
+                                          </p:spTgt>
+                                        </p:tgtEl>
+                                        <p:attrNameLst>
+                                          <p:attrName>style.visibility</p:attrName>
+                                        </p:attrNameLst>
+                                      </p:cBhvr>
+                                      <p:to>
+                                        <p:strVal val="visible"/>
+                                      </p:to>
+                                    </p:set>
+                                  </p:childTnLst>
+                                </p:cTn>
+                              </p:par>
+                            </p:childTnLst>
+                          </p:cTn>
+                        </p:par>
+                      </p:childTnLst>
+                    </p:cTn>
+                  </p:par>
+                  <p:par>
+                    <p:cTn id="15" fill="hold">
+                      <p:stCondLst>
+                        <p:cond delay="indefinite"/>
+                      </p:stCondLst>
+                      <p:childTnLst>
+                        <p:par>
+                          <p:cTn id="16" fill="hold">
+                            <p:stCondLst>
+                              <p:cond delay="0"/>
+                            </p:stCondLst>
+                            <p:childTnLst>
+                              <p:par>
+                                <p:cTn id="17" presetID="1" presetClass="entr" presetSubtype="0" fill="hold" grpId="0" nodeType="clickEffect">
+                                  <p:stCondLst>
+                                    <p:cond delay="0"/>
+                                  </p:stCondLst>
+                                  <p:childTnLst>
+                                    <p:set>
+                                      <p:cBhvr>
+                                        <p:cTn id="18" dur="1" fill="hold">
+                                          <p:stCondLst>
+                                            <p:cond delay="0"/>
+                                          </p:stCondLst>
+                                        </p:cTn>
+                                        <p:tgtEl>
+                                          <p:spTgt spid="2">
+                                            <p:txEl>
+                                              <p:pRg st="3" end="3"/>
+                                            </p:txEl>
+                                          </p:spTgt>
+                                        </p:tgtEl>
+                                        <p:attrNameLst>
+                                          <p:attrName>style.visibility</p:attrName>
+                                        </p:attrNameLst>
+                                      </p:cBhvr>
+                                      <p:to>
+                                        <p:strVal val="visible"/>
+                                      </p:to>
+                                    </p:set>
+                                  </p:childTnLst>
+                                </p:cTn>
+                              </p:par>
+                            </p:childTnLst>
+                          </p:cTn>
+                        </p:par>
+                      </p:childTnLst>
+                    </p:cTn>
+                  </p:par>
+                  <p:par>
+                    <p:cTn id="19" fill="hold">
+                      <p:stCondLst>
+                        <p:cond delay="indefinite"/>
+                      </p:stCondLst>
+                      <p:childTnLst>
+                        <p:par>
+                          <p:cTn id="20" fill="hold">
+                            <p:stCondLst>
+                              <p:cond delay="0"/>
+                            </p:stCondLst>
+                            <p:childTnLst>
+                              <p:par>
+                                <p:cTn id="21" presetID="1" presetClass="entr" presetSubtype="0" fill="hold" grpId="0" nodeType="clickEffect">
+                                  <p:stCondLst>
+                                    <p:cond delay="0"/>
+                                  </p:stCondLst>
+                                  <p:childTnLst>
+                                    <p:set>
+                                      <p:cBhvr>
+                                        <p:cTn id="22" dur="1" fill="hold">
+                                          <p:stCondLst>
+                                            <p:cond delay="0"/>
+                                          </p:stCondLst>
+                                        </p:cTn>
+                                        <p:tgtEl>
+                                          <p:spTgt spid="2">
+                                            <p:txEl>
+                                              <p:pRg st="4" end="4"/>
+                                            </p:txEl>
+                                          </p:spTgt>
+                                        </p:tgtEl>
+                                        <p:attrNameLst>
+                                          <p:attrName>style.visibility</p:attrName>
+                                        </p:attrNameLst>
+                                      </p:cBhvr>
+                                      <p:to>
+                                        <p:strVal val="visible"/>
+                                      </p:to>
+                                    </p:set>
+                                  </p:childTnLst>
+                                </p:cTn>
+                              </p:par>
+                            </p:childTnLst>
+                          </p:cTn>
+                        </p:par>
+                      </p:childTnLst>
+                    </p:cTn>
+                  </p:par>
+                  <p:par>
+                    <p:cTn id="23" fill="hold">
+                      <p:stCondLst>
+                        <p:cond delay="indefinite"/>
+                      </p:stCondLst>
+                      <p:childTnLst>
+                        <p:par>
+                          <p:cTn id="24" fill="hold">
+                            <p:stCondLst>
+                              <p:cond delay="0"/>
+                            </p:stCondLst>
+                            <p:childTnLst>
+                              <p:par>
+                                <p:cTn id="25" presetID="1" presetClass="entr" presetSubtype="0" fill="hold" grpId="0" nodeType="clickEffect">
+                                  <p:stCondLst>
+                                    <p:cond delay="0"/>
+                                  </p:stCondLst>
+                                  <p:childTnLst>
+                                    <p:set>
+                                      <p:cBhvr>
+                                        <p:cTn id="26" dur="1" fill="hold">
+                                          <p:stCondLst>
+                                            <p:cond delay="0"/>
+                                          </p:stCondLst>
+                                        </p:cTn>
+                                        <p:tgtEl>
+                                          <p:spTgt spid="2">
+                                            <p:txEl>
+                                              <p:pRg st="5" end="5"/>
+                                            </p:txEl>
+                                          </p:spTgt>
+                                        </p:tgtEl>
+                                        <p:attrNameLst>
+                                          <p:attrName>style.visibility</p:attrName>
+                                        </p:attrNameLst>
+                                      </p:cBhvr>
+                                      <p:to>
+                                        <p:strVal val="visible"/>
+                                      </p:to>
+                                    </p:set>
+                                  </p:childTnLst>
+                                </p:cTn>
+                              </p:par>
+                            </p:childTnLst>
+                          </p:cTn>
+                        </p:par>
+                      </p:childTnLst>
+                    </p:cTn>
+                  </p:par>
+                  <p:par>
+                    <p:cTn id="27" fill="hold">
+                      <p:stCondLst>
+                        <p:cond delay="indefinite"/>
+                      </p:stCondLst>
+                      <p:childTnLst>
+                        <p:par>
+                          <p:cTn id="28" fill="hold">
+                            <p:stCondLst>
+                              <p:cond delay="0"/>
+                            </p:stCondLst>
+                            <p:childTnLst>
+                              <p:par>
+                                <p:cTn id="29" presetID="1" presetClass="entr" presetSubtype="0" fill="hold" grpId="0" nodeType="clickEffect">
+                                  <p:stCondLst>
+                                    <p:cond delay="0"/>
+                                  </p:stCondLst>
+                                  <p:childTnLst>
+                                    <p:set>
+                                      <p:cBhvr>
+                                        <p:cTn id="30" dur="1" fill="hold">
+                                          <p:stCondLst>
+                                            <p:cond delay="0"/>
+                                          </p:stCondLst>
+                                        </p:cTn>
+                                        <p:tgtEl>
+                                          <p:spTgt spid="2">
+                                            <p:txEl>
+                                              <p:pRg st="6" end="6"/>
+                                            </p:txEl>
+                                          </p:spTgt>
+                                        </p:tgtEl>
+                                        <p:attrNameLst>
+                                          <p:attrName>style.visibility</p:attrName>
+                                        </p:attrNameLst>
+                                      </p:cBhvr>
+                                      <p:to>
+                                        <p:strVal val="visible"/>
+                                      </p:to>
+                                    </p:set>
+                                  </p:childTnLst>
+                                </p:cTn>
+                              </p:par>
+                            </p:childTnLst>
+                          </p:cTn>
+                        </p:par>
+                      </p:childTnLst>
+                    </p:cTn>
+                  </p:par>
+                  <p:par>
+                    <p:cTn id="31" fill="hold">
+                      <p:stCondLst>
+                        <p:cond delay="indefinite"/>
+                      </p:stCondLst>
+                      <p:childTnLst>
+                        <p:par>
+                          <p:cTn id="32" fill="hold">
+                            <p:stCondLst>
+                              <p:cond delay="0"/>
+                            </p:stCondLst>
+                            <p:childTnLst>
+                              <p:par>
+                                <p:cTn id="33" presetID="1" presetClass="entr" presetSubtype="0" fill="hold" grpId="0" nodeType="clickEffect">
+                                  <p:stCondLst>
+                                    <p:cond delay="0"/>
+                                  </p:stCondLst>
+                                  <p:childTnLst>
+                                    <p:set>
+                                      <p:cBhvr>
+                                        <p:cTn id="34" dur="1" fill="hold">
+                                          <p:stCondLst>
+                                            <p:cond delay="0"/>
+                                          </p:stCondLst>
+                                        </p:cTn>
+                                        <p:tgtEl>
+                                          <p:spTgt spid="2">
+                                            <p:txEl>
+                                              <p:pRg st="7" end="7"/>
+                                            </p:txEl>
+                                          </p:spTgt>
+                                        </p:tgtEl>
+                                        <p:attrNameLst>
+                                          <p:attrName>style.visibility</p:attrName>
+                                        </p:attrNameLst>
+                                      </p:cBhvr>
+                                      <p:to>
+                                        <p:strVal val="visible"/>
+                                      </p:to>
+                                    </p:set>
+                                  </p:childTnLst>
+                                </p:cTn>
+                              </p:par>
+                            </p:childTnLst>
+                          </p:cTn>
+                        </p:par>
+                      </p:childTnLst>
+                    </p:cTn>
+                  </p:par>
+                </p:childTnLst>
+              </p:cTn>
+              <p:prevCondLst>
+                <p:cond evt="onPrev" delay="0">
+                  <p:tgtEl>
+                    <p:sldTgt/>
+                  </p:tgtEl>
+                </p:cond>
+              </p:prevCondLst>
+              <p:nextCondLst>
+                <p:cond evt="onNext" delay="0">
+                  <p:tgtEl>
+                    <p:sldTgt/>
+                  </p:tgtEl>
+                </p:cond>
+              </p:nextCondLst>
+            </p:seq>
+          </p:childTnLst>
+        </p:cTn>
+      </p:par>
+    </p:tnLst>
+    <p:bldLst>
+      <p:bldP spid="2" grpId="0" build="p"/>
+    </p:bldLst>
+  </p:timing>
+</p:sld>
+</file>
+
+<file path=ppt/slides/slide53.xml><?xml version="1.0" encoding="utf-8"?>
+<p:sld xmlns:a="http://schemas.openxmlformats.org/drawingml/2006/main" xmlns:r="http://schemas.openxmlformats.org/officeDocument/2006/relationships" xmlns:p="http://schemas.openxmlformats.org/presentationml/2006/main">
+  <p:cSld>
+    <p:spTree>
+      <p:nvGrpSpPr>
+        <p:cNvPr id="1" name=""/>
+        <p:cNvGrpSpPr/>
+        <p:nvPr/>
+      </p:nvGrpSpPr>
+      <p:grpSpPr>
+        <a:xfrm>
+          <a:off x="0" y="0"/>
+          <a:ext cx="0" cy="0"/>
+          <a:chOff x="0" y="0"/>
+          <a:chExt cx="0" cy="0"/>
+        </a:xfrm>
+      </p:grpSpPr>
+      <p:sp>
+        <p:nvSpPr>
+          <p:cNvPr id="2" name="Content Placeholder 1"/>
+          <p:cNvSpPr>
+            <a:spLocks noGrp="1"/>
+          </p:cNvSpPr>
+          <p:nvPr>
+            <p:ph idx="1"/>
+          </p:nvPr>
+        </p:nvSpPr>
+        <p:spPr/>
+        <p:txBody>
+          <a:bodyPr>
+            <a:normAutofit/>
+          </a:bodyPr>
+          <a:lstStyle/>
+          <a:p>
+            <a:pPr algn="l"/>
+            <a:r>
+              <a:rPr lang="en-US" dirty="0"/>
+              <a:t>Object-oriented programming provides very flexible structures for our programs.</a:t>
+            </a:r>
+          </a:p>
+          <a:p>
+            <a:pPr lvl="1" algn="l"/>
+            <a:r>
+              <a:rPr lang="en-US" dirty="0"/>
+              <a:t>It can be applied in many languages, as long as the language supports object-orientation.</a:t>
+            </a:r>
+          </a:p>
+          <a:p>
+            <a:pPr algn="l"/>
+            <a:r>
+              <a:rPr lang="en-US" dirty="0"/>
+              <a:t>If we obey the principles, it will be an actual system.</a:t>
+            </a:r>
+          </a:p>
+          <a:p>
+            <a:pPr lvl="1" algn="l"/>
+            <a:r>
+              <a:rPr lang="en-US" dirty="0"/>
+              <a:t>Otherwise, it is just the same code with classes and additional complexity.</a:t>
+            </a:r>
+          </a:p>
+          <a:p>
+            <a:pPr algn="l"/>
+            <a:r>
+              <a:rPr lang="en-US" dirty="0"/>
+              <a:t>Object-oriented system is not a perfect system and it has its own flaws. But it is still the best system</a:t>
+            </a:r>
+            <a:r>
+              <a:rPr lang="en-US" dirty="0" smtClean="0"/>
+              <a:t>.</a:t>
+            </a:r>
+            <a:endParaRPr lang="en-US" dirty="0"/>
+          </a:p>
+        </p:txBody>
+      </p:sp>
+      <p:sp>
+        <p:nvSpPr>
+          <p:cNvPr id="3" name="Slide Number Placeholder 2"/>
+          <p:cNvSpPr>
+            <a:spLocks noGrp="1"/>
+          </p:cNvSpPr>
+          <p:nvPr>
+            <p:ph type="sldNum" sz="quarter" idx="4"/>
+          </p:nvPr>
+        </p:nvSpPr>
+        <p:spPr/>
+        <p:txBody>
+          <a:bodyPr/>
+          <a:lstStyle/>
+          <a:p>
+            <a:fld id="{02B133D6-D2DE-BA4C-B40A-914820A47904}" type="slidenum">
+              <a:rPr lang="en-US" smtClean="0"/>
+              <a:pPr/>
+              <a:t>53</a:t>
+            </a:fld>
+            <a:endParaRPr lang="en-US" dirty="0"/>
+          </a:p>
+        </p:txBody>
+      </p:sp>
+      <p:sp>
+        <p:nvSpPr>
+          <p:cNvPr id="4" name="Title 3"/>
+          <p:cNvSpPr>
+            <a:spLocks noGrp="1"/>
+          </p:cNvSpPr>
+          <p:nvPr>
+            <p:ph type="title"/>
+          </p:nvPr>
+        </p:nvSpPr>
+        <p:spPr/>
+        <p:txBody>
+          <a:bodyPr/>
+          <a:lstStyle/>
+          <a:p>
+            <a:r>
+              <a:rPr lang="en-US" dirty="0" smtClean="0"/>
+              <a:t>Conclusion</a:t>
+            </a:r>
+            <a:endParaRPr lang="en-US" dirty="0"/>
+          </a:p>
+        </p:txBody>
+      </p:sp>
+    </p:spTree>
+    <p:extLst>
+      <p:ext uri="{BB962C8B-B14F-4D97-AF65-F5344CB8AC3E}">
+        <p14:creationId xmlns:p14="http://schemas.microsoft.com/office/powerpoint/2010/main" val="3204043715"/>
+      </p:ext>
+    </p:extLst>
+  </p:cSld>
+  <p:clrMapOvr>
+    <a:masterClrMapping/>
+  </p:clrMapOvr>
+  <p:timing>
+    <p:tnLst>
+      <p:par>
+        <p:cTn id="1" dur="indefinite" restart="never" nodeType="tmRoot">
+          <p:childTnLst>
+            <p:seq concurrent="1" nextAc="seek">
+              <p:cTn id="2" dur="indefinite" nodeType="mainSeq">
+                <p:childTnLst>
+                  <p:par>
+                    <p:cTn id="3" fill="hold">
+                      <p:stCondLst>
+                        <p:cond delay="indefinite"/>
+                      </p:stCondLst>
+                      <p:childTnLst>
+                        <p:par>
+                          <p:cTn id="4" fill="hold">
+                            <p:stCondLst>
+                              <p:cond delay="0"/>
+                            </p:stCondLst>
+                            <p:childTnLst>
+                              <p:par>
+                                <p:cTn id="5" presetID="1" presetClass="entr" presetSubtype="0" fill="hold" grpId="0" nodeType="clickEffect">
+                                  <p:stCondLst>
+                                    <p:cond delay="0"/>
+                                  </p:stCondLst>
+                                  <p:childTnLst>
+                                    <p:set>
+                                      <p:cBhvr>
+                                        <p:cTn id="6" dur="1" fill="hold">
+                                          <p:stCondLst>
+                                            <p:cond delay="0"/>
+                                          </p:stCondLst>
+                                        </p:cTn>
+                                        <p:tgtEl>
+                                          <p:spTgt spid="2">
+                                            <p:txEl>
+                                              <p:pRg st="0" end="0"/>
+                                            </p:txEl>
+                                          </p:spTgt>
+                                        </p:tgtEl>
+                                        <p:attrNameLst>
+                                          <p:attrName>style.visibility</p:attrName>
+                                        </p:attrNameLst>
+                                      </p:cBhvr>
+                                      <p:to>
+                                        <p:strVal val="visible"/>
+                                      </p:to>
+                                    </p:set>
+                                  </p:childTnLst>
+                                </p:cTn>
+                              </p:par>
+                              <p:par>
+                                <p:cTn id="7" presetID="1" presetClass="entr" presetSubtype="0" fill="hold" grpId="0" nodeType="withEffect">
+                                  <p:stCondLst>
+                                    <p:cond delay="0"/>
+                                  </p:stCondLst>
+                                  <p:childTnLst>
+                                    <p:set>
+                                      <p:cBhvr>
+                                        <p:cTn id="8" dur="1" fill="hold">
+                                          <p:stCondLst>
+                                            <p:cond delay="0"/>
+                                          </p:stCondLst>
+                                        </p:cTn>
+                                        <p:tgtEl>
+                                          <p:spTgt spid="2">
+                                            <p:txEl>
+                                              <p:pRg st="1" end="1"/>
+                                            </p:txEl>
+                                          </p:spTgt>
+                                        </p:tgtEl>
+                                        <p:attrNameLst>
+                                          <p:attrName>style.visibility</p:attrName>
+                                        </p:attrNameLst>
+                                      </p:cBhvr>
+                                      <p:to>
+                                        <p:strVal val="visible"/>
+                                      </p:to>
+                                    </p:set>
+                                  </p:childTnLst>
+                                </p:cTn>
+                              </p:par>
+                            </p:childTnLst>
+                          </p:cTn>
+                        </p:par>
+                      </p:childTnLst>
+                    </p:cTn>
+                  </p:par>
+                  <p:par>
+                    <p:cTn id="9" fill="hold">
+                      <p:stCondLst>
+                        <p:cond delay="indefinite"/>
+                      </p:stCondLst>
+                      <p:childTnLst>
+                        <p:par>
+                          <p:cTn id="10" fill="hold">
+                            <p:stCondLst>
+                              <p:cond delay="0"/>
+                            </p:stCondLst>
+                            <p:childTnLst>
+                              <p:par>
+                                <p:cTn id="11" presetID="1" presetClass="entr" presetSubtype="0" fill="hold" grpId="0" nodeType="clickEffect">
+                                  <p:stCondLst>
+                                    <p:cond delay="0"/>
+                                  </p:stCondLst>
+                                  <p:childTnLst>
+                                    <p:set>
+                                      <p:cBhvr>
+                                        <p:cTn id="12" dur="1" fill="hold">
+                                          <p:stCondLst>
+                                            <p:cond delay="0"/>
+                                          </p:stCondLst>
+                                        </p:cTn>
+                                        <p:tgtEl>
+                                          <p:spTgt spid="2">
+                                            <p:txEl>
+                                              <p:pRg st="2" end="2"/>
+                                            </p:txEl>
+                                          </p:spTgt>
+                                        </p:tgtEl>
+                                        <p:attrNameLst>
+                                          <p:attrName>style.visibility</p:attrName>
+                                        </p:attrNameLst>
+                                      </p:cBhvr>
+                                      <p:to>
+                                        <p:strVal val="visible"/>
+                                      </p:to>
+                                    </p:set>
+                                  </p:childTnLst>
+                                </p:cTn>
+                              </p:par>
+                              <p:par>
+                                <p:cTn id="13" presetID="1" presetClass="entr" presetSubtype="0" fill="hold" grpId="0" nodeType="withEffect">
+                                  <p:stCondLst>
+                                    <p:cond delay="0"/>
+                                  </p:stCondLst>
+                                  <p:childTnLst>
+                                    <p:set>
+                                      <p:cBhvr>
+                                        <p:cTn id="14" dur="1" fill="hold">
+                                          <p:stCondLst>
+                                            <p:cond delay="0"/>
+                                          </p:stCondLst>
+                                        </p:cTn>
+                                        <p:tgtEl>
+                                          <p:spTgt spid="2">
+                                            <p:txEl>
+                                              <p:pRg st="3" end="3"/>
+                                            </p:txEl>
+                                          </p:spTgt>
+                                        </p:tgtEl>
+                                        <p:attrNameLst>
+                                          <p:attrName>style.visibility</p:attrName>
+                                        </p:attrNameLst>
+                                      </p:cBhvr>
+                                      <p:to>
+                                        <p:strVal val="visible"/>
+                                      </p:to>
+                                    </p:set>
+                                  </p:childTnLst>
+                                </p:cTn>
+                              </p:par>
+                            </p:childTnLst>
+                          </p:cTn>
+                        </p:par>
+                      </p:childTnLst>
+                    </p:cTn>
+                  </p:par>
+                  <p:par>
+                    <p:cTn id="15" fill="hold">
+                      <p:stCondLst>
+                        <p:cond delay="indefinite"/>
+                      </p:stCondLst>
+                      <p:childTnLst>
+                        <p:par>
+                          <p:cTn id="16" fill="hold">
+                            <p:stCondLst>
+                              <p:cond delay="0"/>
+                            </p:stCondLst>
+                            <p:childTnLst>
+                              <p:par>
+                                <p:cTn id="17" presetID="1" presetClass="entr" presetSubtype="0" fill="hold" grpId="0" nodeType="clickEffect">
+                                  <p:stCondLst>
+                                    <p:cond delay="0"/>
+                                  </p:stCondLst>
+                                  <p:childTnLst>
+                                    <p:set>
+                                      <p:cBhvr>
+                                        <p:cTn id="18" dur="1" fill="hold">
+                                          <p:stCondLst>
+                                            <p:cond delay="0"/>
+                                          </p:stCondLst>
+                                        </p:cTn>
+                                        <p:tgtEl>
+                                          <p:spTgt spid="2">
+                                            <p:txEl>
+                                              <p:pRg st="4" end="4"/>
+                                            </p:txEl>
+                                          </p:spTgt>
+                                        </p:tgtEl>
+                                        <p:attrNameLst>
+                                          <p:attrName>style.visibility</p:attrName>
+                                        </p:attrNameLst>
+                                      </p:cBhvr>
+                                      <p:to>
+                                        <p:strVal val="visible"/>
+                                      </p:to>
+                                    </p:set>
+                                  </p:childTnLst>
+                                </p:cTn>
+                              </p:par>
+                            </p:childTnLst>
+                          </p:cTn>
+                        </p:par>
+                      </p:childTnLst>
+                    </p:cTn>
+                  </p:par>
+                </p:childTnLst>
+              </p:cTn>
+              <p:prevCondLst>
+                <p:cond evt="onPrev" delay="0">
+                  <p:tgtEl>
+                    <p:sldTgt/>
+                  </p:tgtEl>
+                </p:cond>
+              </p:prevCondLst>
+              <p:nextCondLst>
+                <p:cond evt="onNext" delay="0">
+                  <p:tgtEl>
+                    <p:sldTgt/>
+                  </p:tgtEl>
+                </p:cond>
+              </p:nextCondLst>
+            </p:seq>
+          </p:childTnLst>
+        </p:cTn>
+      </p:par>
+    </p:tnLst>
+    <p:bldLst>
+      <p:bldP spid="2" grpId="0" build="p"/>
+    </p:bldLst>
+  </p:timing>
+</p:sld>
+</file>
+
+<file path=ppt/slides/slide54.xml><?xml version="1.0" encoding="utf-8"?>
+<p:sld xmlns:a="http://schemas.openxmlformats.org/drawingml/2006/main" xmlns:r="http://schemas.openxmlformats.org/officeDocument/2006/relationships" xmlns:p="http://schemas.openxmlformats.org/presentationml/2006/main">
+  <p:cSld>
+    <p:spTree>
+      <p:nvGrpSpPr>
+        <p:cNvPr id="1" name=""/>
+        <p:cNvGrpSpPr/>
+        <p:nvPr/>
+      </p:nvGrpSpPr>
+      <p:grpSpPr>
+        <a:xfrm>
+          <a:off x="0" y="0"/>
+          <a:ext cx="0" cy="0"/>
+          <a:chOff x="0" y="0"/>
+          <a:chExt cx="0" cy="0"/>
+        </a:xfrm>
+      </p:grpSpPr>
+      <p:sp>
+        <p:nvSpPr>
+          <p:cNvPr id="2" name="Slide Number Placeholder 1"/>
+          <p:cNvSpPr>
+            <a:spLocks noGrp="1"/>
+          </p:cNvSpPr>
+          <p:nvPr>
+            <p:ph type="sldNum" sz="quarter" idx="4"/>
+          </p:nvPr>
+        </p:nvSpPr>
+        <p:spPr/>
+        <p:txBody>
+          <a:bodyPr/>
+          <a:lstStyle/>
+          <a:p>
+            <a:fld id="{02B133D6-D2DE-BA4C-B40A-914820A47904}" type="slidenum">
+              <a:rPr lang="en-US" smtClean="0"/>
+              <a:pPr/>
+              <a:t>54</a:t>
+            </a:fld>
+            <a:endParaRPr lang="en-US" dirty="0"/>
+          </a:p>
+        </p:txBody>
+      </p:sp>
+      <p:sp>
+        <p:nvSpPr>
+          <p:cNvPr id="3" name="Text Placeholder 2"/>
+          <p:cNvSpPr>
+            <a:spLocks noGrp="1"/>
+          </p:cNvSpPr>
+          <p:nvPr>
+            <p:ph type="body" sz="quarter" idx="10"/>
+          </p:nvPr>
+        </p:nvSpPr>
+        <p:spPr/>
+        <p:txBody>
+          <a:bodyPr>
+            <a:normAutofit/>
+          </a:bodyPr>
+          <a:lstStyle/>
+          <a:p>
+            <a:r>
+              <a:rPr lang="en-US" sz="4400" dirty="0"/>
+              <a:t>Always strive for the best design</a:t>
+            </a:r>
+            <a:r>
+              <a:rPr lang="en-US" sz="4400" dirty="0" smtClean="0"/>
+              <a:t>.</a:t>
+            </a:r>
+            <a:endParaRPr lang="en-US" sz="4400" dirty="0"/>
+          </a:p>
+        </p:txBody>
+      </p:sp>
+      <p:sp>
+        <p:nvSpPr>
+          <p:cNvPr id="4" name="Title 3"/>
+          <p:cNvSpPr>
+            <a:spLocks noGrp="1"/>
+          </p:cNvSpPr>
+          <p:nvPr>
+            <p:ph type="title"/>
+          </p:nvPr>
+        </p:nvSpPr>
+        <p:spPr/>
+        <p:txBody>
+          <a:bodyPr/>
+          <a:lstStyle/>
+          <a:p>
+            <a:endParaRPr lang="en-US"/>
+          </a:p>
+        </p:txBody>
+      </p:sp>
+    </p:spTree>
+    <p:extLst>
+      <p:ext uri="{BB962C8B-B14F-4D97-AF65-F5344CB8AC3E}">
+        <p14:creationId xmlns:p14="http://schemas.microsoft.com/office/powerpoint/2010/main" val="965457143"/>
+      </p:ext>
+    </p:extLst>
+  </p:cSld>
+  <p:clrMapOvr>
+    <a:masterClrMapping/>
+  </p:clrMapOvr>
+  <p:timing>
+    <p:tnLst>
+      <p:par>
+        <p:cTn id="1" dur="indefinite" restart="never" nodeType="tmRoot"/>
+      </p:par>
+    </p:tnLst>
+  </p:timing>
+</p:sld>
+</file>
+
+<file path=ppt/slides/slide55.xml><?xml version="1.0" encoding="utf-8"?>
+<p:sld xmlns:a="http://schemas.openxmlformats.org/drawingml/2006/main" xmlns:r="http://schemas.openxmlformats.org/officeDocument/2006/relationships" xmlns:p="http://schemas.openxmlformats.org/presentationml/2006/main">
+  <p:cSld>
+    <p:spTree>
+      <p:nvGrpSpPr>
+        <p:cNvPr id="1" name=""/>
+        <p:cNvGrpSpPr/>
+        <p:nvPr/>
+      </p:nvGrpSpPr>
+      <p:grpSpPr>
+        <a:xfrm>
+          <a:off x="0" y="0"/>
+          <a:ext cx="0" cy="0"/>
+          <a:chOff x="0" y="0"/>
+          <a:chExt cx="0" cy="0"/>
+        </a:xfrm>
+      </p:grpSpPr>
+      <p:sp>
+        <p:nvSpPr>
+          <p:cNvPr id="2" name="Slide Number Placeholder 1"/>
+          <p:cNvSpPr>
+            <a:spLocks noGrp="1"/>
+          </p:cNvSpPr>
+          <p:nvPr>
+            <p:ph type="sldNum" sz="quarter" idx="4"/>
+          </p:nvPr>
+        </p:nvSpPr>
+        <p:spPr/>
+        <p:txBody>
+          <a:bodyPr/>
+          <a:lstStyle/>
+          <a:p>
+            <a:fld id="{02B133D6-D2DE-BA4C-B40A-914820A47904}" type="slidenum">
+              <a:rPr lang="en-US" smtClean="0"/>
+              <a:pPr/>
+              <a:t>55</a:t>
+            </a:fld>
+            <a:endParaRPr lang="en-US" dirty="0"/>
+          </a:p>
+        </p:txBody>
+      </p:sp>
+      <p:sp>
+        <p:nvSpPr>
+          <p:cNvPr id="3" name="Text Placeholder 2"/>
+          <p:cNvSpPr>
+            <a:spLocks noGrp="1"/>
+          </p:cNvSpPr>
+          <p:nvPr>
+            <p:ph type="body" sz="quarter" idx="10"/>
+          </p:nvPr>
+        </p:nvSpPr>
+        <p:spPr/>
+        <p:txBody>
+          <a:bodyPr/>
+          <a:lstStyle/>
+          <a:p>
+            <a:r>
+              <a:rPr lang="en-US" dirty="0" smtClean="0"/>
+              <a:t>Thanks &amp; Questions</a:t>
+            </a:r>
+            <a:endParaRPr lang="en-US" dirty="0"/>
+          </a:p>
+        </p:txBody>
+      </p:sp>
+      <p:sp>
+        <p:nvSpPr>
+          <p:cNvPr id="4" name="Title 3"/>
+          <p:cNvSpPr>
+            <a:spLocks noGrp="1"/>
+          </p:cNvSpPr>
+          <p:nvPr>
+            <p:ph type="title"/>
+          </p:nvPr>
+        </p:nvSpPr>
+        <p:spPr>
+          <a:xfrm>
+            <a:off x="397663" y="3359525"/>
+            <a:ext cx="6137144" cy="553998"/>
+          </a:xfrm>
+        </p:spPr>
+        <p:txBody>
+          <a:bodyPr/>
+          <a:lstStyle/>
+          <a:p>
+            <a:r>
+              <a:rPr lang="en-US" dirty="0" smtClean="0">
+                <a:hlinkClick r:id="rId2"/>
+              </a:rPr>
+              <a:t>hergin@bsu.edu</a:t>
+            </a:r>
+            <a:r>
+              <a:rPr lang="en-US" dirty="0" smtClean="0"/>
+              <a:t/>
+            </a:r>
+            <a:br>
+              <a:rPr lang="en-US" dirty="0" smtClean="0"/>
+            </a:br>
+            <a:r>
+              <a:rPr lang="en-US" dirty="0" smtClean="0">
+                <a:hlinkClick r:id="rId3"/>
+              </a:rPr>
+              <a:t>http://www.cs.bsu.edu/~hergin</a:t>
+            </a:r>
+            <a:r>
+              <a:rPr lang="en-US" dirty="0" smtClean="0"/>
+              <a:t> </a:t>
+            </a:r>
+            <a:endParaRPr lang="en-US" dirty="0"/>
+          </a:p>
+        </p:txBody>
+      </p:sp>
+    </p:spTree>
+    <p:extLst>
+      <p:ext uri="{BB962C8B-B14F-4D97-AF65-F5344CB8AC3E}">
+        <p14:creationId xmlns:p14="http://schemas.microsoft.com/office/powerpoint/2010/main" val="1078307580"/>
+      </p:ext>
+    </p:extLst>
+  </p:cSld>
+  <p:clrMapOvr>
+    <a:masterClrMapping/>
+  </p:clrMapOvr>
+  <p:timing>
+    <p:tnLst>
+      <p:par>
+        <p:cTn id="1" dur="indefinite" restart="never" nodeType="tmRoot"/>
+      </p:par>
+    </p:tnLst>
+  </p:timing>
+</p:sld>
+</file>
+
+<file path=ppt/slides/slide56.xml><?xml version="1.0" encoding="utf-8"?>
+<p:sld xmlns:a="http://schemas.openxmlformats.org/drawingml/2006/main" xmlns:r="http://schemas.openxmlformats.org/officeDocument/2006/relationships" xmlns:p="http://schemas.openxmlformats.org/presentationml/2006/main">
+  <p:cSld>
+    <p:spTree>
+      <p:nvGrpSpPr>
+        <p:cNvPr id="1" name=""/>
+        <p:cNvGrpSpPr/>
+        <p:nvPr/>
+      </p:nvGrpSpPr>
+      <p:grpSpPr>
+        <a:xfrm>
+          <a:off x="0" y="0"/>
+          <a:ext cx="0" cy="0"/>
+          <a:chOff x="0" y="0"/>
+          <a:chExt cx="0" cy="0"/>
+        </a:xfrm>
+      </p:grpSpPr>
+      <p:sp>
+        <p:nvSpPr>
+          <p:cNvPr id="2" name="Content Placeholder 1"/>
+          <p:cNvSpPr>
+            <a:spLocks noGrp="1"/>
+          </p:cNvSpPr>
+          <p:nvPr>
+            <p:ph idx="1"/>
+          </p:nvPr>
+        </p:nvSpPr>
+        <p:spPr/>
+        <p:txBody>
+          <a:bodyPr>
+            <a:normAutofit fontScale="85000" lnSpcReduction="20000"/>
+          </a:bodyPr>
+          <a:lstStyle/>
+          <a:p>
+            <a:pPr algn="l"/>
+            <a:r>
+              <a:rPr lang="en-US" dirty="0"/>
+              <a:t>Object-oriented programming with C# (The book itself is nice and free, chapter 20 is OOP): </a:t>
+            </a:r>
+            <a:r>
+              <a:rPr lang="en-US" dirty="0">
+                <a:hlinkClick r:id="rId2"/>
+              </a:rPr>
+              <a:t>http://www.introprogramming.info/english-intro-csharp-book/read-online/</a:t>
+            </a:r>
+            <a:endParaRPr lang="en-US" dirty="0"/>
+          </a:p>
+          <a:p>
+            <a:pPr algn="l"/>
+            <a:r>
+              <a:rPr lang="en-US" dirty="0"/>
+              <a:t>For new starters to OOP, this book is fun: </a:t>
+            </a:r>
+            <a:r>
+              <a:rPr lang="en-US" dirty="0">
+                <a:hlinkClick r:id="rId3"/>
+              </a:rPr>
+              <a:t>https://www.amazon.com/Head-First-Object-Oriented-Analysis-Design/dp/0596008678</a:t>
+            </a:r>
+            <a:endParaRPr lang="en-US" dirty="0"/>
+          </a:p>
+          <a:p>
+            <a:pPr algn="l"/>
+            <a:r>
+              <a:rPr lang="en-US" dirty="0"/>
+              <a:t>Detailed explanation, nicely done, 2 pages (Java):</a:t>
+            </a:r>
+          </a:p>
+          <a:p>
+            <a:pPr lvl="1" algn="l"/>
+            <a:r>
+              <a:rPr lang="en-US" dirty="0">
+                <a:hlinkClick r:id="rId4"/>
+              </a:rPr>
+              <a:t>https://www.ntu.edu.sg/home/ehchua/programming/java/J3a_OOPBasics.html</a:t>
+            </a:r>
+            <a:endParaRPr lang="en-US" dirty="0"/>
+          </a:p>
+          <a:p>
+            <a:pPr lvl="1" algn="l"/>
+            <a:r>
+              <a:rPr lang="en-US" dirty="0">
+                <a:hlinkClick r:id="rId5"/>
+              </a:rPr>
+              <a:t>https://www.ntu.edu.sg/home/ehchua/programming/java/J3b_OOPInheritancePolymorphism.html</a:t>
+            </a:r>
+            <a:endParaRPr lang="en-US" dirty="0"/>
+          </a:p>
+          <a:p>
+            <a:pPr algn="l"/>
+            <a:r>
+              <a:rPr lang="en-US" dirty="0"/>
+              <a:t>Same as above but with C++:</a:t>
+            </a:r>
+          </a:p>
+          <a:p>
+            <a:pPr lvl="1" algn="l"/>
+            <a:r>
+              <a:rPr lang="en-US" dirty="0">
+                <a:hlinkClick r:id="rId6"/>
+              </a:rPr>
+              <a:t>https://www.ntu.edu.sg/home/ehchua/programming/cpp/cp3_OOP.html</a:t>
+            </a:r>
+            <a:endParaRPr lang="en-US" dirty="0"/>
+          </a:p>
+          <a:p>
+            <a:pPr algn="l"/>
+            <a:r>
+              <a:rPr lang="en-US" dirty="0"/>
+              <a:t>Even though, there are a lot of resources. I suggest to work with someone who you can ask questions immediately. Because OOP requires a change of mindset</a:t>
+            </a:r>
+            <a:r>
+              <a:rPr lang="en-US" dirty="0" smtClean="0"/>
+              <a:t>.</a:t>
+            </a:r>
+            <a:endParaRPr lang="en-US" dirty="0"/>
+          </a:p>
+        </p:txBody>
+      </p:sp>
+      <p:sp>
+        <p:nvSpPr>
+          <p:cNvPr id="3" name="Slide Number Placeholder 2"/>
+          <p:cNvSpPr>
+            <a:spLocks noGrp="1"/>
+          </p:cNvSpPr>
+          <p:nvPr>
+            <p:ph type="sldNum" sz="quarter" idx="4"/>
+          </p:nvPr>
+        </p:nvSpPr>
+        <p:spPr/>
+        <p:txBody>
+          <a:bodyPr/>
+          <a:lstStyle/>
+          <a:p>
+            <a:fld id="{02B133D6-D2DE-BA4C-B40A-914820A47904}" type="slidenum">
+              <a:rPr lang="en-US" smtClean="0"/>
+              <a:pPr/>
+              <a:t>56</a:t>
+            </a:fld>
+            <a:endParaRPr lang="en-US" dirty="0"/>
+          </a:p>
+        </p:txBody>
+      </p:sp>
+      <p:sp>
+        <p:nvSpPr>
+          <p:cNvPr id="4" name="Title 3"/>
+          <p:cNvSpPr>
+            <a:spLocks noGrp="1"/>
+          </p:cNvSpPr>
+          <p:nvPr>
+            <p:ph type="title"/>
+          </p:nvPr>
+        </p:nvSpPr>
+        <p:spPr/>
+        <p:txBody>
+          <a:bodyPr/>
+          <a:lstStyle/>
+          <a:p>
+            <a:r>
+              <a:rPr lang="en-US" dirty="0" smtClean="0"/>
+              <a:t>Some resources</a:t>
+            </a:r>
+            <a:endParaRPr lang="en-US" dirty="0"/>
+          </a:p>
+        </p:txBody>
+      </p:sp>
+    </p:spTree>
+    <p:extLst>
+      <p:ext uri="{BB962C8B-B14F-4D97-AF65-F5344CB8AC3E}">
+        <p14:creationId xmlns:p14="http://schemas.microsoft.com/office/powerpoint/2010/main" val="2655716656"/>
       </p:ext>
     </p:extLst>
   </p:cSld>
@@ -23844,135 +31661,183 @@
       </p:sp>
       <p:sp>
         <p:nvSpPr>
-          <p:cNvPr id="158" name="Content Placeholder 2"/>
-          <p:cNvSpPr txBox="1">
-            <a:spLocks/>
-          </p:cNvSpPr>
+          <p:cNvPr id="80" name="Rectangle 79"/>
+          <p:cNvSpPr/>
           <p:nvPr/>
         </p:nvSpPr>
         <p:spPr>
           <a:xfrm>
-            <a:off x="5122082" y="4252366"/>
-            <a:ext cx="1695731" cy="493031"/>
+            <a:off x="2447729" y="2334454"/>
+            <a:ext cx="1787505" cy="158020"/>
           </a:xfrm>
           <a:prstGeom prst="rect">
             <a:avLst/>
           </a:prstGeom>
+          <a:noFill/>
+          <a:ln w="25400" cap="flat" cmpd="sng" algn="ctr">
+            <a:solidFill>
+              <a:srgbClr val="FF0000"/>
+            </a:solidFill>
+            <a:prstDash val="solid"/>
+          </a:ln>
+          <a:effectLst/>
         </p:spPr>
         <p:txBody>
-          <a:bodyPr vert="horz" lIns="91440" tIns="45720" rIns="91440" bIns="45720" rtlCol="0">
-            <a:normAutofit fontScale="62500" lnSpcReduction="20000"/>
-          </a:bodyPr>
-          <a:lstStyle>
-            <a:defPPr>
-              <a:defRPr lang="en-US"/>
-            </a:defPPr>
-            <a:lvl1pPr marL="0" algn="l" defTabSz="914400" rtl="0" eaLnBrk="1" latinLnBrk="0" hangingPunct="1">
-              <a:defRPr sz="1800" kern="1200">
-                <a:solidFill>
-                  <a:schemeClr val="tx1"/>
-                </a:solidFill>
-                <a:latin typeface="+mn-lt"/>
-                <a:ea typeface="+mn-ea"/>
-                <a:cs typeface="+mn-cs"/>
-              </a:defRPr>
-            </a:lvl1pPr>
-            <a:lvl2pPr marL="457200" algn="l" defTabSz="914400" rtl="0" eaLnBrk="1" latinLnBrk="0" hangingPunct="1">
-              <a:defRPr sz="1800" kern="1200">
-                <a:solidFill>
-                  <a:schemeClr val="tx1"/>
-                </a:solidFill>
-                <a:latin typeface="+mn-lt"/>
-                <a:ea typeface="+mn-ea"/>
-                <a:cs typeface="+mn-cs"/>
-              </a:defRPr>
-            </a:lvl2pPr>
-            <a:lvl3pPr marL="914400" algn="l" defTabSz="914400" rtl="0" eaLnBrk="1" latinLnBrk="0" hangingPunct="1">
-              <a:defRPr sz="1800" kern="1200">
-                <a:solidFill>
-                  <a:schemeClr val="tx1"/>
-                </a:solidFill>
-                <a:latin typeface="+mn-lt"/>
-                <a:ea typeface="+mn-ea"/>
-                <a:cs typeface="+mn-cs"/>
-              </a:defRPr>
-            </a:lvl3pPr>
-            <a:lvl4pPr marL="1371600" algn="l" defTabSz="914400" rtl="0" eaLnBrk="1" latinLnBrk="0" hangingPunct="1">
-              <a:defRPr sz="1800" kern="1200">
-                <a:solidFill>
-                  <a:schemeClr val="tx1"/>
-                </a:solidFill>
-                <a:latin typeface="+mn-lt"/>
-                <a:ea typeface="+mn-ea"/>
-                <a:cs typeface="+mn-cs"/>
-              </a:defRPr>
-            </a:lvl4pPr>
-            <a:lvl5pPr marL="1828800" algn="l" defTabSz="914400" rtl="0" eaLnBrk="1" latinLnBrk="0" hangingPunct="1">
-              <a:defRPr sz="1800" kern="1200">
-                <a:solidFill>
-                  <a:schemeClr val="tx1"/>
-                </a:solidFill>
-                <a:latin typeface="+mn-lt"/>
-                <a:ea typeface="+mn-ea"/>
-                <a:cs typeface="+mn-cs"/>
-              </a:defRPr>
-            </a:lvl5pPr>
-            <a:lvl6pPr marL="2286000" algn="l" defTabSz="914400" rtl="0" eaLnBrk="1" latinLnBrk="0" hangingPunct="1">
-              <a:defRPr sz="1800" kern="1200">
-                <a:solidFill>
-                  <a:schemeClr val="tx1"/>
-                </a:solidFill>
-                <a:latin typeface="+mn-lt"/>
-                <a:ea typeface="+mn-ea"/>
-                <a:cs typeface="+mn-cs"/>
-              </a:defRPr>
-            </a:lvl6pPr>
-            <a:lvl7pPr marL="2743200" algn="l" defTabSz="914400" rtl="0" eaLnBrk="1" latinLnBrk="0" hangingPunct="1">
-              <a:defRPr sz="1800" kern="1200">
-                <a:solidFill>
-                  <a:schemeClr val="tx1"/>
-                </a:solidFill>
-                <a:latin typeface="+mn-lt"/>
-                <a:ea typeface="+mn-ea"/>
-                <a:cs typeface="+mn-cs"/>
-              </a:defRPr>
-            </a:lvl7pPr>
-            <a:lvl8pPr marL="3200400" algn="l" defTabSz="914400" rtl="0" eaLnBrk="1" latinLnBrk="0" hangingPunct="1">
-              <a:defRPr sz="1800" kern="1200">
-                <a:solidFill>
-                  <a:schemeClr val="tx1"/>
-                </a:solidFill>
-                <a:latin typeface="+mn-lt"/>
-                <a:ea typeface="+mn-ea"/>
-                <a:cs typeface="+mn-cs"/>
-              </a:defRPr>
-            </a:lvl8pPr>
-            <a:lvl9pPr marL="3657600" algn="l" defTabSz="914400" rtl="0" eaLnBrk="1" latinLnBrk="0" hangingPunct="1">
-              <a:defRPr sz="1800" kern="1200">
-                <a:solidFill>
-                  <a:schemeClr val="tx1"/>
-                </a:solidFill>
-                <a:latin typeface="+mn-lt"/>
-                <a:ea typeface="+mn-ea"/>
-                <a:cs typeface="+mn-cs"/>
-              </a:defRPr>
-            </a:lvl9pPr>
-          </a:lstStyle>
-          <a:p>
-            <a:r>
-              <a:rPr lang="en-US" dirty="0" smtClean="0">
-                <a:solidFill>
-                  <a:srgbClr val="FF0000"/>
-                </a:solidFill>
-                <a:latin typeface="Calibri"/>
-              </a:rPr>
-              <a:t>And use parametrized version whenever needed.</a:t>
-            </a:r>
-            <a:endParaRPr lang="en-US" dirty="0">
+          <a:bodyPr rtlCol="0" anchor="ctr"/>
+          <a:lstStyle/>
+          <a:p>
+            <a:pPr marL="0" marR="0" lvl="0" indent="0" algn="ctr" defTabSz="914400" eaLnBrk="1" fontAlgn="auto" latinLnBrk="0" hangingPunct="1">
+              <a:lnSpc>
+                <a:spcPct val="100000"/>
+              </a:lnSpc>
+              <a:spcBef>
+                <a:spcPts val="0"/>
+              </a:spcBef>
+              <a:spcAft>
+                <a:spcPts val="0"/>
+              </a:spcAft>
+              <a:buClrTx/>
+              <a:buSzTx/>
+              <a:buFontTx/>
+              <a:buNone/>
+              <a:tabLst/>
+              <a:defRPr/>
+            </a:pPr>
+            <a:endParaRPr kumimoji="0" lang="en-US" sz="1800" b="0" i="0" u="none" strike="noStrike" kern="0" cap="none" spc="0" normalizeH="0" baseline="0" noProof="0" smtClean="0">
+              <a:ln>
+                <a:noFill/>
+              </a:ln>
               <a:solidFill>
-                <a:srgbClr val="FF0000"/>
+                <a:prstClr val="white"/>
               </a:solidFill>
+              <a:effectLst/>
+              <a:uLnTx/>
+              <a:uFillTx/>
               <a:latin typeface="Calibri"/>
+              <a:ea typeface="+mn-ea"/>
+              <a:cs typeface="+mn-cs"/>
+            </a:endParaRPr>
+          </a:p>
+        </p:txBody>
+      </p:sp>
+      <p:sp>
+        <p:nvSpPr>
+          <p:cNvPr id="81" name="Rectangle 80"/>
+          <p:cNvSpPr/>
+          <p:nvPr/>
+        </p:nvSpPr>
+        <p:spPr>
+          <a:xfrm>
+            <a:off x="4929764" y="2328834"/>
+            <a:ext cx="1787505" cy="158020"/>
+          </a:xfrm>
+          <a:prstGeom prst="rect">
+            <a:avLst/>
+          </a:prstGeom>
+          <a:noFill/>
+          <a:ln w="25400" cap="flat" cmpd="sng" algn="ctr">
+            <a:solidFill>
+              <a:srgbClr val="FF0000"/>
+            </a:solidFill>
+            <a:prstDash val="solid"/>
+          </a:ln>
+          <a:effectLst/>
+        </p:spPr>
+        <p:txBody>
+          <a:bodyPr rtlCol="0" anchor="ctr"/>
+          <a:lstStyle/>
+          <a:p>
+            <a:pPr marL="0" marR="0" lvl="0" indent="0" algn="ctr" defTabSz="914400" eaLnBrk="1" fontAlgn="auto" latinLnBrk="0" hangingPunct="1">
+              <a:lnSpc>
+                <a:spcPct val="100000"/>
+              </a:lnSpc>
+              <a:spcBef>
+                <a:spcPts val="0"/>
+              </a:spcBef>
+              <a:spcAft>
+                <a:spcPts val="0"/>
+              </a:spcAft>
+              <a:buClrTx/>
+              <a:buSzTx/>
+              <a:buFontTx/>
+              <a:buNone/>
+              <a:tabLst/>
+              <a:defRPr/>
+            </a:pPr>
+            <a:endParaRPr kumimoji="0" lang="en-US" sz="1800" b="0" i="0" u="none" strike="noStrike" kern="0" cap="none" spc="0" normalizeH="0" baseline="0" noProof="0" smtClean="0">
+              <a:ln>
+                <a:noFill/>
+              </a:ln>
+              <a:solidFill>
+                <a:prstClr val="white"/>
+              </a:solidFill>
+              <a:effectLst/>
+              <a:uLnTx/>
+              <a:uFillTx/>
+              <a:latin typeface="Calibri"/>
+              <a:ea typeface="+mn-ea"/>
+              <a:cs typeface="+mn-cs"/>
+            </a:endParaRPr>
+          </a:p>
+        </p:txBody>
+      </p:sp>
+      <p:sp>
+        <p:nvSpPr>
+          <p:cNvPr id="126" name="Rectangle 125"/>
+          <p:cNvSpPr/>
+          <p:nvPr/>
+        </p:nvSpPr>
+        <p:spPr>
+          <a:xfrm>
+            <a:off x="4949073" y="3987168"/>
+            <a:ext cx="1787505" cy="158020"/>
+          </a:xfrm>
+          <a:prstGeom prst="rect">
+            <a:avLst/>
+          </a:prstGeom>
+          <a:noFill/>
+          <a:ln w="25400" cap="flat" cmpd="sng" algn="ctr">
+            <a:solidFill>
+              <a:srgbClr val="FF0000"/>
+            </a:solidFill>
+            <a:prstDash val="solid"/>
+          </a:ln>
+          <a:effectLst/>
+        </p:spPr>
+        <p:txBody>
+          <a:bodyPr rtlCol="0" anchor="ctr"/>
+          <a:lstStyle/>
+          <a:p>
+            <a:pPr marL="0" marR="0" lvl="0" indent="0" algn="ctr" defTabSz="914400" eaLnBrk="1" fontAlgn="auto" latinLnBrk="0" hangingPunct="1">
+              <a:lnSpc>
+                <a:spcPct val="100000"/>
+              </a:lnSpc>
+              <a:spcBef>
+                <a:spcPts val="0"/>
+              </a:spcBef>
+              <a:spcAft>
+                <a:spcPts val="0"/>
+              </a:spcAft>
+              <a:buClrTx/>
+              <a:buSzTx/>
+              <a:buFontTx/>
+              <a:buNone/>
+              <a:tabLst/>
+              <a:defRPr/>
+            </a:pPr>
+            <a:endParaRPr kumimoji="0" lang="en-US" sz="1800" b="0" i="0" u="none" strike="noStrike" kern="0" cap="none" spc="0" normalizeH="0" baseline="0" noProof="0" smtClean="0">
+              <a:ln>
+                <a:noFill/>
+              </a:ln>
+              <a:solidFill>
+                <a:prstClr val="white"/>
+              </a:solidFill>
+              <a:effectLst/>
+              <a:uLnTx/>
+              <a:uFillTx/>
+              <a:latin typeface="Calibri"/>
+              <a:ea typeface="+mn-ea"/>
+              <a:cs typeface="+mn-cs"/>
             </a:endParaRPr>
           </a:p>
         </p:txBody>
@@ -24211,6 +32076,105 @@
                       </p:childTnLst>
                     </p:cTn>
                   </p:par>
+                  <p:par>
+                    <p:cTn id="21" fill="hold">
+                      <p:stCondLst>
+                        <p:cond delay="indefinite"/>
+                      </p:stCondLst>
+                      <p:childTnLst>
+                        <p:par>
+                          <p:cTn id="22" fill="hold">
+                            <p:stCondLst>
+                              <p:cond delay="0"/>
+                            </p:stCondLst>
+                            <p:childTnLst>
+                              <p:par>
+                                <p:cTn id="23" presetID="1" presetClass="entr" presetSubtype="0" fill="hold" grpId="0" nodeType="clickEffect">
+                                  <p:stCondLst>
+                                    <p:cond delay="0"/>
+                                  </p:stCondLst>
+                                  <p:childTnLst>
+                                    <p:set>
+                                      <p:cBhvr>
+                                        <p:cTn id="24" dur="1" fill="hold">
+                                          <p:stCondLst>
+                                            <p:cond delay="0"/>
+                                          </p:stCondLst>
+                                        </p:cTn>
+                                        <p:tgtEl>
+                                          <p:spTgt spid="126"/>
+                                        </p:tgtEl>
+                                        <p:attrNameLst>
+                                          <p:attrName>style.visibility</p:attrName>
+                                        </p:attrNameLst>
+                                      </p:cBhvr>
+                                      <p:to>
+                                        <p:strVal val="visible"/>
+                                      </p:to>
+                                    </p:set>
+                                  </p:childTnLst>
+                                </p:cTn>
+                              </p:par>
+                              <p:par>
+                                <p:cTn id="25" presetID="1" presetClass="entr" presetSubtype="0" fill="hold" grpId="0" nodeType="withEffect">
+                                  <p:stCondLst>
+                                    <p:cond delay="0"/>
+                                  </p:stCondLst>
+                                  <p:childTnLst>
+                                    <p:set>
+                                      <p:cBhvr>
+                                        <p:cTn id="26" dur="1" fill="hold">
+                                          <p:stCondLst>
+                                            <p:cond delay="0"/>
+                                          </p:stCondLst>
+                                        </p:cTn>
+                                        <p:tgtEl>
+                                          <p:spTgt spid="81"/>
+                                        </p:tgtEl>
+                                        <p:attrNameLst>
+                                          <p:attrName>style.visibility</p:attrName>
+                                        </p:attrNameLst>
+                                      </p:cBhvr>
+                                      <p:to>
+                                        <p:strVal val="visible"/>
+                                      </p:to>
+                                    </p:set>
+                                  </p:childTnLst>
+                                </p:cTn>
+                              </p:par>
+                              <p:par>
+                                <p:cTn id="27" presetID="1" presetClass="entr" presetSubtype="0" fill="hold" grpId="0" nodeType="withEffect">
+                                  <p:stCondLst>
+                                    <p:cond delay="0"/>
+                                  </p:stCondLst>
+                                  <p:childTnLst>
+                                    <p:set>
+                                      <p:cBhvr>
+                                        <p:cTn id="28" dur="1" fill="hold">
+                                          <p:stCondLst>
+                                            <p:cond delay="0"/>
+                                          </p:stCondLst>
+                                        </p:cTn>
+                                        <p:tgtEl>
+                                          <p:spTgt spid="80"/>
+                                        </p:tgtEl>
+                                        <p:attrNameLst>
+                                          <p:attrName>style.visibility</p:attrName>
+                                        </p:attrNameLst>
+                                      </p:cBhvr>
+                                      <p:to>
+                                        <p:strVal val="visible"/>
+                                      </p:to>
+                                    </p:set>
+                                  </p:childTnLst>
+                                </p:cTn>
+                              </p:par>
+                            </p:childTnLst>
+                          </p:cTn>
+                        </p:par>
+                      </p:childTnLst>
+                    </p:cTn>
+                  </p:par>
                 </p:childTnLst>
               </p:cTn>
               <p:prevCondLst>
@@ -24237,6 +32201,9 @@
       <p:bldP spid="125" grpId="0" animBg="1"/>
       <p:bldP spid="127" grpId="0" animBg="1"/>
       <p:bldP spid="156" grpId="0" animBg="1"/>
+      <p:bldP spid="80" grpId="0" animBg="1"/>
+      <p:bldP spid="81" grpId="0" animBg="1"/>
+      <p:bldP spid="126" grpId="0" animBg="1"/>
     </p:bldLst>
   </p:timing>
 </p:sld>
@@ -24716,7 +32683,11 @@
           <a:p>
             <a:r>
               <a:rPr lang="en-US" dirty="0" smtClean="0"/>
-              <a:t>Modularizing - Parametrized</a:t>
+              <a:t>Modularizing - </a:t>
+            </a:r>
+            <a:r>
+              <a:rPr lang="en-US" dirty="0" smtClean="0"/>
+              <a:t>parametrized</a:t>
             </a:r>
             <a:endParaRPr lang="en-US" dirty="0"/>
           </a:p>

--- a/RSE Webinar - 08.29.2018.pptx
+++ b/RSE Webinar - 08.29.2018.pptx
@@ -264,7 +264,7 @@
           <a:p>
             <a:fld id="{D73FC156-C9C5-F148-A42F-53C36D0CD7AB}" type="datetimeFigureOut">
               <a:rPr lang="en-US" smtClean="0"/>
-              <a:t>8/28/2018</a:t>
+              <a:t>8/29/2018</a:t>
             </a:fld>
             <a:endParaRPr lang="en-US" dirty="0"/>
           </a:p>
@@ -991,7 +991,27 @@
           <a:p>
             <a:r>
               <a:rPr lang="en-US" baseline="0" dirty="0" smtClean="0"/>
-              <a:t>It doesn’t need to have meaningful names, functions, classes, objects, variables. It just needs some instructions. Languages are for us!</a:t>
+              <a:t>It doesn’t need to have meaningful names, functions, classes, objects, variables. It just needs some </a:t>
+            </a:r>
+            <a:r>
+              <a:rPr lang="en-US" baseline="0" dirty="0" smtClean="0"/>
+              <a:t>instructions.</a:t>
+            </a:r>
+          </a:p>
+          <a:p>
+            <a:r>
+              <a:rPr lang="en-US" baseline="0" dirty="0" smtClean="0"/>
+              <a:t>[CLICK]</a:t>
+            </a:r>
+          </a:p>
+          <a:p>
+            <a:r>
+              <a:rPr lang="en-US" baseline="0" dirty="0" smtClean="0"/>
+              <a:t>Languages </a:t>
+            </a:r>
+            <a:r>
+              <a:rPr lang="en-US" baseline="0" dirty="0" smtClean="0"/>
+              <a:t>are for us!</a:t>
             </a:r>
             <a:endParaRPr lang="en-US" dirty="0"/>
           </a:p>
@@ -1543,36 +1563,12 @@
           <a:p>
             <a:r>
               <a:rPr lang="en-US" dirty="0" smtClean="0"/>
-              <a:t>Basically, we get the properties that all the dogs have and define a </a:t>
-            </a:r>
-            <a:r>
-              <a:rPr lang="en-US" dirty="0" smtClean="0">
-                <a:solidFill>
-                  <a:srgbClr val="FF0000"/>
-                </a:solidFill>
-              </a:rPr>
-              <a:t>Dog</a:t>
-            </a:r>
-            <a:r>
-              <a:rPr lang="en-US" dirty="0" smtClean="0"/>
-              <a:t> class with them.</a:t>
-            </a:r>
-          </a:p>
-          <a:p>
-            <a:pPr lvl="1"/>
-            <a:r>
-              <a:rPr lang="en-US" dirty="0" smtClean="0"/>
-              <a:t>A class is a generalization of objects.</a:t>
-            </a:r>
-          </a:p>
-          <a:p>
-            <a:pPr lvl="1"/>
-            <a:r>
-              <a:rPr lang="en-US" dirty="0" smtClean="0"/>
-              <a:t>And objects are just instances of the class.</a:t>
-            </a:r>
-          </a:p>
-          <a:p>
+              <a:t>If we solve a problem based on</a:t>
+            </a:r>
+            <a:r>
+              <a:rPr lang="en-US" baseline="0" dirty="0" smtClean="0"/>
+              <a:t> mostly these. Then definitely.</a:t>
+            </a:r>
             <a:endParaRPr lang="en-US" dirty="0"/>
           </a:p>
         </p:txBody>
@@ -1594,16 +1590,16 @@
           <a:p>
             <a:fld id="{D73FF19C-8393-2A49-92A3-90AE761DDBC5}" type="slidenum">
               <a:rPr lang="en-US" smtClean="0"/>
-              <a:t>24</a:t>
+              <a:t>18</a:t>
             </a:fld>
-            <a:endParaRPr lang="en-US"/>
+            <a:endParaRPr lang="en-US" dirty="0"/>
           </a:p>
         </p:txBody>
       </p:sp>
     </p:spTree>
     <p:extLst>
       <p:ext uri="{BB962C8B-B14F-4D97-AF65-F5344CB8AC3E}">
-        <p14:creationId xmlns:p14="http://schemas.microsoft.com/office/powerpoint/2010/main" val="416629319"/>
+        <p14:creationId xmlns:p14="http://schemas.microsoft.com/office/powerpoint/2010/main" val="324726382"/>
       </p:ext>
     </p:extLst>
   </p:cSld>
@@ -1659,29 +1655,7 @@
           <a:p>
             <a:r>
               <a:rPr lang="en-US" dirty="0" smtClean="0"/>
-              <a:t>You remember we had this code piece that’s has lots of duplicates.</a:t>
-            </a:r>
-          </a:p>
-          <a:p>
-            <a:endParaRPr lang="en-US" dirty="0" smtClean="0"/>
-          </a:p>
-          <a:p>
-            <a:r>
-              <a:rPr lang="en-US" dirty="0" smtClean="0"/>
-              <a:t>Let’s see if</a:t>
-            </a:r>
-            <a:r>
-              <a:rPr lang="en-US" baseline="0" dirty="0" smtClean="0"/>
-              <a:t> how it will look like after OOD is applied. [CLICK]</a:t>
-            </a:r>
-          </a:p>
-          <a:p>
-            <a:endParaRPr lang="en-US" baseline="0" dirty="0" smtClean="0"/>
-          </a:p>
-          <a:p>
-            <a:r>
-              <a:rPr lang="en-US" baseline="0" dirty="0" smtClean="0"/>
-              <a:t>And this is how they are created as an object. Remember creating objects from classes. [CLICK]</a:t>
+              <a:t>And this is what brings us to UML</a:t>
             </a:r>
             <a:endParaRPr lang="en-US" dirty="0"/>
           </a:p>
@@ -1704,16 +1678,16 @@
           <a:p>
             <a:fld id="{D73FF19C-8393-2A49-92A3-90AE761DDBC5}" type="slidenum">
               <a:rPr lang="en-US" smtClean="0"/>
-              <a:t>26</a:t>
+              <a:t>20</a:t>
             </a:fld>
-            <a:endParaRPr lang="en-US"/>
+            <a:endParaRPr lang="en-US" dirty="0"/>
           </a:p>
         </p:txBody>
       </p:sp>
     </p:spTree>
     <p:extLst>
       <p:ext uri="{BB962C8B-B14F-4D97-AF65-F5344CB8AC3E}">
-        <p14:creationId xmlns:p14="http://schemas.microsoft.com/office/powerpoint/2010/main" val="1389575709"/>
+        <p14:creationId xmlns:p14="http://schemas.microsoft.com/office/powerpoint/2010/main" val="1706684034"/>
       </p:ext>
     </p:extLst>
   </p:cSld>
@@ -1767,105 +1741,14 @@
           <a:bodyPr/>
           <a:lstStyle/>
           <a:p>
-            <a:pPr marL="0" marR="0" lvl="0" indent="0" algn="l" defTabSz="457200" rtl="0" eaLnBrk="1" fontAlgn="auto" latinLnBrk="0" hangingPunct="1">
-              <a:lnSpc>
-                <a:spcPct val="100000"/>
-              </a:lnSpc>
-              <a:spcBef>
-                <a:spcPts val="0"/>
-              </a:spcBef>
-              <a:spcAft>
-                <a:spcPts val="0"/>
-              </a:spcAft>
-              <a:buClrTx/>
-              <a:buSzTx/>
-              <a:buFontTx/>
-              <a:buNone/>
-              <a:tabLst/>
-              <a:defRPr/>
-            </a:pPr>
-            <a:r>
-              <a:rPr lang="en-US" sz="1200" dirty="0" smtClean="0">
-                <a:solidFill>
-                  <a:srgbClr val="FF0000"/>
-                </a:solidFill>
-              </a:rPr>
-              <a:t>Of course, no</a:t>
-            </a:r>
-            <a:r>
-              <a:rPr lang="en-US" sz="1200" baseline="0" dirty="0" smtClean="0">
-                <a:solidFill>
-                  <a:srgbClr val="FF0000"/>
-                </a:solidFill>
-              </a:rPr>
-              <a:t> fancy approach is without its consequences. OOD has lots of principles and concepts.</a:t>
-            </a:r>
-            <a:endParaRPr lang="en-US" sz="1200" dirty="0" smtClean="0">
-              <a:solidFill>
-                <a:srgbClr val="FF0000"/>
-              </a:solidFill>
-            </a:endParaRPr>
-          </a:p>
-          <a:p>
-            <a:pPr marL="0" marR="0" lvl="0" indent="0" algn="l" defTabSz="457200" rtl="0" eaLnBrk="1" fontAlgn="auto" latinLnBrk="0" hangingPunct="1">
-              <a:lnSpc>
-                <a:spcPct val="100000"/>
-              </a:lnSpc>
-              <a:spcBef>
-                <a:spcPts val="0"/>
-              </a:spcBef>
-              <a:spcAft>
-                <a:spcPts val="0"/>
-              </a:spcAft>
-              <a:buClrTx/>
-              <a:buSzTx/>
-              <a:buFontTx/>
-              <a:buNone/>
-              <a:tabLst/>
-              <a:defRPr/>
-            </a:pPr>
-            <a:endParaRPr lang="en-US" sz="1200" dirty="0" smtClean="0">
-              <a:solidFill>
-                <a:srgbClr val="FF0000"/>
-              </a:solidFill>
-            </a:endParaRPr>
-          </a:p>
-          <a:p>
-            <a:pPr marL="0" marR="0" lvl="0" indent="0" algn="l" defTabSz="457200" rtl="0" eaLnBrk="1" fontAlgn="auto" latinLnBrk="0" hangingPunct="1">
-              <a:lnSpc>
-                <a:spcPct val="100000"/>
-              </a:lnSpc>
-              <a:spcBef>
-                <a:spcPts val="0"/>
-              </a:spcBef>
-              <a:spcAft>
-                <a:spcPts val="0"/>
-              </a:spcAft>
-              <a:buClrTx/>
-              <a:buSzTx/>
-              <a:buFontTx/>
-              <a:buNone/>
-              <a:tabLst/>
-              <a:defRPr/>
-            </a:pPr>
-            <a:r>
-              <a:rPr lang="en-US" sz="1200" dirty="0" smtClean="0">
-                <a:solidFill>
-                  <a:srgbClr val="FF0000"/>
-                </a:solidFill>
-              </a:rPr>
-              <a:t>If </a:t>
-            </a:r>
-            <a:r>
-              <a:rPr lang="en-US" sz="1200" dirty="0" smtClean="0">
-                <a:solidFill>
-                  <a:srgbClr val="FF0000"/>
-                </a:solidFill>
-              </a:rPr>
-              <a:t>we don’t use these concepts and obey these principles, we aren’t coding in proper object-oriented way.</a:t>
-            </a:r>
-          </a:p>
-          <a:p>
+            <a:r>
+              <a:rPr lang="en-US" dirty="0" smtClean="0"/>
+              <a:t>So it is basically a set of diagrams in order to be at the same page while</a:t>
+            </a:r>
+            <a:r>
+              <a:rPr lang="en-US" baseline="0" dirty="0" smtClean="0"/>
+              <a:t> designing systems agnostic than programming languages.</a:t>
+            </a:r>
             <a:endParaRPr lang="en-US" dirty="0"/>
           </a:p>
         </p:txBody>
@@ -1887,16 +1770,16 @@
           <a:p>
             <a:fld id="{D73FF19C-8393-2A49-92A3-90AE761DDBC5}" type="slidenum">
               <a:rPr lang="en-US" smtClean="0"/>
-              <a:t>27</a:t>
+              <a:t>21</a:t>
             </a:fld>
-            <a:endParaRPr lang="en-US"/>
+            <a:endParaRPr lang="en-US" dirty="0"/>
           </a:p>
         </p:txBody>
       </p:sp>
     </p:spTree>
     <p:extLst>
       <p:ext uri="{BB962C8B-B14F-4D97-AF65-F5344CB8AC3E}">
-        <p14:creationId xmlns:p14="http://schemas.microsoft.com/office/powerpoint/2010/main" val="3790448196"/>
+        <p14:creationId xmlns:p14="http://schemas.microsoft.com/office/powerpoint/2010/main" val="2496210755"/>
       </p:ext>
     </p:extLst>
   </p:cSld>
@@ -2061,24 +1944,28 @@
           <a:p>
             <a:r>
               <a:rPr lang="en-US" dirty="0" smtClean="0"/>
-              <a:t>Now that anyone can change</a:t>
+              <a:t>A class looks syntactically</a:t>
             </a:r>
             <a:r>
               <a:rPr lang="en-US" baseline="0" dirty="0" smtClean="0"/>
-              <a:t> the speed of a plane,</a:t>
-            </a:r>
-          </a:p>
-          <a:p>
-            <a:endParaRPr lang="en-US" baseline="0" dirty="0" smtClean="0"/>
+              <a:t> different in different languages, but essence is the same. [CLICK]</a:t>
+            </a:r>
           </a:p>
           <a:p>
             <a:r>
               <a:rPr lang="en-US" baseline="0" dirty="0" smtClean="0"/>
-              <a:t>But what if speed is out-of-range? Or invalid? Or maybe you should do just some adjustment to the speed before setting?</a:t>
+              <a:t>Here is a class in C#.</a:t>
             </a:r>
             <a:endParaRPr lang="en-US" dirty="0" smtClean="0"/>
           </a:p>
           <a:p>
+            <a:endParaRPr lang="en-US" dirty="0" smtClean="0"/>
+          </a:p>
+          <a:p>
+            <a:r>
+              <a:rPr lang="en-US" dirty="0" smtClean="0"/>
+              <a:t>BUT WAIT.</a:t>
+            </a:r>
             <a:endParaRPr lang="en-US" dirty="0"/>
           </a:p>
         </p:txBody>
@@ -2100,16 +1987,16 @@
           <a:p>
             <a:fld id="{D73FF19C-8393-2A49-92A3-90AE761DDBC5}" type="slidenum">
               <a:rPr lang="en-US" smtClean="0"/>
-              <a:t>29</a:t>
+              <a:t>23</a:t>
             </a:fld>
-            <a:endParaRPr lang="en-US"/>
+            <a:endParaRPr lang="en-US" dirty="0"/>
           </a:p>
         </p:txBody>
       </p:sp>
     </p:spTree>
     <p:extLst>
       <p:ext uri="{BB962C8B-B14F-4D97-AF65-F5344CB8AC3E}">
-        <p14:creationId xmlns:p14="http://schemas.microsoft.com/office/powerpoint/2010/main" val="556765515"/>
+        <p14:creationId xmlns:p14="http://schemas.microsoft.com/office/powerpoint/2010/main" val="503046212"/>
       </p:ext>
     </p:extLst>
   </p:cSld>
@@ -2165,33 +2052,76 @@
           <a:p>
             <a:r>
               <a:rPr lang="en-US" dirty="0" smtClean="0"/>
-              <a:t>Now what is the solution?</a:t>
-            </a:r>
-          </a:p>
-          <a:p>
+              <a:t>This is an object, [CLICK] this is an object,</a:t>
+            </a:r>
+            <a:r>
+              <a:rPr lang="en-US" baseline="0" dirty="0" smtClean="0"/>
+              <a:t> </a:t>
+            </a:r>
+            <a:r>
+              <a:rPr lang="en-US" dirty="0" smtClean="0"/>
+              <a:t>[CLICK] </a:t>
+            </a:r>
+            <a:r>
+              <a:rPr lang="en-US" baseline="0" dirty="0" smtClean="0"/>
+              <a:t>this is an object. </a:t>
+            </a:r>
+            <a:r>
+              <a:rPr lang="en-US" dirty="0" smtClean="0"/>
+              <a:t>[CLICK]</a:t>
+            </a:r>
+            <a:endParaRPr lang="en-US" baseline="0" dirty="0" smtClean="0"/>
+          </a:p>
+          <a:p>
+            <a:endParaRPr lang="en-US" baseline="0" dirty="0" smtClean="0"/>
+          </a:p>
+          <a:p>
+            <a:r>
+              <a:rPr lang="en-US" baseline="0" dirty="0" smtClean="0"/>
+              <a:t>Now this is a class. You got the idea.</a:t>
+            </a:r>
             <a:endParaRPr lang="en-US" dirty="0" smtClean="0"/>
           </a:p>
           <a:p>
+            <a:endParaRPr lang="en-US" dirty="0" smtClean="0"/>
+          </a:p>
+          <a:p>
             <a:r>
               <a:rPr lang="en-US" dirty="0" smtClean="0"/>
-              <a:t>OOD gives us this visibility modifiers:</a:t>
-            </a:r>
-            <a:r>
-              <a:rPr lang="en-US" baseline="0" dirty="0" smtClean="0"/>
-              <a:t> public, private etc. So that any attribute can be hidden from public if needed.</a:t>
-            </a:r>
-          </a:p>
-          <a:p>
-            <a:endParaRPr lang="en-US" baseline="0" dirty="0" smtClean="0"/>
-          </a:p>
-          <a:p>
-            <a:endParaRPr lang="en-US" baseline="0" dirty="0" smtClean="0"/>
-          </a:p>
-          <a:p>
-            <a:r>
-              <a:rPr lang="en-US" baseline="0" dirty="0" smtClean="0"/>
-              <a:t>Now speed will be adjusted whenever set externally.</a:t>
-            </a:r>
+              <a:t>Basically</a:t>
+            </a:r>
+            <a:r>
+              <a:rPr lang="en-US" dirty="0" smtClean="0"/>
+              <a:t>, we get the properties that all the dogs have and define a </a:t>
+            </a:r>
+            <a:r>
+              <a:rPr lang="en-US" dirty="0" smtClean="0">
+                <a:solidFill>
+                  <a:srgbClr val="FF0000"/>
+                </a:solidFill>
+              </a:rPr>
+              <a:t>Dog</a:t>
+            </a:r>
+            <a:r>
+              <a:rPr lang="en-US" dirty="0" smtClean="0"/>
+              <a:t> class with them.</a:t>
+            </a:r>
+          </a:p>
+          <a:p>
+            <a:pPr lvl="1"/>
+            <a:r>
+              <a:rPr lang="en-US" dirty="0" smtClean="0"/>
+              <a:t>A class is a generalization of objects.</a:t>
+            </a:r>
+          </a:p>
+          <a:p>
+            <a:pPr lvl="1"/>
+            <a:r>
+              <a:rPr lang="en-US" dirty="0" smtClean="0"/>
+              <a:t>And objects are just instances of the class.</a:t>
+            </a:r>
+          </a:p>
+          <a:p>
             <a:endParaRPr lang="en-US" dirty="0"/>
           </a:p>
         </p:txBody>
@@ -2213,7 +2143,7 @@
           <a:p>
             <a:fld id="{D73FF19C-8393-2A49-92A3-90AE761DDBC5}" type="slidenum">
               <a:rPr lang="en-US" smtClean="0"/>
-              <a:t>30</a:t>
+              <a:t>24</a:t>
             </a:fld>
             <a:endParaRPr lang="en-US"/>
           </a:p>
@@ -2222,7 +2152,7 @@
     </p:spTree>
     <p:extLst>
       <p:ext uri="{BB962C8B-B14F-4D97-AF65-F5344CB8AC3E}">
-        <p14:creationId xmlns:p14="http://schemas.microsoft.com/office/powerpoint/2010/main" val="1878050393"/>
+        <p14:creationId xmlns:p14="http://schemas.microsoft.com/office/powerpoint/2010/main" val="416629319"/>
       </p:ext>
     </p:extLst>
   </p:cSld>
@@ -2276,6 +2206,14 @@
           <a:bodyPr/>
           <a:lstStyle/>
           <a:p>
+            <a:r>
+              <a:rPr lang="en-US" dirty="0" smtClean="0"/>
+              <a:t>Constructors</a:t>
+            </a:r>
+            <a:r>
+              <a:rPr lang="en-US" baseline="0" dirty="0" smtClean="0"/>
+              <a:t> are getting this general information and creates an instance out of it.</a:t>
+            </a:r>
             <a:endParaRPr lang="en-US" dirty="0"/>
           </a:p>
         </p:txBody>
@@ -2297,16 +2235,16 @@
           <a:p>
             <a:fld id="{D73FF19C-8393-2A49-92A3-90AE761DDBC5}" type="slidenum">
               <a:rPr lang="en-US" smtClean="0"/>
-              <a:t>31</a:t>
+              <a:t>25</a:t>
             </a:fld>
-            <a:endParaRPr lang="en-US"/>
+            <a:endParaRPr lang="en-US" dirty="0"/>
           </a:p>
         </p:txBody>
       </p:sp>
     </p:spTree>
     <p:extLst>
       <p:ext uri="{BB962C8B-B14F-4D97-AF65-F5344CB8AC3E}">
-        <p14:creationId xmlns:p14="http://schemas.microsoft.com/office/powerpoint/2010/main" val="3720302838"/>
+        <p14:creationId xmlns:p14="http://schemas.microsoft.com/office/powerpoint/2010/main" val="1181162615"/>
       </p:ext>
     </p:extLst>
   </p:cSld>
@@ -2360,6 +2298,52 @@
           <a:bodyPr/>
           <a:lstStyle/>
           <a:p>
+            <a:r>
+              <a:rPr lang="en-US" dirty="0" smtClean="0"/>
+              <a:t>You remember we had this code piece that’s has lots of duplicates.</a:t>
+            </a:r>
+          </a:p>
+          <a:p>
+            <a:endParaRPr lang="en-US" dirty="0" smtClean="0"/>
+          </a:p>
+          <a:p>
+            <a:r>
+              <a:rPr lang="en-US" dirty="0" smtClean="0"/>
+              <a:t>Let’s see if</a:t>
+            </a:r>
+            <a:r>
+              <a:rPr lang="en-US" baseline="0" dirty="0" smtClean="0"/>
+              <a:t> how it will look like after OOD is applied</a:t>
+            </a:r>
+            <a:r>
+              <a:rPr lang="en-US" baseline="0" dirty="0" smtClean="0"/>
+              <a:t>.</a:t>
+            </a:r>
+          </a:p>
+          <a:p>
+            <a:r>
+              <a:rPr lang="en-US" baseline="0" dirty="0" smtClean="0"/>
+              <a:t>Of course, we would have classes for animals, dogs, and chickens and some properties attached to them.</a:t>
+            </a:r>
+          </a:p>
+          <a:p>
+            <a:r>
+              <a:rPr lang="en-US" baseline="0" dirty="0" smtClean="0"/>
+              <a:t> </a:t>
+            </a:r>
+            <a:r>
+              <a:rPr lang="en-US" baseline="0" dirty="0" smtClean="0"/>
+              <a:t>[CLICK]</a:t>
+            </a:r>
+          </a:p>
+          <a:p>
+            <a:endParaRPr lang="en-US" baseline="0" dirty="0" smtClean="0"/>
+          </a:p>
+          <a:p>
+            <a:r>
+              <a:rPr lang="en-US" baseline="0" dirty="0" smtClean="0"/>
+              <a:t>And this is how they are created as an object. Remember creating objects from classes. [CLICK]</a:t>
+            </a:r>
             <a:endParaRPr lang="en-US" dirty="0"/>
           </a:p>
         </p:txBody>
@@ -2381,7 +2365,7 @@
           <a:p>
             <a:fld id="{D73FF19C-8393-2A49-92A3-90AE761DDBC5}" type="slidenum">
               <a:rPr lang="en-US" smtClean="0"/>
-              <a:t>32</a:t>
+              <a:t>26</a:t>
             </a:fld>
             <a:endParaRPr lang="en-US"/>
           </a:p>
@@ -2390,7 +2374,7 @@
     </p:spTree>
     <p:extLst>
       <p:ext uri="{BB962C8B-B14F-4D97-AF65-F5344CB8AC3E}">
-        <p14:creationId xmlns:p14="http://schemas.microsoft.com/office/powerpoint/2010/main" val="2969744407"/>
+        <p14:creationId xmlns:p14="http://schemas.microsoft.com/office/powerpoint/2010/main" val="1389575709"/>
       </p:ext>
     </p:extLst>
   </p:cSld>
@@ -2462,22 +2446,159 @@
               <a:defRPr/>
             </a:pPr>
             <a:r>
-              <a:rPr lang="en-US" dirty="0" smtClean="0"/>
-              <a:t>So, you remember our Dog and Chicken example. They were both animals.</a:t>
-            </a:r>
-          </a:p>
-          <a:p>
-            <a:endParaRPr lang="en-US" dirty="0" smtClean="0"/>
-          </a:p>
-          <a:p>
-            <a:r>
-              <a:rPr lang="en-US" dirty="0" smtClean="0"/>
-              <a:t>So why shouldn’t we create a common class for the common properties/methods</a:t>
-            </a:r>
-            <a:r>
-              <a:rPr lang="en-US" baseline="0" dirty="0" smtClean="0"/>
-              <a:t> of this two animals.</a:t>
-            </a:r>
+              <a:rPr lang="en-US" sz="1200" dirty="0" smtClean="0">
+                <a:solidFill>
+                  <a:srgbClr val="FF0000"/>
+                </a:solidFill>
+              </a:rPr>
+              <a:t>Of course, no</a:t>
+            </a:r>
+            <a:r>
+              <a:rPr lang="en-US" sz="1200" baseline="0" dirty="0" smtClean="0">
+                <a:solidFill>
+                  <a:srgbClr val="FF0000"/>
+                </a:solidFill>
+              </a:rPr>
+              <a:t> fancy approach is without its consequences. OOD has lots of principles and concepts.</a:t>
+            </a:r>
+            <a:endParaRPr lang="en-US" sz="1200" dirty="0" smtClean="0">
+              <a:solidFill>
+                <a:srgbClr val="FF0000"/>
+              </a:solidFill>
+            </a:endParaRPr>
+          </a:p>
+          <a:p>
+            <a:pPr marL="0" marR="0" lvl="0" indent="0" algn="l" defTabSz="457200" rtl="0" eaLnBrk="1" fontAlgn="auto" latinLnBrk="0" hangingPunct="1">
+              <a:lnSpc>
+                <a:spcPct val="100000"/>
+              </a:lnSpc>
+              <a:spcBef>
+                <a:spcPts val="0"/>
+              </a:spcBef>
+              <a:spcAft>
+                <a:spcPts val="0"/>
+              </a:spcAft>
+              <a:buClrTx/>
+              <a:buSzTx/>
+              <a:buFontTx/>
+              <a:buNone/>
+              <a:tabLst/>
+              <a:defRPr/>
+            </a:pPr>
+            <a:endParaRPr lang="en-US" sz="1200" dirty="0" smtClean="0">
+              <a:solidFill>
+                <a:srgbClr val="FF0000"/>
+              </a:solidFill>
+            </a:endParaRPr>
+          </a:p>
+          <a:p>
+            <a:pPr marL="0" marR="0" lvl="0" indent="0" algn="l" defTabSz="457200" rtl="0" eaLnBrk="1" fontAlgn="auto" latinLnBrk="0" hangingPunct="1">
+              <a:lnSpc>
+                <a:spcPct val="100000"/>
+              </a:lnSpc>
+              <a:spcBef>
+                <a:spcPts val="0"/>
+              </a:spcBef>
+              <a:spcAft>
+                <a:spcPts val="0"/>
+              </a:spcAft>
+              <a:buClrTx/>
+              <a:buSzTx/>
+              <a:buFontTx/>
+              <a:buNone/>
+              <a:tabLst/>
+              <a:defRPr/>
+            </a:pPr>
+            <a:r>
+              <a:rPr lang="en-US" sz="1200" dirty="0" smtClean="0">
+                <a:solidFill>
+                  <a:srgbClr val="FF0000"/>
+                </a:solidFill>
+              </a:rPr>
+              <a:t>If we don’t use these concepts and obey these principles, we aren’t coding in proper object-oriented way</a:t>
+            </a:r>
+            <a:r>
+              <a:rPr lang="en-US" sz="1200" dirty="0" smtClean="0">
+                <a:solidFill>
+                  <a:srgbClr val="FF0000"/>
+                </a:solidFill>
+              </a:rPr>
+              <a:t>. And</a:t>
+            </a:r>
+            <a:r>
+              <a:rPr lang="en-US" sz="1200" baseline="0" dirty="0" smtClean="0">
+                <a:solidFill>
+                  <a:srgbClr val="FF0000"/>
+                </a:solidFill>
+              </a:rPr>
+              <a:t> we are basically coding in the old way but with extra complexities.</a:t>
+            </a:r>
+          </a:p>
+          <a:p>
+            <a:pPr marL="0" marR="0" lvl="0" indent="0" algn="l" defTabSz="457200" rtl="0" eaLnBrk="1" fontAlgn="auto" latinLnBrk="0" hangingPunct="1">
+              <a:lnSpc>
+                <a:spcPct val="100000"/>
+              </a:lnSpc>
+              <a:spcBef>
+                <a:spcPts val="0"/>
+              </a:spcBef>
+              <a:spcAft>
+                <a:spcPts val="0"/>
+              </a:spcAft>
+              <a:buClrTx/>
+              <a:buSzTx/>
+              <a:buFontTx/>
+              <a:buNone/>
+              <a:tabLst/>
+              <a:defRPr/>
+            </a:pPr>
+            <a:endParaRPr lang="en-US" sz="1200" baseline="0" dirty="0" smtClean="0">
+              <a:solidFill>
+                <a:srgbClr val="FF0000"/>
+              </a:solidFill>
+            </a:endParaRPr>
+          </a:p>
+          <a:p>
+            <a:pPr marL="0" marR="0" lvl="0" indent="0" algn="l" defTabSz="457200" rtl="0" eaLnBrk="1" fontAlgn="auto" latinLnBrk="0" hangingPunct="1">
+              <a:lnSpc>
+                <a:spcPct val="100000"/>
+              </a:lnSpc>
+              <a:spcBef>
+                <a:spcPts val="0"/>
+              </a:spcBef>
+              <a:spcAft>
+                <a:spcPts val="0"/>
+              </a:spcAft>
+              <a:buClrTx/>
+              <a:buSzTx/>
+              <a:buFontTx/>
+              <a:buNone/>
+              <a:tabLst/>
+              <a:defRPr/>
+            </a:pPr>
+            <a:r>
+              <a:rPr lang="en-US" sz="1200" baseline="0" dirty="0" smtClean="0">
+                <a:solidFill>
+                  <a:srgbClr val="FF0000"/>
+                </a:solidFill>
+              </a:rPr>
+              <a:t>It is like your car can go 100 kilometers per hour but you insist to go with a 30 on a highway because you don’t want to mess with the car and scare about what happens if something </a:t>
+            </a:r>
+            <a:r>
+              <a:rPr lang="en-US" sz="1200" baseline="0" smtClean="0">
+                <a:solidFill>
+                  <a:srgbClr val="FF0000"/>
+                </a:solidFill>
+              </a:rPr>
+              <a:t>goes wrong.</a:t>
+            </a:r>
+            <a:endParaRPr lang="en-US" sz="1200" dirty="0" smtClean="0">
+              <a:solidFill>
+                <a:srgbClr val="FF0000"/>
+              </a:solidFill>
+            </a:endParaRPr>
+          </a:p>
+          <a:p>
             <a:endParaRPr lang="en-US" dirty="0"/>
           </a:p>
         </p:txBody>
@@ -2499,7 +2620,7 @@
           <a:p>
             <a:fld id="{D73FF19C-8393-2A49-92A3-90AE761DDBC5}" type="slidenum">
               <a:rPr lang="en-US" smtClean="0"/>
-              <a:t>33</a:t>
+              <a:t>27</a:t>
             </a:fld>
             <a:endParaRPr lang="en-US"/>
           </a:p>
@@ -2508,7 +2629,7 @@
     </p:spTree>
     <p:extLst>
       <p:ext uri="{BB962C8B-B14F-4D97-AF65-F5344CB8AC3E}">
-        <p14:creationId xmlns:p14="http://schemas.microsoft.com/office/powerpoint/2010/main" val="800240373"/>
+        <p14:creationId xmlns:p14="http://schemas.microsoft.com/office/powerpoint/2010/main" val="3790448196"/>
       </p:ext>
     </p:extLst>
   </p:cSld>
@@ -2564,12 +2685,24 @@
           <a:p>
             <a:r>
               <a:rPr lang="en-US" dirty="0" smtClean="0"/>
-              <a:t>So</a:t>
+              <a:t>Now that anyone can change</a:t>
             </a:r>
             <a:r>
               <a:rPr lang="en-US" baseline="0" dirty="0" smtClean="0"/>
-              <a:t> you have two data formats to read into your program, and the functions that do the read is somewhat similar.</a:t>
-            </a:r>
+              <a:t> the speed of a plane,</a:t>
+            </a:r>
+          </a:p>
+          <a:p>
+            <a:endParaRPr lang="en-US" baseline="0" dirty="0" smtClean="0"/>
+          </a:p>
+          <a:p>
+            <a:r>
+              <a:rPr lang="en-US" baseline="0" dirty="0" smtClean="0"/>
+              <a:t>But what if speed is out-of-range? Or invalid? Or maybe you should do just some adjustment to the speed before setting?</a:t>
+            </a:r>
+            <a:endParaRPr lang="en-US" dirty="0" smtClean="0"/>
+          </a:p>
+          <a:p>
             <a:endParaRPr lang="en-US" dirty="0"/>
           </a:p>
         </p:txBody>
@@ -2591,7 +2724,7 @@
           <a:p>
             <a:fld id="{D73FF19C-8393-2A49-92A3-90AE761DDBC5}" type="slidenum">
               <a:rPr lang="en-US" smtClean="0"/>
-              <a:t>34</a:t>
+              <a:t>29</a:t>
             </a:fld>
             <a:endParaRPr lang="en-US"/>
           </a:p>
@@ -2600,7 +2733,7 @@
     </p:spTree>
     <p:extLst>
       <p:ext uri="{BB962C8B-B14F-4D97-AF65-F5344CB8AC3E}">
-        <p14:creationId xmlns:p14="http://schemas.microsoft.com/office/powerpoint/2010/main" val="2654794936"/>
+        <p14:creationId xmlns:p14="http://schemas.microsoft.com/office/powerpoint/2010/main" val="556765515"/>
       </p:ext>
     </p:extLst>
   </p:cSld>
@@ -2656,87 +2789,32 @@
           <a:p>
             <a:r>
               <a:rPr lang="en-US" dirty="0" smtClean="0"/>
-              <a:t>If a class has methods for:</a:t>
-            </a:r>
-          </a:p>
-          <a:p>
-            <a:pPr lvl="1"/>
+              <a:t>Now what is the solution?</a:t>
+            </a:r>
+          </a:p>
+          <a:p>
+            <a:endParaRPr lang="en-US" dirty="0" smtClean="0"/>
+          </a:p>
+          <a:p>
             <a:r>
               <a:rPr lang="en-US" dirty="0" smtClean="0"/>
-              <a:t>Printing a document</a:t>
-            </a:r>
-          </a:p>
-          <a:p>
-            <a:pPr lvl="1"/>
-            <a:r>
-              <a:rPr lang="en-US" dirty="0" smtClean="0"/>
-              <a:t>Sending an email</a:t>
-            </a:r>
-          </a:p>
-          <a:p>
-            <a:pPr lvl="1"/>
-            <a:r>
-              <a:rPr lang="en-US" dirty="0" smtClean="0"/>
-              <a:t>Working with trigonometric functions</a:t>
-            </a:r>
-          </a:p>
-          <a:p>
-            <a:pPr lvl="1"/>
-            <a:r>
-              <a:rPr lang="en-US" dirty="0" smtClean="0"/>
-              <a:t>How should we name it? Complicated, right?</a:t>
-            </a:r>
-          </a:p>
-          <a:p>
-            <a:endParaRPr lang="en-US" dirty="0" smtClean="0"/>
-          </a:p>
-          <a:p>
-            <a:endParaRPr lang="en-US" dirty="0" smtClean="0"/>
-          </a:p>
-          <a:p>
-            <a:r>
-              <a:rPr lang="en-US" dirty="0" smtClean="0"/>
-              <a:t>Strong cohesion is good</a:t>
+              <a:t>OOD gives us this visibility modifiers:</a:t>
             </a:r>
             <a:r>
               <a:rPr lang="en-US" baseline="0" dirty="0" smtClean="0"/>
-              <a:t> and a desired feature.</a:t>
-            </a:r>
+              <a:t> public, private etc. So that any attribute can be hidden from public if needed.</a:t>
+            </a:r>
+          </a:p>
+          <a:p>
+            <a:endParaRPr lang="en-US" baseline="0" dirty="0" smtClean="0"/>
+          </a:p>
+          <a:p>
+            <a:endParaRPr lang="en-US" baseline="0" dirty="0" smtClean="0"/>
           </a:p>
           <a:p>
             <a:r>
               <a:rPr lang="en-US" baseline="0" dirty="0" smtClean="0"/>
-              <a:t>It</a:t>
-            </a:r>
-            <a:r>
-              <a:rPr lang="en-US" dirty="0" smtClean="0"/>
-              <a:t> means: all methods of a class are more or less related.</a:t>
-            </a:r>
-          </a:p>
-          <a:p>
-            <a:r>
-              <a:rPr lang="en-US" dirty="0" smtClean="0"/>
-              <a:t>-A math class for example,</a:t>
-            </a:r>
-            <a:r>
-              <a:rPr lang="en-US" baseline="0" dirty="0" smtClean="0"/>
-              <a:t> which can compute </a:t>
-            </a:r>
-            <a:r>
-              <a:rPr lang="en-US" baseline="0" dirty="0" err="1" smtClean="0"/>
-              <a:t>sqrt</a:t>
-            </a:r>
-            <a:r>
-              <a:rPr lang="en-US" baseline="0" dirty="0" smtClean="0"/>
-              <a:t>, power, </a:t>
-            </a:r>
-            <a:r>
-              <a:rPr lang="en-US" baseline="0" dirty="0" err="1" smtClean="0"/>
-              <a:t>exp</a:t>
-            </a:r>
-            <a:r>
-              <a:rPr lang="en-US" baseline="0" dirty="0" smtClean="0"/>
-              <a:t>, cos etc.</a:t>
+              <a:t>Now speed will be adjusted whenever set externally.</a:t>
             </a:r>
             <a:endParaRPr lang="en-US" dirty="0"/>
           </a:p>
@@ -2759,7 +2837,7 @@
           <a:p>
             <a:fld id="{D73FF19C-8393-2A49-92A3-90AE761DDBC5}" type="slidenum">
               <a:rPr lang="en-US" smtClean="0"/>
-              <a:t>39</a:t>
+              <a:t>30</a:t>
             </a:fld>
             <a:endParaRPr lang="en-US"/>
           </a:p>
@@ -2768,7 +2846,7 @@
     </p:spTree>
     <p:extLst>
       <p:ext uri="{BB962C8B-B14F-4D97-AF65-F5344CB8AC3E}">
-        <p14:creationId xmlns:p14="http://schemas.microsoft.com/office/powerpoint/2010/main" val="1864651759"/>
+        <p14:creationId xmlns:p14="http://schemas.microsoft.com/office/powerpoint/2010/main" val="1878050393"/>
       </p:ext>
     </p:extLst>
   </p:cSld>
@@ -2822,85 +2900,6 @@
           <a:bodyPr/>
           <a:lstStyle/>
           <a:p>
-            <a:pPr marL="0" marR="0" lvl="0" indent="0" algn="l" defTabSz="457200" rtl="0" eaLnBrk="1" fontAlgn="auto" latinLnBrk="0" hangingPunct="1">
-              <a:lnSpc>
-                <a:spcPct val="100000"/>
-              </a:lnSpc>
-              <a:spcBef>
-                <a:spcPts val="0"/>
-              </a:spcBef>
-              <a:spcAft>
-                <a:spcPts val="0"/>
-              </a:spcAft>
-              <a:buClrTx/>
-              <a:buSzTx/>
-              <a:buFontTx/>
-              <a:buNone/>
-              <a:tabLst/>
-              <a:defRPr/>
-            </a:pPr>
-            <a:r>
-              <a:rPr lang="en-US" dirty="0" smtClean="0"/>
-              <a:t>Whenever we add a new shape to the system, we should go and</a:t>
-            </a:r>
-            <a:r>
-              <a:rPr lang="en-US" baseline="0" dirty="0" smtClean="0"/>
-              <a:t> modify this method of area calculator.</a:t>
-            </a:r>
-          </a:p>
-          <a:p>
-            <a:pPr marL="0" marR="0" lvl="0" indent="0" algn="l" defTabSz="457200" rtl="0" eaLnBrk="1" fontAlgn="auto" latinLnBrk="0" hangingPunct="1">
-              <a:lnSpc>
-                <a:spcPct val="100000"/>
-              </a:lnSpc>
-              <a:spcBef>
-                <a:spcPts val="0"/>
-              </a:spcBef>
-              <a:spcAft>
-                <a:spcPts val="0"/>
-              </a:spcAft>
-              <a:buClrTx/>
-              <a:buSzTx/>
-              <a:buFontTx/>
-              <a:buNone/>
-              <a:tabLst/>
-              <a:defRPr/>
-            </a:pPr>
-            <a:endParaRPr lang="en-US" baseline="0" dirty="0" smtClean="0"/>
-          </a:p>
-          <a:p>
-            <a:pPr marL="0" marR="0" lvl="0" indent="0" algn="l" defTabSz="457200" rtl="0" eaLnBrk="1" fontAlgn="auto" latinLnBrk="0" hangingPunct="1">
-              <a:lnSpc>
-                <a:spcPct val="100000"/>
-              </a:lnSpc>
-              <a:spcBef>
-                <a:spcPts val="0"/>
-              </a:spcBef>
-              <a:spcAft>
-                <a:spcPts val="0"/>
-              </a:spcAft>
-              <a:buClrTx/>
-              <a:buSzTx/>
-              <a:buFontTx/>
-              <a:buNone/>
-              <a:tabLst/>
-              <a:defRPr/>
-            </a:pPr>
-            <a:r>
-              <a:rPr lang="en-US" baseline="0" dirty="0" smtClean="0"/>
-              <a:t>So, this class [</a:t>
-            </a:r>
-            <a:r>
-              <a:rPr lang="en-US" baseline="0" dirty="0" err="1" smtClean="0"/>
-              <a:t>AreaCalculator</a:t>
-            </a:r>
-            <a:r>
-              <a:rPr lang="en-US" baseline="0" dirty="0" smtClean="0"/>
-              <a:t>] is not closed to modification.</a:t>
-            </a:r>
-            <a:endParaRPr lang="en-US" dirty="0" smtClean="0"/>
-          </a:p>
-          <a:p>
             <a:endParaRPr lang="en-US" dirty="0"/>
           </a:p>
         </p:txBody>
@@ -2922,16 +2921,16 @@
           <a:p>
             <a:fld id="{D73FF19C-8393-2A49-92A3-90AE761DDBC5}" type="slidenum">
               <a:rPr lang="en-US" smtClean="0"/>
-              <a:t>44</a:t>
+              <a:t>31</a:t>
             </a:fld>
-            <a:endParaRPr lang="en-US" dirty="0"/>
+            <a:endParaRPr lang="en-US"/>
           </a:p>
         </p:txBody>
       </p:sp>
     </p:spTree>
     <p:extLst>
       <p:ext uri="{BB962C8B-B14F-4D97-AF65-F5344CB8AC3E}">
-        <p14:creationId xmlns:p14="http://schemas.microsoft.com/office/powerpoint/2010/main" val="3224651124"/>
+        <p14:creationId xmlns:p14="http://schemas.microsoft.com/office/powerpoint/2010/main" val="3720302838"/>
       </p:ext>
     </p:extLst>
   </p:cSld>
@@ -2985,14 +2984,6 @@
           <a:bodyPr/>
           <a:lstStyle/>
           <a:p>
-            <a:r>
-              <a:rPr lang="en-US" dirty="0" smtClean="0"/>
-              <a:t>This doesn’t necessarily mean they have to have one</a:t>
-            </a:r>
-            <a:r>
-              <a:rPr lang="en-US" baseline="0" dirty="0" smtClean="0"/>
-              <a:t> method.</a:t>
-            </a:r>
             <a:endParaRPr lang="en-US" dirty="0"/>
           </a:p>
         </p:txBody>
@@ -3014,16 +3005,16 @@
           <a:p>
             <a:fld id="{D73FF19C-8393-2A49-92A3-90AE761DDBC5}" type="slidenum">
               <a:rPr lang="en-US" smtClean="0"/>
-              <a:t>46</a:t>
+              <a:t>32</a:t>
             </a:fld>
-            <a:endParaRPr lang="en-US" dirty="0"/>
+            <a:endParaRPr lang="en-US"/>
           </a:p>
         </p:txBody>
       </p:sp>
     </p:spTree>
     <p:extLst>
       <p:ext uri="{BB962C8B-B14F-4D97-AF65-F5344CB8AC3E}">
-        <p14:creationId xmlns:p14="http://schemas.microsoft.com/office/powerpoint/2010/main" val="1372388394"/>
+        <p14:creationId xmlns:p14="http://schemas.microsoft.com/office/powerpoint/2010/main" val="2969744407"/>
       </p:ext>
     </p:extLst>
   </p:cSld>
@@ -3077,57 +3068,40 @@
           <a:bodyPr/>
           <a:lstStyle/>
           <a:p>
+            <a:pPr marL="0" marR="0" lvl="0" indent="0" algn="l" defTabSz="457200" rtl="0" eaLnBrk="1" fontAlgn="auto" latinLnBrk="0" hangingPunct="1">
+              <a:lnSpc>
+                <a:spcPct val="100000"/>
+              </a:lnSpc>
+              <a:spcBef>
+                <a:spcPts val="0"/>
+              </a:spcBef>
+              <a:spcAft>
+                <a:spcPts val="0"/>
+              </a:spcAft>
+              <a:buClrTx/>
+              <a:buSzTx/>
+              <a:buFontTx/>
+              <a:buNone/>
+              <a:tabLst/>
+              <a:defRPr/>
+            </a:pPr>
             <a:r>
               <a:rPr lang="en-US" dirty="0" smtClean="0"/>
-              <a:t>Usually the violation of this principle can be identified by asking:</a:t>
-            </a:r>
-          </a:p>
-          <a:p>
-            <a:pPr lvl="1"/>
+              <a:t>So, you remember our Dog and Chicken example. They were both animals.</a:t>
+            </a:r>
+          </a:p>
+          <a:p>
+            <a:endParaRPr lang="en-US" dirty="0" smtClean="0"/>
+          </a:p>
+          <a:p>
             <a:r>
               <a:rPr lang="en-US" dirty="0" smtClean="0"/>
-              <a:t>Can _______   _________ itself?</a:t>
-            </a:r>
-          </a:p>
-          <a:p>
-            <a:pPr lvl="2"/>
-            <a:r>
-              <a:rPr lang="en-US" dirty="0" smtClean="0"/>
-              <a:t>Example:  Can </a:t>
-            </a:r>
-            <a:r>
-              <a:rPr lang="en-US" dirty="0" smtClean="0">
-                <a:solidFill>
-                  <a:srgbClr val="FF0000"/>
-                </a:solidFill>
-              </a:rPr>
-              <a:t>Automobile</a:t>
-            </a:r>
-            <a:r>
-              <a:rPr lang="en-US" dirty="0" smtClean="0"/>
-              <a:t> </a:t>
-            </a:r>
-            <a:r>
-              <a:rPr lang="en-US" dirty="0" err="1" smtClean="0">
-                <a:solidFill>
-                  <a:srgbClr val="FF0000"/>
-                </a:solidFill>
-              </a:rPr>
-              <a:t>changeTires</a:t>
-            </a:r>
-            <a:r>
-              <a:rPr lang="en-US" dirty="0" smtClean="0"/>
-              <a:t> itself?</a:t>
-            </a:r>
-          </a:p>
-          <a:p>
-            <a:pPr lvl="2"/>
-            <a:r>
-              <a:rPr lang="en-US" dirty="0" smtClean="0"/>
-              <a:t>If it is no, it is violating SRP.</a:t>
-            </a:r>
-          </a:p>
-          <a:p>
+              <a:t>So why shouldn’t we create a common class for the common properties/methods</a:t>
+            </a:r>
+            <a:r>
+              <a:rPr lang="en-US" baseline="0" dirty="0" smtClean="0"/>
+              <a:t> of this two animals.</a:t>
+            </a:r>
             <a:endParaRPr lang="en-US" dirty="0"/>
           </a:p>
         </p:txBody>
@@ -3149,16 +3123,16 @@
           <a:p>
             <a:fld id="{D73FF19C-8393-2A49-92A3-90AE761DDBC5}" type="slidenum">
               <a:rPr lang="en-US" smtClean="0"/>
-              <a:t>47</a:t>
+              <a:t>33</a:t>
             </a:fld>
-            <a:endParaRPr lang="en-US" dirty="0"/>
+            <a:endParaRPr lang="en-US"/>
           </a:p>
         </p:txBody>
       </p:sp>
     </p:spTree>
     <p:extLst>
       <p:ext uri="{BB962C8B-B14F-4D97-AF65-F5344CB8AC3E}">
-        <p14:creationId xmlns:p14="http://schemas.microsoft.com/office/powerpoint/2010/main" val="891337501"/>
+        <p14:creationId xmlns:p14="http://schemas.microsoft.com/office/powerpoint/2010/main" val="800240373"/>
       </p:ext>
     </p:extLst>
   </p:cSld>
@@ -3304,6 +3278,266 @@
           <a:bodyPr/>
           <a:lstStyle/>
           <a:p>
+            <a:r>
+              <a:rPr lang="en-US" dirty="0" smtClean="0"/>
+              <a:t>So</a:t>
+            </a:r>
+            <a:r>
+              <a:rPr lang="en-US" baseline="0" dirty="0" smtClean="0"/>
+              <a:t> you have two data formats to read into your program, and the functions that do the read is somewhat similar.</a:t>
+            </a:r>
+            <a:endParaRPr lang="en-US" dirty="0"/>
+          </a:p>
+        </p:txBody>
+      </p:sp>
+      <p:sp>
+        <p:nvSpPr>
+          <p:cNvPr id="4" name="Slide Number Placeholder 3"/>
+          <p:cNvSpPr>
+            <a:spLocks noGrp="1"/>
+          </p:cNvSpPr>
+          <p:nvPr>
+            <p:ph type="sldNum" sz="quarter" idx="10"/>
+          </p:nvPr>
+        </p:nvSpPr>
+        <p:spPr/>
+        <p:txBody>
+          <a:bodyPr/>
+          <a:lstStyle/>
+          <a:p>
+            <a:fld id="{D73FF19C-8393-2A49-92A3-90AE761DDBC5}" type="slidenum">
+              <a:rPr lang="en-US" smtClean="0"/>
+              <a:t>34</a:t>
+            </a:fld>
+            <a:endParaRPr lang="en-US"/>
+          </a:p>
+        </p:txBody>
+      </p:sp>
+    </p:spTree>
+    <p:extLst>
+      <p:ext uri="{BB962C8B-B14F-4D97-AF65-F5344CB8AC3E}">
+        <p14:creationId xmlns:p14="http://schemas.microsoft.com/office/powerpoint/2010/main" val="2654794936"/>
+      </p:ext>
+    </p:extLst>
+  </p:cSld>
+  <p:clrMapOvr>
+    <a:masterClrMapping/>
+  </p:clrMapOvr>
+</p:notes>
+</file>
+
+<file path=ppt/notesSlides/notesSlide31.xml><?xml version="1.0" encoding="utf-8"?>
+<p:notes xmlns:a="http://schemas.openxmlformats.org/drawingml/2006/main" xmlns:r="http://schemas.openxmlformats.org/officeDocument/2006/relationships" xmlns:p="http://schemas.openxmlformats.org/presentationml/2006/main">
+  <p:cSld>
+    <p:spTree>
+      <p:nvGrpSpPr>
+        <p:cNvPr id="1" name=""/>
+        <p:cNvGrpSpPr/>
+        <p:nvPr/>
+      </p:nvGrpSpPr>
+      <p:grpSpPr>
+        <a:xfrm>
+          <a:off x="0" y="0"/>
+          <a:ext cx="0" cy="0"/>
+          <a:chOff x="0" y="0"/>
+          <a:chExt cx="0" cy="0"/>
+        </a:xfrm>
+      </p:grpSpPr>
+      <p:sp>
+        <p:nvSpPr>
+          <p:cNvPr id="2" name="Slide Image Placeholder 1"/>
+          <p:cNvSpPr>
+            <a:spLocks noGrp="1" noRot="1" noChangeAspect="1"/>
+          </p:cNvSpPr>
+          <p:nvPr>
+            <p:ph type="sldImg"/>
+          </p:nvPr>
+        </p:nvSpPr>
+        <p:spPr/>
+      </p:sp>
+      <p:sp>
+        <p:nvSpPr>
+          <p:cNvPr id="3" name="Notes Placeholder 2"/>
+          <p:cNvSpPr>
+            <a:spLocks noGrp="1"/>
+          </p:cNvSpPr>
+          <p:nvPr>
+            <p:ph type="body" idx="1"/>
+          </p:nvPr>
+        </p:nvSpPr>
+        <p:spPr/>
+        <p:txBody>
+          <a:bodyPr/>
+          <a:lstStyle/>
+          <a:p>
+            <a:r>
+              <a:rPr lang="en-US" dirty="0" smtClean="0"/>
+              <a:t>If a class has methods for:</a:t>
+            </a:r>
+          </a:p>
+          <a:p>
+            <a:pPr lvl="1"/>
+            <a:r>
+              <a:rPr lang="en-US" dirty="0" smtClean="0"/>
+              <a:t>Printing a document</a:t>
+            </a:r>
+          </a:p>
+          <a:p>
+            <a:pPr lvl="1"/>
+            <a:r>
+              <a:rPr lang="en-US" dirty="0" smtClean="0"/>
+              <a:t>Sending an email</a:t>
+            </a:r>
+          </a:p>
+          <a:p>
+            <a:pPr lvl="1"/>
+            <a:r>
+              <a:rPr lang="en-US" dirty="0" smtClean="0"/>
+              <a:t>Working with trigonometric functions</a:t>
+            </a:r>
+          </a:p>
+          <a:p>
+            <a:pPr lvl="1"/>
+            <a:r>
+              <a:rPr lang="en-US" dirty="0" smtClean="0"/>
+              <a:t>How should we name it? Complicated, right?</a:t>
+            </a:r>
+          </a:p>
+          <a:p>
+            <a:endParaRPr lang="en-US" dirty="0" smtClean="0"/>
+          </a:p>
+          <a:p>
+            <a:endParaRPr lang="en-US" dirty="0" smtClean="0"/>
+          </a:p>
+          <a:p>
+            <a:r>
+              <a:rPr lang="en-US" dirty="0" smtClean="0"/>
+              <a:t>Strong cohesion is good</a:t>
+            </a:r>
+            <a:r>
+              <a:rPr lang="en-US" baseline="0" dirty="0" smtClean="0"/>
+              <a:t> and a desired feature.</a:t>
+            </a:r>
+          </a:p>
+          <a:p>
+            <a:r>
+              <a:rPr lang="en-US" baseline="0" dirty="0" smtClean="0"/>
+              <a:t>It</a:t>
+            </a:r>
+            <a:r>
+              <a:rPr lang="en-US" dirty="0" smtClean="0"/>
+              <a:t> means: all methods of a class are more or less related.</a:t>
+            </a:r>
+          </a:p>
+          <a:p>
+            <a:r>
+              <a:rPr lang="en-US" dirty="0" smtClean="0"/>
+              <a:t>-A math class for example,</a:t>
+            </a:r>
+            <a:r>
+              <a:rPr lang="en-US" baseline="0" dirty="0" smtClean="0"/>
+              <a:t> which can compute </a:t>
+            </a:r>
+            <a:r>
+              <a:rPr lang="en-US" baseline="0" dirty="0" err="1" smtClean="0"/>
+              <a:t>sqrt</a:t>
+            </a:r>
+            <a:r>
+              <a:rPr lang="en-US" baseline="0" dirty="0" smtClean="0"/>
+              <a:t>, power, </a:t>
+            </a:r>
+            <a:r>
+              <a:rPr lang="en-US" baseline="0" dirty="0" err="1" smtClean="0"/>
+              <a:t>exp</a:t>
+            </a:r>
+            <a:r>
+              <a:rPr lang="en-US" baseline="0" dirty="0" smtClean="0"/>
+              <a:t>, cos etc.</a:t>
+            </a:r>
+            <a:endParaRPr lang="en-US" dirty="0"/>
+          </a:p>
+        </p:txBody>
+      </p:sp>
+      <p:sp>
+        <p:nvSpPr>
+          <p:cNvPr id="4" name="Slide Number Placeholder 3"/>
+          <p:cNvSpPr>
+            <a:spLocks noGrp="1"/>
+          </p:cNvSpPr>
+          <p:nvPr>
+            <p:ph type="sldNum" sz="quarter" idx="10"/>
+          </p:nvPr>
+        </p:nvSpPr>
+        <p:spPr/>
+        <p:txBody>
+          <a:bodyPr/>
+          <a:lstStyle/>
+          <a:p>
+            <a:fld id="{D73FF19C-8393-2A49-92A3-90AE761DDBC5}" type="slidenum">
+              <a:rPr lang="en-US" smtClean="0"/>
+              <a:t>39</a:t>
+            </a:fld>
+            <a:endParaRPr lang="en-US"/>
+          </a:p>
+        </p:txBody>
+      </p:sp>
+    </p:spTree>
+    <p:extLst>
+      <p:ext uri="{BB962C8B-B14F-4D97-AF65-F5344CB8AC3E}">
+        <p14:creationId xmlns:p14="http://schemas.microsoft.com/office/powerpoint/2010/main" val="1864651759"/>
+      </p:ext>
+    </p:extLst>
+  </p:cSld>
+  <p:clrMapOvr>
+    <a:masterClrMapping/>
+  </p:clrMapOvr>
+</p:notes>
+</file>
+
+<file path=ppt/notesSlides/notesSlide32.xml><?xml version="1.0" encoding="utf-8"?>
+<p:notes xmlns:a="http://schemas.openxmlformats.org/drawingml/2006/main" xmlns:r="http://schemas.openxmlformats.org/officeDocument/2006/relationships" xmlns:p="http://schemas.openxmlformats.org/presentationml/2006/main">
+  <p:cSld>
+    <p:spTree>
+      <p:nvGrpSpPr>
+        <p:cNvPr id="1" name=""/>
+        <p:cNvGrpSpPr/>
+        <p:nvPr/>
+      </p:nvGrpSpPr>
+      <p:grpSpPr>
+        <a:xfrm>
+          <a:off x="0" y="0"/>
+          <a:ext cx="0" cy="0"/>
+          <a:chOff x="0" y="0"/>
+          <a:chExt cx="0" cy="0"/>
+        </a:xfrm>
+      </p:grpSpPr>
+      <p:sp>
+        <p:nvSpPr>
+          <p:cNvPr id="2" name="Slide Image Placeholder 1"/>
+          <p:cNvSpPr>
+            <a:spLocks noGrp="1" noRot="1" noChangeAspect="1"/>
+          </p:cNvSpPr>
+          <p:nvPr>
+            <p:ph type="sldImg"/>
+          </p:nvPr>
+        </p:nvSpPr>
+        <p:spPr/>
+      </p:sp>
+      <p:sp>
+        <p:nvSpPr>
+          <p:cNvPr id="3" name="Notes Placeholder 2"/>
+          <p:cNvSpPr>
+            <a:spLocks noGrp="1"/>
+          </p:cNvSpPr>
+          <p:nvPr>
+            <p:ph type="body" idx="1"/>
+          </p:nvPr>
+        </p:nvSpPr>
+        <p:spPr/>
+        <p:txBody>
+          <a:bodyPr/>
+          <a:lstStyle/>
+          <a:p>
             <a:pPr marL="0" marR="0" lvl="0" indent="0" algn="l" defTabSz="457200" rtl="0" eaLnBrk="1" fontAlgn="auto" latinLnBrk="0" hangingPunct="1">
               <a:lnSpc>
                 <a:spcPct val="100000"/>
@@ -3322,6 +3556,396 @@
               <a:defRPr/>
             </a:pPr>
             <a:r>
+              <a:rPr lang="en-US" dirty="0" smtClean="0"/>
+              <a:t>Whenever we add a new shape to the system, we should go and</a:t>
+            </a:r>
+            <a:r>
+              <a:rPr lang="en-US" baseline="0" dirty="0" smtClean="0"/>
+              <a:t> modify this method of area calculator.</a:t>
+            </a:r>
+          </a:p>
+          <a:p>
+            <a:pPr marL="0" marR="0" lvl="0" indent="0" algn="l" defTabSz="457200" rtl="0" eaLnBrk="1" fontAlgn="auto" latinLnBrk="0" hangingPunct="1">
+              <a:lnSpc>
+                <a:spcPct val="100000"/>
+              </a:lnSpc>
+              <a:spcBef>
+                <a:spcPts val="0"/>
+              </a:spcBef>
+              <a:spcAft>
+                <a:spcPts val="0"/>
+              </a:spcAft>
+              <a:buClrTx/>
+              <a:buSzTx/>
+              <a:buFontTx/>
+              <a:buNone/>
+              <a:tabLst/>
+              <a:defRPr/>
+            </a:pPr>
+            <a:endParaRPr lang="en-US" baseline="0" dirty="0" smtClean="0"/>
+          </a:p>
+          <a:p>
+            <a:pPr marL="0" marR="0" lvl="0" indent="0" algn="l" defTabSz="457200" rtl="0" eaLnBrk="1" fontAlgn="auto" latinLnBrk="0" hangingPunct="1">
+              <a:lnSpc>
+                <a:spcPct val="100000"/>
+              </a:lnSpc>
+              <a:spcBef>
+                <a:spcPts val="0"/>
+              </a:spcBef>
+              <a:spcAft>
+                <a:spcPts val="0"/>
+              </a:spcAft>
+              <a:buClrTx/>
+              <a:buSzTx/>
+              <a:buFontTx/>
+              <a:buNone/>
+              <a:tabLst/>
+              <a:defRPr/>
+            </a:pPr>
+            <a:r>
+              <a:rPr lang="en-US" baseline="0" dirty="0" smtClean="0"/>
+              <a:t>So, this class [</a:t>
+            </a:r>
+            <a:r>
+              <a:rPr lang="en-US" baseline="0" dirty="0" err="1" smtClean="0"/>
+              <a:t>AreaCalculator</a:t>
+            </a:r>
+            <a:r>
+              <a:rPr lang="en-US" baseline="0" dirty="0" smtClean="0"/>
+              <a:t>] is not closed to modification.</a:t>
+            </a:r>
+            <a:endParaRPr lang="en-US" dirty="0" smtClean="0"/>
+          </a:p>
+          <a:p>
+            <a:endParaRPr lang="en-US" dirty="0"/>
+          </a:p>
+        </p:txBody>
+      </p:sp>
+      <p:sp>
+        <p:nvSpPr>
+          <p:cNvPr id="4" name="Slide Number Placeholder 3"/>
+          <p:cNvSpPr>
+            <a:spLocks noGrp="1"/>
+          </p:cNvSpPr>
+          <p:nvPr>
+            <p:ph type="sldNum" sz="quarter" idx="10"/>
+          </p:nvPr>
+        </p:nvSpPr>
+        <p:spPr/>
+        <p:txBody>
+          <a:bodyPr/>
+          <a:lstStyle/>
+          <a:p>
+            <a:fld id="{D73FF19C-8393-2A49-92A3-90AE761DDBC5}" type="slidenum">
+              <a:rPr lang="en-US" smtClean="0"/>
+              <a:t>44</a:t>
+            </a:fld>
+            <a:endParaRPr lang="en-US" dirty="0"/>
+          </a:p>
+        </p:txBody>
+      </p:sp>
+    </p:spTree>
+    <p:extLst>
+      <p:ext uri="{BB962C8B-B14F-4D97-AF65-F5344CB8AC3E}">
+        <p14:creationId xmlns:p14="http://schemas.microsoft.com/office/powerpoint/2010/main" val="3224651124"/>
+      </p:ext>
+    </p:extLst>
+  </p:cSld>
+  <p:clrMapOvr>
+    <a:masterClrMapping/>
+  </p:clrMapOvr>
+</p:notes>
+</file>
+
+<file path=ppt/notesSlides/notesSlide33.xml><?xml version="1.0" encoding="utf-8"?>
+<p:notes xmlns:a="http://schemas.openxmlformats.org/drawingml/2006/main" xmlns:r="http://schemas.openxmlformats.org/officeDocument/2006/relationships" xmlns:p="http://schemas.openxmlformats.org/presentationml/2006/main">
+  <p:cSld>
+    <p:spTree>
+      <p:nvGrpSpPr>
+        <p:cNvPr id="1" name=""/>
+        <p:cNvGrpSpPr/>
+        <p:nvPr/>
+      </p:nvGrpSpPr>
+      <p:grpSpPr>
+        <a:xfrm>
+          <a:off x="0" y="0"/>
+          <a:ext cx="0" cy="0"/>
+          <a:chOff x="0" y="0"/>
+          <a:chExt cx="0" cy="0"/>
+        </a:xfrm>
+      </p:grpSpPr>
+      <p:sp>
+        <p:nvSpPr>
+          <p:cNvPr id="2" name="Slide Image Placeholder 1"/>
+          <p:cNvSpPr>
+            <a:spLocks noGrp="1" noRot="1" noChangeAspect="1"/>
+          </p:cNvSpPr>
+          <p:nvPr>
+            <p:ph type="sldImg"/>
+          </p:nvPr>
+        </p:nvSpPr>
+        <p:spPr/>
+      </p:sp>
+      <p:sp>
+        <p:nvSpPr>
+          <p:cNvPr id="3" name="Notes Placeholder 2"/>
+          <p:cNvSpPr>
+            <a:spLocks noGrp="1"/>
+          </p:cNvSpPr>
+          <p:nvPr>
+            <p:ph type="body" idx="1"/>
+          </p:nvPr>
+        </p:nvSpPr>
+        <p:spPr/>
+        <p:txBody>
+          <a:bodyPr/>
+          <a:lstStyle/>
+          <a:p>
+            <a:r>
+              <a:rPr lang="en-US" dirty="0" smtClean="0"/>
+              <a:t>This doesn’t necessarily mean they have to have one</a:t>
+            </a:r>
+            <a:r>
+              <a:rPr lang="en-US" baseline="0" dirty="0" smtClean="0"/>
+              <a:t> method.</a:t>
+            </a:r>
+            <a:endParaRPr lang="en-US" dirty="0"/>
+          </a:p>
+        </p:txBody>
+      </p:sp>
+      <p:sp>
+        <p:nvSpPr>
+          <p:cNvPr id="4" name="Slide Number Placeholder 3"/>
+          <p:cNvSpPr>
+            <a:spLocks noGrp="1"/>
+          </p:cNvSpPr>
+          <p:nvPr>
+            <p:ph type="sldNum" sz="quarter" idx="10"/>
+          </p:nvPr>
+        </p:nvSpPr>
+        <p:spPr/>
+        <p:txBody>
+          <a:bodyPr/>
+          <a:lstStyle/>
+          <a:p>
+            <a:fld id="{D73FF19C-8393-2A49-92A3-90AE761DDBC5}" type="slidenum">
+              <a:rPr lang="en-US" smtClean="0"/>
+              <a:t>46</a:t>
+            </a:fld>
+            <a:endParaRPr lang="en-US" dirty="0"/>
+          </a:p>
+        </p:txBody>
+      </p:sp>
+    </p:spTree>
+    <p:extLst>
+      <p:ext uri="{BB962C8B-B14F-4D97-AF65-F5344CB8AC3E}">
+        <p14:creationId xmlns:p14="http://schemas.microsoft.com/office/powerpoint/2010/main" val="1372388394"/>
+      </p:ext>
+    </p:extLst>
+  </p:cSld>
+  <p:clrMapOvr>
+    <a:masterClrMapping/>
+  </p:clrMapOvr>
+</p:notes>
+</file>
+
+<file path=ppt/notesSlides/notesSlide34.xml><?xml version="1.0" encoding="utf-8"?>
+<p:notes xmlns:a="http://schemas.openxmlformats.org/drawingml/2006/main" xmlns:r="http://schemas.openxmlformats.org/officeDocument/2006/relationships" xmlns:p="http://schemas.openxmlformats.org/presentationml/2006/main">
+  <p:cSld>
+    <p:spTree>
+      <p:nvGrpSpPr>
+        <p:cNvPr id="1" name=""/>
+        <p:cNvGrpSpPr/>
+        <p:nvPr/>
+      </p:nvGrpSpPr>
+      <p:grpSpPr>
+        <a:xfrm>
+          <a:off x="0" y="0"/>
+          <a:ext cx="0" cy="0"/>
+          <a:chOff x="0" y="0"/>
+          <a:chExt cx="0" cy="0"/>
+        </a:xfrm>
+      </p:grpSpPr>
+      <p:sp>
+        <p:nvSpPr>
+          <p:cNvPr id="2" name="Slide Image Placeholder 1"/>
+          <p:cNvSpPr>
+            <a:spLocks noGrp="1" noRot="1" noChangeAspect="1"/>
+          </p:cNvSpPr>
+          <p:nvPr>
+            <p:ph type="sldImg"/>
+          </p:nvPr>
+        </p:nvSpPr>
+        <p:spPr/>
+      </p:sp>
+      <p:sp>
+        <p:nvSpPr>
+          <p:cNvPr id="3" name="Notes Placeholder 2"/>
+          <p:cNvSpPr>
+            <a:spLocks noGrp="1"/>
+          </p:cNvSpPr>
+          <p:nvPr>
+            <p:ph type="body" idx="1"/>
+          </p:nvPr>
+        </p:nvSpPr>
+        <p:spPr/>
+        <p:txBody>
+          <a:bodyPr/>
+          <a:lstStyle/>
+          <a:p>
+            <a:r>
+              <a:rPr lang="en-US" dirty="0" smtClean="0"/>
+              <a:t>Usually the violation of this principle can be identified by asking:</a:t>
+            </a:r>
+          </a:p>
+          <a:p>
+            <a:pPr lvl="1"/>
+            <a:r>
+              <a:rPr lang="en-US" dirty="0" smtClean="0"/>
+              <a:t>Can _______   _________ itself?</a:t>
+            </a:r>
+          </a:p>
+          <a:p>
+            <a:pPr lvl="2"/>
+            <a:r>
+              <a:rPr lang="en-US" dirty="0" smtClean="0"/>
+              <a:t>Example:  Can </a:t>
+            </a:r>
+            <a:r>
+              <a:rPr lang="en-US" dirty="0" smtClean="0">
+                <a:solidFill>
+                  <a:srgbClr val="FF0000"/>
+                </a:solidFill>
+              </a:rPr>
+              <a:t>Automobile</a:t>
+            </a:r>
+            <a:r>
+              <a:rPr lang="en-US" dirty="0" smtClean="0"/>
+              <a:t> </a:t>
+            </a:r>
+            <a:r>
+              <a:rPr lang="en-US" dirty="0" err="1" smtClean="0">
+                <a:solidFill>
+                  <a:srgbClr val="FF0000"/>
+                </a:solidFill>
+              </a:rPr>
+              <a:t>changeTires</a:t>
+            </a:r>
+            <a:r>
+              <a:rPr lang="en-US" dirty="0" smtClean="0"/>
+              <a:t> itself?</a:t>
+            </a:r>
+          </a:p>
+          <a:p>
+            <a:pPr lvl="2"/>
+            <a:r>
+              <a:rPr lang="en-US" dirty="0" smtClean="0"/>
+              <a:t>If it is no, it is violating SRP.</a:t>
+            </a:r>
+          </a:p>
+          <a:p>
+            <a:endParaRPr lang="en-US" dirty="0"/>
+          </a:p>
+        </p:txBody>
+      </p:sp>
+      <p:sp>
+        <p:nvSpPr>
+          <p:cNvPr id="4" name="Slide Number Placeholder 3"/>
+          <p:cNvSpPr>
+            <a:spLocks noGrp="1"/>
+          </p:cNvSpPr>
+          <p:nvPr>
+            <p:ph type="sldNum" sz="quarter" idx="10"/>
+          </p:nvPr>
+        </p:nvSpPr>
+        <p:spPr/>
+        <p:txBody>
+          <a:bodyPr/>
+          <a:lstStyle/>
+          <a:p>
+            <a:fld id="{D73FF19C-8393-2A49-92A3-90AE761DDBC5}" type="slidenum">
+              <a:rPr lang="en-US" smtClean="0"/>
+              <a:t>47</a:t>
+            </a:fld>
+            <a:endParaRPr lang="en-US" dirty="0"/>
+          </a:p>
+        </p:txBody>
+      </p:sp>
+    </p:spTree>
+    <p:extLst>
+      <p:ext uri="{BB962C8B-B14F-4D97-AF65-F5344CB8AC3E}">
+        <p14:creationId xmlns:p14="http://schemas.microsoft.com/office/powerpoint/2010/main" val="891337501"/>
+      </p:ext>
+    </p:extLst>
+  </p:cSld>
+  <p:clrMapOvr>
+    <a:masterClrMapping/>
+  </p:clrMapOvr>
+</p:notes>
+</file>
+
+<file path=ppt/notesSlides/notesSlide35.xml><?xml version="1.0" encoding="utf-8"?>
+<p:notes xmlns:a="http://schemas.openxmlformats.org/drawingml/2006/main" xmlns:r="http://schemas.openxmlformats.org/officeDocument/2006/relationships" xmlns:p="http://schemas.openxmlformats.org/presentationml/2006/main">
+  <p:cSld>
+    <p:spTree>
+      <p:nvGrpSpPr>
+        <p:cNvPr id="1" name=""/>
+        <p:cNvGrpSpPr/>
+        <p:nvPr/>
+      </p:nvGrpSpPr>
+      <p:grpSpPr>
+        <a:xfrm>
+          <a:off x="0" y="0"/>
+          <a:ext cx="0" cy="0"/>
+          <a:chOff x="0" y="0"/>
+          <a:chExt cx="0" cy="0"/>
+        </a:xfrm>
+      </p:grpSpPr>
+      <p:sp>
+        <p:nvSpPr>
+          <p:cNvPr id="2" name="Slide Image Placeholder 1"/>
+          <p:cNvSpPr>
+            <a:spLocks noGrp="1" noRot="1" noChangeAspect="1"/>
+          </p:cNvSpPr>
+          <p:nvPr>
+            <p:ph type="sldImg"/>
+          </p:nvPr>
+        </p:nvSpPr>
+        <p:spPr/>
+      </p:sp>
+      <p:sp>
+        <p:nvSpPr>
+          <p:cNvPr id="3" name="Notes Placeholder 2"/>
+          <p:cNvSpPr>
+            <a:spLocks noGrp="1"/>
+          </p:cNvSpPr>
+          <p:nvPr>
+            <p:ph type="body" idx="1"/>
+          </p:nvPr>
+        </p:nvSpPr>
+        <p:spPr/>
+        <p:txBody>
+          <a:bodyPr/>
+          <a:lstStyle/>
+          <a:p>
+            <a:pPr marL="0" marR="0" lvl="0" indent="0" algn="l" defTabSz="457200" rtl="0" eaLnBrk="1" fontAlgn="auto" latinLnBrk="0" hangingPunct="1">
+              <a:lnSpc>
+                <a:spcPct val="100000"/>
+              </a:lnSpc>
+              <a:spcBef>
+                <a:spcPts val="0"/>
+              </a:spcBef>
+              <a:spcAft>
+                <a:spcPts val="0"/>
+              </a:spcAft>
+              <a:buClrTx/>
+              <a:buSzTx/>
+              <a:buFontTx/>
+              <a:buNone/>
+              <a:tabLst/>
+              <a:defRPr/>
+            </a:pPr>
+            <a:r>
               <a:rPr lang="en-US" dirty="0" smtClean="0">
                 <a:solidFill>
                   <a:srgbClr val="FF0000"/>
@@ -3398,7 +4022,7 @@
 </p:notes>
 </file>
 
-<file path=ppt/notesSlides/notesSlide31.xml><?xml version="1.0" encoding="utf-8"?>
+<file path=ppt/notesSlides/notesSlide36.xml><?xml version="1.0" encoding="utf-8"?>
 <p:notes xmlns:a="http://schemas.openxmlformats.org/drawingml/2006/main" xmlns:r="http://schemas.openxmlformats.org/officeDocument/2006/relationships" xmlns:p="http://schemas.openxmlformats.org/presentationml/2006/main">
   <p:cSld>
     <p:spTree>
@@ -3927,7 +4551,20 @@
             </a:r>
             <a:r>
               <a:rPr lang="en-US" baseline="0" dirty="0" smtClean="0"/>
-              <a:t> should be smarter than that. [CLICK]</a:t>
+              <a:t> should be smarter than that. [CLICK</a:t>
+            </a:r>
+            <a:r>
+              <a:rPr lang="en-US" baseline="0" dirty="0" smtClean="0"/>
+              <a:t>]</a:t>
+            </a:r>
+          </a:p>
+          <a:p>
+            <a:endParaRPr lang="en-US" baseline="0" dirty="0" smtClean="0"/>
+          </a:p>
+          <a:p>
+            <a:r>
+              <a:rPr lang="en-US" baseline="0" dirty="0" smtClean="0"/>
+              <a:t>And maybe one can do go one step further and do this in a loop</a:t>
             </a:r>
             <a:endParaRPr lang="en-US" dirty="0"/>
           </a:p>
@@ -4019,8 +4656,13 @@
             </a:r>
             <a:r>
               <a:rPr lang="en-US" baseline="0" dirty="0" smtClean="0"/>
-              <a:t> also want to write the dog’s name.</a:t>
-            </a:r>
+              <a:t> also want to write the dog’s name</a:t>
+            </a:r>
+            <a:r>
+              <a:rPr lang="en-US" baseline="0" dirty="0" smtClean="0"/>
+              <a:t>. [CLICK]</a:t>
+            </a:r>
+            <a:endParaRPr lang="en-US" baseline="0" dirty="0" smtClean="0"/>
           </a:p>
           <a:p>
             <a:endParaRPr lang="en-US" baseline="0" dirty="0" smtClean="0"/>
@@ -4036,7 +4678,11 @@
             </a:r>
             <a:r>
               <a:rPr lang="en-US" baseline="0" dirty="0" smtClean="0"/>
-              <a:t>, so here it is.</a:t>
+              <a:t>, so here it is</a:t>
+            </a:r>
+            <a:r>
+              <a:rPr lang="en-US" baseline="0" dirty="0" smtClean="0"/>
+              <a:t>. [CLICK]</a:t>
             </a:r>
             <a:endParaRPr lang="en-US" dirty="0"/>
           </a:p>
@@ -8212,15 +8858,7 @@
           <a:p>
             <a:r>
               <a:rPr lang="en-US" dirty="0" smtClean="0"/>
-              <a:t>Modularizing – </a:t>
-            </a:r>
-            <a:r>
-              <a:rPr lang="en-US" dirty="0" smtClean="0"/>
-              <a:t>more </a:t>
-            </a:r>
-            <a:r>
-              <a:rPr lang="en-US" dirty="0" smtClean="0"/>
-              <a:t>parametrized</a:t>
+              <a:t>Modularizing – more parametrized</a:t>
             </a:r>
             <a:endParaRPr lang="en-US" dirty="0"/>
           </a:p>
@@ -10952,7 +11590,7 @@
           <p:nvPr/>
         </p:nvPicPr>
         <p:blipFill>
-          <a:blip r:embed="rId2">
+          <a:blip r:embed="rId3">
             <a:extLst>
               <a:ext uri="{28A0092B-C50C-407E-A947-70E740481C1C}">
                 <a14:useLocalDpi xmlns:a14="http://schemas.microsoft.com/office/drawing/2010/main" val="0"/>
@@ -10993,7 +11631,7 @@
           <p:nvPr/>
         </p:nvPicPr>
         <p:blipFill>
-          <a:blip r:embed="rId3"/>
+          <a:blip r:embed="rId4"/>
           <a:stretch>
             <a:fillRect/>
           </a:stretch>
@@ -11412,11 +12050,7 @@
           <a:p>
             <a:r>
               <a:rPr lang="en-US" dirty="0" smtClean="0"/>
-              <a:t>Programming </a:t>
-            </a:r>
-            <a:r>
-              <a:rPr lang="en-US" dirty="0" smtClean="0"/>
-              <a:t>languages</a:t>
+              <a:t>Programming languages</a:t>
             </a:r>
             <a:endParaRPr lang="en-US" dirty="0"/>
           </a:p>
@@ -11646,7 +12280,7 @@
           </p:nvPr>
         </p:nvPicPr>
         <p:blipFill>
-          <a:blip r:embed="rId2">
+          <a:blip r:embed="rId3">
             <a:extLst>
               <a:ext uri="{28A0092B-C50C-407E-A947-70E740481C1C}">
                 <a14:useLocalDpi xmlns:a14="http://schemas.microsoft.com/office/drawing/2010/main" val="0"/>
@@ -11846,11 +12480,7 @@
           <a:p>
             <a:r>
               <a:rPr lang="en-US" dirty="0" smtClean="0"/>
-              <a:t>UML </a:t>
-            </a:r>
-            <a:r>
-              <a:rPr lang="en-US" dirty="0" smtClean="0"/>
-              <a:t>basics</a:t>
+              <a:t>UML basics</a:t>
             </a:r>
             <a:endParaRPr lang="en-US" dirty="0"/>
           </a:p>
@@ -12824,7 +13454,7 @@
           <p:nvPr/>
         </p:nvPicPr>
         <p:blipFill>
-          <a:blip r:embed="rId2"/>
+          <a:blip r:embed="rId3"/>
           <a:stretch>
             <a:fillRect/>
           </a:stretch>
@@ -12911,7 +13541,7 @@
           <p:nvPr/>
         </p:nvPicPr>
         <p:blipFill>
-          <a:blip r:embed="rId3"/>
+          <a:blip r:embed="rId4"/>
           <a:stretch>
             <a:fillRect/>
           </a:stretch>
@@ -13798,11 +14428,7 @@
             <a:pPr algn="l"/>
             <a:r>
               <a:rPr lang="en-US" dirty="0" smtClean="0"/>
-              <a:t>Now</a:t>
-            </a:r>
-            <a:r>
-              <a:rPr lang="en-US" dirty="0" smtClean="0"/>
-              <a:t>, we can create objects</a:t>
+              <a:t>Now, we can create objects</a:t>
             </a:r>
           </a:p>
           <a:p>
@@ -13875,7 +14501,7 @@
           <p:nvPr/>
         </p:nvPicPr>
         <p:blipFill>
-          <a:blip r:embed="rId2"/>
+          <a:blip r:embed="rId3"/>
           <a:stretch>
             <a:fillRect/>
           </a:stretch>
@@ -13947,7 +14573,7 @@
           <p:nvPr/>
         </p:nvPicPr>
         <p:blipFill>
-          <a:blip r:embed="rId3"/>
+          <a:blip r:embed="rId4"/>
           <a:stretch>
             <a:fillRect/>
           </a:stretch>
@@ -13971,7 +14597,7 @@
           <p:nvPr/>
         </p:nvPicPr>
         <p:blipFill>
-          <a:blip r:embed="rId4"/>
+          <a:blip r:embed="rId5"/>
           <a:stretch>
             <a:fillRect/>
           </a:stretch>
@@ -14646,11 +15272,7 @@
             <a:pPr lvl="1" algn="l"/>
             <a:r>
               <a:rPr lang="en-US" dirty="0" smtClean="0"/>
-              <a:t>Single </a:t>
-            </a:r>
-            <a:r>
-              <a:rPr lang="en-US" dirty="0" smtClean="0"/>
-              <a:t>Responsibility principle</a:t>
+              <a:t>Single Responsibility principle</a:t>
             </a:r>
           </a:p>
           <a:p>
@@ -15179,11 +15801,7 @@
           <a:p>
             <a:r>
               <a:rPr lang="en-US" dirty="0" smtClean="0"/>
-              <a:t>A </a:t>
-            </a:r>
-            <a:r>
-              <a:rPr lang="en-US" dirty="0" smtClean="0"/>
-              <a:t>non-complex </a:t>
+              <a:t>A non-complex </a:t>
             </a:r>
             <a:r>
               <a:rPr lang="en-US" dirty="0"/>
@@ -32683,11 +33301,7 @@
           <a:p>
             <a:r>
               <a:rPr lang="en-US" dirty="0" smtClean="0"/>
-              <a:t>Modularizing - </a:t>
-            </a:r>
-            <a:r>
-              <a:rPr lang="en-US" dirty="0" smtClean="0"/>
-              <a:t>parametrized</a:t>
+              <a:t>Modularizing - parametrized</a:t>
             </a:r>
             <a:endParaRPr lang="en-US" dirty="0"/>
           </a:p>
